--- a/CreditCard_FraudDetection_MachingLearning.pptx
+++ b/CreditCard_FraudDetection_MachingLearning.pptx
@@ -3953,6 +3953,78 @@
           </a:p>
         </p:txBody>
       </p:sp>
+      <p:pic>
+        <p:nvPicPr>
+          <p:cNvPr id="5" name="Picture 4">
+            <a:extLst>
+              <a:ext uri="{FF2B5EF4-FFF2-40B4-BE49-F238E27FC236}">
+                <a16:creationId xmlns:a16="http://schemas.microsoft.com/office/drawing/2014/main" id="{5F4C3959-D82D-7A2E-F3F6-0C40DC76A903}"/>
+              </a:ext>
+            </a:extLst>
+          </p:cNvPr>
+          <p:cNvPicPr>
+            <a:picLocks noChangeAspect="1"/>
+          </p:cNvPicPr>
+          <p:nvPr/>
+        </p:nvPicPr>
+        <p:blipFill>
+          <a:blip r:embed="rId2"/>
+          <a:stretch>
+            <a:fillRect/>
+          </a:stretch>
+        </p:blipFill>
+        <p:spPr>
+          <a:xfrm>
+            <a:off x="5750351" y="2965774"/>
+            <a:ext cx="4953594" cy="3766369"/>
+          </a:xfrm>
+          <a:prstGeom prst="rect">
+            <a:avLst/>
+          </a:prstGeom>
+        </p:spPr>
+      </p:pic>
+      <p:sp>
+        <p:nvSpPr>
+          <p:cNvPr id="7" name="TextBox 6">
+            <a:extLst>
+              <a:ext uri="{FF2B5EF4-FFF2-40B4-BE49-F238E27FC236}">
+                <a16:creationId xmlns:a16="http://schemas.microsoft.com/office/drawing/2014/main" id="{05FD5E9D-8EB2-E255-9E7E-376865142DFB}"/>
+              </a:ext>
+            </a:extLst>
+          </p:cNvPr>
+          <p:cNvSpPr txBox="1"/>
+          <p:nvPr/>
+        </p:nvSpPr>
+        <p:spPr>
+          <a:xfrm>
+            <a:off x="609993" y="3925627"/>
+            <a:ext cx="4776323" cy="923330"/>
+          </a:xfrm>
+          <a:prstGeom prst="rect">
+            <a:avLst/>
+          </a:prstGeom>
+          <a:noFill/>
+        </p:spPr>
+        <p:txBody>
+          <a:bodyPr wrap="square">
+            <a:spAutoFit/>
+          </a:bodyPr>
+          <a:lstStyle/>
+          <a:p>
+            <a:r>
+              <a:rPr lang="en-US" b="0" i="0" dirty="0">
+                <a:solidFill>
+                  <a:srgbClr val="D5D5D5"/>
+                </a:solidFill>
+                <a:effectLst/>
+                <a:latin typeface="Courier New" panose="02070309020205020404" pitchFamily="49" charset="0"/>
+              </a:rPr>
+              <a:t>False Positive Rate (FPR): 0.0016 True Positive Rate (TPR): 0.8980 Best Threshold: 0.1210</a:t>
+            </a:r>
+            <a:endParaRPr lang="en-US" dirty="0"/>
+          </a:p>
+        </p:txBody>
+      </p:sp>
     </p:spTree>
     <p:extLst>
       <p:ext uri="{BB962C8B-B14F-4D97-AF65-F5344CB8AC3E}">
@@ -4691,7 +4763,7 @@
         </p:spPr>
         <p:txBody>
           <a:bodyPr>
-            <a:normAutofit/>
+            <a:noAutofit/>
           </a:bodyPr>
           <a:lstStyle/>
           <a:p>
@@ -4699,14 +4771,23 @@
               <a:buNone/>
             </a:pPr>
             <a:r>
-              <a:rPr lang="en-US" sz="1300" b="1" i="0">
+              <a:rPr lang="en-US" sz="1500" i="0" dirty="0">
                 <a:effectLst/>
+                <a:latin typeface="+mj-lt"/>
               </a:rPr>
-              <a:t>Objective -  </a:t>
-            </a:r>
-            <a:r>
-              <a:rPr lang="en-US" sz="1300" i="0">
+              <a:t>Objective -</a:t>
+            </a:r>
+            <a:r>
+              <a:rPr lang="en-US" sz="1500" b="1" i="0" dirty="0">
                 <a:effectLst/>
+                <a:latin typeface="+mj-lt"/>
+              </a:rPr>
+              <a:t>  </a:t>
+            </a:r>
+            <a:r>
+              <a:rPr lang="en-US" sz="1500" i="0" dirty="0">
+                <a:effectLst/>
+                <a:latin typeface="+mj-lt"/>
               </a:rPr>
               <a:t>Predict fraudulent credit card transactions with the help of machine learning models.</a:t>
             </a:r>
@@ -4715,82 +4796,82 @@
             <a:pPr marL="0" indent="0">
               <a:buNone/>
             </a:pPr>
-            <a:endParaRPr lang="en-US" sz="1300" i="0">
+            <a:endParaRPr lang="en-US" sz="1500" i="0" dirty="0">
               <a:effectLst/>
+              <a:latin typeface="+mj-lt"/>
             </a:endParaRPr>
           </a:p>
           <a:p>
-            <a:pPr marL="0" indent="0">
-              <a:buNone/>
+            <a:pPr algn="l">
+              <a:buFont typeface="Arial" panose="020B0604020202020204" pitchFamily="34" charset="0"/>
+              <a:buChar char="•"/>
             </a:pPr>
             <a:r>
-              <a:rPr lang="en-US" sz="1300" b="1" i="0">
+              <a:rPr lang="en-US" sz="1500" b="1" i="0" dirty="0">
                 <a:effectLst/>
+                <a:latin typeface="+mj-lt"/>
               </a:rPr>
-              <a:t>Approach – </a:t>
-            </a:r>
-            <a:r>
-              <a:rPr lang="en-US" sz="1300" i="0">
+              <a:t>Approach</a:t>
+            </a:r>
+            <a:r>
+              <a:rPr lang="en-US" sz="1500" b="0" i="0" dirty="0">
+                <a:solidFill>
+                  <a:srgbClr val="D1D5DB"/>
+                </a:solidFill>
                 <a:effectLst/>
+                <a:latin typeface="+mj-lt"/>
               </a:rPr>
-              <a:t>The project pipeline can be briefly summarized in the following steps </a:t>
-            </a:r>
-          </a:p>
-          <a:p>
-            <a:pPr marL="0" indent="0">
-              <a:buNone/>
-            </a:pPr>
-            <a:endParaRPr lang="en-US" sz="1300"/>
+              <a:t>:</a:t>
+            </a:r>
+          </a:p>
+          <a:p>
+            <a:r>
+              <a:rPr lang="en-US" sz="1500" b="1" dirty="0">
+                <a:latin typeface="+mj-lt"/>
+              </a:rPr>
+              <a:t>Data understanding: Load the data and understand the features.</a:t>
+            </a:r>
+          </a:p>
+          <a:p>
+            <a:r>
+              <a:rPr lang="en-US" sz="1500" b="1" dirty="0">
+                <a:latin typeface="+mj-lt"/>
+              </a:rPr>
+              <a:t>Exploratory data analytics (EDA): Identify and mitigate skewness in the data.</a:t>
+            </a:r>
+          </a:p>
+          <a:p>
+            <a:r>
+              <a:rPr lang="en-US" sz="1500" b="1" dirty="0">
+                <a:latin typeface="+mj-lt"/>
+              </a:rPr>
+              <a:t>Train/Test split: Use k-fold cross-validation.</a:t>
+            </a:r>
+          </a:p>
+          <a:p>
+            <a:r>
+              <a:rPr lang="en-US" sz="1500" b="1" dirty="0">
+                <a:latin typeface="+mj-lt"/>
+              </a:rPr>
+              <a:t>Model building / hyperparameter tuning: Experiment with different models and fine-tune hyperparameters.</a:t>
+            </a:r>
+          </a:p>
+          <a:p>
+            <a:r>
+              <a:rPr lang="en-US" sz="1500" b="1" dirty="0">
+                <a:latin typeface="+mj-lt"/>
+              </a:rPr>
+              <a:t>Model evaluation: Use appropriate evaluation metrics, considering the imbalanced dataset.</a:t>
+            </a:r>
           </a:p>
           <a:p>
             <a:pPr marL="457200" indent="-457200">
               <a:buFont typeface="+mj-lt"/>
               <a:buAutoNum type="arabicPeriod"/>
             </a:pPr>
-            <a:r>
-              <a:rPr lang="en-US" sz="1300"/>
-              <a:t>Data understanding: Load the data and understand the features present in it. This would help you choose the features that you will need for your final model.</a:t>
-            </a:r>
-          </a:p>
-          <a:p>
-            <a:pPr marL="457200" indent="-457200">
-              <a:buFont typeface="+mj-lt"/>
-              <a:buAutoNum type="arabicPeriod"/>
-            </a:pPr>
-            <a:r>
-              <a:rPr lang="en-US" sz="1300"/>
-              <a:t>Exploratory data analytics (EDA): For the current data set, Gaussian variables are used, Z-scaling is not required for the PCA columns. Skewness in the data is identified and mitigated, as it causes problems during the model building phase.</a:t>
-            </a:r>
-          </a:p>
-          <a:p>
-            <a:pPr marL="457200" indent="-457200">
-              <a:buFont typeface="+mj-lt"/>
-              <a:buAutoNum type="arabicPeriod"/>
-            </a:pPr>
-            <a:r>
-              <a:rPr lang="en-US" sz="1300"/>
-              <a:t>Train/Test split: Here, for validation, k-fold cross-validation method is used. Identify an appropriate k value so that the minority class is correctly represented in the test folds.</a:t>
-            </a:r>
-          </a:p>
-          <a:p>
-            <a:pPr marL="457200" indent="-457200">
-              <a:buFont typeface="+mj-lt"/>
-              <a:buAutoNum type="arabicPeriod"/>
-            </a:pPr>
-            <a:r>
-              <a:rPr lang="en-US" sz="1300"/>
-              <a:t>Model building / hyperparameter tuning: This is the final step where you can try different models and fine-tune their hyperparameters until you get the desired level of performance on the given data set. You should try and check if you get a better model by various sampling techniques.</a:t>
-            </a:r>
-          </a:p>
-          <a:p>
-            <a:pPr marL="457200" indent="-457200">
-              <a:buFont typeface="+mj-lt"/>
-              <a:buAutoNum type="arabicPeriod"/>
-            </a:pPr>
-            <a:r>
-              <a:rPr lang="en-US" sz="1300"/>
-              <a:t>Model evaluation: Here, you need to evaluate the models using appropriate evaluation metrics. Note that since the data is imbalanced, it is more important to identify fraudulent transactions accurately than non-fraudulent ones. Choose an appropriate evaluation metric that reflects this business goal.</a:t>
-            </a:r>
+            <a:endParaRPr lang="en-US" sz="1500" dirty="0">
+              <a:latin typeface="+mj-lt"/>
+            </a:endParaRPr>
           </a:p>
         </p:txBody>
       </p:sp>
@@ -4921,7 +5002,7 @@
           <a:lstStyle/>
           <a:p>
             <a:r>
-              <a:rPr lang="en-US" sz="5400"/>
+              <a:rPr lang="en-US" sz="5400" dirty="0"/>
               <a:t>Data – Imbalanced Dataset</a:t>
             </a:r>
           </a:p>
@@ -5298,25 +5379,35 @@
           </a:bodyPr>
           <a:lstStyle/>
           <a:p>
-            <a:pPr>
-              <a:spcAft>
-                <a:spcPts val="600"/>
-              </a:spcAft>
+            <a:pPr algn="l">
+              <a:buFont typeface="Arial" panose="020B0604020202020204" pitchFamily="34" charset="0"/>
+              <a:buChar char="•"/>
             </a:pPr>
             <a:r>
-              <a:rPr lang="en-US" sz="2200"/>
-              <a:t>The data is highly imbalanced. 284315 Good Transactions and 492 Fraud transactions. </a:t>
-            </a:r>
-          </a:p>
-          <a:p>
-            <a:pPr>
-              <a:spcAft>
-                <a:spcPts val="600"/>
-              </a:spcAft>
+              <a:rPr lang="en-US" sz="1600" b="0" i="0" dirty="0">
+                <a:solidFill>
+                  <a:srgbClr val="D1D5DB"/>
+                </a:solidFill>
+                <a:effectLst/>
+                <a:latin typeface="Söhne"/>
+              </a:rPr>
+              <a:t>Imbalanced Dataset:284,315 Good Transactions</a:t>
+            </a:r>
+          </a:p>
+          <a:p>
+            <a:pPr algn="l">
+              <a:buFont typeface="Arial" panose="020B0604020202020204" pitchFamily="34" charset="0"/>
+              <a:buChar char="•"/>
             </a:pPr>
             <a:r>
-              <a:rPr lang="en-US" sz="2200"/>
-              <a:t>Predictions with Imbalanced dataset gives X ROC</a:t>
+              <a:rPr lang="en-US" sz="1600" b="0" i="0" dirty="0">
+                <a:solidFill>
+                  <a:srgbClr val="D1D5DB"/>
+                </a:solidFill>
+                <a:effectLst/>
+                <a:latin typeface="Söhne"/>
+              </a:rPr>
+              <a:t>492 Fraud Transactions</a:t>
             </a:r>
           </a:p>
         </p:txBody>
@@ -5912,20 +6003,26 @@
           </a:bodyPr>
           <a:lstStyle/>
           <a:p>
-            <a:pPr indent="-228600">
-              <a:lnSpc>
-                <a:spcPct val="90000"/>
-              </a:lnSpc>
-              <a:spcAft>
-                <a:spcPts val="600"/>
-              </a:spcAft>
+            <a:pPr algn="l">
               <a:buFont typeface="Arial" panose="020B0604020202020204" pitchFamily="34" charset="0"/>
               <a:buChar char="•"/>
             </a:pPr>
             <a:r>
-              <a:rPr lang="en-US" sz="2200"/>
-              <a:t>There is no high correlation between features. So, column need not to be dropped due to correlation.</a:t>
-            </a:r>
+              <a:rPr lang="en-US" sz="2400" b="0" i="0" dirty="0">
+                <a:solidFill>
+                  <a:srgbClr val="D1D5DB"/>
+                </a:solidFill>
+                <a:effectLst/>
+                <a:latin typeface="Söhne"/>
+              </a:rPr>
+              <a:t>No high correlation between features.</a:t>
+            </a:r>
+          </a:p>
+          <a:p>
+            <a:br>
+              <a:rPr lang="en-US" sz="2400" dirty="0"/>
+            </a:br>
+            <a:endParaRPr lang="en-US" sz="2200" dirty="0"/>
           </a:p>
         </p:txBody>
       </p:sp>
@@ -6494,49 +6591,59 @@
           </a:bodyPr>
           <a:lstStyle/>
           <a:p>
-            <a:pPr marL="285750" indent="-228600">
-              <a:lnSpc>
-                <a:spcPct val="90000"/>
-              </a:lnSpc>
-              <a:spcAft>
-                <a:spcPts val="600"/>
-              </a:spcAft>
+            <a:pPr algn="l">
               <a:buFont typeface="Arial" panose="020B0604020202020204" pitchFamily="34" charset="0"/>
               <a:buChar char="•"/>
             </a:pPr>
-            <a:r>
-              <a:rPr lang="en-US" sz="2200"/>
-              <a:t>Skewness in data is removed using PowerTransformer. </a:t>
-            </a:r>
-          </a:p>
-          <a:p>
-            <a:pPr marL="285750" indent="-228600">
-              <a:lnSpc>
-                <a:spcPct val="90000"/>
-              </a:lnSpc>
-              <a:spcAft>
-                <a:spcPts val="600"/>
-              </a:spcAft>
+            <a:endParaRPr lang="en-US" b="0" i="0" dirty="0">
+              <a:solidFill>
+                <a:srgbClr val="D1D5DB"/>
+              </a:solidFill>
+              <a:effectLst/>
+              <a:latin typeface="Söhne"/>
+            </a:endParaRPr>
+          </a:p>
+          <a:p>
+            <a:pPr marL="742950" lvl="1" indent="-285750" algn="l">
               <a:buFont typeface="Arial" panose="020B0604020202020204" pitchFamily="34" charset="0"/>
               <a:buChar char="•"/>
             </a:pPr>
-            <a:endParaRPr lang="en-US" sz="2200"/>
-          </a:p>
-          <a:p>
-            <a:pPr marL="285750" indent="-228600">
-              <a:lnSpc>
-                <a:spcPct val="90000"/>
-              </a:lnSpc>
-              <a:spcAft>
-                <a:spcPts val="600"/>
-              </a:spcAft>
-              <a:buFont typeface="Arial" panose="020B0604020202020204" pitchFamily="34" charset="0"/>
-              <a:buChar char="•"/>
-            </a:pPr>
-            <a:r>
-              <a:rPr lang="en-US" sz="2200"/>
-              <a:t>Originally N numbers of columns had skewed data - </a:t>
-            </a:r>
+            <a:r>
+              <a:rPr lang="en-US" b="0" i="0" dirty="0">
+                <a:solidFill>
+                  <a:srgbClr val="D1D5DB"/>
+                </a:solidFill>
+                <a:effectLst/>
+                <a:latin typeface="Söhne"/>
+              </a:rPr>
+              <a:t>Skewness removed using </a:t>
+            </a:r>
+            <a:r>
+              <a:rPr lang="en-US" b="0" i="0" dirty="0" err="1">
+                <a:solidFill>
+                  <a:srgbClr val="D1D5DB"/>
+                </a:solidFill>
+                <a:effectLst/>
+                <a:latin typeface="Söhne"/>
+              </a:rPr>
+              <a:t>PowerTransformer</a:t>
+            </a:r>
+            <a:r>
+              <a:rPr lang="en-US" b="0" i="0" dirty="0">
+                <a:solidFill>
+                  <a:srgbClr val="D1D5DB"/>
+                </a:solidFill>
+                <a:effectLst/>
+                <a:latin typeface="Söhne"/>
+              </a:rPr>
+              <a:t>.</a:t>
+            </a:r>
+          </a:p>
+          <a:p>
+            <a:br>
+              <a:rPr lang="en-US" dirty="0"/>
+            </a:br>
+            <a:endParaRPr lang="en-US" sz="2200" dirty="0"/>
           </a:p>
         </p:txBody>
       </p:sp>
@@ -7148,14 +7255,14 @@
             <p:ph idx="1"/>
             <p:extLst>
               <p:ext uri="{D42A27DB-BD31-4B8C-83A1-F6EECF244321}">
-                <p14:modId xmlns:p14="http://schemas.microsoft.com/office/powerpoint/2010/main" val="1398759410"/>
+                <p14:modId xmlns:p14="http://schemas.microsoft.com/office/powerpoint/2010/main" val="3391683017"/>
               </p:ext>
             </p:extLst>
           </p:nvPr>
         </p:nvGraphicFramePr>
         <p:xfrm>
           <a:off x="149149" y="2067892"/>
-          <a:ext cx="11647066" cy="3999376"/>
+          <a:ext cx="11624321" cy="3999376"/>
         </p:xfrm>
         <a:graphic>
           <a:graphicData uri="http://schemas.openxmlformats.org/drawingml/2006/table">
@@ -7164,49 +7271,42 @@
                 <a:tableStyleId>{5C22544A-7EE6-4342-B048-85BDC9FD1C3A}</a:tableStyleId>
               </a:tblPr>
               <a:tblGrid>
-                <a:gridCol w="1556601">
+                <a:gridCol w="1786191">
                   <a:extLst>
                     <a:ext uri="{9D8B030D-6E8A-4147-A177-3AD203B41FA5}">
                       <a16:colId xmlns:a16="http://schemas.microsoft.com/office/drawing/2014/main" val="4046375680"/>
                     </a:ext>
                   </a:extLst>
                 </a:gridCol>
-                <a:gridCol w="1584954">
+                <a:gridCol w="1818726">
                   <a:extLst>
                     <a:ext uri="{9D8B030D-6E8A-4147-A177-3AD203B41FA5}">
                       <a16:colId xmlns:a16="http://schemas.microsoft.com/office/drawing/2014/main" val="3836363078"/>
                     </a:ext>
                   </a:extLst>
                 </a:gridCol>
-                <a:gridCol w="2262867">
+                <a:gridCol w="2596627">
                   <a:extLst>
                     <a:ext uri="{9D8B030D-6E8A-4147-A177-3AD203B41FA5}">
                       <a16:colId xmlns:a16="http://schemas.microsoft.com/office/drawing/2014/main" val="2601938607"/>
                     </a:ext>
                   </a:extLst>
                 </a:gridCol>
-                <a:gridCol w="1516890">
-                  <a:extLst>
-                    <a:ext uri="{9D8B030D-6E8A-4147-A177-3AD203B41FA5}">
-                      <a16:colId xmlns:a16="http://schemas.microsoft.com/office/drawing/2014/main" val="1868200296"/>
-                    </a:ext>
-                  </a:extLst>
-                </a:gridCol>
-                <a:gridCol w="1540354">
+                <a:gridCol w="1767548">
                   <a:extLst>
                     <a:ext uri="{9D8B030D-6E8A-4147-A177-3AD203B41FA5}">
                       <a16:colId xmlns:a16="http://schemas.microsoft.com/office/drawing/2014/main" val="1790429295"/>
                     </a:ext>
                   </a:extLst>
                 </a:gridCol>
-                <a:gridCol w="1556601">
+                <a:gridCol w="1786191">
                   <a:extLst>
                     <a:ext uri="{9D8B030D-6E8A-4147-A177-3AD203B41FA5}">
                       <a16:colId xmlns:a16="http://schemas.microsoft.com/office/drawing/2014/main" val="3582529616"/>
                     </a:ext>
                   </a:extLst>
                 </a:gridCol>
-                <a:gridCol w="1628799">
+                <a:gridCol w="1869038">
                   <a:extLst>
                     <a:ext uri="{9D8B030D-6E8A-4147-A177-3AD203B41FA5}">
                       <a16:colId xmlns:a16="http://schemas.microsoft.com/office/drawing/2014/main" val="3542389499"/>
@@ -7260,20 +7360,7 @@
                     <a:lstStyle/>
                     <a:p>
                       <a:r>
-                        <a:rPr lang="en-US" sz="1900"/>
-                        <a:t>Class 1</a:t>
-                      </a:r>
-                    </a:p>
-                  </a:txBody>
-                  <a:tcPr marL="97546" marR="97546" marT="48773" marB="48773"/>
-                </a:tc>
-                <a:tc>
-                  <a:txBody>
-                    <a:bodyPr/>
-                    <a:lstStyle/>
-                    <a:p>
-                      <a:r>
-                        <a:rPr lang="en-US" sz="1900"/>
+                        <a:rPr lang="en-US" sz="1900" dirty="0"/>
                         <a:t>Run Time</a:t>
                       </a:r>
                     </a:p>
@@ -7363,28 +7450,10 @@
                     <a:bodyPr/>
                     <a:lstStyle/>
                     <a:p>
-                      <a:r>
-                        <a:rPr lang="en-US" sz="1500">
-                          <a:solidFill>
-                            <a:srgbClr val="FF0000"/>
-                          </a:solidFill>
-                        </a:rPr>
-                        <a:t>y_Train : 394</a:t>
-                      </a:r>
-                      <a:br>
-                        <a:rPr lang="en-US" sz="1500">
-                          <a:solidFill>
-                            <a:srgbClr val="FF0000"/>
-                          </a:solidFill>
-                        </a:rPr>
-                      </a:br>
-                      <a:r>
-                        <a:rPr lang="en-US" sz="1500">
-                          <a:solidFill>
-                            <a:srgbClr val="FF0000"/>
-                          </a:solidFill>
-                        </a:rPr>
-                        <a:t>y_Test : 98</a:t>
+                      <a:pPr algn="ctr"/>
+                      <a:r>
+                        <a:rPr lang="en-US" sz="1500" dirty="0"/>
+                        <a:t>4.34 seconds</a:t>
                       </a:r>
                     </a:p>
                   </a:txBody>
@@ -7398,21 +7467,7 @@
                       <a:pPr algn="ctr"/>
                       <a:r>
                         <a:rPr lang="en-US" sz="1500" dirty="0"/>
-                        <a:t>4.34 seconds</a:t>
-                      </a:r>
-                    </a:p>
-                  </a:txBody>
-                  <a:tcPr marL="97546" marR="97546" marT="48773" marB="48773"/>
-                </a:tc>
-                <a:tc>
-                  <a:txBody>
-                    <a:bodyPr/>
-                    <a:lstStyle/>
-                    <a:p>
-                      <a:pPr algn="ctr"/>
-                      <a:r>
-                        <a:rPr lang="en-US" sz="1500" dirty="0"/>
-                        <a:t>98.06</a:t>
+                        <a:t>0.9806</a:t>
                       </a:r>
                     </a:p>
                   </a:txBody>
@@ -7514,53 +7569,11 @@
                     <a:bodyPr/>
                     <a:lstStyle/>
                     <a:p>
-                      <a:pPr marL="0" marR="0" lvl="0" indent="0" algn="l" defTabSz="914400" rtl="0" eaLnBrk="1" fontAlgn="auto" latinLnBrk="0" hangingPunct="1">
-                        <a:lnSpc>
-                          <a:spcPct val="100000"/>
-                        </a:lnSpc>
-                        <a:spcBef>
-                          <a:spcPts val="0"/>
-                        </a:spcBef>
-                        <a:spcAft>
-                          <a:spcPts val="0"/>
-                        </a:spcAft>
-                        <a:buClrTx/>
-                        <a:buSzTx/>
-                        <a:buFontTx/>
-                        <a:buNone/>
-                        <a:tabLst/>
-                        <a:defRPr/>
-                      </a:pPr>
-                      <a:r>
-                        <a:rPr lang="en-US" sz="1500">
-                          <a:solidFill>
-                            <a:srgbClr val="FF0000"/>
-                          </a:solidFill>
-                        </a:rPr>
-                        <a:t>y_Train : 394</a:t>
-                      </a:r>
-                      <a:br>
-                        <a:rPr lang="en-US" sz="1500">
-                          <a:solidFill>
-                            <a:srgbClr val="FF0000"/>
-                          </a:solidFill>
-                        </a:rPr>
-                      </a:br>
-                      <a:r>
-                        <a:rPr lang="en-US" sz="1500">
-                          <a:solidFill>
-                            <a:srgbClr val="FF0000"/>
-                          </a:solidFill>
-                        </a:rPr>
-                        <a:t>y_Test : 98</a:t>
-                      </a:r>
-                    </a:p>
-                    <a:p>
-                      <a:endParaRPr lang="en-US" sz="1500">
-                        <a:solidFill>
-                          <a:srgbClr val="FF0000"/>
-                        </a:solidFill>
-                      </a:endParaRPr>
+                      <a:pPr algn="ctr"/>
+                      <a:r>
+                        <a:rPr lang="en-US" sz="1500"/>
+                        <a:t>8.22 seconds</a:t>
+                      </a:r>
                     </a:p>
                   </a:txBody>
                   <a:tcPr marL="97546" marR="97546" marT="48773" marB="48773"/>
@@ -7572,22 +7585,8 @@
                     <a:p>
                       <a:pPr algn="ctr"/>
                       <a:r>
-                        <a:rPr lang="en-US" sz="1500"/>
-                        <a:t>8.22 seconds</a:t>
-                      </a:r>
-                    </a:p>
-                  </a:txBody>
-                  <a:tcPr marL="97546" marR="97546" marT="48773" marB="48773"/>
-                </a:tc>
-                <a:tc>
-                  <a:txBody>
-                    <a:bodyPr/>
-                    <a:lstStyle/>
-                    <a:p>
-                      <a:pPr algn="ctr"/>
-                      <a:r>
-                        <a:rPr lang="en-US" sz="1500"/>
-                        <a:t>97.18</a:t>
+                        <a:rPr lang="en-US" sz="1500" dirty="0"/>
+                        <a:t>0.9718</a:t>
                       </a:r>
                     </a:p>
                   </a:txBody>
@@ -7684,53 +7683,11 @@
                     <a:bodyPr/>
                     <a:lstStyle/>
                     <a:p>
-                      <a:pPr marL="0" marR="0" lvl="0" indent="0" algn="l" defTabSz="914400" rtl="0" eaLnBrk="1" fontAlgn="auto" latinLnBrk="0" hangingPunct="1">
-                        <a:lnSpc>
-                          <a:spcPct val="100000"/>
-                        </a:lnSpc>
-                        <a:spcBef>
-                          <a:spcPts val="0"/>
-                        </a:spcBef>
-                        <a:spcAft>
-                          <a:spcPts val="0"/>
-                        </a:spcAft>
-                        <a:buClrTx/>
-                        <a:buSzTx/>
-                        <a:buFontTx/>
-                        <a:buNone/>
-                        <a:tabLst/>
-                        <a:defRPr/>
-                      </a:pPr>
-                      <a:r>
-                        <a:rPr lang="en-US" sz="1500">
-                          <a:solidFill>
-                            <a:srgbClr val="FF0000"/>
-                          </a:solidFill>
-                        </a:rPr>
-                        <a:t>y_Train : 394</a:t>
-                      </a:r>
-                      <a:br>
-                        <a:rPr lang="en-US" sz="1500">
-                          <a:solidFill>
-                            <a:srgbClr val="FF0000"/>
-                          </a:solidFill>
-                        </a:rPr>
-                      </a:br>
-                      <a:r>
-                        <a:rPr lang="en-US" sz="1500">
-                          <a:solidFill>
-                            <a:srgbClr val="FF0000"/>
-                          </a:solidFill>
-                        </a:rPr>
-                        <a:t>y_Test : 98</a:t>
-                      </a:r>
-                    </a:p>
-                    <a:p>
-                      <a:endParaRPr lang="en-US" sz="1500">
-                        <a:solidFill>
-                          <a:srgbClr val="FF0000"/>
-                        </a:solidFill>
-                      </a:endParaRPr>
+                      <a:pPr algn="ctr"/>
+                      <a:r>
+                        <a:rPr lang="en-US" sz="1500"/>
+                        <a:t>8.37 seconds</a:t>
+                      </a:r>
                     </a:p>
                   </a:txBody>
                   <a:tcPr marL="97546" marR="97546" marT="48773" marB="48773"/>
@@ -7742,8 +7699,8 @@
                     <a:p>
                       <a:pPr algn="ctr"/>
                       <a:r>
-                        <a:rPr lang="en-US" sz="1500"/>
-                        <a:t>8.37 seconds</a:t>
+                        <a:rPr lang="en-US" sz="1500" dirty="0"/>
+                        <a:t>0.9705</a:t>
                       </a:r>
                     </a:p>
                   </a:txBody>
@@ -7756,21 +7713,7 @@
                     <a:p>
                       <a:pPr algn="ctr"/>
                       <a:r>
-                        <a:rPr lang="en-US" sz="1500"/>
-                        <a:t>97.05</a:t>
-                      </a:r>
-                    </a:p>
-                  </a:txBody>
-                  <a:tcPr marL="97546" marR="97546" marT="48773" marB="48773"/>
-                </a:tc>
-                <a:tc>
-                  <a:txBody>
-                    <a:bodyPr/>
-                    <a:lstStyle/>
-                    <a:p>
-                      <a:pPr algn="ctr"/>
-                      <a:r>
-                        <a:rPr lang="en-US" sz="1500"/>
+                        <a:rPr lang="en-US" sz="1500" dirty="0"/>
                         <a:t>10</a:t>
                       </a:r>
                     </a:p>
@@ -7859,61 +7802,10 @@
                     <a:bodyPr/>
                     <a:lstStyle/>
                     <a:p>
-                      <a:pPr marL="0" marR="0" lvl="0" indent="0" algn="l" defTabSz="914400" rtl="0" eaLnBrk="1" fontAlgn="auto" latinLnBrk="0" hangingPunct="1">
-                        <a:lnSpc>
-                          <a:spcPct val="100000"/>
-                        </a:lnSpc>
-                        <a:spcBef>
-                          <a:spcPts val="0"/>
-                        </a:spcBef>
-                        <a:spcAft>
-                          <a:spcPts val="0"/>
-                        </a:spcAft>
-                        <a:buClrTx/>
-                        <a:buSzTx/>
-                        <a:buFontTx/>
-                        <a:buNone/>
-                        <a:tabLst/>
-                        <a:defRPr/>
-                      </a:pPr>
-                      <a:r>
-                        <a:rPr lang="en-US" sz="1500" dirty="0" err="1">
-                          <a:solidFill>
-                            <a:srgbClr val="FF0000"/>
-                          </a:solidFill>
-                        </a:rPr>
-                        <a:t>y_Train</a:t>
-                      </a:r>
-                      <a:r>
-                        <a:rPr lang="en-US" sz="1500" dirty="0">
-                          <a:solidFill>
-                            <a:srgbClr val="FF0000"/>
-                          </a:solidFill>
-                        </a:rPr>
-                        <a:t> : 394</a:t>
-                      </a:r>
-                      <a:br>
-                        <a:rPr lang="en-US" sz="1500" dirty="0">
-                          <a:solidFill>
-                            <a:srgbClr val="FF0000"/>
-                          </a:solidFill>
-                        </a:rPr>
-                      </a:br>
-                      <a:r>
-                        <a:rPr lang="en-US" sz="1500" dirty="0" err="1">
-                          <a:solidFill>
-                            <a:srgbClr val="FF0000"/>
-                          </a:solidFill>
-                        </a:rPr>
-                        <a:t>y_Test</a:t>
-                      </a:r>
-                      <a:r>
-                        <a:rPr lang="en-US" sz="1500" dirty="0">
-                          <a:solidFill>
-                            <a:srgbClr val="FF0000"/>
-                          </a:solidFill>
-                        </a:rPr>
-                        <a:t> : 98</a:t>
+                      <a:pPr algn="ctr"/>
+                      <a:r>
+                        <a:rPr lang="en-US" sz="1500" dirty="0"/>
+                        <a:t>7.72 seconds</a:t>
                       </a:r>
                     </a:p>
                   </a:txBody>
@@ -7926,22 +7818,8 @@
                     <a:p>
                       <a:pPr algn="ctr"/>
                       <a:r>
-                        <a:rPr lang="en-US" sz="1500"/>
-                        <a:t>7.72 seconds</a:t>
-                      </a:r>
-                    </a:p>
-                  </a:txBody>
-                  <a:tcPr marL="97546" marR="97546" marT="48773" marB="48773"/>
-                </a:tc>
-                <a:tc>
-                  <a:txBody>
-                    <a:bodyPr/>
-                    <a:lstStyle/>
-                    <a:p>
-                      <a:pPr algn="ctr"/>
-                      <a:r>
-                        <a:rPr lang="en-US" sz="1500"/>
-                        <a:t>97.14</a:t>
+                        <a:rPr lang="en-US" sz="1500" dirty="0"/>
+                        <a:t>0.9714</a:t>
                       </a:r>
                     </a:p>
                   </a:txBody>
@@ -8345,23 +8223,7 @@
                   <a:srgbClr val="FFFFFF"/>
                 </a:solidFill>
               </a:rPr>
-              <a:t>Model Performance - </a:t>
-            </a:r>
-            <a:r>
-              <a:rPr lang="en-US" sz="4000" dirty="0" err="1">
-                <a:solidFill>
-                  <a:srgbClr val="FFFFFF"/>
-                </a:solidFill>
-              </a:rPr>
-              <a:t>XGBoost</a:t>
-            </a:r>
-            <a:r>
-              <a:rPr lang="en-US" sz="4000" dirty="0">
-                <a:solidFill>
-                  <a:srgbClr val="FFFFFF"/>
-                </a:solidFill>
-              </a:rPr>
-              <a:t> with Hyperparameter Tuning </a:t>
+              <a:t>Model Performance - XGBoost with Hyperparameter Tuning </a:t>
             </a:r>
           </a:p>
         </p:txBody>
@@ -8382,14 +8244,14 @@
             <p:ph idx="1"/>
             <p:extLst>
               <p:ext uri="{D42A27DB-BD31-4B8C-83A1-F6EECF244321}">
-                <p14:modId xmlns:p14="http://schemas.microsoft.com/office/powerpoint/2010/main" val="1245093590"/>
+                <p14:modId xmlns:p14="http://schemas.microsoft.com/office/powerpoint/2010/main" val="3381954343"/>
               </p:ext>
             </p:extLst>
           </p:nvPr>
         </p:nvGraphicFramePr>
         <p:xfrm>
           <a:off x="149149" y="2067892"/>
-          <a:ext cx="11647066" cy="4536453"/>
+          <a:ext cx="11733502" cy="4536453"/>
         </p:xfrm>
         <a:graphic>
           <a:graphicData uri="http://schemas.openxmlformats.org/drawingml/2006/table">
@@ -8398,49 +8260,42 @@
                 <a:tableStyleId>{5C22544A-7EE6-4342-B048-85BDC9FD1C3A}</a:tableStyleId>
               </a:tblPr>
               <a:tblGrid>
-                <a:gridCol w="1556601">
+                <a:gridCol w="1802968">
                   <a:extLst>
                     <a:ext uri="{9D8B030D-6E8A-4147-A177-3AD203B41FA5}">
                       <a16:colId xmlns:a16="http://schemas.microsoft.com/office/drawing/2014/main" val="4046375680"/>
                     </a:ext>
                   </a:extLst>
                 </a:gridCol>
-                <a:gridCol w="1584954">
+                <a:gridCol w="1835808">
                   <a:extLst>
                     <a:ext uri="{9D8B030D-6E8A-4147-A177-3AD203B41FA5}">
                       <a16:colId xmlns:a16="http://schemas.microsoft.com/office/drawing/2014/main" val="3836363078"/>
                     </a:ext>
                   </a:extLst>
                 </a:gridCol>
-                <a:gridCol w="2262867">
+                <a:gridCol w="2621016">
                   <a:extLst>
                     <a:ext uri="{9D8B030D-6E8A-4147-A177-3AD203B41FA5}">
                       <a16:colId xmlns:a16="http://schemas.microsoft.com/office/drawing/2014/main" val="2601938607"/>
                     </a:ext>
                   </a:extLst>
                 </a:gridCol>
-                <a:gridCol w="1516890">
-                  <a:extLst>
-                    <a:ext uri="{9D8B030D-6E8A-4147-A177-3AD203B41FA5}">
-                      <a16:colId xmlns:a16="http://schemas.microsoft.com/office/drawing/2014/main" val="1868200296"/>
-                    </a:ext>
-                  </a:extLst>
-                </a:gridCol>
-                <a:gridCol w="1540354">
+                <a:gridCol w="1784149">
                   <a:extLst>
                     <a:ext uri="{9D8B030D-6E8A-4147-A177-3AD203B41FA5}">
                       <a16:colId xmlns:a16="http://schemas.microsoft.com/office/drawing/2014/main" val="1790429295"/>
                     </a:ext>
                   </a:extLst>
                 </a:gridCol>
-                <a:gridCol w="1556601">
+                <a:gridCol w="1802968">
                   <a:extLst>
                     <a:ext uri="{9D8B030D-6E8A-4147-A177-3AD203B41FA5}">
                       <a16:colId xmlns:a16="http://schemas.microsoft.com/office/drawing/2014/main" val="3582529616"/>
                     </a:ext>
                   </a:extLst>
                 </a:gridCol>
-                <a:gridCol w="1628799">
+                <a:gridCol w="1886593">
                   <a:extLst>
                     <a:ext uri="{9D8B030D-6E8A-4147-A177-3AD203B41FA5}">
                       <a16:colId xmlns:a16="http://schemas.microsoft.com/office/drawing/2014/main" val="3542389499"/>
@@ -8494,20 +8349,7 @@
                     <a:lstStyle/>
                     <a:p>
                       <a:r>
-                        <a:rPr lang="en-US" sz="1900"/>
-                        <a:t>Class 1</a:t>
-                      </a:r>
-                    </a:p>
-                  </a:txBody>
-                  <a:tcPr marL="97546" marR="97546" marT="48773" marB="48773"/>
-                </a:tc>
-                <a:tc>
-                  <a:txBody>
-                    <a:bodyPr/>
-                    <a:lstStyle/>
-                    <a:p>
-                      <a:r>
-                        <a:rPr lang="en-US" sz="1900"/>
+                        <a:rPr lang="en-US" sz="1900" dirty="0"/>
                         <a:t>Run Time</a:t>
                       </a:r>
                     </a:p>
@@ -8621,28 +8463,10 @@
                     <a:bodyPr/>
                     <a:lstStyle/>
                     <a:p>
-                      <a:r>
-                        <a:rPr lang="en-US" sz="1400">
-                          <a:solidFill>
-                            <a:srgbClr val="FF0000"/>
-                          </a:solidFill>
-                        </a:rPr>
-                        <a:t>y_Train : 394</a:t>
-                      </a:r>
-                      <a:br>
-                        <a:rPr lang="en-US" sz="1400">
-                          <a:solidFill>
-                            <a:srgbClr val="FF0000"/>
-                          </a:solidFill>
-                        </a:rPr>
-                      </a:br>
-                      <a:r>
-                        <a:rPr lang="en-US" sz="1400">
-                          <a:solidFill>
-                            <a:srgbClr val="FF0000"/>
-                          </a:solidFill>
-                        </a:rPr>
-                        <a:t>y_Test : 98</a:t>
+                      <a:pPr algn="ctr"/>
+                      <a:r>
+                        <a:rPr lang="en-US" sz="1400" dirty="0"/>
+                        <a:t>3538.86 seconds</a:t>
                       </a:r>
                     </a:p>
                   </a:txBody>
@@ -8656,21 +8480,7 @@
                       <a:pPr algn="ctr"/>
                       <a:r>
                         <a:rPr lang="en-US" sz="1400" dirty="0"/>
-                        <a:t>3538.86 seconds</a:t>
-                      </a:r>
-                    </a:p>
-                  </a:txBody>
-                  <a:tcPr marL="97546" marR="97546" marT="48773" marB="48773"/>
-                </a:tc>
-                <a:tc>
-                  <a:txBody>
-                    <a:bodyPr/>
-                    <a:lstStyle/>
-                    <a:p>
-                      <a:pPr algn="ctr"/>
-                      <a:r>
-                        <a:rPr lang="en-US" sz="1400" dirty="0"/>
-                        <a:t>97.85</a:t>
+                        <a:t>0.9785</a:t>
                       </a:r>
                     </a:p>
                   </a:txBody>
@@ -8871,69 +8681,11 @@
                     <a:bodyPr/>
                     <a:lstStyle/>
                     <a:p>
-                      <a:pPr marL="0" marR="0" lvl="0" indent="0" algn="l" defTabSz="914400" rtl="0" eaLnBrk="1" fontAlgn="auto" latinLnBrk="0" hangingPunct="1">
-                        <a:lnSpc>
-                          <a:spcPct val="100000"/>
-                        </a:lnSpc>
-                        <a:spcBef>
-                          <a:spcPts val="0"/>
-                        </a:spcBef>
-                        <a:spcAft>
-                          <a:spcPts val="0"/>
-                        </a:spcAft>
-                        <a:buClrTx/>
-                        <a:buSzTx/>
-                        <a:buFontTx/>
-                        <a:buNone/>
-                        <a:tabLst/>
-                        <a:defRPr/>
-                      </a:pPr>
-                      <a:r>
-                        <a:rPr lang="en-US" sz="1400" dirty="0" err="1">
-                          <a:solidFill>
-                            <a:srgbClr val="FF0000"/>
-                          </a:solidFill>
-                        </a:rPr>
-                        <a:t>y_Train</a:t>
-                      </a:r>
-                      <a:r>
-                        <a:rPr lang="en-US" sz="1400" dirty="0">
-                          <a:solidFill>
-                            <a:srgbClr val="FF0000"/>
-                          </a:solidFill>
-                        </a:rPr>
-                        <a:t> : 394</a:t>
-                      </a:r>
-                      <a:br>
-                        <a:rPr lang="en-US" sz="1400" dirty="0">
-                          <a:solidFill>
-                            <a:srgbClr val="FF0000"/>
-                          </a:solidFill>
-                        </a:rPr>
-                      </a:br>
-                      <a:r>
-                        <a:rPr lang="en-US" sz="1400" dirty="0" err="1">
-                          <a:solidFill>
-                            <a:srgbClr val="FF0000"/>
-                          </a:solidFill>
-                        </a:rPr>
-                        <a:t>y_Test</a:t>
-                      </a:r>
-                      <a:r>
-                        <a:rPr lang="en-US" sz="1400" dirty="0">
-                          <a:solidFill>
-                            <a:srgbClr val="FF0000"/>
-                          </a:solidFill>
-                        </a:rPr>
-                        <a:t> : 98</a:t>
-                      </a:r>
-                    </a:p>
-                    <a:p>
-                      <a:endParaRPr lang="en-US" sz="1400" dirty="0">
-                        <a:solidFill>
-                          <a:srgbClr val="FF0000"/>
-                        </a:solidFill>
-                      </a:endParaRPr>
+                      <a:pPr algn="ctr"/>
+                      <a:r>
+                        <a:rPr lang="en-US" sz="1400" dirty="0"/>
+                        <a:t>5510.31 seconds</a:t>
+                      </a:r>
                     </a:p>
                   </a:txBody>
                   <a:tcPr marL="97546" marR="97546" marT="48773" marB="48773"/>
@@ -8946,21 +8698,7 @@
                       <a:pPr algn="ctr"/>
                       <a:r>
                         <a:rPr lang="en-US" sz="1400" dirty="0"/>
-                        <a:t>5510.31 seconds</a:t>
-                      </a:r>
-                    </a:p>
-                  </a:txBody>
-                  <a:tcPr marL="97546" marR="97546" marT="48773" marB="48773"/>
-                </a:tc>
-                <a:tc>
-                  <a:txBody>
-                    <a:bodyPr/>
-                    <a:lstStyle/>
-                    <a:p>
-                      <a:pPr algn="ctr"/>
-                      <a:r>
-                        <a:rPr lang="en-US" sz="1400" dirty="0"/>
-                        <a:t>97.79</a:t>
+                        <a:t>0.9779</a:t>
                       </a:r>
                     </a:p>
                   </a:txBody>
@@ -9160,53 +8898,11 @@
                     <a:bodyPr/>
                     <a:lstStyle/>
                     <a:p>
-                      <a:pPr marL="0" marR="0" lvl="0" indent="0" algn="l" defTabSz="914400" rtl="0" eaLnBrk="1" fontAlgn="auto" latinLnBrk="0" hangingPunct="1">
-                        <a:lnSpc>
-                          <a:spcPct val="100000"/>
-                        </a:lnSpc>
-                        <a:spcBef>
-                          <a:spcPts val="0"/>
-                        </a:spcBef>
-                        <a:spcAft>
-                          <a:spcPts val="0"/>
-                        </a:spcAft>
-                        <a:buClrTx/>
-                        <a:buSzTx/>
-                        <a:buFontTx/>
-                        <a:buNone/>
-                        <a:tabLst/>
-                        <a:defRPr/>
-                      </a:pPr>
-                      <a:r>
-                        <a:rPr lang="en-US" sz="1400">
-                          <a:solidFill>
-                            <a:srgbClr val="FF0000"/>
-                          </a:solidFill>
-                        </a:rPr>
-                        <a:t>y_Train : 394</a:t>
-                      </a:r>
-                      <a:br>
-                        <a:rPr lang="en-US" sz="1400">
-                          <a:solidFill>
-                            <a:srgbClr val="FF0000"/>
-                          </a:solidFill>
-                        </a:rPr>
-                      </a:br>
-                      <a:r>
-                        <a:rPr lang="en-US" sz="1400">
-                          <a:solidFill>
-                            <a:srgbClr val="FF0000"/>
-                          </a:solidFill>
-                        </a:rPr>
-                        <a:t>y_Test : 98</a:t>
-                      </a:r>
-                    </a:p>
-                    <a:p>
-                      <a:endParaRPr lang="en-US" sz="1400">
-                        <a:solidFill>
-                          <a:srgbClr val="FF0000"/>
-                        </a:solidFill>
-                      </a:endParaRPr>
+                      <a:pPr algn="ctr"/>
+                      <a:r>
+                        <a:rPr lang="en-US" sz="1400" dirty="0"/>
+                        <a:t>8909.62 seconds</a:t>
+                      </a:r>
                     </a:p>
                   </a:txBody>
                   <a:tcPr marL="97546" marR="97546" marT="48773" marB="48773"/>
@@ -9217,7 +8913,10 @@
                     <a:lstStyle/>
                     <a:p>
                       <a:pPr algn="ctr"/>
-                      <a:endParaRPr lang="en-US" sz="1400"/>
+                      <a:r>
+                        <a:rPr lang="en-US" sz="1400" dirty="0"/>
+                        <a:t>1.00</a:t>
+                      </a:r>
                     </a:p>
                   </a:txBody>
                   <a:tcPr marL="97546" marR="97546" marT="48773" marB="48773"/>
@@ -9228,17 +8927,6 @@
                     <a:lstStyle/>
                     <a:p>
                       <a:pPr algn="ctr"/>
-                      <a:endParaRPr lang="en-US" sz="1400" dirty="0"/>
-                    </a:p>
-                  </a:txBody>
-                  <a:tcPr marL="97546" marR="97546" marT="48773" marB="48773"/>
-                </a:tc>
-                <a:tc>
-                  <a:txBody>
-                    <a:bodyPr/>
-                    <a:lstStyle/>
-                    <a:p>
-                      <a:pPr algn="ctr"/>
                       <a:r>
                         <a:rPr lang="en-US" sz="1400" b="0" i="0" kern="1200" dirty="0" err="1">
                           <a:solidFill>
@@ -9315,7 +9003,7 @@
                           <a:ea typeface="+mn-ea"/>
                           <a:cs typeface="+mn-cs"/>
                         </a:rPr>
-                        <a:t>: 100</a:t>
+                        <a:t>: 300</a:t>
                       </a:r>
                       <a:endParaRPr lang="en-US" sz="1400" dirty="0"/>
                     </a:p>
@@ -9424,61 +9112,10 @@
                     <a:bodyPr/>
                     <a:lstStyle/>
                     <a:p>
-                      <a:pPr marL="0" marR="0" lvl="0" indent="0" algn="l" defTabSz="914400" rtl="0" eaLnBrk="1" fontAlgn="auto" latinLnBrk="0" hangingPunct="1">
-                        <a:lnSpc>
-                          <a:spcPct val="100000"/>
-                        </a:lnSpc>
-                        <a:spcBef>
-                          <a:spcPts val="0"/>
-                        </a:spcBef>
-                        <a:spcAft>
-                          <a:spcPts val="0"/>
-                        </a:spcAft>
-                        <a:buClrTx/>
-                        <a:buSzTx/>
-                        <a:buFontTx/>
-                        <a:buNone/>
-                        <a:tabLst/>
-                        <a:defRPr/>
-                      </a:pPr>
-                      <a:r>
-                        <a:rPr lang="en-US" sz="1500" dirty="0" err="1">
-                          <a:solidFill>
-                            <a:srgbClr val="FF0000"/>
-                          </a:solidFill>
-                        </a:rPr>
-                        <a:t>y_Train</a:t>
-                      </a:r>
-                      <a:r>
-                        <a:rPr lang="en-US" sz="1500" dirty="0">
-                          <a:solidFill>
-                            <a:srgbClr val="FF0000"/>
-                          </a:solidFill>
-                        </a:rPr>
-                        <a:t> : 394</a:t>
-                      </a:r>
-                      <a:br>
-                        <a:rPr lang="en-US" sz="1500" dirty="0">
-                          <a:solidFill>
-                            <a:srgbClr val="FF0000"/>
-                          </a:solidFill>
-                        </a:rPr>
-                      </a:br>
-                      <a:r>
-                        <a:rPr lang="en-US" sz="1500" dirty="0" err="1">
-                          <a:solidFill>
-                            <a:srgbClr val="FF0000"/>
-                          </a:solidFill>
-                        </a:rPr>
-                        <a:t>y_Test</a:t>
-                      </a:r>
-                      <a:r>
-                        <a:rPr lang="en-US" sz="1500" dirty="0">
-                          <a:solidFill>
-                            <a:srgbClr val="FF0000"/>
-                          </a:solidFill>
-                        </a:rPr>
-                        <a:t> : 98</a:t>
+                      <a:pPr algn="ctr"/>
+                      <a:r>
+                        <a:rPr lang="en-US" sz="1500" dirty="0"/>
+                        <a:t>8977.06 seconds</a:t>
                       </a:r>
                     </a:p>
                   </a:txBody>
@@ -9490,18 +9127,10 @@
                     <a:lstStyle/>
                     <a:p>
                       <a:pPr algn="ctr"/>
-                      <a:endParaRPr lang="en-US" sz="1500"/>
-                    </a:p>
-                  </a:txBody>
-                  <a:tcPr marL="97546" marR="97546" marT="48773" marB="48773"/>
-                </a:tc>
-                <a:tc>
-                  <a:txBody>
-                    <a:bodyPr/>
-                    <a:lstStyle/>
-                    <a:p>
-                      <a:pPr algn="ctr"/>
-                      <a:endParaRPr lang="en-US" sz="1500"/>
+                      <a:r>
+                        <a:rPr lang="en-US" sz="1500" dirty="0"/>
+                        <a:t>0.9751</a:t>
+                      </a:r>
                     </a:p>
                   </a:txBody>
                   <a:tcPr marL="97546" marR="97546" marT="48773" marB="48773"/>
@@ -9588,7 +9217,7 @@
                           <a:ea typeface="+mn-ea"/>
                           <a:cs typeface="+mn-cs"/>
                         </a:rPr>
-                        <a:t>: 100</a:t>
+                        <a:t>: 300</a:t>
                       </a:r>
                     </a:p>
                     <a:p>

--- a/CreditCard_FraudDetection_MachingLearning.pptx
+++ b/CreditCard_FraudDetection_MachingLearning.pptx
@@ -15,6 +15,8 @@
     <p:sldId id="279" r:id="rId9"/>
     <p:sldId id="280" r:id="rId10"/>
     <p:sldId id="285" r:id="rId11"/>
+    <p:sldId id="287" r:id="rId12"/>
+    <p:sldId id="286" r:id="rId13"/>
   </p:sldIdLst>
   <p:sldSz cx="12192000" cy="6858000"/>
   <p:notesSz cx="6858000" cy="9144000"/>
@@ -127,6 +129,2645 @@
     <p1510:client id="{B476C7BB-56AB-4750-9296-CD3B68E2E82A}" v="11" dt="2023-09-23T23:40:20.221"/>
   </p1510:revLst>
 </p1510:revInfo>
+</file>
+
+<file path=ppt/diagrams/colors1.xml><?xml version="1.0" encoding="utf-8"?>
+<dgm:colorsDef xmlns:dgm="http://schemas.openxmlformats.org/drawingml/2006/diagram" xmlns:a="http://schemas.openxmlformats.org/drawingml/2006/main" uniqueId="urn:microsoft.com/office/officeart/2005/8/colors/accent1_2">
+  <dgm:title val=""/>
+  <dgm:desc val=""/>
+  <dgm:catLst>
+    <dgm:cat type="accent1" pri="11200"/>
+  </dgm:catLst>
+  <dgm:styleLbl name="node0">
+    <dgm:fillClrLst meth="repeat">
+      <a:schemeClr val="accent1"/>
+    </dgm:fillClrLst>
+    <dgm:linClrLst meth="repeat">
+      <a:schemeClr val="lt1"/>
+    </dgm:linClrLst>
+    <dgm:effectClrLst/>
+    <dgm:txLinClrLst/>
+    <dgm:txFillClrLst/>
+    <dgm:txEffectClrLst/>
+  </dgm:styleLbl>
+  <dgm:styleLbl name="alignNode1">
+    <dgm:fillClrLst meth="repeat">
+      <a:schemeClr val="accent1"/>
+    </dgm:fillClrLst>
+    <dgm:linClrLst meth="repeat">
+      <a:schemeClr val="accent1"/>
+    </dgm:linClrLst>
+    <dgm:effectClrLst/>
+    <dgm:txLinClrLst/>
+    <dgm:txFillClrLst/>
+    <dgm:txEffectClrLst/>
+  </dgm:styleLbl>
+  <dgm:styleLbl name="node1">
+    <dgm:fillClrLst meth="repeat">
+      <a:schemeClr val="accent1"/>
+    </dgm:fillClrLst>
+    <dgm:linClrLst meth="repeat">
+      <a:schemeClr val="lt1"/>
+    </dgm:linClrLst>
+    <dgm:effectClrLst/>
+    <dgm:txLinClrLst/>
+    <dgm:txFillClrLst/>
+    <dgm:txEffectClrLst/>
+  </dgm:styleLbl>
+  <dgm:styleLbl name="lnNode1">
+    <dgm:fillClrLst meth="repeat">
+      <a:schemeClr val="accent1"/>
+    </dgm:fillClrLst>
+    <dgm:linClrLst meth="repeat">
+      <a:schemeClr val="lt1"/>
+    </dgm:linClrLst>
+    <dgm:effectClrLst/>
+    <dgm:txLinClrLst/>
+    <dgm:txFillClrLst/>
+    <dgm:txEffectClrLst/>
+  </dgm:styleLbl>
+  <dgm:styleLbl name="vennNode1">
+    <dgm:fillClrLst meth="repeat">
+      <a:schemeClr val="accent1">
+        <a:alpha val="50000"/>
+      </a:schemeClr>
+    </dgm:fillClrLst>
+    <dgm:linClrLst meth="repeat">
+      <a:schemeClr val="lt1"/>
+    </dgm:linClrLst>
+    <dgm:effectClrLst/>
+    <dgm:txLinClrLst/>
+    <dgm:txFillClrLst/>
+    <dgm:txEffectClrLst/>
+  </dgm:styleLbl>
+  <dgm:styleLbl name="node2">
+    <dgm:fillClrLst meth="repeat">
+      <a:schemeClr val="accent1"/>
+    </dgm:fillClrLst>
+    <dgm:linClrLst meth="repeat">
+      <a:schemeClr val="lt1"/>
+    </dgm:linClrLst>
+    <dgm:effectClrLst/>
+    <dgm:txLinClrLst/>
+    <dgm:txFillClrLst/>
+    <dgm:txEffectClrLst/>
+  </dgm:styleLbl>
+  <dgm:styleLbl name="node3">
+    <dgm:fillClrLst meth="repeat">
+      <a:schemeClr val="accent1"/>
+    </dgm:fillClrLst>
+    <dgm:linClrLst meth="repeat">
+      <a:schemeClr val="lt1"/>
+    </dgm:linClrLst>
+    <dgm:effectClrLst/>
+    <dgm:txLinClrLst/>
+    <dgm:txFillClrLst/>
+    <dgm:txEffectClrLst/>
+  </dgm:styleLbl>
+  <dgm:styleLbl name="node4">
+    <dgm:fillClrLst meth="repeat">
+      <a:schemeClr val="accent1"/>
+    </dgm:fillClrLst>
+    <dgm:linClrLst meth="repeat">
+      <a:schemeClr val="lt1"/>
+    </dgm:linClrLst>
+    <dgm:effectClrLst/>
+    <dgm:txLinClrLst/>
+    <dgm:txFillClrLst/>
+    <dgm:txEffectClrLst/>
+  </dgm:styleLbl>
+  <dgm:styleLbl name="fgImgPlace1">
+    <dgm:fillClrLst meth="repeat">
+      <a:schemeClr val="accent1">
+        <a:tint val="50000"/>
+      </a:schemeClr>
+    </dgm:fillClrLst>
+    <dgm:linClrLst meth="repeat">
+      <a:schemeClr val="lt1"/>
+    </dgm:linClrLst>
+    <dgm:effectClrLst/>
+    <dgm:txLinClrLst/>
+    <dgm:txFillClrLst meth="repeat">
+      <a:schemeClr val="lt1"/>
+    </dgm:txFillClrLst>
+    <dgm:txEffectClrLst/>
+  </dgm:styleLbl>
+  <dgm:styleLbl name="alignImgPlace1">
+    <dgm:fillClrLst meth="repeat">
+      <a:schemeClr val="accent1">
+        <a:tint val="50000"/>
+      </a:schemeClr>
+    </dgm:fillClrLst>
+    <dgm:linClrLst meth="repeat">
+      <a:schemeClr val="lt1"/>
+    </dgm:linClrLst>
+    <dgm:effectClrLst/>
+    <dgm:txLinClrLst/>
+    <dgm:txFillClrLst meth="repeat">
+      <a:schemeClr val="lt1"/>
+    </dgm:txFillClrLst>
+    <dgm:txEffectClrLst/>
+  </dgm:styleLbl>
+  <dgm:styleLbl name="bgImgPlace1">
+    <dgm:fillClrLst meth="repeat">
+      <a:schemeClr val="accent1">
+        <a:tint val="50000"/>
+      </a:schemeClr>
+    </dgm:fillClrLst>
+    <dgm:linClrLst meth="repeat">
+      <a:schemeClr val="lt1"/>
+    </dgm:linClrLst>
+    <dgm:effectClrLst/>
+    <dgm:txLinClrLst/>
+    <dgm:txFillClrLst meth="repeat">
+      <a:schemeClr val="lt1"/>
+    </dgm:txFillClrLst>
+    <dgm:txEffectClrLst/>
+  </dgm:styleLbl>
+  <dgm:styleLbl name="sibTrans2D1">
+    <dgm:fillClrLst meth="repeat">
+      <a:schemeClr val="accent1">
+        <a:tint val="60000"/>
+      </a:schemeClr>
+    </dgm:fillClrLst>
+    <dgm:linClrLst meth="repeat">
+      <a:schemeClr val="accent1">
+        <a:tint val="60000"/>
+      </a:schemeClr>
+    </dgm:linClrLst>
+    <dgm:effectClrLst/>
+    <dgm:txLinClrLst/>
+    <dgm:txFillClrLst/>
+    <dgm:txEffectClrLst/>
+  </dgm:styleLbl>
+  <dgm:styleLbl name="fgSibTrans2D1">
+    <dgm:fillClrLst meth="repeat">
+      <a:schemeClr val="accent1">
+        <a:tint val="60000"/>
+      </a:schemeClr>
+    </dgm:fillClrLst>
+    <dgm:linClrLst meth="repeat">
+      <a:schemeClr val="accent1">
+        <a:tint val="60000"/>
+      </a:schemeClr>
+    </dgm:linClrLst>
+    <dgm:effectClrLst/>
+    <dgm:txLinClrLst/>
+    <dgm:txFillClrLst/>
+    <dgm:txEffectClrLst/>
+  </dgm:styleLbl>
+  <dgm:styleLbl name="bgSibTrans2D1">
+    <dgm:fillClrLst meth="repeat">
+      <a:schemeClr val="accent1">
+        <a:tint val="60000"/>
+      </a:schemeClr>
+    </dgm:fillClrLst>
+    <dgm:linClrLst meth="repeat">
+      <a:schemeClr val="accent1">
+        <a:tint val="60000"/>
+      </a:schemeClr>
+    </dgm:linClrLst>
+    <dgm:effectClrLst/>
+    <dgm:txLinClrLst/>
+    <dgm:txFillClrLst/>
+    <dgm:txEffectClrLst/>
+  </dgm:styleLbl>
+  <dgm:styleLbl name="sibTrans1D1">
+    <dgm:fillClrLst meth="repeat">
+      <a:schemeClr val="accent1"/>
+    </dgm:fillClrLst>
+    <dgm:linClrLst meth="repeat">
+      <a:schemeClr val="accent1"/>
+    </dgm:linClrLst>
+    <dgm:effectClrLst/>
+    <dgm:txLinClrLst/>
+    <dgm:txFillClrLst meth="repeat">
+      <a:schemeClr val="tx1"/>
+    </dgm:txFillClrLst>
+    <dgm:txEffectClrLst/>
+  </dgm:styleLbl>
+  <dgm:styleLbl name="callout">
+    <dgm:fillClrLst meth="repeat">
+      <a:schemeClr val="accent1"/>
+    </dgm:fillClrLst>
+    <dgm:linClrLst meth="repeat">
+      <a:schemeClr val="accent1">
+        <a:tint val="50000"/>
+      </a:schemeClr>
+    </dgm:linClrLst>
+    <dgm:effectClrLst/>
+    <dgm:txLinClrLst/>
+    <dgm:txFillClrLst meth="repeat">
+      <a:schemeClr val="tx1"/>
+    </dgm:txFillClrLst>
+    <dgm:txEffectClrLst/>
+  </dgm:styleLbl>
+  <dgm:styleLbl name="asst0">
+    <dgm:fillClrLst meth="repeat">
+      <a:schemeClr val="accent1"/>
+    </dgm:fillClrLst>
+    <dgm:linClrLst meth="repeat">
+      <a:schemeClr val="lt1"/>
+    </dgm:linClrLst>
+    <dgm:effectClrLst/>
+    <dgm:txLinClrLst/>
+    <dgm:txFillClrLst/>
+    <dgm:txEffectClrLst/>
+  </dgm:styleLbl>
+  <dgm:styleLbl name="asst1">
+    <dgm:fillClrLst meth="repeat">
+      <a:schemeClr val="accent1"/>
+    </dgm:fillClrLst>
+    <dgm:linClrLst meth="repeat">
+      <a:schemeClr val="lt1"/>
+    </dgm:linClrLst>
+    <dgm:effectClrLst/>
+    <dgm:txLinClrLst/>
+    <dgm:txFillClrLst/>
+    <dgm:txEffectClrLst/>
+  </dgm:styleLbl>
+  <dgm:styleLbl name="asst2">
+    <dgm:fillClrLst meth="repeat">
+      <a:schemeClr val="accent1"/>
+    </dgm:fillClrLst>
+    <dgm:linClrLst meth="repeat">
+      <a:schemeClr val="lt1"/>
+    </dgm:linClrLst>
+    <dgm:effectClrLst/>
+    <dgm:txLinClrLst/>
+    <dgm:txFillClrLst/>
+    <dgm:txEffectClrLst/>
+  </dgm:styleLbl>
+  <dgm:styleLbl name="asst3">
+    <dgm:fillClrLst meth="repeat">
+      <a:schemeClr val="accent1"/>
+    </dgm:fillClrLst>
+    <dgm:linClrLst meth="repeat">
+      <a:schemeClr val="lt1"/>
+    </dgm:linClrLst>
+    <dgm:effectClrLst/>
+    <dgm:txLinClrLst/>
+    <dgm:txFillClrLst/>
+    <dgm:txEffectClrLst/>
+  </dgm:styleLbl>
+  <dgm:styleLbl name="asst4">
+    <dgm:fillClrLst meth="repeat">
+      <a:schemeClr val="accent1"/>
+    </dgm:fillClrLst>
+    <dgm:linClrLst meth="repeat">
+      <a:schemeClr val="lt1"/>
+    </dgm:linClrLst>
+    <dgm:effectClrLst/>
+    <dgm:txLinClrLst/>
+    <dgm:txFillClrLst/>
+    <dgm:txEffectClrLst/>
+  </dgm:styleLbl>
+  <dgm:styleLbl name="parChTrans2D1">
+    <dgm:fillClrLst meth="repeat">
+      <a:schemeClr val="accent1">
+        <a:tint val="60000"/>
+      </a:schemeClr>
+    </dgm:fillClrLst>
+    <dgm:linClrLst meth="repeat">
+      <a:schemeClr val="accent1">
+        <a:tint val="60000"/>
+      </a:schemeClr>
+    </dgm:linClrLst>
+    <dgm:effectClrLst/>
+    <dgm:txLinClrLst/>
+    <dgm:txFillClrLst meth="repeat">
+      <a:schemeClr val="lt1"/>
+    </dgm:txFillClrLst>
+    <dgm:txEffectClrLst/>
+  </dgm:styleLbl>
+  <dgm:styleLbl name="parChTrans2D2">
+    <dgm:fillClrLst meth="repeat">
+      <a:schemeClr val="accent1"/>
+    </dgm:fillClrLst>
+    <dgm:linClrLst meth="repeat">
+      <a:schemeClr val="accent1"/>
+    </dgm:linClrLst>
+    <dgm:effectClrLst/>
+    <dgm:txLinClrLst/>
+    <dgm:txFillClrLst meth="repeat">
+      <a:schemeClr val="lt1"/>
+    </dgm:txFillClrLst>
+    <dgm:txEffectClrLst/>
+  </dgm:styleLbl>
+  <dgm:styleLbl name="parChTrans2D3">
+    <dgm:fillClrLst meth="repeat">
+      <a:schemeClr val="accent1"/>
+    </dgm:fillClrLst>
+    <dgm:linClrLst meth="repeat">
+      <a:schemeClr val="accent1"/>
+    </dgm:linClrLst>
+    <dgm:effectClrLst/>
+    <dgm:txLinClrLst/>
+    <dgm:txFillClrLst meth="repeat">
+      <a:schemeClr val="lt1"/>
+    </dgm:txFillClrLst>
+    <dgm:txEffectClrLst/>
+  </dgm:styleLbl>
+  <dgm:styleLbl name="parChTrans2D4">
+    <dgm:fillClrLst meth="repeat">
+      <a:schemeClr val="accent1"/>
+    </dgm:fillClrLst>
+    <dgm:linClrLst meth="repeat">
+      <a:schemeClr val="accent1"/>
+    </dgm:linClrLst>
+    <dgm:effectClrLst/>
+    <dgm:txLinClrLst/>
+    <dgm:txFillClrLst meth="repeat">
+      <a:schemeClr val="lt1"/>
+    </dgm:txFillClrLst>
+    <dgm:txEffectClrLst/>
+  </dgm:styleLbl>
+  <dgm:styleLbl name="parChTrans1D1">
+    <dgm:fillClrLst meth="repeat">
+      <a:schemeClr val="accent1"/>
+    </dgm:fillClrLst>
+    <dgm:linClrLst meth="repeat">
+      <a:schemeClr val="accent1">
+        <a:shade val="60000"/>
+      </a:schemeClr>
+    </dgm:linClrLst>
+    <dgm:effectClrLst/>
+    <dgm:txLinClrLst/>
+    <dgm:txFillClrLst meth="repeat">
+      <a:schemeClr val="tx1"/>
+    </dgm:txFillClrLst>
+    <dgm:txEffectClrLst/>
+  </dgm:styleLbl>
+  <dgm:styleLbl name="parChTrans1D2">
+    <dgm:fillClrLst meth="repeat">
+      <a:schemeClr val="accent1"/>
+    </dgm:fillClrLst>
+    <dgm:linClrLst meth="repeat">
+      <a:schemeClr val="accent1">
+        <a:shade val="60000"/>
+      </a:schemeClr>
+    </dgm:linClrLst>
+    <dgm:effectClrLst/>
+    <dgm:txLinClrLst/>
+    <dgm:txFillClrLst meth="repeat">
+      <a:schemeClr val="tx1"/>
+    </dgm:txFillClrLst>
+    <dgm:txEffectClrLst/>
+  </dgm:styleLbl>
+  <dgm:styleLbl name="parChTrans1D3">
+    <dgm:fillClrLst meth="repeat">
+      <a:schemeClr val="accent1"/>
+    </dgm:fillClrLst>
+    <dgm:linClrLst meth="repeat">
+      <a:schemeClr val="accent1">
+        <a:shade val="80000"/>
+      </a:schemeClr>
+    </dgm:linClrLst>
+    <dgm:effectClrLst/>
+    <dgm:txLinClrLst/>
+    <dgm:txFillClrLst meth="repeat">
+      <a:schemeClr val="tx1"/>
+    </dgm:txFillClrLst>
+    <dgm:txEffectClrLst/>
+  </dgm:styleLbl>
+  <dgm:styleLbl name="parChTrans1D4">
+    <dgm:fillClrLst meth="repeat">
+      <a:schemeClr val="accent1"/>
+    </dgm:fillClrLst>
+    <dgm:linClrLst meth="repeat">
+      <a:schemeClr val="accent1">
+        <a:shade val="80000"/>
+      </a:schemeClr>
+    </dgm:linClrLst>
+    <dgm:effectClrLst/>
+    <dgm:txLinClrLst/>
+    <dgm:txFillClrLst meth="repeat">
+      <a:schemeClr val="tx1"/>
+    </dgm:txFillClrLst>
+    <dgm:txEffectClrLst/>
+  </dgm:styleLbl>
+  <dgm:styleLbl name="fgAcc1">
+    <dgm:fillClrLst meth="repeat">
+      <a:schemeClr val="lt1">
+        <a:alpha val="90000"/>
+      </a:schemeClr>
+    </dgm:fillClrLst>
+    <dgm:linClrLst meth="repeat">
+      <a:schemeClr val="accent1"/>
+    </dgm:linClrLst>
+    <dgm:effectClrLst/>
+    <dgm:txLinClrLst/>
+    <dgm:txFillClrLst meth="repeat">
+      <a:schemeClr val="dk1"/>
+    </dgm:txFillClrLst>
+    <dgm:txEffectClrLst/>
+  </dgm:styleLbl>
+  <dgm:styleLbl name="conFgAcc1">
+    <dgm:fillClrLst meth="repeat">
+      <a:schemeClr val="lt1">
+        <a:alpha val="90000"/>
+      </a:schemeClr>
+    </dgm:fillClrLst>
+    <dgm:linClrLst meth="repeat">
+      <a:schemeClr val="accent1"/>
+    </dgm:linClrLst>
+    <dgm:effectClrLst/>
+    <dgm:txLinClrLst/>
+    <dgm:txFillClrLst meth="repeat">
+      <a:schemeClr val="dk1"/>
+    </dgm:txFillClrLst>
+    <dgm:txEffectClrLst/>
+  </dgm:styleLbl>
+  <dgm:styleLbl name="alignAcc1">
+    <dgm:fillClrLst meth="repeat">
+      <a:schemeClr val="lt1">
+        <a:alpha val="90000"/>
+      </a:schemeClr>
+    </dgm:fillClrLst>
+    <dgm:linClrLst meth="repeat">
+      <a:schemeClr val="accent1"/>
+    </dgm:linClrLst>
+    <dgm:effectClrLst/>
+    <dgm:txLinClrLst/>
+    <dgm:txFillClrLst meth="repeat">
+      <a:schemeClr val="dk1"/>
+    </dgm:txFillClrLst>
+    <dgm:txEffectClrLst/>
+  </dgm:styleLbl>
+  <dgm:styleLbl name="trAlignAcc1">
+    <dgm:fillClrLst meth="repeat">
+      <a:schemeClr val="lt1">
+        <a:alpha val="40000"/>
+      </a:schemeClr>
+    </dgm:fillClrLst>
+    <dgm:linClrLst meth="repeat">
+      <a:schemeClr val="accent1"/>
+    </dgm:linClrLst>
+    <dgm:effectClrLst/>
+    <dgm:txLinClrLst/>
+    <dgm:txFillClrLst meth="repeat">
+      <a:schemeClr val="dk1"/>
+    </dgm:txFillClrLst>
+    <dgm:txEffectClrLst/>
+  </dgm:styleLbl>
+  <dgm:styleLbl name="bgAcc1">
+    <dgm:fillClrLst meth="repeat">
+      <a:schemeClr val="lt1">
+        <a:alpha val="90000"/>
+      </a:schemeClr>
+    </dgm:fillClrLst>
+    <dgm:linClrLst meth="repeat">
+      <a:schemeClr val="accent1"/>
+    </dgm:linClrLst>
+    <dgm:effectClrLst/>
+    <dgm:txLinClrLst/>
+    <dgm:txFillClrLst meth="repeat">
+      <a:schemeClr val="dk1"/>
+    </dgm:txFillClrLst>
+    <dgm:txEffectClrLst/>
+  </dgm:styleLbl>
+  <dgm:styleLbl name="solidFgAcc1">
+    <dgm:fillClrLst meth="repeat">
+      <a:schemeClr val="lt1"/>
+    </dgm:fillClrLst>
+    <dgm:linClrLst meth="repeat">
+      <a:schemeClr val="accent1"/>
+    </dgm:linClrLst>
+    <dgm:effectClrLst/>
+    <dgm:txLinClrLst/>
+    <dgm:txFillClrLst meth="repeat">
+      <a:schemeClr val="dk1"/>
+    </dgm:txFillClrLst>
+    <dgm:txEffectClrLst/>
+  </dgm:styleLbl>
+  <dgm:styleLbl name="solidAlignAcc1">
+    <dgm:fillClrLst meth="repeat">
+      <a:schemeClr val="lt1"/>
+    </dgm:fillClrLst>
+    <dgm:linClrLst meth="repeat">
+      <a:schemeClr val="accent1"/>
+    </dgm:linClrLst>
+    <dgm:effectClrLst/>
+    <dgm:txLinClrLst/>
+    <dgm:txFillClrLst meth="repeat">
+      <a:schemeClr val="dk1"/>
+    </dgm:txFillClrLst>
+    <dgm:txEffectClrLst/>
+  </dgm:styleLbl>
+  <dgm:styleLbl name="solidBgAcc1">
+    <dgm:fillClrLst meth="repeat">
+      <a:schemeClr val="lt1"/>
+    </dgm:fillClrLst>
+    <dgm:linClrLst meth="repeat">
+      <a:schemeClr val="accent1"/>
+    </dgm:linClrLst>
+    <dgm:effectClrLst/>
+    <dgm:txLinClrLst/>
+    <dgm:txFillClrLst meth="repeat">
+      <a:schemeClr val="dk1"/>
+    </dgm:txFillClrLst>
+    <dgm:txEffectClrLst/>
+  </dgm:styleLbl>
+  <dgm:styleLbl name="fgAccFollowNode1">
+    <dgm:fillClrLst meth="repeat">
+      <a:schemeClr val="accent1">
+        <a:alpha val="90000"/>
+        <a:tint val="40000"/>
+      </a:schemeClr>
+    </dgm:fillClrLst>
+    <dgm:linClrLst meth="repeat">
+      <a:schemeClr val="accent1">
+        <a:alpha val="90000"/>
+        <a:tint val="40000"/>
+      </a:schemeClr>
+    </dgm:linClrLst>
+    <dgm:effectClrLst/>
+    <dgm:txLinClrLst/>
+    <dgm:txFillClrLst meth="repeat">
+      <a:schemeClr val="dk1"/>
+    </dgm:txFillClrLst>
+    <dgm:txEffectClrLst/>
+  </dgm:styleLbl>
+  <dgm:styleLbl name="alignAccFollowNode1">
+    <dgm:fillClrLst meth="repeat">
+      <a:schemeClr val="accent1">
+        <a:alpha val="90000"/>
+        <a:tint val="40000"/>
+      </a:schemeClr>
+    </dgm:fillClrLst>
+    <dgm:linClrLst meth="repeat">
+      <a:schemeClr val="accent1">
+        <a:alpha val="90000"/>
+        <a:tint val="40000"/>
+      </a:schemeClr>
+    </dgm:linClrLst>
+    <dgm:effectClrLst/>
+    <dgm:txLinClrLst/>
+    <dgm:txFillClrLst meth="repeat">
+      <a:schemeClr val="dk1"/>
+    </dgm:txFillClrLst>
+    <dgm:txEffectClrLst/>
+  </dgm:styleLbl>
+  <dgm:styleLbl name="bgAccFollowNode1">
+    <dgm:fillClrLst meth="repeat">
+      <a:schemeClr val="accent1">
+        <a:alpha val="90000"/>
+        <a:tint val="40000"/>
+      </a:schemeClr>
+    </dgm:fillClrLst>
+    <dgm:linClrLst meth="repeat">
+      <a:schemeClr val="accent1">
+        <a:alpha val="90000"/>
+        <a:tint val="40000"/>
+      </a:schemeClr>
+    </dgm:linClrLst>
+    <dgm:effectClrLst/>
+    <dgm:txLinClrLst/>
+    <dgm:txFillClrLst meth="repeat">
+      <a:schemeClr val="dk1"/>
+    </dgm:txFillClrLst>
+    <dgm:txEffectClrLst/>
+  </dgm:styleLbl>
+  <dgm:styleLbl name="fgAcc0">
+    <dgm:fillClrLst meth="repeat">
+      <a:schemeClr val="lt1">
+        <a:alpha val="90000"/>
+      </a:schemeClr>
+    </dgm:fillClrLst>
+    <dgm:linClrLst meth="repeat">
+      <a:schemeClr val="accent1"/>
+    </dgm:linClrLst>
+    <dgm:effectClrLst/>
+    <dgm:txLinClrLst/>
+    <dgm:txFillClrLst meth="repeat">
+      <a:schemeClr val="dk1"/>
+    </dgm:txFillClrLst>
+    <dgm:txEffectClrLst/>
+  </dgm:styleLbl>
+  <dgm:styleLbl name="fgAcc2">
+    <dgm:fillClrLst meth="repeat">
+      <a:schemeClr val="lt1">
+        <a:alpha val="90000"/>
+      </a:schemeClr>
+    </dgm:fillClrLst>
+    <dgm:linClrLst meth="repeat">
+      <a:schemeClr val="accent1"/>
+    </dgm:linClrLst>
+    <dgm:effectClrLst/>
+    <dgm:txLinClrLst/>
+    <dgm:txFillClrLst meth="repeat">
+      <a:schemeClr val="dk1"/>
+    </dgm:txFillClrLst>
+    <dgm:txEffectClrLst/>
+  </dgm:styleLbl>
+  <dgm:styleLbl name="fgAcc3">
+    <dgm:fillClrLst meth="repeat">
+      <a:schemeClr val="lt1">
+        <a:alpha val="90000"/>
+      </a:schemeClr>
+    </dgm:fillClrLst>
+    <dgm:linClrLst meth="repeat">
+      <a:schemeClr val="accent1"/>
+    </dgm:linClrLst>
+    <dgm:effectClrLst/>
+    <dgm:txLinClrLst/>
+    <dgm:txFillClrLst meth="repeat">
+      <a:schemeClr val="dk1"/>
+    </dgm:txFillClrLst>
+    <dgm:txEffectClrLst/>
+  </dgm:styleLbl>
+  <dgm:styleLbl name="fgAcc4">
+    <dgm:fillClrLst meth="repeat">
+      <a:schemeClr val="lt1">
+        <a:alpha val="90000"/>
+      </a:schemeClr>
+    </dgm:fillClrLst>
+    <dgm:linClrLst meth="repeat">
+      <a:schemeClr val="accent1"/>
+    </dgm:linClrLst>
+    <dgm:effectClrLst/>
+    <dgm:txLinClrLst/>
+    <dgm:txFillClrLst meth="repeat">
+      <a:schemeClr val="dk1"/>
+    </dgm:txFillClrLst>
+    <dgm:txEffectClrLst/>
+  </dgm:styleLbl>
+  <dgm:styleLbl name="bgShp">
+    <dgm:fillClrLst meth="repeat">
+      <a:schemeClr val="accent1">
+        <a:tint val="40000"/>
+      </a:schemeClr>
+    </dgm:fillClrLst>
+    <dgm:linClrLst meth="repeat">
+      <a:schemeClr val="accent1"/>
+    </dgm:linClrLst>
+    <dgm:effectClrLst/>
+    <dgm:txLinClrLst/>
+    <dgm:txFillClrLst meth="repeat">
+      <a:schemeClr val="dk1"/>
+    </dgm:txFillClrLst>
+    <dgm:txEffectClrLst/>
+  </dgm:styleLbl>
+  <dgm:styleLbl name="dkBgShp">
+    <dgm:fillClrLst meth="repeat">
+      <a:schemeClr val="accent1">
+        <a:shade val="80000"/>
+      </a:schemeClr>
+    </dgm:fillClrLst>
+    <dgm:linClrLst meth="repeat">
+      <a:schemeClr val="accent1"/>
+    </dgm:linClrLst>
+    <dgm:effectClrLst/>
+    <dgm:txLinClrLst/>
+    <dgm:txFillClrLst meth="repeat">
+      <a:schemeClr val="lt1"/>
+    </dgm:txFillClrLst>
+    <dgm:txEffectClrLst/>
+  </dgm:styleLbl>
+  <dgm:styleLbl name="trBgShp">
+    <dgm:fillClrLst meth="repeat">
+      <a:schemeClr val="accent1">
+        <a:tint val="50000"/>
+        <a:alpha val="40000"/>
+      </a:schemeClr>
+    </dgm:fillClrLst>
+    <dgm:linClrLst meth="repeat">
+      <a:schemeClr val="accent1"/>
+    </dgm:linClrLst>
+    <dgm:effectClrLst/>
+    <dgm:txLinClrLst/>
+    <dgm:txFillClrLst meth="repeat">
+      <a:schemeClr val="lt1"/>
+    </dgm:txFillClrLst>
+    <dgm:txEffectClrLst/>
+  </dgm:styleLbl>
+  <dgm:styleLbl name="fgShp">
+    <dgm:fillClrLst meth="repeat">
+      <a:schemeClr val="accent1">
+        <a:tint val="60000"/>
+      </a:schemeClr>
+    </dgm:fillClrLst>
+    <dgm:linClrLst meth="repeat">
+      <a:schemeClr val="lt1"/>
+    </dgm:linClrLst>
+    <dgm:effectClrLst/>
+    <dgm:txLinClrLst/>
+    <dgm:txFillClrLst meth="repeat">
+      <a:schemeClr val="dk1"/>
+    </dgm:txFillClrLst>
+    <dgm:txEffectClrLst/>
+  </dgm:styleLbl>
+  <dgm:styleLbl name="revTx">
+    <dgm:fillClrLst meth="repeat">
+      <a:schemeClr val="lt1">
+        <a:alpha val="0"/>
+      </a:schemeClr>
+    </dgm:fillClrLst>
+    <dgm:linClrLst meth="repeat">
+      <a:schemeClr val="dk1">
+        <a:alpha val="0"/>
+      </a:schemeClr>
+    </dgm:linClrLst>
+    <dgm:effectClrLst/>
+    <dgm:txLinClrLst/>
+    <dgm:txFillClrLst meth="repeat">
+      <a:schemeClr val="tx1"/>
+    </dgm:txFillClrLst>
+    <dgm:txEffectClrLst/>
+  </dgm:styleLbl>
+</dgm:colorsDef>
+</file>
+
+<file path=ppt/diagrams/data1.xml><?xml version="1.0" encoding="utf-8"?>
+<dgm:dataModel xmlns:dgm="http://schemas.openxmlformats.org/drawingml/2006/diagram" xmlns:a="http://schemas.openxmlformats.org/drawingml/2006/main">
+  <dgm:ptLst>
+    <dgm:pt modelId="{F0C12548-97B9-4555-9448-544060696EC8}" type="doc">
+      <dgm:prSet loTypeId="urn:microsoft.com/office/officeart/2018/2/layout/IconVerticalSolidList" loCatId="icon" qsTypeId="urn:microsoft.com/office/officeart/2005/8/quickstyle/simple1" qsCatId="simple" csTypeId="urn:microsoft.com/office/officeart/2005/8/colors/accent1_2" csCatId="accent1" phldr="1"/>
+      <dgm:spPr/>
+      <dgm:t>
+        <a:bodyPr/>
+        <a:lstStyle/>
+        <a:p>
+          <a:endParaRPr lang="en-US"/>
+        </a:p>
+      </dgm:t>
+    </dgm:pt>
+    <dgm:pt modelId="{9085E3A3-4F90-4567-981D-F220928E08E6}">
+      <dgm:prSet/>
+      <dgm:spPr/>
+      <dgm:t>
+        <a:bodyPr/>
+        <a:lstStyle/>
+        <a:p>
+          <a:pPr>
+            <a:lnSpc>
+              <a:spcPct val="100000"/>
+            </a:lnSpc>
+          </a:pPr>
+          <a:r>
+            <a:rPr lang="en-US" b="0" i="0"/>
+            <a:t>284,315 Good Transactions</a:t>
+          </a:r>
+          <a:endParaRPr lang="en-US"/>
+        </a:p>
+      </dgm:t>
+    </dgm:pt>
+    <dgm:pt modelId="{08FB9C6E-8D4C-4159-B975-9192A954A249}" type="parTrans" cxnId="{24F02292-562D-4282-9400-65737B4567CD}">
+      <dgm:prSet/>
+      <dgm:spPr/>
+      <dgm:t>
+        <a:bodyPr/>
+        <a:lstStyle/>
+        <a:p>
+          <a:endParaRPr lang="en-US"/>
+        </a:p>
+      </dgm:t>
+    </dgm:pt>
+    <dgm:pt modelId="{96F33E37-25DA-4FFF-A2C7-ED3B8BE8A404}" type="sibTrans" cxnId="{24F02292-562D-4282-9400-65737B4567CD}">
+      <dgm:prSet/>
+      <dgm:spPr/>
+      <dgm:t>
+        <a:bodyPr/>
+        <a:lstStyle/>
+        <a:p>
+          <a:endParaRPr lang="en-US"/>
+        </a:p>
+      </dgm:t>
+    </dgm:pt>
+    <dgm:pt modelId="{79B14796-D7C4-40EE-8163-4169698B5796}">
+      <dgm:prSet/>
+      <dgm:spPr/>
+      <dgm:t>
+        <a:bodyPr/>
+        <a:lstStyle/>
+        <a:p>
+          <a:pPr>
+            <a:lnSpc>
+              <a:spcPct val="100000"/>
+            </a:lnSpc>
+          </a:pPr>
+          <a:r>
+            <a:rPr lang="en-US" b="0" i="0"/>
+            <a:t>492 Fraud Transactions</a:t>
+          </a:r>
+          <a:endParaRPr lang="en-US"/>
+        </a:p>
+      </dgm:t>
+    </dgm:pt>
+    <dgm:pt modelId="{A6455698-432D-407F-9C1D-60C1B2DD916C}" type="parTrans" cxnId="{D6569470-C896-49CD-A89D-39A74B92A570}">
+      <dgm:prSet/>
+      <dgm:spPr/>
+      <dgm:t>
+        <a:bodyPr/>
+        <a:lstStyle/>
+        <a:p>
+          <a:endParaRPr lang="en-US"/>
+        </a:p>
+      </dgm:t>
+    </dgm:pt>
+    <dgm:pt modelId="{548DB987-0E7A-430C-AD94-5F2CFC5F4D3C}" type="sibTrans" cxnId="{D6569470-C896-49CD-A89D-39A74B92A570}">
+      <dgm:prSet/>
+      <dgm:spPr/>
+      <dgm:t>
+        <a:bodyPr/>
+        <a:lstStyle/>
+        <a:p>
+          <a:endParaRPr lang="en-US"/>
+        </a:p>
+      </dgm:t>
+    </dgm:pt>
+    <dgm:pt modelId="{690F7C2E-AE0B-40D2-8C58-CC344392A89F}" type="pres">
+      <dgm:prSet presAssocID="{F0C12548-97B9-4555-9448-544060696EC8}" presName="root" presStyleCnt="0">
+        <dgm:presLayoutVars>
+          <dgm:dir/>
+          <dgm:resizeHandles val="exact"/>
+        </dgm:presLayoutVars>
+      </dgm:prSet>
+      <dgm:spPr/>
+    </dgm:pt>
+    <dgm:pt modelId="{36B4A6E8-10A0-4A45-B4D4-E817A8FEEAB7}" type="pres">
+      <dgm:prSet presAssocID="{9085E3A3-4F90-4567-981D-F220928E08E6}" presName="compNode" presStyleCnt="0"/>
+      <dgm:spPr/>
+    </dgm:pt>
+    <dgm:pt modelId="{6AB0B74E-BA0B-436D-8A5C-8F16BBDACEC8}" type="pres">
+      <dgm:prSet presAssocID="{9085E3A3-4F90-4567-981D-F220928E08E6}" presName="bgRect" presStyleLbl="bgShp" presStyleIdx="0" presStyleCnt="2"/>
+      <dgm:spPr/>
+    </dgm:pt>
+    <dgm:pt modelId="{0B0AAB6B-EB69-4AB3-AD40-0C8A6E46A4AC}" type="pres">
+      <dgm:prSet presAssocID="{9085E3A3-4F90-4567-981D-F220928E08E6}" presName="iconRect" presStyleLbl="node1" presStyleIdx="0" presStyleCnt="2"/>
+      <dgm:spPr>
+        <a:blipFill>
+          <a:blip xmlns:r="http://schemas.openxmlformats.org/officeDocument/2006/relationships" r:embed="rId1">
+            <a:extLst>
+              <a:ext uri="{28A0092B-C50C-407E-A947-70E740481C1C}">
+                <a14:useLocalDpi xmlns:a14="http://schemas.microsoft.com/office/drawing/2010/main" val="0"/>
+              </a:ext>
+              <a:ext uri="{96DAC541-7B7A-43D3-8B79-37D633B846F1}">
+                <asvg:svgBlip xmlns:asvg="http://schemas.microsoft.com/office/drawing/2016/SVG/main" r:embed="rId2"/>
+              </a:ext>
+            </a:extLst>
+          </a:blip>
+          <a:stretch>
+            <a:fillRect/>
+          </a:stretch>
+        </a:blipFill>
+      </dgm:spPr>
+      <dgm:extLst>
+        <a:ext uri="{E40237B7-FDA0-4F09-8148-C483321AD2D9}">
+          <dgm14:cNvPr xmlns:dgm14="http://schemas.microsoft.com/office/drawing/2010/diagram" id="0" name="" descr="Handshake"/>
+        </a:ext>
+      </dgm:extLst>
+    </dgm:pt>
+    <dgm:pt modelId="{CE79750A-4D98-4188-9FF0-5CB9EBD927AF}" type="pres">
+      <dgm:prSet presAssocID="{9085E3A3-4F90-4567-981D-F220928E08E6}" presName="spaceRect" presStyleCnt="0"/>
+      <dgm:spPr/>
+    </dgm:pt>
+    <dgm:pt modelId="{6B6AD3B6-EE7D-4501-BBF6-67F5C5576CE9}" type="pres">
+      <dgm:prSet presAssocID="{9085E3A3-4F90-4567-981D-F220928E08E6}" presName="parTx" presStyleLbl="revTx" presStyleIdx="0" presStyleCnt="2">
+        <dgm:presLayoutVars>
+          <dgm:chMax val="0"/>
+          <dgm:chPref val="0"/>
+        </dgm:presLayoutVars>
+      </dgm:prSet>
+      <dgm:spPr/>
+    </dgm:pt>
+    <dgm:pt modelId="{B0CE3AC2-BA04-4E83-B311-676BA1ED5AC3}" type="pres">
+      <dgm:prSet presAssocID="{96F33E37-25DA-4FFF-A2C7-ED3B8BE8A404}" presName="sibTrans" presStyleCnt="0"/>
+      <dgm:spPr/>
+    </dgm:pt>
+    <dgm:pt modelId="{F1B6E497-CD1B-46A2-BD0C-9BEACEC8BBD2}" type="pres">
+      <dgm:prSet presAssocID="{79B14796-D7C4-40EE-8163-4169698B5796}" presName="compNode" presStyleCnt="0"/>
+      <dgm:spPr/>
+    </dgm:pt>
+    <dgm:pt modelId="{63C1C714-CF23-46E6-B42E-8AAB4499C84A}" type="pres">
+      <dgm:prSet presAssocID="{79B14796-D7C4-40EE-8163-4169698B5796}" presName="bgRect" presStyleLbl="bgShp" presStyleIdx="1" presStyleCnt="2"/>
+      <dgm:spPr/>
+    </dgm:pt>
+    <dgm:pt modelId="{76E1F463-1E8E-4DD8-866E-627920C6F1C3}" type="pres">
+      <dgm:prSet presAssocID="{79B14796-D7C4-40EE-8163-4169698B5796}" presName="iconRect" presStyleLbl="node1" presStyleIdx="1" presStyleCnt="2"/>
+      <dgm:spPr>
+        <a:blipFill>
+          <a:blip xmlns:r="http://schemas.openxmlformats.org/officeDocument/2006/relationships" r:embed="rId3">
+            <a:extLst>
+              <a:ext uri="{28A0092B-C50C-407E-A947-70E740481C1C}">
+                <a14:useLocalDpi xmlns:a14="http://schemas.microsoft.com/office/drawing/2010/main" val="0"/>
+              </a:ext>
+              <a:ext uri="{96DAC541-7B7A-43D3-8B79-37D633B846F1}">
+                <asvg:svgBlip xmlns:asvg="http://schemas.microsoft.com/office/drawing/2016/SVG/main" r:embed="rId4"/>
+              </a:ext>
+            </a:extLst>
+          </a:blip>
+          <a:stretch>
+            <a:fillRect/>
+          </a:stretch>
+        </a:blipFill>
+      </dgm:spPr>
+      <dgm:extLst>
+        <a:ext uri="{E40237B7-FDA0-4F09-8148-C483321AD2D9}">
+          <dgm14:cNvPr xmlns:dgm14="http://schemas.microsoft.com/office/drawing/2010/diagram" id="0" name="" descr="Money"/>
+        </a:ext>
+      </dgm:extLst>
+    </dgm:pt>
+    <dgm:pt modelId="{E15BF6B4-D5A6-4F68-AAD4-880C97098E96}" type="pres">
+      <dgm:prSet presAssocID="{79B14796-D7C4-40EE-8163-4169698B5796}" presName="spaceRect" presStyleCnt="0"/>
+      <dgm:spPr/>
+    </dgm:pt>
+    <dgm:pt modelId="{A097E9EB-E5D8-41DA-BAE6-C80139E596A6}" type="pres">
+      <dgm:prSet presAssocID="{79B14796-D7C4-40EE-8163-4169698B5796}" presName="parTx" presStyleLbl="revTx" presStyleIdx="1" presStyleCnt="2">
+        <dgm:presLayoutVars>
+          <dgm:chMax val="0"/>
+          <dgm:chPref val="0"/>
+        </dgm:presLayoutVars>
+      </dgm:prSet>
+      <dgm:spPr/>
+    </dgm:pt>
+  </dgm:ptLst>
+  <dgm:cxnLst>
+    <dgm:cxn modelId="{7230381B-ACDE-46C2-B6C7-F8BFD300AA20}" type="presOf" srcId="{79B14796-D7C4-40EE-8163-4169698B5796}" destId="{A097E9EB-E5D8-41DA-BAE6-C80139E596A6}" srcOrd="0" destOrd="0" presId="urn:microsoft.com/office/officeart/2018/2/layout/IconVerticalSolidList"/>
+    <dgm:cxn modelId="{D6569470-C896-49CD-A89D-39A74B92A570}" srcId="{F0C12548-97B9-4555-9448-544060696EC8}" destId="{79B14796-D7C4-40EE-8163-4169698B5796}" srcOrd="1" destOrd="0" parTransId="{A6455698-432D-407F-9C1D-60C1B2DD916C}" sibTransId="{548DB987-0E7A-430C-AD94-5F2CFC5F4D3C}"/>
+    <dgm:cxn modelId="{028C7056-DFD3-48B6-A95B-9C1282D50970}" type="presOf" srcId="{9085E3A3-4F90-4567-981D-F220928E08E6}" destId="{6B6AD3B6-EE7D-4501-BBF6-67F5C5576CE9}" srcOrd="0" destOrd="0" presId="urn:microsoft.com/office/officeart/2018/2/layout/IconVerticalSolidList"/>
+    <dgm:cxn modelId="{24F02292-562D-4282-9400-65737B4567CD}" srcId="{F0C12548-97B9-4555-9448-544060696EC8}" destId="{9085E3A3-4F90-4567-981D-F220928E08E6}" srcOrd="0" destOrd="0" parTransId="{08FB9C6E-8D4C-4159-B975-9192A954A249}" sibTransId="{96F33E37-25DA-4FFF-A2C7-ED3B8BE8A404}"/>
+    <dgm:cxn modelId="{BD5366A0-B3F2-47E1-ADCD-6424F3A5CB91}" type="presOf" srcId="{F0C12548-97B9-4555-9448-544060696EC8}" destId="{690F7C2E-AE0B-40D2-8C58-CC344392A89F}" srcOrd="0" destOrd="0" presId="urn:microsoft.com/office/officeart/2018/2/layout/IconVerticalSolidList"/>
+    <dgm:cxn modelId="{8ED11772-E0D4-4E32-9061-2EA4AF320965}" type="presParOf" srcId="{690F7C2E-AE0B-40D2-8C58-CC344392A89F}" destId="{36B4A6E8-10A0-4A45-B4D4-E817A8FEEAB7}" srcOrd="0" destOrd="0" presId="urn:microsoft.com/office/officeart/2018/2/layout/IconVerticalSolidList"/>
+    <dgm:cxn modelId="{0ED81FF7-1926-41BB-AA65-4229C60A5B06}" type="presParOf" srcId="{36B4A6E8-10A0-4A45-B4D4-E817A8FEEAB7}" destId="{6AB0B74E-BA0B-436D-8A5C-8F16BBDACEC8}" srcOrd="0" destOrd="0" presId="urn:microsoft.com/office/officeart/2018/2/layout/IconVerticalSolidList"/>
+    <dgm:cxn modelId="{662F6BC0-3D33-4360-A1FD-5FE05A87DC82}" type="presParOf" srcId="{36B4A6E8-10A0-4A45-B4D4-E817A8FEEAB7}" destId="{0B0AAB6B-EB69-4AB3-AD40-0C8A6E46A4AC}" srcOrd="1" destOrd="0" presId="urn:microsoft.com/office/officeart/2018/2/layout/IconVerticalSolidList"/>
+    <dgm:cxn modelId="{FE00BA08-E34C-4D14-8107-D145F067629B}" type="presParOf" srcId="{36B4A6E8-10A0-4A45-B4D4-E817A8FEEAB7}" destId="{CE79750A-4D98-4188-9FF0-5CB9EBD927AF}" srcOrd="2" destOrd="0" presId="urn:microsoft.com/office/officeart/2018/2/layout/IconVerticalSolidList"/>
+    <dgm:cxn modelId="{66854D28-7D68-43CF-B652-75FDD678BF9E}" type="presParOf" srcId="{36B4A6E8-10A0-4A45-B4D4-E817A8FEEAB7}" destId="{6B6AD3B6-EE7D-4501-BBF6-67F5C5576CE9}" srcOrd="3" destOrd="0" presId="urn:microsoft.com/office/officeart/2018/2/layout/IconVerticalSolidList"/>
+    <dgm:cxn modelId="{C7DA6F4E-5147-482B-9178-93C659E5A41F}" type="presParOf" srcId="{690F7C2E-AE0B-40D2-8C58-CC344392A89F}" destId="{B0CE3AC2-BA04-4E83-B311-676BA1ED5AC3}" srcOrd="1" destOrd="0" presId="urn:microsoft.com/office/officeart/2018/2/layout/IconVerticalSolidList"/>
+    <dgm:cxn modelId="{E093347E-A7DC-4BAC-9FF8-A3FD77474EE2}" type="presParOf" srcId="{690F7C2E-AE0B-40D2-8C58-CC344392A89F}" destId="{F1B6E497-CD1B-46A2-BD0C-9BEACEC8BBD2}" srcOrd="2" destOrd="0" presId="urn:microsoft.com/office/officeart/2018/2/layout/IconVerticalSolidList"/>
+    <dgm:cxn modelId="{501A13C7-3344-4C9D-B85E-42F52455C144}" type="presParOf" srcId="{F1B6E497-CD1B-46A2-BD0C-9BEACEC8BBD2}" destId="{63C1C714-CF23-46E6-B42E-8AAB4499C84A}" srcOrd="0" destOrd="0" presId="urn:microsoft.com/office/officeart/2018/2/layout/IconVerticalSolidList"/>
+    <dgm:cxn modelId="{CC44513F-D839-4429-8C9D-655165E2C5FF}" type="presParOf" srcId="{F1B6E497-CD1B-46A2-BD0C-9BEACEC8BBD2}" destId="{76E1F463-1E8E-4DD8-866E-627920C6F1C3}" srcOrd="1" destOrd="0" presId="urn:microsoft.com/office/officeart/2018/2/layout/IconVerticalSolidList"/>
+    <dgm:cxn modelId="{651525B3-EE77-4F3A-9F21-610CF5440E29}" type="presParOf" srcId="{F1B6E497-CD1B-46A2-BD0C-9BEACEC8BBD2}" destId="{E15BF6B4-D5A6-4F68-AAD4-880C97098E96}" srcOrd="2" destOrd="0" presId="urn:microsoft.com/office/officeart/2018/2/layout/IconVerticalSolidList"/>
+    <dgm:cxn modelId="{9F8E45B2-6A79-4455-B3B0-ADA3D9DF3394}" type="presParOf" srcId="{F1B6E497-CD1B-46A2-BD0C-9BEACEC8BBD2}" destId="{A097E9EB-E5D8-41DA-BAE6-C80139E596A6}" srcOrd="3" destOrd="0" presId="urn:microsoft.com/office/officeart/2018/2/layout/IconVerticalSolidList"/>
+  </dgm:cxnLst>
+  <dgm:bg/>
+  <dgm:whole/>
+  <dgm:extLst>
+    <a:ext uri="http://schemas.microsoft.com/office/drawing/2008/diagram">
+      <dsp:dataModelExt xmlns:dsp="http://schemas.microsoft.com/office/drawing/2008/diagram" relId="rId6" minVer="http://schemas.openxmlformats.org/drawingml/2006/diagram"/>
+    </a:ext>
+  </dgm:extLst>
+</dgm:dataModel>
+</file>
+
+<file path=ppt/diagrams/drawing1.xml><?xml version="1.0" encoding="utf-8"?>
+<dsp:drawing xmlns:dgm="http://schemas.openxmlformats.org/drawingml/2006/diagram" xmlns:dsp="http://schemas.microsoft.com/office/drawing/2008/diagram" xmlns:a="http://schemas.openxmlformats.org/drawingml/2006/main">
+  <dsp:spTree>
+    <dsp:nvGrpSpPr>
+      <dsp:cNvPr id="0" name=""/>
+      <dsp:cNvGrpSpPr/>
+    </dsp:nvGrpSpPr>
+    <dsp:grpSpPr/>
+    <dsp:sp modelId="{6AB0B74E-BA0B-436D-8A5C-8F16BBDACEC8}">
+      <dsp:nvSpPr>
+        <dsp:cNvPr id="0" name=""/>
+        <dsp:cNvSpPr/>
+      </dsp:nvSpPr>
+      <dsp:spPr>
+        <a:xfrm>
+          <a:off x="0" y="562437"/>
+          <a:ext cx="5814239" cy="1038346"/>
+        </a:xfrm>
+        <a:prstGeom prst="roundRect">
+          <a:avLst>
+            <a:gd name="adj" fmla="val 10000"/>
+          </a:avLst>
+        </a:prstGeom>
+        <a:solidFill>
+          <a:schemeClr val="accent1">
+            <a:tint val="40000"/>
+            <a:hueOff val="0"/>
+            <a:satOff val="0"/>
+            <a:lumOff val="0"/>
+            <a:alphaOff val="0"/>
+          </a:schemeClr>
+        </a:solidFill>
+        <a:ln>
+          <a:noFill/>
+        </a:ln>
+        <a:effectLst/>
+      </dsp:spPr>
+      <dsp:style>
+        <a:lnRef idx="0">
+          <a:scrgbClr r="0" g="0" b="0"/>
+        </a:lnRef>
+        <a:fillRef idx="1">
+          <a:scrgbClr r="0" g="0" b="0"/>
+        </a:fillRef>
+        <a:effectRef idx="0">
+          <a:scrgbClr r="0" g="0" b="0"/>
+        </a:effectRef>
+        <a:fontRef idx="minor"/>
+      </dsp:style>
+    </dsp:sp>
+    <dsp:sp modelId="{0B0AAB6B-EB69-4AB3-AD40-0C8A6E46A4AC}">
+      <dsp:nvSpPr>
+        <dsp:cNvPr id="0" name=""/>
+        <dsp:cNvSpPr/>
+      </dsp:nvSpPr>
+      <dsp:spPr>
+        <a:xfrm>
+          <a:off x="314099" y="796065"/>
+          <a:ext cx="571090" cy="571090"/>
+        </a:xfrm>
+        <a:prstGeom prst="rect">
+          <a:avLst/>
+        </a:prstGeom>
+        <a:blipFill>
+          <a:blip xmlns:r="http://schemas.openxmlformats.org/officeDocument/2006/relationships" r:embed="rId1">
+            <a:extLst>
+              <a:ext uri="{28A0092B-C50C-407E-A947-70E740481C1C}">
+                <a14:useLocalDpi xmlns:a14="http://schemas.microsoft.com/office/drawing/2010/main" val="0"/>
+              </a:ext>
+              <a:ext uri="{96DAC541-7B7A-43D3-8B79-37D633B846F1}">
+                <asvg:svgBlip xmlns:asvg="http://schemas.microsoft.com/office/drawing/2016/SVG/main" r:embed="rId2"/>
+              </a:ext>
+            </a:extLst>
+          </a:blip>
+          <a:stretch>
+            <a:fillRect/>
+          </a:stretch>
+        </a:blipFill>
+        <a:ln w="12700" cap="flat" cmpd="sng" algn="ctr">
+          <a:solidFill>
+            <a:schemeClr val="lt1">
+              <a:hueOff val="0"/>
+              <a:satOff val="0"/>
+              <a:lumOff val="0"/>
+              <a:alphaOff val="0"/>
+            </a:schemeClr>
+          </a:solidFill>
+          <a:prstDash val="solid"/>
+          <a:miter lim="800000"/>
+        </a:ln>
+        <a:effectLst/>
+      </dsp:spPr>
+      <dsp:style>
+        <a:lnRef idx="2">
+          <a:scrgbClr r="0" g="0" b="0"/>
+        </a:lnRef>
+        <a:fillRef idx="1">
+          <a:scrgbClr r="0" g="0" b="0"/>
+        </a:fillRef>
+        <a:effectRef idx="0">
+          <a:scrgbClr r="0" g="0" b="0"/>
+        </a:effectRef>
+        <a:fontRef idx="minor">
+          <a:schemeClr val="lt1"/>
+        </a:fontRef>
+      </dsp:style>
+    </dsp:sp>
+    <dsp:sp modelId="{6B6AD3B6-EE7D-4501-BBF6-67F5C5576CE9}">
+      <dsp:nvSpPr>
+        <dsp:cNvPr id="0" name=""/>
+        <dsp:cNvSpPr/>
+      </dsp:nvSpPr>
+      <dsp:spPr>
+        <a:xfrm>
+          <a:off x="1199290" y="562437"/>
+          <a:ext cx="4614948" cy="1038346"/>
+        </a:xfrm>
+        <a:prstGeom prst="rect">
+          <a:avLst/>
+        </a:prstGeom>
+        <a:noFill/>
+        <a:ln>
+          <a:noFill/>
+        </a:ln>
+        <a:effectLst/>
+      </dsp:spPr>
+      <dsp:style>
+        <a:lnRef idx="0">
+          <a:scrgbClr r="0" g="0" b="0"/>
+        </a:lnRef>
+        <a:fillRef idx="0">
+          <a:scrgbClr r="0" g="0" b="0"/>
+        </a:fillRef>
+        <a:effectRef idx="0">
+          <a:scrgbClr r="0" g="0" b="0"/>
+        </a:effectRef>
+        <a:fontRef idx="minor"/>
+      </dsp:style>
+      <dsp:txBody>
+        <a:bodyPr spcFirstLastPara="0" vert="horz" wrap="square" lIns="109892" tIns="109892" rIns="109892" bIns="109892" numCol="1" spcCol="1270" anchor="ctr" anchorCtr="0">
+          <a:noAutofit/>
+        </a:bodyPr>
+        <a:lstStyle/>
+        <a:p>
+          <a:pPr marL="0" lvl="0" indent="0" algn="l" defTabSz="1111250">
+            <a:lnSpc>
+              <a:spcPct val="100000"/>
+            </a:lnSpc>
+            <a:spcBef>
+              <a:spcPct val="0"/>
+            </a:spcBef>
+            <a:spcAft>
+              <a:spcPct val="35000"/>
+            </a:spcAft>
+            <a:buNone/>
+          </a:pPr>
+          <a:r>
+            <a:rPr lang="en-US" sz="2500" b="0" i="0" kern="1200"/>
+            <a:t>284,315 Good Transactions</a:t>
+          </a:r>
+          <a:endParaRPr lang="en-US" sz="2500" kern="1200"/>
+        </a:p>
+      </dsp:txBody>
+      <dsp:txXfrm>
+        <a:off x="1199290" y="562437"/>
+        <a:ext cx="4614948" cy="1038346"/>
+      </dsp:txXfrm>
+    </dsp:sp>
+    <dsp:sp modelId="{63C1C714-CF23-46E6-B42E-8AAB4499C84A}">
+      <dsp:nvSpPr>
+        <dsp:cNvPr id="0" name=""/>
+        <dsp:cNvSpPr/>
+      </dsp:nvSpPr>
+      <dsp:spPr>
+        <a:xfrm>
+          <a:off x="0" y="1860370"/>
+          <a:ext cx="5814239" cy="1038346"/>
+        </a:xfrm>
+        <a:prstGeom prst="roundRect">
+          <a:avLst>
+            <a:gd name="adj" fmla="val 10000"/>
+          </a:avLst>
+        </a:prstGeom>
+        <a:solidFill>
+          <a:schemeClr val="accent1">
+            <a:tint val="40000"/>
+            <a:hueOff val="0"/>
+            <a:satOff val="0"/>
+            <a:lumOff val="0"/>
+            <a:alphaOff val="0"/>
+          </a:schemeClr>
+        </a:solidFill>
+        <a:ln>
+          <a:noFill/>
+        </a:ln>
+        <a:effectLst/>
+      </dsp:spPr>
+      <dsp:style>
+        <a:lnRef idx="0">
+          <a:scrgbClr r="0" g="0" b="0"/>
+        </a:lnRef>
+        <a:fillRef idx="1">
+          <a:scrgbClr r="0" g="0" b="0"/>
+        </a:fillRef>
+        <a:effectRef idx="0">
+          <a:scrgbClr r="0" g="0" b="0"/>
+        </a:effectRef>
+        <a:fontRef idx="minor"/>
+      </dsp:style>
+    </dsp:sp>
+    <dsp:sp modelId="{76E1F463-1E8E-4DD8-866E-627920C6F1C3}">
+      <dsp:nvSpPr>
+        <dsp:cNvPr id="0" name=""/>
+        <dsp:cNvSpPr/>
+      </dsp:nvSpPr>
+      <dsp:spPr>
+        <a:xfrm>
+          <a:off x="314099" y="2093998"/>
+          <a:ext cx="571090" cy="571090"/>
+        </a:xfrm>
+        <a:prstGeom prst="rect">
+          <a:avLst/>
+        </a:prstGeom>
+        <a:blipFill>
+          <a:blip xmlns:r="http://schemas.openxmlformats.org/officeDocument/2006/relationships" r:embed="rId3">
+            <a:extLst>
+              <a:ext uri="{28A0092B-C50C-407E-A947-70E740481C1C}">
+                <a14:useLocalDpi xmlns:a14="http://schemas.microsoft.com/office/drawing/2010/main" val="0"/>
+              </a:ext>
+              <a:ext uri="{96DAC541-7B7A-43D3-8B79-37D633B846F1}">
+                <asvg:svgBlip xmlns:asvg="http://schemas.microsoft.com/office/drawing/2016/SVG/main" r:embed="rId4"/>
+              </a:ext>
+            </a:extLst>
+          </a:blip>
+          <a:stretch>
+            <a:fillRect/>
+          </a:stretch>
+        </a:blipFill>
+        <a:ln w="12700" cap="flat" cmpd="sng" algn="ctr">
+          <a:solidFill>
+            <a:schemeClr val="lt1">
+              <a:hueOff val="0"/>
+              <a:satOff val="0"/>
+              <a:lumOff val="0"/>
+              <a:alphaOff val="0"/>
+            </a:schemeClr>
+          </a:solidFill>
+          <a:prstDash val="solid"/>
+          <a:miter lim="800000"/>
+        </a:ln>
+        <a:effectLst/>
+      </dsp:spPr>
+      <dsp:style>
+        <a:lnRef idx="2">
+          <a:scrgbClr r="0" g="0" b="0"/>
+        </a:lnRef>
+        <a:fillRef idx="1">
+          <a:scrgbClr r="0" g="0" b="0"/>
+        </a:fillRef>
+        <a:effectRef idx="0">
+          <a:scrgbClr r="0" g="0" b="0"/>
+        </a:effectRef>
+        <a:fontRef idx="minor">
+          <a:schemeClr val="lt1"/>
+        </a:fontRef>
+      </dsp:style>
+    </dsp:sp>
+    <dsp:sp modelId="{A097E9EB-E5D8-41DA-BAE6-C80139E596A6}">
+      <dsp:nvSpPr>
+        <dsp:cNvPr id="0" name=""/>
+        <dsp:cNvSpPr/>
+      </dsp:nvSpPr>
+      <dsp:spPr>
+        <a:xfrm>
+          <a:off x="1199290" y="1860370"/>
+          <a:ext cx="4614948" cy="1038346"/>
+        </a:xfrm>
+        <a:prstGeom prst="rect">
+          <a:avLst/>
+        </a:prstGeom>
+        <a:noFill/>
+        <a:ln>
+          <a:noFill/>
+        </a:ln>
+        <a:effectLst/>
+      </dsp:spPr>
+      <dsp:style>
+        <a:lnRef idx="0">
+          <a:scrgbClr r="0" g="0" b="0"/>
+        </a:lnRef>
+        <a:fillRef idx="0">
+          <a:scrgbClr r="0" g="0" b="0"/>
+        </a:fillRef>
+        <a:effectRef idx="0">
+          <a:scrgbClr r="0" g="0" b="0"/>
+        </a:effectRef>
+        <a:fontRef idx="minor"/>
+      </dsp:style>
+      <dsp:txBody>
+        <a:bodyPr spcFirstLastPara="0" vert="horz" wrap="square" lIns="109892" tIns="109892" rIns="109892" bIns="109892" numCol="1" spcCol="1270" anchor="ctr" anchorCtr="0">
+          <a:noAutofit/>
+        </a:bodyPr>
+        <a:lstStyle/>
+        <a:p>
+          <a:pPr marL="0" lvl="0" indent="0" algn="l" defTabSz="1111250">
+            <a:lnSpc>
+              <a:spcPct val="100000"/>
+            </a:lnSpc>
+            <a:spcBef>
+              <a:spcPct val="0"/>
+            </a:spcBef>
+            <a:spcAft>
+              <a:spcPct val="35000"/>
+            </a:spcAft>
+            <a:buNone/>
+          </a:pPr>
+          <a:r>
+            <a:rPr lang="en-US" sz="2500" b="0" i="0" kern="1200"/>
+            <a:t>492 Fraud Transactions</a:t>
+          </a:r>
+          <a:endParaRPr lang="en-US" sz="2500" kern="1200"/>
+        </a:p>
+      </dsp:txBody>
+      <dsp:txXfrm>
+        <a:off x="1199290" y="1860370"/>
+        <a:ext cx="4614948" cy="1038346"/>
+      </dsp:txXfrm>
+    </dsp:sp>
+  </dsp:spTree>
+</dsp:drawing>
+</file>
+
+<file path=ppt/diagrams/layout1.xml><?xml version="1.0" encoding="utf-8"?>
+<dgm:layoutDef xmlns:dgm="http://schemas.openxmlformats.org/drawingml/2006/diagram" xmlns:a="http://schemas.openxmlformats.org/drawingml/2006/main" uniqueId="urn:microsoft.com/office/officeart/2018/2/layout/IconVerticalSolidList">
+  <dgm:title val="Icon Vertical Solid List"/>
+  <dgm:desc val="Use to show a series of visuals from top to bottom with Level 1 or Level 1 and Level 2 text grouped in a shape. Works best with icons or small pictures with lengthier descriptions."/>
+  <dgm:catLst>
+    <dgm:cat type="icon" pri="500"/>
+  </dgm:catLst>
+  <dgm:sampData useDef="1">
+    <dgm:dataModel>
+      <dgm:ptLst/>
+      <dgm:bg/>
+      <dgm:whole/>
+    </dgm:dataModel>
+  </dgm:sampData>
+  <dgm:styleData useDef="1">
+    <dgm:dataModel>
+      <dgm:ptLst/>
+      <dgm:bg/>
+      <dgm:whole/>
+    </dgm:dataModel>
+  </dgm:styleData>
+  <dgm:clrData useDef="1">
+    <dgm:dataModel>
+      <dgm:ptLst/>
+      <dgm:bg/>
+      <dgm:whole/>
+    </dgm:dataModel>
+  </dgm:clrData>
+  <dgm:layoutNode name="root">
+    <dgm:varLst>
+      <dgm:dir/>
+      <dgm:resizeHandles val="exact"/>
+    </dgm:varLst>
+    <dgm:choose name="Name0">
+      <dgm:if name="Name1" axis="self" func="var" arg="dir" op="equ" val="norm">
+        <dgm:alg type="lin">
+          <dgm:param type="linDir" val="fromT"/>
+          <dgm:param type="nodeHorzAlign" val="l"/>
+        </dgm:alg>
+      </dgm:if>
+      <dgm:else name="Name2">
+        <dgm:alg type="lin">
+          <dgm:param type="linDir" val="fromT"/>
+          <dgm:param type="nodeHorzAlign" val="r"/>
+        </dgm:alg>
+      </dgm:else>
+    </dgm:choose>
+    <dgm:shape xmlns:r="http://schemas.openxmlformats.org/officeDocument/2006/relationships" r:blip="">
+      <dgm:adjLst/>
+    </dgm:shape>
+    <dgm:presOf/>
+    <dgm:choose name="Name3">
+      <dgm:if name="Name4" axis="ch" ptType="node" func="cnt" op="lte" val="3">
+        <dgm:constrLst>
+          <dgm:constr type="h" for="ch" forName="compNode" refType="h" fact="0.3"/>
+          <dgm:constr type="w" for="ch" forName="compNode" refType="w"/>
+          <dgm:constr type="h" for="ch" forName="sibTrans" refType="h" refFor="ch" refForName="compNode" fact="0.25"/>
+          <dgm:constr type="primFontSz" for="des" forName="parTx" val="25"/>
+          <dgm:constr type="primFontSz" for="des" forName="desTx" refType="primFontSz" refFor="des" refForName="parTx" op="lte" fact="0.75"/>
+          <dgm:constr type="h" for="des" forName="compNode" op="equ"/>
+          <dgm:constr type="h" for="des" forName="bgRect" op="equ"/>
+          <dgm:constr type="h" for="des" forName="iconRect" op="equ"/>
+          <dgm:constr type="w" for="des" forName="iconRect" op="equ"/>
+          <dgm:constr type="h" for="des" forName="spaceRect" op="equ"/>
+          <dgm:constr type="h" for="des" forName="parTx" op="equ"/>
+          <dgm:constr type="h" for="des" forName="desTx" op="equ"/>
+        </dgm:constrLst>
+      </dgm:if>
+      <dgm:if name="Name5" axis="ch" ptType="node" func="cnt" op="lte" val="4">
+        <dgm:constrLst>
+          <dgm:constr type="h" for="ch" forName="compNode" refType="h" fact="0.3"/>
+          <dgm:constr type="w" for="ch" forName="compNode" refType="w"/>
+          <dgm:constr type="h" for="ch" forName="sibTrans" refType="h" refFor="ch" refForName="compNode" fact="0.25"/>
+          <dgm:constr type="primFontSz" for="des" forName="parTx" val="22"/>
+          <dgm:constr type="primFontSz" for="des" forName="desTx" refType="primFontSz" refFor="des" refForName="parTx" op="lte" fact="0.75"/>
+          <dgm:constr type="h" for="des" forName="compNode" op="equ"/>
+          <dgm:constr type="h" for="des" forName="bgRect" op="equ"/>
+          <dgm:constr type="h" for="des" forName="iconRect" op="equ"/>
+          <dgm:constr type="w" for="des" forName="iconRect" op="equ"/>
+          <dgm:constr type="h" for="des" forName="spaceRect" op="equ"/>
+          <dgm:constr type="h" for="des" forName="parTx" op="equ"/>
+          <dgm:constr type="h" for="des" forName="desTx" op="equ"/>
+        </dgm:constrLst>
+      </dgm:if>
+      <dgm:if name="Name6" axis="ch" ptType="node" func="cnt" op="lte" val="6">
+        <dgm:constrLst>
+          <dgm:constr type="h" for="ch" forName="compNode" refType="h" fact="0.3"/>
+          <dgm:constr type="w" for="ch" forName="compNode" refType="w"/>
+          <dgm:constr type="h" for="ch" forName="sibTrans" refType="h" refFor="ch" refForName="compNode" fact="0.25"/>
+          <dgm:constr type="primFontSz" for="des" forName="parTx" val="19"/>
+          <dgm:constr type="primFontSz" for="des" forName="desTx" refType="primFontSz" refFor="des" refForName="parTx" op="lte" fact="0.75"/>
+          <dgm:constr type="h" for="des" forName="compNode" op="equ"/>
+          <dgm:constr type="h" for="des" forName="bgRect" op="equ"/>
+          <dgm:constr type="h" for="des" forName="iconRect" op="equ"/>
+          <dgm:constr type="w" for="des" forName="iconRect" op="equ"/>
+          <dgm:constr type="h" for="des" forName="spaceRect" op="equ"/>
+          <dgm:constr type="h" for="des" forName="parTx" op="equ"/>
+          <dgm:constr type="h" for="des" forName="desTx" op="equ"/>
+        </dgm:constrLst>
+      </dgm:if>
+      <dgm:else name="Name7">
+        <dgm:constrLst>
+          <dgm:constr type="h" for="ch" forName="compNode" refType="h" fact="0.3"/>
+          <dgm:constr type="w" for="ch" forName="compNode" refType="w"/>
+          <dgm:constr type="h" for="ch" forName="sibTrans" refType="h" refFor="ch" refForName="compNode" fact="0.25"/>
+          <dgm:constr type="primFontSz" for="des" forName="parTx" val="16"/>
+          <dgm:constr type="primFontSz" for="des" forName="desTx" refType="primFontSz" refFor="des" refForName="parTx" op="lte" fact="0.75"/>
+          <dgm:constr type="h" for="des" forName="compNode" op="equ"/>
+          <dgm:constr type="h" for="des" forName="bgRect" op="equ"/>
+          <dgm:constr type="h" for="des" forName="iconRect" op="equ"/>
+          <dgm:constr type="w" for="des" forName="iconRect" op="equ"/>
+          <dgm:constr type="h" for="des" forName="spaceRect" op="equ"/>
+          <dgm:constr type="h" for="des" forName="parTx" op="equ"/>
+          <dgm:constr type="h" for="des" forName="desTx" op="equ"/>
+        </dgm:constrLst>
+      </dgm:else>
+    </dgm:choose>
+    <dgm:ruleLst>
+      <dgm:rule type="h" for="ch" forName="compNode" val="0" fact="NaN" max="NaN"/>
+    </dgm:ruleLst>
+    <dgm:forEach name="Name8" axis="ch" ptType="node">
+      <dgm:layoutNode name="compNode">
+        <dgm:alg type="composite"/>
+        <dgm:shape xmlns:r="http://schemas.openxmlformats.org/officeDocument/2006/relationships" r:blip="">
+          <dgm:adjLst/>
+        </dgm:shape>
+        <dgm:presOf axis="self"/>
+        <dgm:choose name="Name9">
+          <dgm:if name="Name10" axis="ch" ptType="node" func="cnt" op="gte" val="1">
+            <dgm:constrLst>
+              <dgm:constr type="w" for="ch" forName="bgRect" refType="w"/>
+              <dgm:constr type="h" for="ch" forName="bgRect" refType="h"/>
+              <dgm:constr type="l" for="ch" forName="bgRect"/>
+              <dgm:constr type="t" for="ch" forName="bgRect"/>
+              <dgm:constr type="h" for="ch" forName="iconRect" refType="h" fact="0.55"/>
+              <dgm:constr type="w" for="ch" forName="iconRect" refType="h" refFor="ch" refForName="iconRect"/>
+              <dgm:constr type="l" for="ch" forName="iconRect" refType="h" refFor="ch" refForName="iconRect" fact="0.55"/>
+              <dgm:constr type="ctrY" for="ch" forName="iconRect" refType="ctrY" refFor="ch" refForName="bgRect"/>
+              <dgm:constr type="w" for="ch" forName="spaceRect" refType="l" refFor="ch" refForName="iconRect"/>
+              <dgm:constr type="h" for="ch" forName="spaceRect" refType="h"/>
+              <dgm:constr type="l" for="ch" forName="spaceRect" refType="r" refFor="ch" refForName="iconRect"/>
+              <dgm:constr type="t" for="ch" forName="spaceRect"/>
+              <dgm:constr type="w" for="ch" forName="parTx" refType="w" fact="0.45"/>
+              <dgm:constr type="h" for="ch" forName="parTx" refType="h"/>
+              <dgm:constr type="l" for="ch" forName="parTx" refType="r" refFor="ch" refForName="spaceRect"/>
+              <dgm:constr type="t" for="ch" forName="parTx"/>
+              <dgm:constr type="h" for="ch" forName="desTx" refType="h"/>
+              <dgm:constr type="l" for="ch" forName="desTx" refType="r" refFor="ch" refForName="parTx"/>
+              <dgm:constr type="t" for="ch" forName="desTx"/>
+            </dgm:constrLst>
+          </dgm:if>
+          <dgm:else name="Name11">
+            <dgm:constrLst>
+              <dgm:constr type="w" for="ch" forName="bgRect" refType="w"/>
+              <dgm:constr type="h" for="ch" forName="bgRect" refType="h"/>
+              <dgm:constr type="l" for="ch" forName="bgRect"/>
+              <dgm:constr type="t" for="ch" forName="bgRect"/>
+              <dgm:constr type="h" for="ch" forName="iconRect" refType="h" fact="0.55"/>
+              <dgm:constr type="w" for="ch" forName="iconRect" refType="h" refFor="ch" refForName="iconRect"/>
+              <dgm:constr type="l" for="ch" forName="iconRect" refType="h" refFor="ch" refForName="iconRect" fact="0.55"/>
+              <dgm:constr type="ctrY" for="ch" forName="iconRect" refType="ctrY" refFor="ch" refForName="bgRect"/>
+              <dgm:constr type="w" for="ch" forName="spaceRect" refType="l" refFor="ch" refForName="iconRect"/>
+              <dgm:constr type="h" for="ch" forName="spaceRect" refType="h"/>
+              <dgm:constr type="l" for="ch" forName="spaceRect" refType="r" refFor="ch" refForName="iconRect"/>
+              <dgm:constr type="t" for="ch" forName="spaceRect"/>
+              <dgm:constr type="h" for="ch" forName="parTx" refType="h"/>
+              <dgm:constr type="l" for="ch" forName="parTx" refType="r" refFor="ch" refForName="spaceRect"/>
+              <dgm:constr type="t" for="ch" forName="parTx"/>
+            </dgm:constrLst>
+          </dgm:else>
+        </dgm:choose>
+        <dgm:ruleLst>
+          <dgm:rule type="h" val="INF" fact="NaN" max="NaN"/>
+        </dgm:ruleLst>
+        <dgm:layoutNode name="bgRect" styleLbl="bgShp">
+          <dgm:alg type="sp"/>
+          <dgm:shape xmlns:r="http://schemas.openxmlformats.org/officeDocument/2006/relationships" type="roundRect" r:blip="">
+            <dgm:adjLst>
+              <dgm:adj idx="1" val="0.1"/>
+            </dgm:adjLst>
+          </dgm:shape>
+          <dgm:presOf/>
+          <dgm:constrLst/>
+          <dgm:ruleLst/>
+        </dgm:layoutNode>
+        <dgm:layoutNode name="iconRect" styleLbl="node1">
+          <dgm:alg type="sp"/>
+          <dgm:shape xmlns:r="http://schemas.openxmlformats.org/officeDocument/2006/relationships" type="rect" r:blip="" blipPhldr="1">
+            <dgm:adjLst/>
+          </dgm:shape>
+          <dgm:presOf/>
+          <dgm:constrLst/>
+          <dgm:ruleLst/>
+        </dgm:layoutNode>
+        <dgm:layoutNode name="spaceRect">
+          <dgm:alg type="sp"/>
+          <dgm:shape xmlns:r="http://schemas.openxmlformats.org/officeDocument/2006/relationships" r:blip="">
+            <dgm:adjLst/>
+          </dgm:shape>
+          <dgm:presOf/>
+          <dgm:constrLst/>
+          <dgm:ruleLst/>
+        </dgm:layoutNode>
+        <dgm:layoutNode name="parTx" styleLbl="revTx">
+          <dgm:varLst>
+            <dgm:chMax val="0"/>
+            <dgm:chPref val="0"/>
+          </dgm:varLst>
+          <dgm:alg type="tx">
+            <dgm:param type="txAnchorVert" val="mid"/>
+            <dgm:param type="parTxLTRAlign" val="l"/>
+            <dgm:param type="shpTxLTRAlignCh" val="l"/>
+            <dgm:param type="parTxRTLAlign" val="r"/>
+            <dgm:param type="shpTxRTLAlignCh" val="r"/>
+          </dgm:alg>
+          <dgm:shape xmlns:r="http://schemas.openxmlformats.org/officeDocument/2006/relationships" type="rect" r:blip="">
+            <dgm:adjLst/>
+          </dgm:shape>
+          <dgm:presOf axis="self" ptType="node"/>
+          <dgm:constrLst>
+            <dgm:constr type="lMarg" refType="h" fact="0.3"/>
+            <dgm:constr type="rMarg" refType="h" fact="0.3"/>
+            <dgm:constr type="tMarg" refType="h" fact="0.3"/>
+            <dgm:constr type="bMarg" refType="h" fact="0.3"/>
+          </dgm:constrLst>
+          <dgm:ruleLst>
+            <dgm:rule type="primFontSz" val="14" fact="NaN" max="NaN"/>
+            <dgm:rule type="h" val="INF" fact="NaN" max="NaN"/>
+          </dgm:ruleLst>
+        </dgm:layoutNode>
+        <dgm:choose name="Name12">
+          <dgm:if name="Name13" axis="ch" ptType="node" func="cnt" op="gte" val="1">
+            <dgm:layoutNode name="desTx" styleLbl="revTx">
+              <dgm:varLst/>
+              <dgm:alg type="tx">
+                <dgm:param type="txAnchorVertCh" val="mid"/>
+                <dgm:param type="parTxLTRAlign" val="l"/>
+                <dgm:param type="shpTxLTRAlignCh" val="l"/>
+                <dgm:param type="parTxRTLAlign" val="r"/>
+                <dgm:param type="shpTxRTLAlignCh" val="r"/>
+                <dgm:param type="stBulletLvl" val="0"/>
+              </dgm:alg>
+              <dgm:shape xmlns:r="http://schemas.openxmlformats.org/officeDocument/2006/relationships" type="rect" r:blip="">
+                <dgm:adjLst/>
+              </dgm:shape>
+              <dgm:presOf axis="des" ptType="node"/>
+              <dgm:constrLst>
+                <dgm:constr type="primFontSz" val="18"/>
+                <dgm:constr type="secFontSz" refType="primFontSz"/>
+                <dgm:constr type="lMarg" refType="h" fact="0.3"/>
+                <dgm:constr type="rMarg" refType="h" fact="0.3"/>
+                <dgm:constr type="tMarg" refType="h" fact="0.3"/>
+                <dgm:constr type="bMarg" refType="h" fact="0.3"/>
+              </dgm:constrLst>
+              <dgm:ruleLst>
+                <dgm:rule type="primFontSz" val="11" fact="NaN" max="NaN"/>
+              </dgm:ruleLst>
+            </dgm:layoutNode>
+          </dgm:if>
+          <dgm:else name="Name14"/>
+        </dgm:choose>
+      </dgm:layoutNode>
+      <dgm:forEach name="Name15" axis="followSib" ptType="sibTrans" cnt="1">
+        <dgm:layoutNode name="sibTrans">
+          <dgm:alg type="sp"/>
+          <dgm:shape xmlns:r="http://schemas.openxmlformats.org/officeDocument/2006/relationships" r:blip="">
+            <dgm:adjLst/>
+          </dgm:shape>
+          <dgm:presOf axis="self"/>
+          <dgm:constrLst/>
+          <dgm:ruleLst/>
+        </dgm:layoutNode>
+      </dgm:forEach>
+    </dgm:forEach>
+  </dgm:layoutNode>
+  <dgm:extLst>
+    <a:ext uri="{68A01E43-0DF5-4B5B-8FA6-DAF915123BFB}">
+      <dgm1612:lstStyle xmlns:dgm1612="http://schemas.microsoft.com/office/drawing/2016/12/diagram">
+        <a:lvl1pPr>
+          <a:lnSpc>
+            <a:spcPct val="100000"/>
+          </a:lnSpc>
+        </a:lvl1pPr>
+        <a:lvl2pPr>
+          <a:lnSpc>
+            <a:spcPct val="100000"/>
+          </a:lnSpc>
+        </a:lvl2pPr>
+      </dgm1612:lstStyle>
+    </a:ext>
+  </dgm:extLst>
+</dgm:layoutDef>
+</file>
+
+<file path=ppt/diagrams/quickStyle1.xml><?xml version="1.0" encoding="utf-8"?>
+<dgm:styleDef xmlns:dgm="http://schemas.openxmlformats.org/drawingml/2006/diagram" xmlns:a="http://schemas.openxmlformats.org/drawingml/2006/main" uniqueId="urn:microsoft.com/office/officeart/2005/8/quickstyle/simple1">
+  <dgm:title val=""/>
+  <dgm:desc val=""/>
+  <dgm:catLst>
+    <dgm:cat type="simple" pri="10100"/>
+  </dgm:catLst>
+  <dgm:scene3d>
+    <a:camera prst="orthographicFront"/>
+    <a:lightRig rig="threePt" dir="t"/>
+  </dgm:scene3d>
+  <dgm:styleLbl name="node0">
+    <dgm:scene3d>
+      <a:camera prst="orthographicFront"/>
+      <a:lightRig rig="threePt" dir="t"/>
+    </dgm:scene3d>
+    <dgm:sp3d/>
+    <dgm:txPr/>
+    <dgm:style>
+      <a:lnRef idx="2">
+        <a:scrgbClr r="0" g="0" b="0"/>
+      </a:lnRef>
+      <a:fillRef idx="1">
+        <a:scrgbClr r="0" g="0" b="0"/>
+      </a:fillRef>
+      <a:effectRef idx="0">
+        <a:scrgbClr r="0" g="0" b="0"/>
+      </a:effectRef>
+      <a:fontRef idx="minor">
+        <a:schemeClr val="lt1"/>
+      </a:fontRef>
+    </dgm:style>
+  </dgm:styleLbl>
+  <dgm:styleLbl name="lnNode1">
+    <dgm:scene3d>
+      <a:camera prst="orthographicFront"/>
+      <a:lightRig rig="threePt" dir="t"/>
+    </dgm:scene3d>
+    <dgm:sp3d/>
+    <dgm:txPr/>
+    <dgm:style>
+      <a:lnRef idx="2">
+        <a:scrgbClr r="0" g="0" b="0"/>
+      </a:lnRef>
+      <a:fillRef idx="1">
+        <a:scrgbClr r="0" g="0" b="0"/>
+      </a:fillRef>
+      <a:effectRef idx="0">
+        <a:scrgbClr r="0" g="0" b="0"/>
+      </a:effectRef>
+      <a:fontRef idx="minor">
+        <a:schemeClr val="lt1"/>
+      </a:fontRef>
+    </dgm:style>
+  </dgm:styleLbl>
+  <dgm:styleLbl name="vennNode1">
+    <dgm:scene3d>
+      <a:camera prst="orthographicFront"/>
+      <a:lightRig rig="threePt" dir="t"/>
+    </dgm:scene3d>
+    <dgm:sp3d/>
+    <dgm:txPr/>
+    <dgm:style>
+      <a:lnRef idx="2">
+        <a:scrgbClr r="0" g="0" b="0"/>
+      </a:lnRef>
+      <a:fillRef idx="1">
+        <a:scrgbClr r="0" g="0" b="0"/>
+      </a:fillRef>
+      <a:effectRef idx="0">
+        <a:scrgbClr r="0" g="0" b="0"/>
+      </a:effectRef>
+      <a:fontRef idx="minor">
+        <a:schemeClr val="tx1"/>
+      </a:fontRef>
+    </dgm:style>
+  </dgm:styleLbl>
+  <dgm:styleLbl name="alignNode1">
+    <dgm:scene3d>
+      <a:camera prst="orthographicFront"/>
+      <a:lightRig rig="threePt" dir="t"/>
+    </dgm:scene3d>
+    <dgm:sp3d/>
+    <dgm:txPr/>
+    <dgm:style>
+      <a:lnRef idx="2">
+        <a:scrgbClr r="0" g="0" b="0"/>
+      </a:lnRef>
+      <a:fillRef idx="1">
+        <a:scrgbClr r="0" g="0" b="0"/>
+      </a:fillRef>
+      <a:effectRef idx="0">
+        <a:scrgbClr r="0" g="0" b="0"/>
+      </a:effectRef>
+      <a:fontRef idx="minor">
+        <a:schemeClr val="lt1"/>
+      </a:fontRef>
+    </dgm:style>
+  </dgm:styleLbl>
+  <dgm:styleLbl name="node1">
+    <dgm:scene3d>
+      <a:camera prst="orthographicFront"/>
+      <a:lightRig rig="threePt" dir="t"/>
+    </dgm:scene3d>
+    <dgm:sp3d/>
+    <dgm:txPr/>
+    <dgm:style>
+      <a:lnRef idx="2">
+        <a:scrgbClr r="0" g="0" b="0"/>
+      </a:lnRef>
+      <a:fillRef idx="1">
+        <a:scrgbClr r="0" g="0" b="0"/>
+      </a:fillRef>
+      <a:effectRef idx="0">
+        <a:scrgbClr r="0" g="0" b="0"/>
+      </a:effectRef>
+      <a:fontRef idx="minor">
+        <a:schemeClr val="lt1"/>
+      </a:fontRef>
+    </dgm:style>
+  </dgm:styleLbl>
+  <dgm:styleLbl name="node2">
+    <dgm:scene3d>
+      <a:camera prst="orthographicFront"/>
+      <a:lightRig rig="threePt" dir="t"/>
+    </dgm:scene3d>
+    <dgm:sp3d/>
+    <dgm:txPr/>
+    <dgm:style>
+      <a:lnRef idx="2">
+        <a:scrgbClr r="0" g="0" b="0"/>
+      </a:lnRef>
+      <a:fillRef idx="1">
+        <a:scrgbClr r="0" g="0" b="0"/>
+      </a:fillRef>
+      <a:effectRef idx="0">
+        <a:scrgbClr r="0" g="0" b="0"/>
+      </a:effectRef>
+      <a:fontRef idx="minor">
+        <a:schemeClr val="lt1"/>
+      </a:fontRef>
+    </dgm:style>
+  </dgm:styleLbl>
+  <dgm:styleLbl name="node3">
+    <dgm:scene3d>
+      <a:camera prst="orthographicFront"/>
+      <a:lightRig rig="threePt" dir="t"/>
+    </dgm:scene3d>
+    <dgm:sp3d/>
+    <dgm:txPr/>
+    <dgm:style>
+      <a:lnRef idx="2">
+        <a:scrgbClr r="0" g="0" b="0"/>
+      </a:lnRef>
+      <a:fillRef idx="1">
+        <a:scrgbClr r="0" g="0" b="0"/>
+      </a:fillRef>
+      <a:effectRef idx="0">
+        <a:scrgbClr r="0" g="0" b="0"/>
+      </a:effectRef>
+      <a:fontRef idx="minor">
+        <a:schemeClr val="lt1"/>
+      </a:fontRef>
+    </dgm:style>
+  </dgm:styleLbl>
+  <dgm:styleLbl name="node4">
+    <dgm:scene3d>
+      <a:camera prst="orthographicFront"/>
+      <a:lightRig rig="threePt" dir="t"/>
+    </dgm:scene3d>
+    <dgm:sp3d/>
+    <dgm:txPr/>
+    <dgm:style>
+      <a:lnRef idx="2">
+        <a:scrgbClr r="0" g="0" b="0"/>
+      </a:lnRef>
+      <a:fillRef idx="1">
+        <a:scrgbClr r="0" g="0" b="0"/>
+      </a:fillRef>
+      <a:effectRef idx="0">
+        <a:scrgbClr r="0" g="0" b="0"/>
+      </a:effectRef>
+      <a:fontRef idx="minor">
+        <a:schemeClr val="lt1"/>
+      </a:fontRef>
+    </dgm:style>
+  </dgm:styleLbl>
+  <dgm:styleLbl name="fgImgPlace1">
+    <dgm:scene3d>
+      <a:camera prst="orthographicFront"/>
+      <a:lightRig rig="threePt" dir="t"/>
+    </dgm:scene3d>
+    <dgm:sp3d/>
+    <dgm:txPr/>
+    <dgm:style>
+      <a:lnRef idx="2">
+        <a:scrgbClr r="0" g="0" b="0"/>
+      </a:lnRef>
+      <a:fillRef idx="1">
+        <a:scrgbClr r="0" g="0" b="0"/>
+      </a:fillRef>
+      <a:effectRef idx="0">
+        <a:scrgbClr r="0" g="0" b="0"/>
+      </a:effectRef>
+      <a:fontRef idx="minor"/>
+    </dgm:style>
+  </dgm:styleLbl>
+  <dgm:styleLbl name="alignImgPlace1">
+    <dgm:scene3d>
+      <a:camera prst="orthographicFront"/>
+      <a:lightRig rig="threePt" dir="t"/>
+    </dgm:scene3d>
+    <dgm:sp3d/>
+    <dgm:txPr/>
+    <dgm:style>
+      <a:lnRef idx="2">
+        <a:scrgbClr r="0" g="0" b="0"/>
+      </a:lnRef>
+      <a:fillRef idx="1">
+        <a:scrgbClr r="0" g="0" b="0"/>
+      </a:fillRef>
+      <a:effectRef idx="0">
+        <a:scrgbClr r="0" g="0" b="0"/>
+      </a:effectRef>
+      <a:fontRef idx="minor"/>
+    </dgm:style>
+  </dgm:styleLbl>
+  <dgm:styleLbl name="bgImgPlace1">
+    <dgm:scene3d>
+      <a:camera prst="orthographicFront"/>
+      <a:lightRig rig="threePt" dir="t"/>
+    </dgm:scene3d>
+    <dgm:sp3d/>
+    <dgm:txPr/>
+    <dgm:style>
+      <a:lnRef idx="2">
+        <a:scrgbClr r="0" g="0" b="0"/>
+      </a:lnRef>
+      <a:fillRef idx="1">
+        <a:scrgbClr r="0" g="0" b="0"/>
+      </a:fillRef>
+      <a:effectRef idx="0">
+        <a:scrgbClr r="0" g="0" b="0"/>
+      </a:effectRef>
+      <a:fontRef idx="minor"/>
+    </dgm:style>
+  </dgm:styleLbl>
+  <dgm:styleLbl name="sibTrans2D1">
+    <dgm:scene3d>
+      <a:camera prst="orthographicFront"/>
+      <a:lightRig rig="threePt" dir="t"/>
+    </dgm:scene3d>
+    <dgm:sp3d/>
+    <dgm:txPr/>
+    <dgm:style>
+      <a:lnRef idx="0">
+        <a:scrgbClr r="0" g="0" b="0"/>
+      </a:lnRef>
+      <a:fillRef idx="1">
+        <a:scrgbClr r="0" g="0" b="0"/>
+      </a:fillRef>
+      <a:effectRef idx="0">
+        <a:scrgbClr r="0" g="0" b="0"/>
+      </a:effectRef>
+      <a:fontRef idx="minor">
+        <a:schemeClr val="lt1"/>
+      </a:fontRef>
+    </dgm:style>
+  </dgm:styleLbl>
+  <dgm:styleLbl name="fgSibTrans2D1">
+    <dgm:scene3d>
+      <a:camera prst="orthographicFront"/>
+      <a:lightRig rig="threePt" dir="t"/>
+    </dgm:scene3d>
+    <dgm:sp3d/>
+    <dgm:txPr/>
+    <dgm:style>
+      <a:lnRef idx="0">
+        <a:scrgbClr r="0" g="0" b="0"/>
+      </a:lnRef>
+      <a:fillRef idx="1">
+        <a:scrgbClr r="0" g="0" b="0"/>
+      </a:fillRef>
+      <a:effectRef idx="0">
+        <a:scrgbClr r="0" g="0" b="0"/>
+      </a:effectRef>
+      <a:fontRef idx="minor">
+        <a:schemeClr val="lt1"/>
+      </a:fontRef>
+    </dgm:style>
+  </dgm:styleLbl>
+  <dgm:styleLbl name="bgSibTrans2D1">
+    <dgm:scene3d>
+      <a:camera prst="orthographicFront"/>
+      <a:lightRig rig="threePt" dir="t"/>
+    </dgm:scene3d>
+    <dgm:sp3d/>
+    <dgm:txPr/>
+    <dgm:style>
+      <a:lnRef idx="0">
+        <a:scrgbClr r="0" g="0" b="0"/>
+      </a:lnRef>
+      <a:fillRef idx="1">
+        <a:scrgbClr r="0" g="0" b="0"/>
+      </a:fillRef>
+      <a:effectRef idx="0">
+        <a:scrgbClr r="0" g="0" b="0"/>
+      </a:effectRef>
+      <a:fontRef idx="minor">
+        <a:schemeClr val="lt1"/>
+      </a:fontRef>
+    </dgm:style>
+  </dgm:styleLbl>
+  <dgm:styleLbl name="sibTrans1D1">
+    <dgm:scene3d>
+      <a:camera prst="orthographicFront"/>
+      <a:lightRig rig="threePt" dir="t"/>
+    </dgm:scene3d>
+    <dgm:sp3d/>
+    <dgm:txPr/>
+    <dgm:style>
+      <a:lnRef idx="1">
+        <a:scrgbClr r="0" g="0" b="0"/>
+      </a:lnRef>
+      <a:fillRef idx="0">
+        <a:scrgbClr r="0" g="0" b="0"/>
+      </a:fillRef>
+      <a:effectRef idx="0">
+        <a:scrgbClr r="0" g="0" b="0"/>
+      </a:effectRef>
+      <a:fontRef idx="minor"/>
+    </dgm:style>
+  </dgm:styleLbl>
+  <dgm:styleLbl name="callout">
+    <dgm:scene3d>
+      <a:camera prst="orthographicFront"/>
+      <a:lightRig rig="threePt" dir="t"/>
+    </dgm:scene3d>
+    <dgm:sp3d/>
+    <dgm:txPr/>
+    <dgm:style>
+      <a:lnRef idx="2">
+        <a:scrgbClr r="0" g="0" b="0"/>
+      </a:lnRef>
+      <a:fillRef idx="1">
+        <a:scrgbClr r="0" g="0" b="0"/>
+      </a:fillRef>
+      <a:effectRef idx="0">
+        <a:scrgbClr r="0" g="0" b="0"/>
+      </a:effectRef>
+      <a:fontRef idx="minor"/>
+    </dgm:style>
+  </dgm:styleLbl>
+  <dgm:styleLbl name="asst0">
+    <dgm:scene3d>
+      <a:camera prst="orthographicFront"/>
+      <a:lightRig rig="threePt" dir="t"/>
+    </dgm:scene3d>
+    <dgm:sp3d/>
+    <dgm:txPr/>
+    <dgm:style>
+      <a:lnRef idx="2">
+        <a:scrgbClr r="0" g="0" b="0"/>
+      </a:lnRef>
+      <a:fillRef idx="1">
+        <a:scrgbClr r="0" g="0" b="0"/>
+      </a:fillRef>
+      <a:effectRef idx="0">
+        <a:scrgbClr r="0" g="0" b="0"/>
+      </a:effectRef>
+      <a:fontRef idx="minor">
+        <a:schemeClr val="lt1"/>
+      </a:fontRef>
+    </dgm:style>
+  </dgm:styleLbl>
+  <dgm:styleLbl name="asst1">
+    <dgm:scene3d>
+      <a:camera prst="orthographicFront"/>
+      <a:lightRig rig="threePt" dir="t"/>
+    </dgm:scene3d>
+    <dgm:sp3d/>
+    <dgm:txPr/>
+    <dgm:style>
+      <a:lnRef idx="2">
+        <a:scrgbClr r="0" g="0" b="0"/>
+      </a:lnRef>
+      <a:fillRef idx="1">
+        <a:scrgbClr r="0" g="0" b="0"/>
+      </a:fillRef>
+      <a:effectRef idx="0">
+        <a:scrgbClr r="0" g="0" b="0"/>
+      </a:effectRef>
+      <a:fontRef idx="minor">
+        <a:schemeClr val="lt1"/>
+      </a:fontRef>
+    </dgm:style>
+  </dgm:styleLbl>
+  <dgm:styleLbl name="asst2">
+    <dgm:scene3d>
+      <a:camera prst="orthographicFront"/>
+      <a:lightRig rig="threePt" dir="t"/>
+    </dgm:scene3d>
+    <dgm:sp3d/>
+    <dgm:txPr/>
+    <dgm:style>
+      <a:lnRef idx="2">
+        <a:scrgbClr r="0" g="0" b="0"/>
+      </a:lnRef>
+      <a:fillRef idx="1">
+        <a:scrgbClr r="0" g="0" b="0"/>
+      </a:fillRef>
+      <a:effectRef idx="0">
+        <a:scrgbClr r="0" g="0" b="0"/>
+      </a:effectRef>
+      <a:fontRef idx="minor">
+        <a:schemeClr val="lt1"/>
+      </a:fontRef>
+    </dgm:style>
+  </dgm:styleLbl>
+  <dgm:styleLbl name="asst3">
+    <dgm:scene3d>
+      <a:camera prst="orthographicFront"/>
+      <a:lightRig rig="threePt" dir="t"/>
+    </dgm:scene3d>
+    <dgm:sp3d/>
+    <dgm:txPr/>
+    <dgm:style>
+      <a:lnRef idx="2">
+        <a:scrgbClr r="0" g="0" b="0"/>
+      </a:lnRef>
+      <a:fillRef idx="1">
+        <a:scrgbClr r="0" g="0" b="0"/>
+      </a:fillRef>
+      <a:effectRef idx="0">
+        <a:scrgbClr r="0" g="0" b="0"/>
+      </a:effectRef>
+      <a:fontRef idx="minor">
+        <a:schemeClr val="lt1"/>
+      </a:fontRef>
+    </dgm:style>
+  </dgm:styleLbl>
+  <dgm:styleLbl name="asst4">
+    <dgm:scene3d>
+      <a:camera prst="orthographicFront"/>
+      <a:lightRig rig="threePt" dir="t"/>
+    </dgm:scene3d>
+    <dgm:sp3d/>
+    <dgm:txPr/>
+    <dgm:style>
+      <a:lnRef idx="2">
+        <a:scrgbClr r="0" g="0" b="0"/>
+      </a:lnRef>
+      <a:fillRef idx="1">
+        <a:scrgbClr r="0" g="0" b="0"/>
+      </a:fillRef>
+      <a:effectRef idx="0">
+        <a:scrgbClr r="0" g="0" b="0"/>
+      </a:effectRef>
+      <a:fontRef idx="minor">
+        <a:schemeClr val="lt1"/>
+      </a:fontRef>
+    </dgm:style>
+  </dgm:styleLbl>
+  <dgm:styleLbl name="parChTrans2D1">
+    <dgm:scene3d>
+      <a:camera prst="orthographicFront"/>
+      <a:lightRig rig="threePt" dir="t"/>
+    </dgm:scene3d>
+    <dgm:sp3d/>
+    <dgm:txPr/>
+    <dgm:style>
+      <a:lnRef idx="2">
+        <a:scrgbClr r="0" g="0" b="0"/>
+      </a:lnRef>
+      <a:fillRef idx="1">
+        <a:scrgbClr r="0" g="0" b="0"/>
+      </a:fillRef>
+      <a:effectRef idx="0">
+        <a:scrgbClr r="0" g="0" b="0"/>
+      </a:effectRef>
+      <a:fontRef idx="minor">
+        <a:schemeClr val="lt1"/>
+      </a:fontRef>
+    </dgm:style>
+  </dgm:styleLbl>
+  <dgm:styleLbl name="parChTrans2D2">
+    <dgm:scene3d>
+      <a:camera prst="orthographicFront"/>
+      <a:lightRig rig="threePt" dir="t"/>
+    </dgm:scene3d>
+    <dgm:sp3d/>
+    <dgm:txPr/>
+    <dgm:style>
+      <a:lnRef idx="2">
+        <a:scrgbClr r="0" g="0" b="0"/>
+      </a:lnRef>
+      <a:fillRef idx="1">
+        <a:scrgbClr r="0" g="0" b="0"/>
+      </a:fillRef>
+      <a:effectRef idx="0">
+        <a:scrgbClr r="0" g="0" b="0"/>
+      </a:effectRef>
+      <a:fontRef idx="minor">
+        <a:schemeClr val="lt1"/>
+      </a:fontRef>
+    </dgm:style>
+  </dgm:styleLbl>
+  <dgm:styleLbl name="parChTrans2D3">
+    <dgm:scene3d>
+      <a:camera prst="orthographicFront"/>
+      <a:lightRig rig="threePt" dir="t"/>
+    </dgm:scene3d>
+    <dgm:sp3d/>
+    <dgm:txPr/>
+    <dgm:style>
+      <a:lnRef idx="2">
+        <a:scrgbClr r="0" g="0" b="0"/>
+      </a:lnRef>
+      <a:fillRef idx="1">
+        <a:scrgbClr r="0" g="0" b="0"/>
+      </a:fillRef>
+      <a:effectRef idx="0">
+        <a:scrgbClr r="0" g="0" b="0"/>
+      </a:effectRef>
+      <a:fontRef idx="minor">
+        <a:schemeClr val="lt1"/>
+      </a:fontRef>
+    </dgm:style>
+  </dgm:styleLbl>
+  <dgm:styleLbl name="parChTrans2D4">
+    <dgm:scene3d>
+      <a:camera prst="orthographicFront"/>
+      <a:lightRig rig="threePt" dir="t"/>
+    </dgm:scene3d>
+    <dgm:sp3d/>
+    <dgm:txPr/>
+    <dgm:style>
+      <a:lnRef idx="2">
+        <a:scrgbClr r="0" g="0" b="0"/>
+      </a:lnRef>
+      <a:fillRef idx="1">
+        <a:scrgbClr r="0" g="0" b="0"/>
+      </a:fillRef>
+      <a:effectRef idx="0">
+        <a:scrgbClr r="0" g="0" b="0"/>
+      </a:effectRef>
+      <a:fontRef idx="minor">
+        <a:schemeClr val="lt1"/>
+      </a:fontRef>
+    </dgm:style>
+  </dgm:styleLbl>
+  <dgm:styleLbl name="parChTrans1D1">
+    <dgm:scene3d>
+      <a:camera prst="orthographicFront"/>
+      <a:lightRig rig="threePt" dir="t"/>
+    </dgm:scene3d>
+    <dgm:sp3d/>
+    <dgm:txPr/>
+    <dgm:style>
+      <a:lnRef idx="2">
+        <a:scrgbClr r="0" g="0" b="0"/>
+      </a:lnRef>
+      <a:fillRef idx="0">
+        <a:scrgbClr r="0" g="0" b="0"/>
+      </a:fillRef>
+      <a:effectRef idx="0">
+        <a:scrgbClr r="0" g="0" b="0"/>
+      </a:effectRef>
+      <a:fontRef idx="minor"/>
+    </dgm:style>
+  </dgm:styleLbl>
+  <dgm:styleLbl name="parChTrans1D2">
+    <dgm:scene3d>
+      <a:camera prst="orthographicFront"/>
+      <a:lightRig rig="threePt" dir="t"/>
+    </dgm:scene3d>
+    <dgm:sp3d/>
+    <dgm:txPr/>
+    <dgm:style>
+      <a:lnRef idx="2">
+        <a:scrgbClr r="0" g="0" b="0"/>
+      </a:lnRef>
+      <a:fillRef idx="0">
+        <a:scrgbClr r="0" g="0" b="0"/>
+      </a:fillRef>
+      <a:effectRef idx="0">
+        <a:scrgbClr r="0" g="0" b="0"/>
+      </a:effectRef>
+      <a:fontRef idx="minor"/>
+    </dgm:style>
+  </dgm:styleLbl>
+  <dgm:styleLbl name="parChTrans1D3">
+    <dgm:scene3d>
+      <a:camera prst="orthographicFront"/>
+      <a:lightRig rig="threePt" dir="t"/>
+    </dgm:scene3d>
+    <dgm:sp3d/>
+    <dgm:txPr/>
+    <dgm:style>
+      <a:lnRef idx="2">
+        <a:scrgbClr r="0" g="0" b="0"/>
+      </a:lnRef>
+      <a:fillRef idx="0">
+        <a:scrgbClr r="0" g="0" b="0"/>
+      </a:fillRef>
+      <a:effectRef idx="0">
+        <a:scrgbClr r="0" g="0" b="0"/>
+      </a:effectRef>
+      <a:fontRef idx="minor"/>
+    </dgm:style>
+  </dgm:styleLbl>
+  <dgm:styleLbl name="parChTrans1D4">
+    <dgm:scene3d>
+      <a:camera prst="orthographicFront"/>
+      <a:lightRig rig="threePt" dir="t"/>
+    </dgm:scene3d>
+    <dgm:sp3d/>
+    <dgm:txPr/>
+    <dgm:style>
+      <a:lnRef idx="2">
+        <a:scrgbClr r="0" g="0" b="0"/>
+      </a:lnRef>
+      <a:fillRef idx="0">
+        <a:scrgbClr r="0" g="0" b="0"/>
+      </a:fillRef>
+      <a:effectRef idx="0">
+        <a:scrgbClr r="0" g="0" b="0"/>
+      </a:effectRef>
+      <a:fontRef idx="minor"/>
+    </dgm:style>
+  </dgm:styleLbl>
+  <dgm:styleLbl name="fgAcc1">
+    <dgm:scene3d>
+      <a:camera prst="orthographicFront"/>
+      <a:lightRig rig="threePt" dir="t"/>
+    </dgm:scene3d>
+    <dgm:sp3d/>
+    <dgm:txPr/>
+    <dgm:style>
+      <a:lnRef idx="2">
+        <a:scrgbClr r="0" g="0" b="0"/>
+      </a:lnRef>
+      <a:fillRef idx="1">
+        <a:scrgbClr r="0" g="0" b="0"/>
+      </a:fillRef>
+      <a:effectRef idx="0">
+        <a:scrgbClr r="0" g="0" b="0"/>
+      </a:effectRef>
+      <a:fontRef idx="minor"/>
+    </dgm:style>
+  </dgm:styleLbl>
+  <dgm:styleLbl name="conFgAcc1">
+    <dgm:scene3d>
+      <a:camera prst="orthographicFront"/>
+      <a:lightRig rig="threePt" dir="t"/>
+    </dgm:scene3d>
+    <dgm:sp3d/>
+    <dgm:txPr/>
+    <dgm:style>
+      <a:lnRef idx="2">
+        <a:scrgbClr r="0" g="0" b="0"/>
+      </a:lnRef>
+      <a:fillRef idx="1">
+        <a:scrgbClr r="0" g="0" b="0"/>
+      </a:fillRef>
+      <a:effectRef idx="0">
+        <a:scrgbClr r="0" g="0" b="0"/>
+      </a:effectRef>
+      <a:fontRef idx="minor"/>
+    </dgm:style>
+  </dgm:styleLbl>
+  <dgm:styleLbl name="alignAcc1">
+    <dgm:scene3d>
+      <a:camera prst="orthographicFront"/>
+      <a:lightRig rig="threePt" dir="t"/>
+    </dgm:scene3d>
+    <dgm:sp3d/>
+    <dgm:txPr/>
+    <dgm:style>
+      <a:lnRef idx="2">
+        <a:scrgbClr r="0" g="0" b="0"/>
+      </a:lnRef>
+      <a:fillRef idx="1">
+        <a:scrgbClr r="0" g="0" b="0"/>
+      </a:fillRef>
+      <a:effectRef idx="0">
+        <a:scrgbClr r="0" g="0" b="0"/>
+      </a:effectRef>
+      <a:fontRef idx="minor"/>
+    </dgm:style>
+  </dgm:styleLbl>
+  <dgm:styleLbl name="trAlignAcc1">
+    <dgm:scene3d>
+      <a:camera prst="orthographicFront"/>
+      <a:lightRig rig="threePt" dir="t"/>
+    </dgm:scene3d>
+    <dgm:sp3d/>
+    <dgm:txPr/>
+    <dgm:style>
+      <a:lnRef idx="1">
+        <a:scrgbClr r="0" g="0" b="0"/>
+      </a:lnRef>
+      <a:fillRef idx="1">
+        <a:scrgbClr r="0" g="0" b="0"/>
+      </a:fillRef>
+      <a:effectRef idx="0">
+        <a:scrgbClr r="0" g="0" b="0"/>
+      </a:effectRef>
+      <a:fontRef idx="minor"/>
+    </dgm:style>
+  </dgm:styleLbl>
+  <dgm:styleLbl name="bgAcc1">
+    <dgm:scene3d>
+      <a:camera prst="orthographicFront"/>
+      <a:lightRig rig="threePt" dir="t"/>
+    </dgm:scene3d>
+    <dgm:sp3d/>
+    <dgm:txPr/>
+    <dgm:style>
+      <a:lnRef idx="2">
+        <a:scrgbClr r="0" g="0" b="0"/>
+      </a:lnRef>
+      <a:fillRef idx="1">
+        <a:scrgbClr r="0" g="0" b="0"/>
+      </a:fillRef>
+      <a:effectRef idx="0">
+        <a:scrgbClr r="0" g="0" b="0"/>
+      </a:effectRef>
+      <a:fontRef idx="minor"/>
+    </dgm:style>
+  </dgm:styleLbl>
+  <dgm:styleLbl name="solidFgAcc1">
+    <dgm:scene3d>
+      <a:camera prst="orthographicFront"/>
+      <a:lightRig rig="threePt" dir="t"/>
+    </dgm:scene3d>
+    <dgm:sp3d/>
+    <dgm:txPr/>
+    <dgm:style>
+      <a:lnRef idx="2">
+        <a:scrgbClr r="0" g="0" b="0"/>
+      </a:lnRef>
+      <a:fillRef idx="1">
+        <a:scrgbClr r="0" g="0" b="0"/>
+      </a:fillRef>
+      <a:effectRef idx="0">
+        <a:scrgbClr r="0" g="0" b="0"/>
+      </a:effectRef>
+      <a:fontRef idx="minor"/>
+    </dgm:style>
+  </dgm:styleLbl>
+  <dgm:styleLbl name="solidAlignAcc1">
+    <dgm:scene3d>
+      <a:camera prst="orthographicFront"/>
+      <a:lightRig rig="threePt" dir="t"/>
+    </dgm:scene3d>
+    <dgm:sp3d/>
+    <dgm:txPr/>
+    <dgm:style>
+      <a:lnRef idx="2">
+        <a:scrgbClr r="0" g="0" b="0"/>
+      </a:lnRef>
+      <a:fillRef idx="1">
+        <a:scrgbClr r="0" g="0" b="0"/>
+      </a:fillRef>
+      <a:effectRef idx="0">
+        <a:scrgbClr r="0" g="0" b="0"/>
+      </a:effectRef>
+      <a:fontRef idx="minor"/>
+    </dgm:style>
+  </dgm:styleLbl>
+  <dgm:styleLbl name="solidBgAcc1">
+    <dgm:scene3d>
+      <a:camera prst="orthographicFront"/>
+      <a:lightRig rig="threePt" dir="t"/>
+    </dgm:scene3d>
+    <dgm:sp3d/>
+    <dgm:txPr/>
+    <dgm:style>
+      <a:lnRef idx="2">
+        <a:scrgbClr r="0" g="0" b="0"/>
+      </a:lnRef>
+      <a:fillRef idx="1">
+        <a:scrgbClr r="0" g="0" b="0"/>
+      </a:fillRef>
+      <a:effectRef idx="0">
+        <a:scrgbClr r="0" g="0" b="0"/>
+      </a:effectRef>
+      <a:fontRef idx="minor"/>
+    </dgm:style>
+  </dgm:styleLbl>
+  <dgm:styleLbl name="fgAccFollowNode1">
+    <dgm:scene3d>
+      <a:camera prst="orthographicFront"/>
+      <a:lightRig rig="threePt" dir="t"/>
+    </dgm:scene3d>
+    <dgm:sp3d/>
+    <dgm:txPr/>
+    <dgm:style>
+      <a:lnRef idx="2">
+        <a:scrgbClr r="0" g="0" b="0"/>
+      </a:lnRef>
+      <a:fillRef idx="1">
+        <a:scrgbClr r="0" g="0" b="0"/>
+      </a:fillRef>
+      <a:effectRef idx="0">
+        <a:scrgbClr r="0" g="0" b="0"/>
+      </a:effectRef>
+      <a:fontRef idx="minor"/>
+    </dgm:style>
+  </dgm:styleLbl>
+  <dgm:styleLbl name="alignAccFollowNode1">
+    <dgm:scene3d>
+      <a:camera prst="orthographicFront"/>
+      <a:lightRig rig="threePt" dir="t"/>
+    </dgm:scene3d>
+    <dgm:sp3d/>
+    <dgm:txPr/>
+    <dgm:style>
+      <a:lnRef idx="2">
+        <a:scrgbClr r="0" g="0" b="0"/>
+      </a:lnRef>
+      <a:fillRef idx="1">
+        <a:scrgbClr r="0" g="0" b="0"/>
+      </a:fillRef>
+      <a:effectRef idx="0">
+        <a:scrgbClr r="0" g="0" b="0"/>
+      </a:effectRef>
+      <a:fontRef idx="minor"/>
+    </dgm:style>
+  </dgm:styleLbl>
+  <dgm:styleLbl name="bgAccFollowNode1">
+    <dgm:scene3d>
+      <a:camera prst="orthographicFront"/>
+      <a:lightRig rig="threePt" dir="t"/>
+    </dgm:scene3d>
+    <dgm:sp3d/>
+    <dgm:txPr/>
+    <dgm:style>
+      <a:lnRef idx="2">
+        <a:scrgbClr r="0" g="0" b="0"/>
+      </a:lnRef>
+      <a:fillRef idx="1">
+        <a:scrgbClr r="0" g="0" b="0"/>
+      </a:fillRef>
+      <a:effectRef idx="0">
+        <a:scrgbClr r="0" g="0" b="0"/>
+      </a:effectRef>
+      <a:fontRef idx="minor"/>
+    </dgm:style>
+  </dgm:styleLbl>
+  <dgm:styleLbl name="fgAcc0">
+    <dgm:scene3d>
+      <a:camera prst="orthographicFront"/>
+      <a:lightRig rig="threePt" dir="t"/>
+    </dgm:scene3d>
+    <dgm:sp3d/>
+    <dgm:txPr/>
+    <dgm:style>
+      <a:lnRef idx="2">
+        <a:scrgbClr r="0" g="0" b="0"/>
+      </a:lnRef>
+      <a:fillRef idx="1">
+        <a:scrgbClr r="0" g="0" b="0"/>
+      </a:fillRef>
+      <a:effectRef idx="0">
+        <a:scrgbClr r="0" g="0" b="0"/>
+      </a:effectRef>
+      <a:fontRef idx="minor"/>
+    </dgm:style>
+  </dgm:styleLbl>
+  <dgm:styleLbl name="fgAcc2">
+    <dgm:scene3d>
+      <a:camera prst="orthographicFront"/>
+      <a:lightRig rig="threePt" dir="t"/>
+    </dgm:scene3d>
+    <dgm:sp3d/>
+    <dgm:txPr/>
+    <dgm:style>
+      <a:lnRef idx="2">
+        <a:scrgbClr r="0" g="0" b="0"/>
+      </a:lnRef>
+      <a:fillRef idx="1">
+        <a:scrgbClr r="0" g="0" b="0"/>
+      </a:fillRef>
+      <a:effectRef idx="0">
+        <a:scrgbClr r="0" g="0" b="0"/>
+      </a:effectRef>
+      <a:fontRef idx="minor"/>
+    </dgm:style>
+  </dgm:styleLbl>
+  <dgm:styleLbl name="fgAcc3">
+    <dgm:scene3d>
+      <a:camera prst="orthographicFront"/>
+      <a:lightRig rig="threePt" dir="t"/>
+    </dgm:scene3d>
+    <dgm:sp3d/>
+    <dgm:txPr/>
+    <dgm:style>
+      <a:lnRef idx="2">
+        <a:scrgbClr r="0" g="0" b="0"/>
+      </a:lnRef>
+      <a:fillRef idx="1">
+        <a:scrgbClr r="0" g="0" b="0"/>
+      </a:fillRef>
+      <a:effectRef idx="0">
+        <a:scrgbClr r="0" g="0" b="0"/>
+      </a:effectRef>
+      <a:fontRef idx="minor"/>
+    </dgm:style>
+  </dgm:styleLbl>
+  <dgm:styleLbl name="fgAcc4">
+    <dgm:scene3d>
+      <a:camera prst="orthographicFront"/>
+      <a:lightRig rig="threePt" dir="t"/>
+    </dgm:scene3d>
+    <dgm:sp3d/>
+    <dgm:txPr/>
+    <dgm:style>
+      <a:lnRef idx="2">
+        <a:scrgbClr r="0" g="0" b="0"/>
+      </a:lnRef>
+      <a:fillRef idx="1">
+        <a:scrgbClr r="0" g="0" b="0"/>
+      </a:fillRef>
+      <a:effectRef idx="0">
+        <a:scrgbClr r="0" g="0" b="0"/>
+      </a:effectRef>
+      <a:fontRef idx="minor"/>
+    </dgm:style>
+  </dgm:styleLbl>
+  <dgm:styleLbl name="bgShp">
+    <dgm:scene3d>
+      <a:camera prst="orthographicFront"/>
+      <a:lightRig rig="threePt" dir="t"/>
+    </dgm:scene3d>
+    <dgm:sp3d/>
+    <dgm:txPr/>
+    <dgm:style>
+      <a:lnRef idx="0">
+        <a:scrgbClr r="0" g="0" b="0"/>
+      </a:lnRef>
+      <a:fillRef idx="1">
+        <a:scrgbClr r="0" g="0" b="0"/>
+      </a:fillRef>
+      <a:effectRef idx="0">
+        <a:scrgbClr r="0" g="0" b="0"/>
+      </a:effectRef>
+      <a:fontRef idx="minor"/>
+    </dgm:style>
+  </dgm:styleLbl>
+  <dgm:styleLbl name="dkBgShp">
+    <dgm:scene3d>
+      <a:camera prst="orthographicFront"/>
+      <a:lightRig rig="threePt" dir="t"/>
+    </dgm:scene3d>
+    <dgm:sp3d/>
+    <dgm:txPr/>
+    <dgm:style>
+      <a:lnRef idx="0">
+        <a:scrgbClr r="0" g="0" b="0"/>
+      </a:lnRef>
+      <a:fillRef idx="1">
+        <a:scrgbClr r="0" g="0" b="0"/>
+      </a:fillRef>
+      <a:effectRef idx="0">
+        <a:scrgbClr r="0" g="0" b="0"/>
+      </a:effectRef>
+      <a:fontRef idx="minor"/>
+    </dgm:style>
+  </dgm:styleLbl>
+  <dgm:styleLbl name="trBgShp">
+    <dgm:scene3d>
+      <a:camera prst="orthographicFront"/>
+      <a:lightRig rig="threePt" dir="t"/>
+    </dgm:scene3d>
+    <dgm:sp3d/>
+    <dgm:txPr/>
+    <dgm:style>
+      <a:lnRef idx="0">
+        <a:scrgbClr r="0" g="0" b="0"/>
+      </a:lnRef>
+      <a:fillRef idx="1">
+        <a:scrgbClr r="0" g="0" b="0"/>
+      </a:fillRef>
+      <a:effectRef idx="0">
+        <a:scrgbClr r="0" g="0" b="0"/>
+      </a:effectRef>
+      <a:fontRef idx="minor"/>
+    </dgm:style>
+  </dgm:styleLbl>
+  <dgm:styleLbl name="fgShp">
+    <dgm:scene3d>
+      <a:camera prst="orthographicFront"/>
+      <a:lightRig rig="threePt" dir="t"/>
+    </dgm:scene3d>
+    <dgm:sp3d/>
+    <dgm:txPr/>
+    <dgm:style>
+      <a:lnRef idx="2">
+        <a:scrgbClr r="0" g="0" b="0"/>
+      </a:lnRef>
+      <a:fillRef idx="1">
+        <a:scrgbClr r="0" g="0" b="0"/>
+      </a:fillRef>
+      <a:effectRef idx="0">
+        <a:scrgbClr r="0" g="0" b="0"/>
+      </a:effectRef>
+      <a:fontRef idx="minor"/>
+    </dgm:style>
+  </dgm:styleLbl>
+  <dgm:styleLbl name="revTx">
+    <dgm:scene3d>
+      <a:camera prst="orthographicFront"/>
+      <a:lightRig rig="threePt" dir="t"/>
+    </dgm:scene3d>
+    <dgm:sp3d/>
+    <dgm:txPr/>
+    <dgm:style>
+      <a:lnRef idx="0">
+        <a:scrgbClr r="0" g="0" b="0"/>
+      </a:lnRef>
+      <a:fillRef idx="0">
+        <a:scrgbClr r="0" g="0" b="0"/>
+      </a:fillRef>
+      <a:effectRef idx="0">
+        <a:scrgbClr r="0" g="0" b="0"/>
+      </a:effectRef>
+      <a:fontRef idx="minor"/>
+    </dgm:style>
+  </dgm:styleLbl>
+</dgm:styleDef>
 </file>
 
 <file path=ppt/slideLayouts/slideLayout1.xml><?xml version="1.0" encoding="utf-8"?>
@@ -3353,10 +5994,10 @@
       </p:grpSpPr>
       <p:sp useBgFill="1">
         <p:nvSpPr>
-          <p:cNvPr id="54" name="Rectangle 27">
-            <a:extLst>
-              <a:ext uri="{FF2B5EF4-FFF2-40B4-BE49-F238E27FC236}">
-                <a16:creationId xmlns:a16="http://schemas.microsoft.com/office/drawing/2014/main" id="{6EFC920F-B85A-4068-BD93-41064EDE93D3}"/>
+          <p:cNvPr id="64" name="Rectangle 63">
+            <a:extLst>
+              <a:ext uri="{FF2B5EF4-FFF2-40B4-BE49-F238E27FC236}">
+                <a16:creationId xmlns:a16="http://schemas.microsoft.com/office/drawing/2014/main" id="{0CCC4BA0-1298-4DBD-86F1-B51D8C9D3437}"/>
               </a:ext>
               <a:ext uri="{C183D7F6-B498-43B3-948B-1728B52AA6E4}">
                 <adec:decorative xmlns:adec="http://schemas.microsoft.com/office/drawing/2017/decorative" val="1"/>
@@ -3376,8 +6017,8 @@
         </p:nvSpPr>
         <p:spPr>
           <a:xfrm>
-            <a:off x="0" y="0"/>
-            <a:ext cx="12191999" cy="6857365"/>
+            <a:off x="0" y="2"/>
+            <a:ext cx="12192000" cy="6857997"/>
           </a:xfrm>
           <a:prstGeom prst="rect">
             <a:avLst/>
@@ -3411,21 +6052,158 @@
           </a:p>
         </p:txBody>
       </p:sp>
-      <p:grpSp>
-        <p:nvGrpSpPr>
-          <p:cNvPr id="55" name="Group 29">
-            <a:extLst>
-              <a:ext uri="{FF2B5EF4-FFF2-40B4-BE49-F238E27FC236}">
-                <a16:creationId xmlns:a16="http://schemas.microsoft.com/office/drawing/2014/main" id="{1C559108-BBAE-426C-8564-051D2BA6DDC8}"/>
+      <p:sp>
+        <p:nvSpPr>
+          <p:cNvPr id="2" name="Title 1">
+            <a:extLst>
+              <a:ext uri="{FF2B5EF4-FFF2-40B4-BE49-F238E27FC236}">
+                <a16:creationId xmlns:a16="http://schemas.microsoft.com/office/drawing/2014/main" id="{7120A88E-2398-730C-E6E8-4981CB39FE75}"/>
+              </a:ext>
+            </a:extLst>
+          </p:cNvPr>
+          <p:cNvSpPr>
+            <a:spLocks noGrp="1"/>
+          </p:cNvSpPr>
+          <p:nvPr>
+            <p:ph type="title"/>
+          </p:nvPr>
+        </p:nvSpPr>
+        <p:spPr>
+          <a:xfrm>
+            <a:off x="1136398" y="502021"/>
+            <a:ext cx="5427525" cy="1667997"/>
+          </a:xfrm>
+        </p:spPr>
+        <p:txBody>
+          <a:bodyPr anchor="b">
+            <a:normAutofit/>
+          </a:bodyPr>
+          <a:lstStyle/>
+          <a:p>
+            <a:r>
+              <a:rPr lang="en-US" sz="3700"/>
+              <a:t>Credit Card Fraud Detection with Machine Learning</a:t>
+            </a:r>
+          </a:p>
+        </p:txBody>
+      </p:sp>
+      <p:sp>
+        <p:nvSpPr>
+          <p:cNvPr id="3" name="Content Placeholder 2">
+            <a:extLst>
+              <a:ext uri="{FF2B5EF4-FFF2-40B4-BE49-F238E27FC236}">
+                <a16:creationId xmlns:a16="http://schemas.microsoft.com/office/drawing/2014/main" id="{DF713280-DD2A-F8E5-AB11-34F3BCFEB8A8}"/>
+              </a:ext>
+            </a:extLst>
+          </p:cNvPr>
+          <p:cNvSpPr>
+            <a:spLocks noGrp="1"/>
+          </p:cNvSpPr>
+          <p:nvPr>
+            <p:ph idx="1"/>
+          </p:nvPr>
+        </p:nvSpPr>
+        <p:spPr>
+          <a:xfrm>
+            <a:off x="1136398" y="2405467"/>
+            <a:ext cx="5427526" cy="3535083"/>
+          </a:xfrm>
+        </p:spPr>
+        <p:txBody>
+          <a:bodyPr anchor="t">
+            <a:normAutofit/>
+          </a:bodyPr>
+          <a:lstStyle/>
+          <a:p>
+            <a:r>
+              <a:rPr lang="en-US" sz="2000"/>
+              <a:t>Author – Jagadish Janakiraman</a:t>
+            </a:r>
+          </a:p>
+          <a:p>
+            <a:r>
+              <a:rPr lang="en-US" sz="2000"/>
+              <a:t>Date – 9/25/2023</a:t>
+            </a:r>
+          </a:p>
+        </p:txBody>
+      </p:sp>
+      <p:pic>
+        <p:nvPicPr>
+          <p:cNvPr id="14" name="Picture 4" descr="A stack of bank cards">
+            <a:extLst>
+              <a:ext uri="{FF2B5EF4-FFF2-40B4-BE49-F238E27FC236}">
+                <a16:creationId xmlns:a16="http://schemas.microsoft.com/office/drawing/2014/main" id="{0FCF9DD5-BDDA-EEE8-8C40-4E88A9D69C88}"/>
+              </a:ext>
+            </a:extLst>
+          </p:cNvPr>
+          <p:cNvPicPr>
+            <a:picLocks noChangeAspect="1"/>
+          </p:cNvPicPr>
+          <p:nvPr/>
+        </p:nvPicPr>
+        <p:blipFill rotWithShape="1">
+          <a:blip r:embed="rId2"/>
+          <a:srcRect l="33000"/>
+          <a:stretch/>
+        </p:blipFill>
+        <p:spPr>
+          <a:xfrm>
+            <a:off x="7047513" y="975645"/>
+            <a:ext cx="4443447" cy="4443447"/>
+          </a:xfrm>
+          <a:custGeom>
+            <a:avLst/>
+            <a:gdLst/>
+            <a:ahLst/>
+            <a:cxnLst/>
+            <a:rect l="l" t="t" r="r" b="b"/>
+            <a:pathLst>
+              <a:path w="4694238" h="4694238">
+                <a:moveTo>
+                  <a:pt x="2347119" y="0"/>
+                </a:moveTo>
+                <a:cubicBezTo>
+                  <a:pt x="3643397" y="0"/>
+                  <a:pt x="4694238" y="1050841"/>
+                  <a:pt x="4694238" y="2347119"/>
+                </a:cubicBezTo>
+                <a:cubicBezTo>
+                  <a:pt x="4694238" y="3643397"/>
+                  <a:pt x="3643397" y="4694238"/>
+                  <a:pt x="2347119" y="4694238"/>
+                </a:cubicBezTo>
+                <a:cubicBezTo>
+                  <a:pt x="1050841" y="4694238"/>
+                  <a:pt x="0" y="3643397"/>
+                  <a:pt x="0" y="2347119"/>
+                </a:cubicBezTo>
+                <a:cubicBezTo>
+                  <a:pt x="0" y="1050841"/>
+                  <a:pt x="1050841" y="0"/>
+                  <a:pt x="2347119" y="0"/>
+                </a:cubicBezTo>
+                <a:close/>
+              </a:path>
+            </a:pathLst>
+          </a:custGeom>
+        </p:spPr>
+      </p:pic>
+      <p:sp>
+        <p:nvSpPr>
+          <p:cNvPr id="66" name="Rectangle 65">
+            <a:extLst>
+              <a:ext uri="{FF2B5EF4-FFF2-40B4-BE49-F238E27FC236}">
+                <a16:creationId xmlns:a16="http://schemas.microsoft.com/office/drawing/2014/main" id="{EEBF1590-3B36-48EE-A89D-3B6F3CB256AB}"/>
               </a:ext>
               <a:ext uri="{C183D7F6-B498-43B3-948B-1728B52AA6E4}">
                 <adec:decorative xmlns:adec="http://schemas.microsoft.com/office/drawing/2017/decorative" val="1"/>
               </a:ext>
             </a:extLst>
           </p:cNvPr>
-          <p:cNvGrpSpPr>
-            <a:grpSpLocks noGrp="1" noUngrp="1" noRot="1" noChangeAspect="1" noMove="1" noResize="1"/>
-          </p:cNvGrpSpPr>
+          <p:cNvSpPr>
+            <a:spLocks noGrp="1" noRot="1" noChangeAspect="1" noMove="1" noResize="1" noEditPoints="1" noAdjustHandles="1" noChangeArrowheads="1" noChangeShapeType="1" noTextEdit="1"/>
+          </p:cNvSpPr>
           <p:nvPr>
             <p:extLst>
               <p:ext uri="{386F3935-93C4-4BCD-93E2-E3B085C9AB24}">
@@ -3433,143 +6211,174 @@
               </p:ext>
             </p:extLst>
           </p:nvPr>
-        </p:nvGrpSpPr>
-        <p:grpSpPr>
-          <a:xfrm rot="5400000">
-            <a:off x="-2340441" y="2666183"/>
-            <a:ext cx="5860051" cy="527712"/>
-            <a:chOff x="6081624" y="1998368"/>
-            <a:chExt cx="5613457" cy="782175"/>
+        </p:nvSpPr>
+        <p:spPr>
+          <a:xfrm rot="10800000" flipH="1">
+            <a:off x="0" y="6400799"/>
+            <a:ext cx="12192000" cy="456773"/>
           </a:xfrm>
-          <a:solidFill>
-            <a:schemeClr val="accent4"/>
-          </a:solidFill>
-        </p:grpSpPr>
-        <p:sp>
-          <p:nvSpPr>
-            <p:cNvPr id="56" name="Rectangle 30">
-              <a:extLst>
-                <a:ext uri="{FF2B5EF4-FFF2-40B4-BE49-F238E27FC236}">
-                  <a16:creationId xmlns:a16="http://schemas.microsoft.com/office/drawing/2014/main" id="{42BC35EE-6650-42D2-AEFB-4B7CD1AFC9BD}"/>
-                </a:ext>
-                <a:ext uri="{C183D7F6-B498-43B3-948B-1728B52AA6E4}">
-                  <adec:decorative xmlns:adec="http://schemas.microsoft.com/office/drawing/2017/decorative" val="1"/>
-                </a:ext>
-              </a:extLst>
-            </p:cNvPr>
-            <p:cNvSpPr/>
-            <p:nvPr>
-              <p:extLst>
-                <p:ext uri="{386F3935-93C4-4BCD-93E2-E3B085C9AB24}">
-                  <p16:designElem xmlns:p16="http://schemas.microsoft.com/office/powerpoint/2015/main" val="1"/>
-                </p:ext>
-              </p:extLst>
-            </p:nvPr>
-          </p:nvSpPr>
-          <p:spPr>
-            <a:xfrm rot="5400000">
-              <a:off x="11228040" y="2313027"/>
-              <a:ext cx="781700" cy="152382"/>
-            </a:xfrm>
-            <a:prstGeom prst="rect">
-              <a:avLst/>
-            </a:prstGeom>
-            <a:grpFill/>
-            <a:ln>
-              <a:noFill/>
-            </a:ln>
-          </p:spPr>
-          <p:style>
-            <a:lnRef idx="2">
-              <a:schemeClr val="accent1">
-                <a:shade val="50000"/>
-              </a:schemeClr>
-            </a:lnRef>
-            <a:fillRef idx="1">
-              <a:schemeClr val="accent1"/>
-            </a:fillRef>
-            <a:effectRef idx="0">
-              <a:schemeClr val="accent1"/>
-            </a:effectRef>
-            <a:fontRef idx="minor">
-              <a:schemeClr val="lt1"/>
-            </a:fontRef>
-          </p:style>
-          <p:txBody>
-            <a:bodyPr rtlCol="0" anchor="ctr"/>
-            <a:lstStyle/>
-            <a:p>
-              <a:pPr algn="ctr"/>
-              <a:endParaRPr lang="en-US"/>
-            </a:p>
-          </p:txBody>
-        </p:sp>
-        <p:sp>
-          <p:nvSpPr>
-            <p:cNvPr id="57" name="Rectangle 31">
-              <a:extLst>
-                <a:ext uri="{FF2B5EF4-FFF2-40B4-BE49-F238E27FC236}">
-                  <a16:creationId xmlns:a16="http://schemas.microsoft.com/office/drawing/2014/main" id="{0952C743-9049-4DFB-878B-2AB07B6E4FD1}"/>
-                </a:ext>
-                <a:ext uri="{C183D7F6-B498-43B3-948B-1728B52AA6E4}">
-                  <adec:decorative xmlns:adec="http://schemas.microsoft.com/office/drawing/2017/decorative" val="1"/>
-                </a:ext>
-              </a:extLst>
-            </p:cNvPr>
-            <p:cNvSpPr/>
-            <p:nvPr>
-              <p:extLst>
-                <p:ext uri="{386F3935-93C4-4BCD-93E2-E3B085C9AB24}">
-                  <p16:designElem xmlns:p16="http://schemas.microsoft.com/office/powerpoint/2015/main" val="1"/>
-                </p:ext>
-              </p:extLst>
-            </p:nvPr>
-          </p:nvSpPr>
-          <p:spPr>
-            <a:xfrm flipH="1" flipV="1">
-              <a:off x="6081624" y="1998844"/>
-              <a:ext cx="5372968" cy="781699"/>
-            </a:xfrm>
-            <a:prstGeom prst="rect">
-              <a:avLst/>
-            </a:prstGeom>
-            <a:grpFill/>
-            <a:ln>
-              <a:noFill/>
-            </a:ln>
-          </p:spPr>
-          <p:style>
-            <a:lnRef idx="2">
-              <a:schemeClr val="accent1">
-                <a:shade val="50000"/>
-              </a:schemeClr>
-            </a:lnRef>
-            <a:fillRef idx="1">
-              <a:schemeClr val="accent1"/>
-            </a:fillRef>
-            <a:effectRef idx="0">
-              <a:schemeClr val="accent1"/>
-            </a:effectRef>
-            <a:fontRef idx="minor">
-              <a:schemeClr val="lt1"/>
-            </a:fontRef>
-          </p:style>
-          <p:txBody>
-            <a:bodyPr rtlCol="0" anchor="ctr"/>
-            <a:lstStyle/>
-            <a:p>
-              <a:pPr algn="ctr"/>
-              <a:endParaRPr lang="en-US"/>
-            </a:p>
-          </p:txBody>
-        </p:sp>
-      </p:grpSp>
+          <a:prstGeom prst="rect">
+            <a:avLst/>
+          </a:prstGeom>
+          <a:gradFill>
+            <a:gsLst>
+              <a:gs pos="0">
+                <a:schemeClr val="accent1"/>
+              </a:gs>
+              <a:gs pos="78000">
+                <a:srgbClr val="000000"/>
+              </a:gs>
+            </a:gsLst>
+            <a:lin ang="2400000" scaled="0"/>
+          </a:gradFill>
+          <a:ln>
+            <a:noFill/>
+          </a:ln>
+        </p:spPr>
+        <p:style>
+          <a:lnRef idx="2">
+            <a:schemeClr val="accent1">
+              <a:shade val="50000"/>
+            </a:schemeClr>
+          </a:lnRef>
+          <a:fillRef idx="1">
+            <a:schemeClr val="accent1"/>
+          </a:fillRef>
+          <a:effectRef idx="0">
+            <a:schemeClr val="accent1"/>
+          </a:effectRef>
+          <a:fontRef idx="minor">
+            <a:schemeClr val="lt1"/>
+          </a:fontRef>
+        </p:style>
+        <p:txBody>
+          <a:bodyPr rtlCol="0" anchor="ctr"/>
+          <a:lstStyle/>
+          <a:p>
+            <a:pPr algn="ctr"/>
+            <a:endParaRPr lang="en-US"/>
+          </a:p>
+        </p:txBody>
+      </p:sp>
       <p:sp>
         <p:nvSpPr>
-          <p:cNvPr id="58" name="Rectangle 33">
-            <a:extLst>
-              <a:ext uri="{FF2B5EF4-FFF2-40B4-BE49-F238E27FC236}">
-                <a16:creationId xmlns:a16="http://schemas.microsoft.com/office/drawing/2014/main" id="{CBC4F608-B4B8-48C3-9572-C0F061B1CD99}"/>
+          <p:cNvPr id="68" name="Rectangle 67">
+            <a:extLst>
+              <a:ext uri="{FF2B5EF4-FFF2-40B4-BE49-F238E27FC236}">
+                <a16:creationId xmlns:a16="http://schemas.microsoft.com/office/drawing/2014/main" id="{AC8F6C8C-AB5A-4548-942D-E3FD40ACBC49}"/>
+              </a:ext>
+              <a:ext uri="{C183D7F6-B498-43B3-948B-1728B52AA6E4}">
+                <adec:decorative xmlns:adec="http://schemas.microsoft.com/office/drawing/2017/decorative" val="1"/>
+              </a:ext>
+            </a:extLst>
+          </p:cNvPr>
+          <p:cNvSpPr>
+            <a:spLocks noGrp="1" noRot="1" noChangeAspect="1" noMove="1" noResize="1" noEditPoints="1" noAdjustHandles="1" noChangeArrowheads="1" noChangeShapeType="1" noTextEdit="1"/>
+          </p:cNvSpPr>
+          <p:nvPr>
+            <p:extLst>
+              <p:ext uri="{386F3935-93C4-4BCD-93E2-E3B085C9AB24}">
+                <p16:designElem xmlns:p16="http://schemas.microsoft.com/office/powerpoint/2015/main" val="1"/>
+              </p:ext>
+            </p:extLst>
+          </p:nvPr>
+        </p:nvSpPr>
+        <p:spPr>
+          <a:xfrm flipH="1">
+            <a:off x="4038600" y="6400799"/>
+            <a:ext cx="8153398" cy="456772"/>
+          </a:xfrm>
+          <a:prstGeom prst="rect">
+            <a:avLst/>
+          </a:prstGeom>
+          <a:gradFill>
+            <a:gsLst>
+              <a:gs pos="0">
+                <a:srgbClr val="000000">
+                  <a:alpha val="63000"/>
+                </a:srgbClr>
+              </a:gs>
+              <a:gs pos="100000">
+                <a:schemeClr val="accent1">
+                  <a:lumMod val="75000"/>
+                </a:schemeClr>
+              </a:gs>
+            </a:gsLst>
+            <a:lin ang="13800000" scaled="0"/>
+          </a:gradFill>
+          <a:ln>
+            <a:noFill/>
+          </a:ln>
+        </p:spPr>
+        <p:style>
+          <a:lnRef idx="2">
+            <a:schemeClr val="accent1">
+              <a:shade val="50000"/>
+            </a:schemeClr>
+          </a:lnRef>
+          <a:fillRef idx="1">
+            <a:schemeClr val="accent1"/>
+          </a:fillRef>
+          <a:effectRef idx="0">
+            <a:schemeClr val="accent1"/>
+          </a:effectRef>
+          <a:fontRef idx="minor">
+            <a:schemeClr val="lt1"/>
+          </a:fontRef>
+        </p:style>
+        <p:txBody>
+          <a:bodyPr rtlCol="0" anchor="ctr"/>
+          <a:lstStyle/>
+          <a:p>
+            <a:pPr algn="ctr"/>
+            <a:endParaRPr lang="en-US"/>
+          </a:p>
+        </p:txBody>
+      </p:sp>
+    </p:spTree>
+    <p:extLst>
+      <p:ext uri="{BB962C8B-B14F-4D97-AF65-F5344CB8AC3E}">
+        <p14:creationId xmlns:p14="http://schemas.microsoft.com/office/powerpoint/2010/main" val="1867446782"/>
+      </p:ext>
+    </p:extLst>
+  </p:cSld>
+  <p:clrMapOvr>
+    <a:masterClrMapping/>
+  </p:clrMapOvr>
+</p:sld>
+</file>
+
+<file path=ppt/slides/slide10.xml><?xml version="1.0" encoding="utf-8"?>
+<p:sld xmlns:a="http://schemas.openxmlformats.org/drawingml/2006/main" xmlns:r="http://schemas.openxmlformats.org/officeDocument/2006/relationships" xmlns:p="http://schemas.openxmlformats.org/presentationml/2006/main">
+  <p:cSld>
+    <p:bg>
+      <p:bgPr>
+        <a:solidFill>
+          <a:schemeClr val="bg1"/>
+        </a:solidFill>
+        <a:effectLst/>
+      </p:bgPr>
+    </p:bg>
+    <p:spTree>
+      <p:nvGrpSpPr>
+        <p:cNvPr id="1" name=""/>
+        <p:cNvGrpSpPr/>
+        <p:nvPr/>
+      </p:nvGrpSpPr>
+      <p:grpSpPr>
+        <a:xfrm>
+          <a:off x="0" y="0"/>
+          <a:ext cx="0" cy="0"/>
+          <a:chOff x="0" y="0"/>
+          <a:chExt cx="0" cy="0"/>
+        </a:xfrm>
+      </p:grpSpPr>
+      <p:sp useBgFill="1">
+        <p:nvSpPr>
+          <p:cNvPr id="13" name="Rectangle 9">
+            <a:extLst>
+              <a:ext uri="{FF2B5EF4-FFF2-40B4-BE49-F238E27FC236}">
+                <a16:creationId xmlns:a16="http://schemas.microsoft.com/office/drawing/2014/main" id="{385E1BDC-A9B0-4A87-82E3-F3187F69A802}"/>
               </a:ext>
               <a:ext uri="{C183D7F6-B498-43B3-948B-1728B52AA6E4}">
                 <adec:decorative xmlns:adec="http://schemas.microsoft.com/office/drawing/2017/decorative" val="1"/>
@@ -3589,23 +6398,83 @@
         </p:nvSpPr>
         <p:spPr>
           <a:xfrm>
-            <a:off x="579528" y="922919"/>
-            <a:ext cx="11111729" cy="5461252"/>
+            <a:off x="0" y="0"/>
+            <a:ext cx="12192000" cy="6858000"/>
           </a:xfrm>
           <a:prstGeom prst="rect">
             <a:avLst/>
           </a:prstGeom>
-          <a:solidFill>
-            <a:schemeClr val="bg1"/>
-          </a:solidFill>
           <a:ln>
             <a:noFill/>
           </a:ln>
+        </p:spPr>
+        <p:style>
+          <a:lnRef idx="2">
+            <a:schemeClr val="accent1">
+              <a:shade val="50000"/>
+            </a:schemeClr>
+          </a:lnRef>
+          <a:fillRef idx="1">
+            <a:schemeClr val="accent1"/>
+          </a:fillRef>
+          <a:effectRef idx="0">
+            <a:schemeClr val="accent1"/>
+          </a:effectRef>
+          <a:fontRef idx="minor">
+            <a:schemeClr val="lt1"/>
+          </a:fontRef>
+        </p:style>
+        <p:txBody>
+          <a:bodyPr rtlCol="0" anchor="ctr"/>
+          <a:lstStyle/>
+          <a:p>
+            <a:pPr algn="ctr"/>
+            <a:endParaRPr lang="en-US"/>
+          </a:p>
+        </p:txBody>
+      </p:sp>
+      <p:sp useBgFill="1">
+        <p:nvSpPr>
+          <p:cNvPr id="12" name="Rectangle 11">
+            <a:extLst>
+              <a:ext uri="{FF2B5EF4-FFF2-40B4-BE49-F238E27FC236}">
+                <a16:creationId xmlns:a16="http://schemas.microsoft.com/office/drawing/2014/main" id="{0990C621-3B8B-4820-8328-D47EF7CE823C}"/>
+              </a:ext>
+              <a:ext uri="{C183D7F6-B498-43B3-948B-1728B52AA6E4}">
+                <adec:decorative xmlns:adec="http://schemas.microsoft.com/office/drawing/2017/decorative" val="1"/>
+              </a:ext>
+            </a:extLst>
+          </p:cNvPr>
+          <p:cNvSpPr>
+            <a:spLocks noGrp="1" noRot="1" noChangeAspect="1" noMove="1" noResize="1" noEditPoints="1" noAdjustHandles="1" noChangeArrowheads="1" noChangeShapeType="1" noTextEdit="1"/>
+          </p:cNvSpPr>
+          <p:nvPr>
+            <p:extLst>
+              <p:ext uri="{386F3935-93C4-4BCD-93E2-E3B085C9AB24}">
+                <p16:designElem xmlns:p16="http://schemas.microsoft.com/office/powerpoint/2015/main" val="1"/>
+              </p:ext>
+            </p:extLst>
+          </p:nvPr>
+        </p:nvSpPr>
+        <p:spPr>
+          <a:xfrm>
+            <a:off x="554416" y="365125"/>
+            <a:ext cx="11167447" cy="2089317"/>
+          </a:xfrm>
+          <a:prstGeom prst="rect">
+            <a:avLst/>
+          </a:prstGeom>
+          <a:ln w="12700">
+            <a:solidFill>
+              <a:srgbClr val="DEDEDE"/>
+            </a:solidFill>
+          </a:ln>
           <a:effectLst>
-            <a:outerShdw blurRad="139700" dist="127000" dir="5400000" algn="t" rotWithShape="0">
-              <a:prstClr val="black">
-                <a:alpha val="15000"/>
-              </a:prstClr>
+            <a:outerShdw blurRad="50800" dist="38100" dir="2700000" algn="tl" rotWithShape="0">
+              <a:schemeClr val="bg2">
+                <a:lumMod val="85000"/>
+                <a:alpha val="50000"/>
+              </a:schemeClr>
             </a:outerShdw>
           </a:effectLst>
         </p:spPr>
@@ -3629,8 +6498,37 @@
           <a:bodyPr rtlCol="0" anchor="ctr"/>
           <a:lstStyle/>
           <a:p>
-            <a:pPr algn="ctr"/>
-            <a:endParaRPr lang="en-US"/>
+            <a:pPr marL="0" marR="0" lvl="0" indent="0" algn="ctr" defTabSz="914400" rtl="0" eaLnBrk="1" fontAlgn="auto" latinLnBrk="0" hangingPunct="1">
+              <a:lnSpc>
+                <a:spcPct val="100000"/>
+              </a:lnSpc>
+              <a:spcBef>
+                <a:spcPts val="0"/>
+              </a:spcBef>
+              <a:spcAft>
+                <a:spcPts val="0"/>
+              </a:spcAft>
+              <a:buClrTx/>
+              <a:buSzTx/>
+              <a:buFontTx/>
+              <a:buNone/>
+              <a:tabLst/>
+              <a:defRPr/>
+            </a:pPr>
+            <a:endParaRPr kumimoji="0" lang="en-US" sz="1800" b="0" i="0" u="none" strike="noStrike" kern="1200" cap="none" spc="0" normalizeH="0" baseline="0" noProof="0">
+              <a:ln>
+                <a:noFill/>
+              </a:ln>
+              <a:solidFill>
+                <a:prstClr val="white"/>
+              </a:solidFill>
+              <a:effectLst/>
+              <a:uLnTx/>
+              <a:uFillTx/>
+              <a:latin typeface="Calibri" panose="020F0502020204030204"/>
+              <a:ea typeface="+mn-ea"/>
+              <a:cs typeface="+mn-cs"/>
+            </a:endParaRPr>
           </a:p>
         </p:txBody>
       </p:sp>
@@ -3639,7 +6537,7 @@
           <p:cNvPr id="2" name="Title 1">
             <a:extLst>
               <a:ext uri="{FF2B5EF4-FFF2-40B4-BE49-F238E27FC236}">
-                <a16:creationId xmlns:a16="http://schemas.microsoft.com/office/drawing/2014/main" id="{7120A88E-2398-730C-E6E8-4981CB39FE75}"/>
+                <a16:creationId xmlns:a16="http://schemas.microsoft.com/office/drawing/2014/main" id="{BBD15B57-8752-291C-310C-FDBAA09447DC}"/>
               </a:ext>
             </a:extLst>
           </p:cNvPr>
@@ -3652,29 +6550,29 @@
         </p:nvSpPr>
         <p:spPr>
           <a:xfrm>
-            <a:off x="1099425" y="1238081"/>
-            <a:ext cx="4709345" cy="962953"/>
+            <a:off x="1051560" y="586822"/>
+            <a:ext cx="3657600" cy="1645920"/>
           </a:xfrm>
         </p:spPr>
         <p:txBody>
-          <a:bodyPr anchor="b">
+          <a:bodyPr>
             <a:normAutofit/>
           </a:bodyPr>
           <a:lstStyle/>
           <a:p>
             <a:r>
-              <a:rPr lang="en-US" sz="2900"/>
-              <a:t>Credit Card Fraud Detection with Machine Learning</a:t>
+              <a:rPr lang="en-US" sz="3200"/>
+              <a:t>Model Evaluation with ADASYN</a:t>
             </a:r>
           </a:p>
         </p:txBody>
       </p:sp>
       <p:sp>
         <p:nvSpPr>
-          <p:cNvPr id="59" name="Rectangle 35">
-            <a:extLst>
-              <a:ext uri="{FF2B5EF4-FFF2-40B4-BE49-F238E27FC236}">
-                <a16:creationId xmlns:a16="http://schemas.microsoft.com/office/drawing/2014/main" id="{1382A32C-5B0C-4B1C-A074-76C6DBCC9F87}"/>
+          <p:cNvPr id="14" name="Rectangle 13">
+            <a:extLst>
+              <a:ext uri="{FF2B5EF4-FFF2-40B4-BE49-F238E27FC236}">
+                <a16:creationId xmlns:a16="http://schemas.microsoft.com/office/drawing/2014/main" id="{C1A2385B-1D2A-4E17-84FA-6CB7F0AAE473}"/>
               </a:ext>
               <a:ext uri="{C183D7F6-B498-43B3-948B-1728B52AA6E4}">
                 <adec:decorative xmlns:adec="http://schemas.microsoft.com/office/drawing/2017/decorative" val="1"/>
@@ -3693,15 +6591,15 @@
           </p:nvPr>
         </p:nvSpPr>
         <p:spPr>
-          <a:xfrm flipH="1">
-            <a:off x="1139885" y="2372170"/>
-            <a:ext cx="4389120" cy="27432"/>
+          <a:xfrm>
+            <a:off x="490408" y="1057739"/>
+            <a:ext cx="128016" cy="704088"/>
           </a:xfrm>
           <a:prstGeom prst="rect">
             <a:avLst/>
           </a:prstGeom>
           <a:solidFill>
-            <a:schemeClr val="accent4"/>
+            <a:schemeClr val="accent2"/>
           </a:solidFill>
           <a:ln>
             <a:noFill/>
@@ -3728,7 +6626,105 @@
           <a:lstStyle/>
           <a:p>
             <a:pPr algn="ctr"/>
-            <a:endParaRPr lang="en-US"/>
+            <a:endParaRPr lang="en-US" dirty="0">
+              <a:solidFill>
+                <a:prstClr val="white"/>
+              </a:solidFill>
+              <a:latin typeface="Calibri" panose="020F0502020204030204"/>
+            </a:endParaRPr>
+          </a:p>
+        </p:txBody>
+      </p:sp>
+      <p:sp>
+        <p:nvSpPr>
+          <p:cNvPr id="16" name="Rectangle 15">
+            <a:extLst>
+              <a:ext uri="{FF2B5EF4-FFF2-40B4-BE49-F238E27FC236}">
+                <a16:creationId xmlns:a16="http://schemas.microsoft.com/office/drawing/2014/main" id="{5E791F2F-79DB-4CC0-9FA1-001E3E91E8B7}"/>
+              </a:ext>
+              <a:ext uri="{C183D7F6-B498-43B3-948B-1728B52AA6E4}">
+                <adec:decorative xmlns:adec="http://schemas.microsoft.com/office/drawing/2017/decorative" val="1"/>
+              </a:ext>
+            </a:extLst>
+          </p:cNvPr>
+          <p:cNvSpPr>
+            <a:spLocks noGrp="1" noRot="1" noChangeAspect="1" noMove="1" noResize="1" noEditPoints="1" noAdjustHandles="1" noChangeArrowheads="1" noChangeShapeType="1" noTextEdit="1"/>
+          </p:cNvSpPr>
+          <p:nvPr>
+            <p:extLst>
+              <p:ext uri="{386F3935-93C4-4BCD-93E2-E3B085C9AB24}">
+                <p16:designElem xmlns:p16="http://schemas.microsoft.com/office/powerpoint/2015/main" val="1"/>
+              </p:ext>
+            </p:extLst>
+          </p:nvPr>
+        </p:nvSpPr>
+        <p:spPr>
+          <a:xfrm rot="5400000">
+            <a:off x="4243541" y="1400638"/>
+            <a:ext cx="1463040" cy="18288"/>
+          </a:xfrm>
+          <a:prstGeom prst="rect">
+            <a:avLst/>
+          </a:prstGeom>
+          <a:solidFill>
+            <a:srgbClr val="D5D5D5"/>
+          </a:solidFill>
+          <a:ln w="3175">
+            <a:noFill/>
+          </a:ln>
+          <a:effectLst/>
+        </p:spPr>
+        <p:style>
+          <a:lnRef idx="2">
+            <a:schemeClr val="accent1">
+              <a:shade val="50000"/>
+            </a:schemeClr>
+          </a:lnRef>
+          <a:fillRef idx="1">
+            <a:schemeClr val="accent1"/>
+          </a:fillRef>
+          <a:effectRef idx="0">
+            <a:schemeClr val="accent1"/>
+          </a:effectRef>
+          <a:fontRef idx="minor">
+            <a:schemeClr val="lt1"/>
+          </a:fontRef>
+        </p:style>
+        <p:txBody>
+          <a:bodyPr rtlCol="0" anchor="ctr"/>
+          <a:lstStyle/>
+          <a:p>
+            <a:pPr marL="0" marR="0" lvl="0" indent="0" algn="ctr" defTabSz="914400" rtl="0" eaLnBrk="1" fontAlgn="auto" latinLnBrk="0" hangingPunct="1">
+              <a:lnSpc>
+                <a:spcPct val="100000"/>
+              </a:lnSpc>
+              <a:spcBef>
+                <a:spcPts val="0"/>
+              </a:spcBef>
+              <a:spcAft>
+                <a:spcPts val="0"/>
+              </a:spcAft>
+              <a:buClrTx/>
+              <a:buSzTx/>
+              <a:buFontTx/>
+              <a:buNone/>
+              <a:tabLst/>
+              <a:defRPr/>
+            </a:pPr>
+            <a:endParaRPr kumimoji="0" lang="en-US" sz="1800" b="0" i="0" u="none" strike="noStrike" kern="1200" cap="none" spc="0" normalizeH="0" baseline="0" noProof="0">
+              <a:ln>
+                <a:noFill/>
+              </a:ln>
+              <a:solidFill>
+                <a:prstClr val="white"/>
+              </a:solidFill>
+              <a:effectLst/>
+              <a:uLnTx/>
+              <a:uFillTx/>
+              <a:latin typeface="Calibri" panose="020F0502020204030204"/>
+              <a:ea typeface="+mn-ea"/>
+              <a:cs typeface="+mn-cs"/>
+            </a:endParaRPr>
           </a:p>
         </p:txBody>
       </p:sp>
@@ -3737,7 +6733,7 @@
           <p:cNvPr id="3" name="Content Placeholder 2">
             <a:extLst>
               <a:ext uri="{FF2B5EF4-FFF2-40B4-BE49-F238E27FC236}">
-                <a16:creationId xmlns:a16="http://schemas.microsoft.com/office/drawing/2014/main" id="{DF713280-DD2A-F8E5-AB11-34F3BCFEB8A8}"/>
+                <a16:creationId xmlns:a16="http://schemas.microsoft.com/office/drawing/2014/main" id="{9D23DC33-E41A-942A-2CBA-959AFA5A6871}"/>
               </a:ext>
             </a:extLst>
           </p:cNvPr>
@@ -3750,8 +6746,8 @@
         </p:nvSpPr>
         <p:spPr>
           <a:xfrm>
-            <a:off x="1100736" y="2508105"/>
-            <a:ext cx="4709345" cy="3632493"/>
+            <a:off x="5250106" y="586822"/>
+            <a:ext cx="6106742" cy="1645920"/>
           </a:xfrm>
         </p:spPr>
         <p:txBody>
@@ -3760,25 +6756,28 @@
           </a:bodyPr>
           <a:lstStyle/>
           <a:p>
+            <a:pPr marL="0" indent="0">
+              <a:buNone/>
+            </a:pPr>
             <a:r>
-              <a:rPr lang="en-US" sz="2000"/>
-              <a:t>Author – Jagadish Janakiraman</a:t>
+              <a:rPr lang="en-US" sz="1800" b="0" i="0">
+                <a:effectLst/>
+                <a:latin typeface="freight-text-pro"/>
+              </a:rPr>
+              <a:t>In summary, the selection of a threshold value, such as 0.1210, plays a crucial role in binary classification. It determines how predictions are categorized into classes, with a focus on optimizing TPR and FPR to minimize misclassifications, especially in scenarios like fraud detection.</a:t>
             </a:r>
-          </a:p>
-          <a:p>
-            <a:r>
-              <a:rPr lang="en-US" sz="2000"/>
-              <a:t>Date – 9/25/2023</a:t>
-            </a:r>
+            <a:endParaRPr lang="en-US" sz="1800">
+              <a:latin typeface="freight-text-pro"/>
+            </a:endParaRPr>
           </a:p>
         </p:txBody>
       </p:sp>
       <p:pic>
         <p:nvPicPr>
-          <p:cNvPr id="14" name="Picture 4" descr="A stack of bank cards">
-            <a:extLst>
-              <a:ext uri="{FF2B5EF4-FFF2-40B4-BE49-F238E27FC236}">
-                <a16:creationId xmlns:a16="http://schemas.microsoft.com/office/drawing/2014/main" id="{0FCF9DD5-BDDA-EEE8-8C40-4E88A9D69C88}"/>
+          <p:cNvPr id="5" name="Picture 4">
+            <a:extLst>
+              <a:ext uri="{FF2B5EF4-FFF2-40B4-BE49-F238E27FC236}">
+                <a16:creationId xmlns:a16="http://schemas.microsoft.com/office/drawing/2014/main" id="{5F4C3959-D82D-7A2E-F3F6-0C40DC76A903}"/>
               </a:ext>
             </a:extLst>
           </p:cNvPr>
@@ -3787,25 +6786,317 @@
           </p:cNvPicPr>
           <p:nvPr/>
         </p:nvPicPr>
-        <p:blipFill rotWithShape="1">
+        <p:blipFill>
           <a:blip r:embed="rId2"/>
-          <a:srcRect l="30573" r="3" b="3"/>
-          <a:stretch/>
+          <a:stretch>
+            <a:fillRect/>
+          </a:stretch>
         </p:blipFill>
         <p:spPr>
           <a:xfrm>
-            <a:off x="6538366" y="1383738"/>
-            <a:ext cx="4929098" cy="4756870"/>
+            <a:off x="1006521" y="2729397"/>
+            <a:ext cx="4584032" cy="3483864"/>
           </a:xfrm>
           <a:prstGeom prst="rect">
             <a:avLst/>
           </a:prstGeom>
         </p:spPr>
       </p:pic>
+      <p:graphicFrame>
+        <p:nvGraphicFramePr>
+          <p:cNvPr id="4" name="Table 5">
+            <a:extLst>
+              <a:ext uri="{FF2B5EF4-FFF2-40B4-BE49-F238E27FC236}">
+                <a16:creationId xmlns:a16="http://schemas.microsoft.com/office/drawing/2014/main" id="{1978C2A7-08E8-B20E-9CFB-20E314C587F8}"/>
+              </a:ext>
+            </a:extLst>
+          </p:cNvPr>
+          <p:cNvGraphicFramePr>
+            <a:graphicFrameLocks noGrp="1"/>
+          </p:cNvGraphicFramePr>
+          <p:nvPr>
+            <p:extLst>
+              <p:ext uri="{D42A27DB-BD31-4B8C-83A1-F6EECF244321}">
+                <p14:modId xmlns:p14="http://schemas.microsoft.com/office/powerpoint/2010/main" val="1679660872"/>
+              </p:ext>
+            </p:extLst>
+          </p:nvPr>
+        </p:nvGraphicFramePr>
+        <p:xfrm>
+          <a:off x="6198781" y="2780834"/>
+          <a:ext cx="5523083" cy="3070095"/>
+        </p:xfrm>
+        <a:graphic>
+          <a:graphicData uri="http://schemas.openxmlformats.org/drawingml/2006/table">
+            <a:tbl>
+              <a:tblPr firstRow="1" bandRow="1">
+                <a:tableStyleId>{5C22544A-7EE6-4342-B048-85BDC9FD1C3A}</a:tableStyleId>
+              </a:tblPr>
+              <a:tblGrid>
+                <a:gridCol w="363464">
+                  <a:extLst>
+                    <a:ext uri="{9D8B030D-6E8A-4147-A177-3AD203B41FA5}">
+                      <a16:colId xmlns:a16="http://schemas.microsoft.com/office/drawing/2014/main" val="4124676591"/>
+                    </a:ext>
+                  </a:extLst>
+                </a:gridCol>
+                <a:gridCol w="1619827">
+                  <a:extLst>
+                    <a:ext uri="{9D8B030D-6E8A-4147-A177-3AD203B41FA5}">
+                      <a16:colId xmlns:a16="http://schemas.microsoft.com/office/drawing/2014/main" val="1986819784"/>
+                    </a:ext>
+                  </a:extLst>
+                </a:gridCol>
+                <a:gridCol w="3539792">
+                  <a:extLst>
+                    <a:ext uri="{9D8B030D-6E8A-4147-A177-3AD203B41FA5}">
+                      <a16:colId xmlns:a16="http://schemas.microsoft.com/office/drawing/2014/main" val="3612541629"/>
+                    </a:ext>
+                  </a:extLst>
+                </a:gridCol>
+              </a:tblGrid>
+              <a:tr h="1088135">
+                <a:tc>
+                  <a:txBody>
+                    <a:bodyPr/>
+                    <a:lstStyle/>
+                    <a:p>
+                      <a:r>
+                        <a:rPr lang="en-US" sz="1300"/>
+                        <a:t>1</a:t>
+                      </a:r>
+                    </a:p>
+                  </a:txBody>
+                  <a:tcPr marL="83276" marR="83276" marT="41638" marB="41638"/>
+                </a:tc>
+                <a:tc>
+                  <a:txBody>
+                    <a:bodyPr/>
+                    <a:lstStyle/>
+                    <a:p>
+                      <a:r>
+                        <a:rPr lang="en-US" sz="1300" b="0" i="0" dirty="0">
+                          <a:solidFill>
+                            <a:srgbClr val="091E42"/>
+                          </a:solidFill>
+                          <a:effectLst/>
+                          <a:latin typeface="freight-text-pro"/>
+                        </a:rPr>
+                        <a:t>ROC Curve Analysis</a:t>
+                      </a:r>
+                      <a:endParaRPr lang="en-US" sz="1300" dirty="0"/>
+                    </a:p>
+                  </a:txBody>
+                  <a:tcPr marL="83276" marR="83276" marT="41638" marB="41638"/>
+                </a:tc>
+                <a:tc>
+                  <a:txBody>
+                    <a:bodyPr/>
+                    <a:lstStyle/>
+                    <a:p>
+                      <a:pPr marL="0" indent="0" algn="l">
+                        <a:buNone/>
+                      </a:pPr>
+                      <a:r>
+                        <a:rPr lang="en-US" sz="1300" b="0" i="0" dirty="0">
+                          <a:solidFill>
+                            <a:srgbClr val="091E42"/>
+                          </a:solidFill>
+                          <a:effectLst/>
+                          <a:latin typeface="freight-text-pro"/>
+                        </a:rPr>
+                        <a:t>- ROC curve evaluates model performance at different thresholds.</a:t>
+                      </a:r>
+                    </a:p>
+                    <a:p>
+                      <a:pPr marL="0" indent="0" algn="l">
+                        <a:buNone/>
+                      </a:pPr>
+                      <a:r>
+                        <a:rPr lang="en-US" sz="1300" b="0" i="0" dirty="0">
+                          <a:solidFill>
+                            <a:srgbClr val="091E42"/>
+                          </a:solidFill>
+                          <a:effectLst/>
+                          <a:latin typeface="freight-text-pro"/>
+                        </a:rPr>
+                        <a:t>   - The best threshold balances True Positive Rate (TPR) and False Positive Rate (FPR) to minimize misclassifications.</a:t>
+                      </a:r>
+                      <a:endParaRPr lang="en-US" sz="1300" dirty="0"/>
+                    </a:p>
+                  </a:txBody>
+                  <a:tcPr marL="83276" marR="83276" marT="41638" marB="41638"/>
+                </a:tc>
+                <a:extLst>
+                  <a:ext uri="{0D108BD9-81ED-4DB2-BD59-A6C34878D82A}">
+                    <a16:rowId xmlns:a16="http://schemas.microsoft.com/office/drawing/2014/main" val="2124589511"/>
+                  </a:ext>
+                </a:extLst>
+              </a:tr>
+              <a:tr h="893825">
+                <a:tc>
+                  <a:txBody>
+                    <a:bodyPr/>
+                    <a:lstStyle/>
+                    <a:p>
+                      <a:r>
+                        <a:rPr lang="en-US" sz="1300"/>
+                        <a:t>2</a:t>
+                      </a:r>
+                    </a:p>
+                  </a:txBody>
+                  <a:tcPr marL="83276" marR="83276" marT="41638" marB="41638"/>
+                </a:tc>
+                <a:tc>
+                  <a:txBody>
+                    <a:bodyPr/>
+                    <a:lstStyle/>
+                    <a:p>
+                      <a:r>
+                        <a:rPr lang="en-US" sz="1300" b="0" i="0">
+                          <a:solidFill>
+                            <a:srgbClr val="091E42"/>
+                          </a:solidFill>
+                          <a:effectLst/>
+                          <a:latin typeface="freight-text-pro"/>
+                        </a:rPr>
+                        <a:t>Focus on High Recall</a:t>
+                      </a:r>
+                      <a:endParaRPr lang="en-US" sz="1300"/>
+                    </a:p>
+                  </a:txBody>
+                  <a:tcPr marL="83276" marR="83276" marT="41638" marB="41638"/>
+                </a:tc>
+                <a:tc>
+                  <a:txBody>
+                    <a:bodyPr/>
+                    <a:lstStyle/>
+                    <a:p>
+                      <a:pPr marL="0" indent="0" algn="l">
+                        <a:buNone/>
+                      </a:pPr>
+                      <a:r>
+                        <a:rPr lang="en-US" sz="1300" b="0" i="0">
+                          <a:solidFill>
+                            <a:srgbClr val="091E42"/>
+                          </a:solidFill>
+                          <a:effectLst/>
+                          <a:latin typeface="freight-text-pro"/>
+                        </a:rPr>
+                        <a:t>- Priority is to detect actual fraudulent transactions, especially high-value ones.</a:t>
+                      </a:r>
+                    </a:p>
+                    <a:p>
+                      <a:pPr marL="0" indent="0" algn="l">
+                        <a:buNone/>
+                      </a:pPr>
+                      <a:r>
+                        <a:rPr lang="en-US" sz="1300" b="0" i="0">
+                          <a:solidFill>
+                            <a:srgbClr val="091E42"/>
+                          </a:solidFill>
+                          <a:effectLst/>
+                          <a:latin typeface="freight-text-pro"/>
+                        </a:rPr>
+                        <a:t>   - High Recall ensures fewer fraudulent cases go undetected.</a:t>
+                      </a:r>
+                      <a:endParaRPr lang="en-US" sz="1300"/>
+                    </a:p>
+                  </a:txBody>
+                  <a:tcPr marL="83276" marR="83276" marT="41638" marB="41638"/>
+                </a:tc>
+                <a:extLst>
+                  <a:ext uri="{0D108BD9-81ED-4DB2-BD59-A6C34878D82A}">
+                    <a16:rowId xmlns:a16="http://schemas.microsoft.com/office/drawing/2014/main" val="3767029743"/>
+                  </a:ext>
+                </a:extLst>
+              </a:tr>
+              <a:tr h="1088135">
+                <a:tc>
+                  <a:txBody>
+                    <a:bodyPr/>
+                    <a:lstStyle/>
+                    <a:p>
+                      <a:r>
+                        <a:rPr lang="en-US" sz="1300"/>
+                        <a:t>3</a:t>
+                      </a:r>
+                    </a:p>
+                  </a:txBody>
+                  <a:tcPr marL="83276" marR="83276" marT="41638" marB="41638"/>
+                </a:tc>
+                <a:tc>
+                  <a:txBody>
+                    <a:bodyPr/>
+                    <a:lstStyle/>
+                    <a:p>
+                      <a:r>
+                        <a:rPr lang="en-US" sz="1300" b="0" i="0">
+                          <a:solidFill>
+                            <a:srgbClr val="091E42"/>
+                          </a:solidFill>
+                          <a:effectLst/>
+                          <a:latin typeface="freight-text-pro"/>
+                        </a:rPr>
+                        <a:t>Threshold Values</a:t>
+                      </a:r>
+                      <a:endParaRPr lang="en-US" sz="1300"/>
+                    </a:p>
+                  </a:txBody>
+                  <a:tcPr marL="83276" marR="83276" marT="41638" marB="41638"/>
+                </a:tc>
+                <a:tc>
+                  <a:txBody>
+                    <a:bodyPr/>
+                    <a:lstStyle/>
+                    <a:p>
+                      <a:pPr marL="0" indent="0" algn="l">
+                        <a:buNone/>
+                      </a:pPr>
+                      <a:r>
+                        <a:rPr lang="en-US" sz="1300" b="0" i="0" dirty="0">
+                          <a:solidFill>
+                            <a:srgbClr val="091E42"/>
+                          </a:solidFill>
+                          <a:effectLst/>
+                          <a:latin typeface="freight-text-pro"/>
+                        </a:rPr>
+                        <a:t>- Best Threshold: 0.1210</a:t>
+                      </a:r>
+                    </a:p>
+                    <a:p>
+                      <a:pPr marL="0" indent="0" algn="l">
+                        <a:buNone/>
+                      </a:pPr>
+                      <a:r>
+                        <a:rPr lang="en-US" sz="1300" b="0" i="0" dirty="0">
+                          <a:solidFill>
+                            <a:srgbClr val="091E42"/>
+                          </a:solidFill>
+                          <a:effectLst/>
+                          <a:latin typeface="freight-text-pro"/>
+                        </a:rPr>
+                        <a:t>   - Threshold Interpretation: Predicted probabilities ≥ 0.1210 → "class 1" (positive class), Predicted probabilities &lt; 0.1210 → "class 0" (negative class).</a:t>
+                      </a:r>
+                      <a:endParaRPr lang="en-US" sz="1300" dirty="0"/>
+                    </a:p>
+                  </a:txBody>
+                  <a:tcPr marL="83276" marR="83276" marT="41638" marB="41638"/>
+                </a:tc>
+                <a:extLst>
+                  <a:ext uri="{0D108BD9-81ED-4DB2-BD59-A6C34878D82A}">
+                    <a16:rowId xmlns:a16="http://schemas.microsoft.com/office/drawing/2014/main" val="854076702"/>
+                  </a:ext>
+                </a:extLst>
+              </a:tr>
+            </a:tbl>
+          </a:graphicData>
+        </a:graphic>
+      </p:graphicFrame>
     </p:spTree>
     <p:extLst>
       <p:ext uri="{BB962C8B-B14F-4D97-AF65-F5344CB8AC3E}">
-        <p14:creationId xmlns:p14="http://schemas.microsoft.com/office/powerpoint/2010/main" val="1867446782"/>
+        <p14:creationId xmlns:p14="http://schemas.microsoft.com/office/powerpoint/2010/main" val="2236464694"/>
       </p:ext>
     </p:extLst>
   </p:cSld>
@@ -3815,9 +7106,17 @@
 </p:sld>
 </file>
 
-<file path=ppt/slides/slide10.xml><?xml version="1.0" encoding="utf-8"?>
+<file path=ppt/slides/slide11.xml><?xml version="1.0" encoding="utf-8"?>
 <p:sld xmlns:a="http://schemas.openxmlformats.org/drawingml/2006/main" xmlns:r="http://schemas.openxmlformats.org/officeDocument/2006/relationships" xmlns:p="http://schemas.openxmlformats.org/presentationml/2006/main">
   <p:cSld>
+    <p:bg>
+      <p:bgPr>
+        <a:solidFill>
+          <a:schemeClr val="bg1"/>
+        </a:solidFill>
+        <a:effectLst/>
+      </p:bgPr>
+    </p:bg>
     <p:spTree>
       <p:nvGrpSpPr>
         <p:cNvPr id="1" name=""/>
@@ -3832,12 +7131,315 @@
           <a:chExt cx="0" cy="0"/>
         </a:xfrm>
       </p:grpSpPr>
+      <p:sp useBgFill="1">
+        <p:nvSpPr>
+          <p:cNvPr id="9" name="Rectangle 8">
+            <a:extLst>
+              <a:ext uri="{FF2B5EF4-FFF2-40B4-BE49-F238E27FC236}">
+                <a16:creationId xmlns:a16="http://schemas.microsoft.com/office/drawing/2014/main" id="{A8384FB5-9ADC-4DDC-881B-597D56F5B15D}"/>
+              </a:ext>
+              <a:ext uri="{C183D7F6-B498-43B3-948B-1728B52AA6E4}">
+                <adec:decorative xmlns:adec="http://schemas.microsoft.com/office/drawing/2017/decorative" val="1"/>
+              </a:ext>
+            </a:extLst>
+          </p:cNvPr>
+          <p:cNvSpPr>
+            <a:spLocks noGrp="1" noRot="1" noChangeAspect="1" noMove="1" noResize="1" noEditPoints="1" noAdjustHandles="1" noChangeArrowheads="1" noChangeShapeType="1" noTextEdit="1"/>
+          </p:cNvSpPr>
+          <p:nvPr>
+            <p:extLst>
+              <p:ext uri="{386F3935-93C4-4BCD-93E2-E3B085C9AB24}">
+                <p16:designElem xmlns:p16="http://schemas.microsoft.com/office/powerpoint/2015/main" val="1"/>
+              </p:ext>
+            </p:extLst>
+          </p:nvPr>
+        </p:nvSpPr>
+        <p:spPr>
+          <a:xfrm>
+            <a:off x="0" y="0"/>
+            <a:ext cx="12192000" cy="6858000"/>
+          </a:xfrm>
+          <a:prstGeom prst="rect">
+            <a:avLst/>
+          </a:prstGeom>
+          <a:ln w="12700" cap="flat" cmpd="sng" algn="ctr">
+            <a:noFill/>
+            <a:prstDash val="solid"/>
+            <a:miter lim="800000"/>
+          </a:ln>
+          <a:effectLst/>
+          <a:extLst>
+            <a:ext uri="{91240B29-F687-4F45-9708-019B960494DF}">
+              <a14:hiddenLine xmlns:a14="http://schemas.microsoft.com/office/drawing/2010/main" w="12700" cap="flat" cmpd="sng" algn="ctr">
+                <a:solidFill>
+                  <a:schemeClr val="accent1">
+                    <a:shade val="50000"/>
+                  </a:schemeClr>
+                </a:solidFill>
+                <a:prstDash val="solid"/>
+                <a:miter lim="800000"/>
+              </a14:hiddenLine>
+            </a:ext>
+          </a:extLst>
+        </p:spPr>
+        <p:style>
+          <a:lnRef idx="2">
+            <a:schemeClr val="accent1">
+              <a:shade val="50000"/>
+            </a:schemeClr>
+          </a:lnRef>
+          <a:fillRef idx="1">
+            <a:schemeClr val="accent1"/>
+          </a:fillRef>
+          <a:effectRef idx="0">
+            <a:schemeClr val="accent1"/>
+          </a:effectRef>
+          <a:fontRef idx="minor">
+            <a:schemeClr val="lt1"/>
+          </a:fontRef>
+        </p:style>
+        <p:txBody>
+          <a:bodyPr rtlCol="0" anchor="ctr"/>
+          <a:lstStyle/>
+          <a:p>
+            <a:pPr algn="ctr"/>
+            <a:endParaRPr lang="en-US"/>
+          </a:p>
+        </p:txBody>
+      </p:sp>
+      <p:sp>
+        <p:nvSpPr>
+          <p:cNvPr id="11" name="Rectangle 10">
+            <a:extLst>
+              <a:ext uri="{FF2B5EF4-FFF2-40B4-BE49-F238E27FC236}">
+                <a16:creationId xmlns:a16="http://schemas.microsoft.com/office/drawing/2014/main" id="{1199E1B1-A8C0-4FE8-A5A8-1CB41D69F857}"/>
+              </a:ext>
+              <a:ext uri="{C183D7F6-B498-43B3-948B-1728B52AA6E4}">
+                <adec:decorative xmlns:adec="http://schemas.microsoft.com/office/drawing/2017/decorative" val="1"/>
+              </a:ext>
+            </a:extLst>
+          </p:cNvPr>
+          <p:cNvSpPr>
+            <a:spLocks noGrp="1" noRot="1" noChangeAspect="1" noMove="1" noResize="1" noEditPoints="1" noAdjustHandles="1" noChangeArrowheads="1" noChangeShapeType="1" noTextEdit="1"/>
+          </p:cNvSpPr>
+          <p:nvPr>
+            <p:extLst>
+              <p:ext uri="{386F3935-93C4-4BCD-93E2-E3B085C9AB24}">
+                <p16:designElem xmlns:p16="http://schemas.microsoft.com/office/powerpoint/2015/main" val="1"/>
+              </p:ext>
+            </p:extLst>
+          </p:nvPr>
+        </p:nvSpPr>
+        <p:spPr>
+          <a:xfrm rot="10800000" flipH="1">
+            <a:off x="2" y="0"/>
+            <a:ext cx="12191998" cy="1575955"/>
+          </a:xfrm>
+          <a:prstGeom prst="rect">
+            <a:avLst/>
+          </a:prstGeom>
+          <a:gradFill>
+            <a:gsLst>
+              <a:gs pos="0">
+                <a:srgbClr val="000000">
+                  <a:alpha val="96000"/>
+                </a:srgbClr>
+              </a:gs>
+              <a:gs pos="100000">
+                <a:schemeClr val="accent1">
+                  <a:lumMod val="75000"/>
+                </a:schemeClr>
+              </a:gs>
+            </a:gsLst>
+            <a:lin ang="6000000" scaled="0"/>
+          </a:gradFill>
+          <a:ln>
+            <a:noFill/>
+          </a:ln>
+        </p:spPr>
+        <p:style>
+          <a:lnRef idx="2">
+            <a:schemeClr val="accent1">
+              <a:shade val="50000"/>
+            </a:schemeClr>
+          </a:lnRef>
+          <a:fillRef idx="1">
+            <a:schemeClr val="accent1"/>
+          </a:fillRef>
+          <a:effectRef idx="0">
+            <a:schemeClr val="accent1"/>
+          </a:effectRef>
+          <a:fontRef idx="minor">
+            <a:schemeClr val="lt1"/>
+          </a:fontRef>
+        </p:style>
+        <p:txBody>
+          <a:bodyPr rtlCol="0" anchor="ctr"/>
+          <a:lstStyle/>
+          <a:p>
+            <a:pPr algn="ctr"/>
+            <a:endParaRPr lang="en-US"/>
+          </a:p>
+        </p:txBody>
+      </p:sp>
+      <p:sp>
+        <p:nvSpPr>
+          <p:cNvPr id="13" name="Rectangle 12">
+            <a:extLst>
+              <a:ext uri="{FF2B5EF4-FFF2-40B4-BE49-F238E27FC236}">
+                <a16:creationId xmlns:a16="http://schemas.microsoft.com/office/drawing/2014/main" id="{84A8DE83-DE75-4B41-9DB4-A7EC0B0DEC0B}"/>
+              </a:ext>
+              <a:ext uri="{C183D7F6-B498-43B3-948B-1728B52AA6E4}">
+                <adec:decorative xmlns:adec="http://schemas.microsoft.com/office/drawing/2017/decorative" val="1"/>
+              </a:ext>
+            </a:extLst>
+          </p:cNvPr>
+          <p:cNvSpPr>
+            <a:spLocks noGrp="1" noRot="1" noChangeAspect="1" noMove="1" noResize="1" noEditPoints="1" noAdjustHandles="1" noChangeArrowheads="1" noChangeShapeType="1" noTextEdit="1"/>
+          </p:cNvSpPr>
+          <p:nvPr>
+            <p:extLst>
+              <p:ext uri="{386F3935-93C4-4BCD-93E2-E3B085C9AB24}">
+                <p16:designElem xmlns:p16="http://schemas.microsoft.com/office/powerpoint/2015/main" val="1"/>
+              </p:ext>
+            </p:extLst>
+          </p:nvPr>
+        </p:nvSpPr>
+        <p:spPr>
+          <a:xfrm>
+            <a:off x="0" y="0"/>
+            <a:ext cx="8128856" cy="1575461"/>
+          </a:xfrm>
+          <a:prstGeom prst="rect">
+            <a:avLst/>
+          </a:prstGeom>
+          <a:gradFill>
+            <a:gsLst>
+              <a:gs pos="0">
+                <a:schemeClr val="accent1">
+                  <a:alpha val="41000"/>
+                </a:schemeClr>
+              </a:gs>
+              <a:gs pos="74000">
+                <a:schemeClr val="accent1">
+                  <a:lumMod val="60000"/>
+                  <a:lumOff val="40000"/>
+                  <a:alpha val="0"/>
+                </a:schemeClr>
+              </a:gs>
+            </a:gsLst>
+            <a:lin ang="8400000" scaled="0"/>
+          </a:gradFill>
+          <a:ln>
+            <a:noFill/>
+          </a:ln>
+        </p:spPr>
+        <p:style>
+          <a:lnRef idx="2">
+            <a:schemeClr val="accent1">
+              <a:shade val="50000"/>
+            </a:schemeClr>
+          </a:lnRef>
+          <a:fillRef idx="1">
+            <a:schemeClr val="accent1"/>
+          </a:fillRef>
+          <a:effectRef idx="0">
+            <a:schemeClr val="accent1"/>
+          </a:effectRef>
+          <a:fontRef idx="minor">
+            <a:schemeClr val="lt1"/>
+          </a:fontRef>
+        </p:style>
+        <p:txBody>
+          <a:bodyPr rtlCol="0" anchor="ctr"/>
+          <a:lstStyle/>
+          <a:p>
+            <a:pPr algn="ctr"/>
+            <a:endParaRPr lang="en-US"/>
+          </a:p>
+        </p:txBody>
+      </p:sp>
+      <p:sp>
+        <p:nvSpPr>
+          <p:cNvPr id="15" name="Rectangle 14">
+            <a:extLst>
+              <a:ext uri="{FF2B5EF4-FFF2-40B4-BE49-F238E27FC236}">
+                <a16:creationId xmlns:a16="http://schemas.microsoft.com/office/drawing/2014/main" id="{A7009A0A-BEF5-4EAC-AF15-E4F9F002E239}"/>
+              </a:ext>
+              <a:ext uri="{C183D7F6-B498-43B3-948B-1728B52AA6E4}">
+                <adec:decorative xmlns:adec="http://schemas.microsoft.com/office/drawing/2017/decorative" val="1"/>
+              </a:ext>
+            </a:extLst>
+          </p:cNvPr>
+          <p:cNvSpPr>
+            <a:spLocks noGrp="1" noRot="1" noChangeAspect="1" noMove="1" noResize="1" noEditPoints="1" noAdjustHandles="1" noChangeArrowheads="1" noChangeShapeType="1" noTextEdit="1"/>
+          </p:cNvSpPr>
+          <p:nvPr>
+            <p:extLst>
+              <p:ext uri="{386F3935-93C4-4BCD-93E2-E3B085C9AB24}">
+                <p16:designElem xmlns:p16="http://schemas.microsoft.com/office/powerpoint/2015/main" val="1"/>
+              </p:ext>
+            </p:extLst>
+          </p:nvPr>
+        </p:nvSpPr>
+        <p:spPr>
+          <a:xfrm flipH="1">
+            <a:off x="-3" y="-1"/>
+            <a:ext cx="12192002" cy="1574311"/>
+          </a:xfrm>
+          <a:prstGeom prst="rect">
+            <a:avLst/>
+          </a:prstGeom>
+          <a:gradFill>
+            <a:gsLst>
+              <a:gs pos="0">
+                <a:srgbClr val="000000">
+                  <a:alpha val="63000"/>
+                </a:srgbClr>
+              </a:gs>
+              <a:gs pos="78000">
+                <a:schemeClr val="accent1">
+                  <a:alpha val="15000"/>
+                </a:schemeClr>
+              </a:gs>
+            </a:gsLst>
+            <a:lin ang="15600000" scaled="0"/>
+          </a:gradFill>
+          <a:ln>
+            <a:noFill/>
+          </a:ln>
+        </p:spPr>
+        <p:style>
+          <a:lnRef idx="2">
+            <a:schemeClr val="accent1">
+              <a:shade val="50000"/>
+            </a:schemeClr>
+          </a:lnRef>
+          <a:fillRef idx="1">
+            <a:schemeClr val="accent1"/>
+          </a:fillRef>
+          <a:effectRef idx="0">
+            <a:schemeClr val="accent1"/>
+          </a:effectRef>
+          <a:fontRef idx="minor">
+            <a:schemeClr val="lt1"/>
+          </a:fontRef>
+        </p:style>
+        <p:txBody>
+          <a:bodyPr rtlCol="0" anchor="ctr"/>
+          <a:lstStyle/>
+          <a:p>
+            <a:pPr algn="ctr"/>
+            <a:endParaRPr lang="en-US"/>
+          </a:p>
+        </p:txBody>
+      </p:sp>
       <p:sp>
         <p:nvSpPr>
           <p:cNvPr id="2" name="Title 1">
             <a:extLst>
               <a:ext uri="{FF2B5EF4-FFF2-40B4-BE49-F238E27FC236}">
-                <a16:creationId xmlns:a16="http://schemas.microsoft.com/office/drawing/2014/main" id="{BBD15B57-8752-291C-310C-FDBAA09447DC}"/>
+                <a16:creationId xmlns:a16="http://schemas.microsoft.com/office/drawing/2014/main" id="{FC5DE171-8F94-1646-328D-D79A60114EE3}"/>
               </a:ext>
             </a:extLst>
           </p:cNvPr>
@@ -3848,14 +7450,1069 @@
             <p:ph type="title"/>
           </p:nvPr>
         </p:nvSpPr>
-        <p:spPr/>
+        <p:spPr>
+          <a:xfrm>
+            <a:off x="699713" y="248038"/>
+            <a:ext cx="7063721" cy="1159200"/>
+          </a:xfrm>
+        </p:spPr>
         <p:txBody>
-          <a:bodyPr/>
+          <a:bodyPr vert="horz" lIns="91440" tIns="45720" rIns="91440" bIns="45720" rtlCol="0" anchor="ctr">
+            <a:normAutofit/>
+          </a:bodyPr>
           <a:lstStyle/>
           <a:p>
             <a:r>
-              <a:rPr lang="en-US" dirty="0"/>
-              <a:t>Model Evaluation</a:t>
+              <a:rPr lang="en-US" sz="3700" kern="1200" dirty="0">
+                <a:solidFill>
+                  <a:srgbClr val="FFFFFF"/>
+                </a:solidFill>
+                <a:latin typeface="+mj-lt"/>
+                <a:ea typeface="+mj-ea"/>
+                <a:cs typeface="+mj-cs"/>
+              </a:rPr>
+              <a:t>Interpreting an F1 Score of 0.9455 in Classification</a:t>
+            </a:r>
+          </a:p>
+        </p:txBody>
+      </p:sp>
+      <p:graphicFrame>
+        <p:nvGraphicFramePr>
+          <p:cNvPr id="4" name="Table 5">
+            <a:extLst>
+              <a:ext uri="{FF2B5EF4-FFF2-40B4-BE49-F238E27FC236}">
+                <a16:creationId xmlns:a16="http://schemas.microsoft.com/office/drawing/2014/main" id="{FD83068A-7F55-69FF-0AAD-2A8DD593BFB5}"/>
+              </a:ext>
+            </a:extLst>
+          </p:cNvPr>
+          <p:cNvGraphicFramePr>
+            <a:graphicFrameLocks noGrp="1"/>
+          </p:cNvGraphicFramePr>
+          <p:nvPr>
+            <p:extLst>
+              <p:ext uri="{D42A27DB-BD31-4B8C-83A1-F6EECF244321}">
+                <p14:modId xmlns:p14="http://schemas.microsoft.com/office/powerpoint/2010/main" val="534957308"/>
+              </p:ext>
+            </p:extLst>
+          </p:nvPr>
+        </p:nvGraphicFramePr>
+        <p:xfrm>
+          <a:off x="1007678" y="1966293"/>
+          <a:ext cx="10176643" cy="4452164"/>
+        </p:xfrm>
+        <a:graphic>
+          <a:graphicData uri="http://schemas.openxmlformats.org/drawingml/2006/table">
+            <a:tbl>
+              <a:tblPr firstRow="1" bandRow="1">
+                <a:tableStyleId>{5C22544A-7EE6-4342-B048-85BDC9FD1C3A}</a:tableStyleId>
+              </a:tblPr>
+              <a:tblGrid>
+                <a:gridCol w="3402125">
+                  <a:extLst>
+                    <a:ext uri="{9D8B030D-6E8A-4147-A177-3AD203B41FA5}">
+                      <a16:colId xmlns:a16="http://schemas.microsoft.com/office/drawing/2014/main" val="1986819784"/>
+                    </a:ext>
+                  </a:extLst>
+                </a:gridCol>
+                <a:gridCol w="6774518">
+                  <a:extLst>
+                    <a:ext uri="{9D8B030D-6E8A-4147-A177-3AD203B41FA5}">
+                      <a16:colId xmlns:a16="http://schemas.microsoft.com/office/drawing/2014/main" val="3612541629"/>
+                    </a:ext>
+                  </a:extLst>
+                </a:gridCol>
+              </a:tblGrid>
+              <a:tr h="537286">
+                <a:tc>
+                  <a:txBody>
+                    <a:bodyPr/>
+                    <a:lstStyle/>
+                    <a:p>
+                      <a:r>
+                        <a:rPr lang="en-US" sz="1400" dirty="0"/>
+                        <a:t>F1 Score Overview</a:t>
+                      </a:r>
+                      <a:endParaRPr lang="en-US" sz="1300" dirty="0"/>
+                    </a:p>
+                  </a:txBody>
+                  <a:tcPr marL="81861" marR="81861" marT="40931" marB="40931"/>
+                </a:tc>
+                <a:tc>
+                  <a:txBody>
+                    <a:bodyPr/>
+                    <a:lstStyle/>
+                    <a:p>
+                      <a:r>
+                        <a:rPr lang="en-US" sz="1400" dirty="0"/>
+                        <a:t> - The F1 Score is a key metric for evaluating classification models.</a:t>
+                      </a:r>
+                    </a:p>
+                    <a:p>
+                      <a:r>
+                        <a:rPr lang="en-US" sz="1400" dirty="0"/>
+                        <a:t>   - It combines precision and recall to provide a balanced performance measure.</a:t>
+                      </a:r>
+                      <a:endParaRPr lang="en-US" sz="1300" dirty="0"/>
+                    </a:p>
+                  </a:txBody>
+                  <a:tcPr marL="81861" marR="81861" marT="40931" marB="40931"/>
+                </a:tc>
+                <a:extLst>
+                  <a:ext uri="{0D108BD9-81ED-4DB2-BD59-A6C34878D82A}">
+                    <a16:rowId xmlns:a16="http://schemas.microsoft.com/office/drawing/2014/main" val="2124589511"/>
+                  </a:ext>
+                </a:extLst>
+              </a:tr>
+              <a:tr h="537286">
+                <a:tc>
+                  <a:txBody>
+                    <a:bodyPr/>
+                    <a:lstStyle/>
+                    <a:p>
+                      <a:r>
+                        <a:rPr lang="en-US" sz="1400" dirty="0"/>
+                        <a:t>Understanding the F1 Score of 0.9455</a:t>
+                      </a:r>
+                      <a:endParaRPr lang="en-US" sz="1300" dirty="0"/>
+                    </a:p>
+                  </a:txBody>
+                  <a:tcPr marL="81861" marR="81861" marT="40931" marB="40931"/>
+                </a:tc>
+                <a:tc>
+                  <a:txBody>
+                    <a:bodyPr/>
+                    <a:lstStyle/>
+                    <a:p>
+                      <a:r>
+                        <a:rPr lang="en-US" sz="1400" dirty="0"/>
+                        <a:t> - An F1 Score of 0.9455 indicates a high-performing classification model.</a:t>
+                      </a:r>
+                    </a:p>
+                    <a:p>
+                      <a:r>
+                        <a:rPr lang="en-US" sz="1400" dirty="0"/>
+                        <a:t>   - It suggests a strong balance between precision and recall.</a:t>
+                      </a:r>
+                      <a:endParaRPr lang="en-US" sz="1300" dirty="0"/>
+                    </a:p>
+                  </a:txBody>
+                  <a:tcPr marL="81861" marR="81861" marT="40931" marB="40931"/>
+                </a:tc>
+                <a:extLst>
+                  <a:ext uri="{0D108BD9-81ED-4DB2-BD59-A6C34878D82A}">
+                    <a16:rowId xmlns:a16="http://schemas.microsoft.com/office/drawing/2014/main" val="3767029743"/>
+                  </a:ext>
+                </a:extLst>
+              </a:tr>
+              <a:tr h="537286">
+                <a:tc>
+                  <a:txBody>
+                    <a:bodyPr/>
+                    <a:lstStyle/>
+                    <a:p>
+                      <a:r>
+                        <a:rPr lang="en-US" sz="1400" dirty="0"/>
+                        <a:t>Precision and Recall</a:t>
+                      </a:r>
+                      <a:endParaRPr lang="en-US" sz="1300" dirty="0"/>
+                    </a:p>
+                  </a:txBody>
+                  <a:tcPr marL="81861" marR="81861" marT="40931" marB="40931"/>
+                </a:tc>
+                <a:tc>
+                  <a:txBody>
+                    <a:bodyPr/>
+                    <a:lstStyle/>
+                    <a:p>
+                      <a:r>
+                        <a:rPr lang="en-US" sz="1400" dirty="0"/>
+                        <a:t>- High Precision: Model's positive predictions are highly likely to be correct.</a:t>
+                      </a:r>
+                    </a:p>
+                    <a:p>
+                      <a:r>
+                        <a:rPr lang="en-US" sz="1400" dirty="0"/>
+                        <a:t>   - High Recall: Model effectively captures most actual positive cases.</a:t>
+                      </a:r>
+                      <a:endParaRPr lang="en-US" sz="1300" dirty="0"/>
+                    </a:p>
+                  </a:txBody>
+                  <a:tcPr marL="81861" marR="81861" marT="40931" marB="40931"/>
+                </a:tc>
+                <a:extLst>
+                  <a:ext uri="{0D108BD9-81ED-4DB2-BD59-A6C34878D82A}">
+                    <a16:rowId xmlns:a16="http://schemas.microsoft.com/office/drawing/2014/main" val="854076702"/>
+                  </a:ext>
+                </a:extLst>
+              </a:tr>
+              <a:tr h="941775">
+                <a:tc>
+                  <a:txBody>
+                    <a:bodyPr/>
+                    <a:lstStyle/>
+                    <a:p>
+                      <a:r>
+                        <a:rPr lang="en-US" sz="1400" dirty="0"/>
+                        <a:t>Practical Significance</a:t>
+                      </a:r>
+                      <a:endParaRPr lang="en-US" sz="1300" dirty="0"/>
+                    </a:p>
+                  </a:txBody>
+                  <a:tcPr marL="81861" marR="81861" marT="40931" marB="40931"/>
+                </a:tc>
+                <a:tc>
+                  <a:txBody>
+                    <a:bodyPr/>
+                    <a:lstStyle/>
+                    <a:p>
+                      <a:r>
+                        <a:rPr lang="en-US" sz="1400" dirty="0"/>
+                        <a:t> - The model excels in identifying the target class, such as fraudulent transactions.</a:t>
+                      </a:r>
+                    </a:p>
+                    <a:p>
+                      <a:r>
+                        <a:rPr lang="en-US" sz="1400" dirty="0"/>
+                        <a:t>   - Minimizes both false positives (false alarms) and false negatives (missed detections).</a:t>
+                      </a:r>
+                    </a:p>
+                    <a:p>
+                      <a:endParaRPr lang="en-US" sz="1300" dirty="0"/>
+                    </a:p>
+                  </a:txBody>
+                  <a:tcPr marL="81861" marR="81861" marT="40931" marB="40931"/>
+                </a:tc>
+                <a:extLst>
+                  <a:ext uri="{0D108BD9-81ED-4DB2-BD59-A6C34878D82A}">
+                    <a16:rowId xmlns:a16="http://schemas.microsoft.com/office/drawing/2014/main" val="2478459662"/>
+                  </a:ext>
+                </a:extLst>
+              </a:tr>
+              <a:tr h="732040">
+                <a:tc>
+                  <a:txBody>
+                    <a:bodyPr/>
+                    <a:lstStyle/>
+                    <a:p>
+                      <a:pPr marL="0" marR="0" lvl="0" indent="0" algn="l" defTabSz="914400" rtl="0" eaLnBrk="1" fontAlgn="auto" latinLnBrk="0" hangingPunct="1">
+                        <a:lnSpc>
+                          <a:spcPct val="100000"/>
+                        </a:lnSpc>
+                        <a:spcBef>
+                          <a:spcPts val="0"/>
+                        </a:spcBef>
+                        <a:spcAft>
+                          <a:spcPts val="0"/>
+                        </a:spcAft>
+                        <a:buClrTx/>
+                        <a:buSzTx/>
+                        <a:buFontTx/>
+                        <a:buNone/>
+                        <a:tabLst/>
+                        <a:defRPr/>
+                      </a:pPr>
+                      <a:r>
+                        <a:rPr lang="en-US" sz="1400" dirty="0"/>
+                        <a:t>Application in Credit Card Fraud Detection</a:t>
+                      </a:r>
+                    </a:p>
+                  </a:txBody>
+                  <a:tcPr marL="81861" marR="81861" marT="40931" marB="40931"/>
+                </a:tc>
+                <a:tc>
+                  <a:txBody>
+                    <a:bodyPr/>
+                    <a:lstStyle/>
+                    <a:p>
+                      <a:r>
+                        <a:rPr lang="en-US" sz="1400" dirty="0"/>
+                        <a:t>- Especially valuable for detecting fraudulent transactions accurately.</a:t>
+                      </a:r>
+                    </a:p>
+                    <a:p>
+                      <a:r>
+                        <a:rPr lang="en-US" sz="1400" dirty="0"/>
+                        <a:t>   - Balances the need to catch fraud (recall) and avoid false alarms (precision).</a:t>
+                      </a:r>
+                    </a:p>
+                    <a:p>
+                      <a:endParaRPr lang="en-US" sz="1300" dirty="0"/>
+                    </a:p>
+                  </a:txBody>
+                  <a:tcPr marL="81861" marR="81861" marT="40931" marB="40931"/>
+                </a:tc>
+                <a:extLst>
+                  <a:ext uri="{0D108BD9-81ED-4DB2-BD59-A6C34878D82A}">
+                    <a16:rowId xmlns:a16="http://schemas.microsoft.com/office/drawing/2014/main" val="451047839"/>
+                  </a:ext>
+                </a:extLst>
+              </a:tr>
+              <a:tr h="1166491">
+                <a:tc>
+                  <a:txBody>
+                    <a:bodyPr/>
+                    <a:lstStyle/>
+                    <a:p>
+                      <a:pPr marL="0" marR="0" lvl="0" indent="0" algn="l" defTabSz="914400" rtl="0" eaLnBrk="1" fontAlgn="auto" latinLnBrk="0" hangingPunct="1">
+                        <a:lnSpc>
+                          <a:spcPct val="100000"/>
+                        </a:lnSpc>
+                        <a:spcBef>
+                          <a:spcPts val="0"/>
+                        </a:spcBef>
+                        <a:spcAft>
+                          <a:spcPts val="0"/>
+                        </a:spcAft>
+                        <a:buClrTx/>
+                        <a:buSzTx/>
+                        <a:buFontTx/>
+                        <a:buNone/>
+                        <a:tabLst/>
+                        <a:defRPr/>
+                      </a:pPr>
+                      <a:r>
+                        <a:rPr lang="en-US" sz="1400" dirty="0"/>
+                        <a:t>Summary</a:t>
+                      </a:r>
+                    </a:p>
+                  </a:txBody>
+                  <a:tcPr marL="81861" marR="81861" marT="40931" marB="40931"/>
+                </a:tc>
+                <a:tc>
+                  <a:txBody>
+                    <a:bodyPr/>
+                    <a:lstStyle/>
+                    <a:p>
+                      <a:r>
+                        <a:rPr lang="en-US" sz="1400" dirty="0"/>
+                        <a:t> - An F1 Score of 0.9455 reflects the model's excellence in handling imbalanced data.</a:t>
+                      </a:r>
+                    </a:p>
+                    <a:p>
+                      <a:r>
+                        <a:rPr lang="en-US" sz="1400" dirty="0"/>
+                        <a:t>   - It signifies the model's ability to accurately detect the target class.</a:t>
+                      </a:r>
+                    </a:p>
+                    <a:p>
+                      <a:endParaRPr lang="en-US" sz="1400" dirty="0"/>
+                    </a:p>
+                    <a:p>
+                      <a:r>
+                        <a:rPr lang="en-US" sz="1400" dirty="0"/>
+                        <a:t>Overall, this F1 Score is a strong indicator of the model's effectiveness in credit card fraud detection, where precision and recall are both critical for success.</a:t>
+                      </a:r>
+                      <a:endParaRPr lang="en-US" sz="1300" dirty="0"/>
+                    </a:p>
+                  </a:txBody>
+                  <a:tcPr marL="81861" marR="81861" marT="40931" marB="40931"/>
+                </a:tc>
+                <a:extLst>
+                  <a:ext uri="{0D108BD9-81ED-4DB2-BD59-A6C34878D82A}">
+                    <a16:rowId xmlns:a16="http://schemas.microsoft.com/office/drawing/2014/main" val="524205372"/>
+                  </a:ext>
+                </a:extLst>
+              </a:tr>
+            </a:tbl>
+          </a:graphicData>
+        </a:graphic>
+      </p:graphicFrame>
+    </p:spTree>
+    <p:extLst>
+      <p:ext uri="{BB962C8B-B14F-4D97-AF65-F5344CB8AC3E}">
+        <p14:creationId xmlns:p14="http://schemas.microsoft.com/office/powerpoint/2010/main" val="2047141154"/>
+      </p:ext>
+    </p:extLst>
+  </p:cSld>
+  <p:clrMapOvr>
+    <a:masterClrMapping/>
+  </p:clrMapOvr>
+</p:sld>
+</file>
+
+<file path=ppt/slides/slide12.xml><?xml version="1.0" encoding="utf-8"?>
+<p:sld xmlns:a="http://schemas.openxmlformats.org/drawingml/2006/main" xmlns:r="http://schemas.openxmlformats.org/officeDocument/2006/relationships" xmlns:p="http://schemas.openxmlformats.org/presentationml/2006/main">
+  <p:cSld>
+    <p:bg>
+      <p:bgPr>
+        <a:solidFill>
+          <a:schemeClr val="bg1"/>
+        </a:solidFill>
+        <a:effectLst/>
+      </p:bgPr>
+    </p:bg>
+    <p:spTree>
+      <p:nvGrpSpPr>
+        <p:cNvPr id="1" name=""/>
+        <p:cNvGrpSpPr/>
+        <p:nvPr/>
+      </p:nvGrpSpPr>
+      <p:grpSpPr>
+        <a:xfrm>
+          <a:off x="0" y="0"/>
+          <a:ext cx="0" cy="0"/>
+          <a:chOff x="0" y="0"/>
+          <a:chExt cx="0" cy="0"/>
+        </a:xfrm>
+      </p:grpSpPr>
+      <p:sp useBgFill="1">
+        <p:nvSpPr>
+          <p:cNvPr id="25" name="Rectangle 24">
+            <a:extLst>
+              <a:ext uri="{FF2B5EF4-FFF2-40B4-BE49-F238E27FC236}">
+                <a16:creationId xmlns:a16="http://schemas.microsoft.com/office/drawing/2014/main" id="{09588DA8-065E-4F6F-8EFD-43104AB2E0CF}"/>
+              </a:ext>
+              <a:ext uri="{C183D7F6-B498-43B3-948B-1728B52AA6E4}">
+                <adec:decorative xmlns:adec="http://schemas.microsoft.com/office/drawing/2017/decorative" val="1"/>
+              </a:ext>
+            </a:extLst>
+          </p:cNvPr>
+          <p:cNvSpPr>
+            <a:spLocks noGrp="1" noRot="1" noChangeAspect="1" noMove="1" noResize="1" noEditPoints="1" noAdjustHandles="1" noChangeArrowheads="1" noChangeShapeType="1" noTextEdit="1"/>
+          </p:cNvSpPr>
+          <p:nvPr>
+            <p:extLst>
+              <p:ext uri="{386F3935-93C4-4BCD-93E2-E3B085C9AB24}">
+                <p16:designElem xmlns:p16="http://schemas.microsoft.com/office/powerpoint/2015/main" val="1"/>
+              </p:ext>
+            </p:extLst>
+          </p:nvPr>
+        </p:nvSpPr>
+        <p:spPr>
+          <a:xfrm>
+            <a:off x="0" y="0"/>
+            <a:ext cx="12192000" cy="6858000"/>
+          </a:xfrm>
+          <a:prstGeom prst="rect">
+            <a:avLst/>
+          </a:prstGeom>
+          <a:ln w="12700" cap="flat" cmpd="sng" algn="ctr">
+            <a:noFill/>
+            <a:prstDash val="solid"/>
+            <a:miter lim="800000"/>
+          </a:ln>
+          <a:effectLst/>
+          <a:extLst>
+            <a:ext uri="{91240B29-F687-4F45-9708-019B960494DF}">
+              <a14:hiddenLine xmlns:a14="http://schemas.microsoft.com/office/drawing/2010/main" w="12700" cap="flat" cmpd="sng" algn="ctr">
+                <a:solidFill>
+                  <a:schemeClr val="accent1">
+                    <a:shade val="50000"/>
+                  </a:schemeClr>
+                </a:solidFill>
+                <a:prstDash val="solid"/>
+                <a:miter lim="800000"/>
+              </a14:hiddenLine>
+            </a:ext>
+          </a:extLst>
+        </p:spPr>
+        <p:style>
+          <a:lnRef idx="2">
+            <a:schemeClr val="accent1">
+              <a:shade val="50000"/>
+            </a:schemeClr>
+          </a:lnRef>
+          <a:fillRef idx="1">
+            <a:schemeClr val="accent1"/>
+          </a:fillRef>
+          <a:effectRef idx="0">
+            <a:schemeClr val="accent1"/>
+          </a:effectRef>
+          <a:fontRef idx="minor">
+            <a:schemeClr val="lt1"/>
+          </a:fontRef>
+        </p:style>
+        <p:txBody>
+          <a:bodyPr rtlCol="0" anchor="ctr"/>
+          <a:lstStyle/>
+          <a:p>
+            <a:pPr algn="ctr"/>
+            <a:endParaRPr lang="en-US"/>
+          </a:p>
+        </p:txBody>
+      </p:sp>
+      <p:sp useBgFill="1">
+        <p:nvSpPr>
+          <p:cNvPr id="27" name="Rectangle 26">
+            <a:extLst>
+              <a:ext uri="{FF2B5EF4-FFF2-40B4-BE49-F238E27FC236}">
+                <a16:creationId xmlns:a16="http://schemas.microsoft.com/office/drawing/2014/main" id="{C4285719-470E-454C-AF62-8323075F1F5B}"/>
+              </a:ext>
+              <a:ext uri="{C183D7F6-B498-43B3-948B-1728B52AA6E4}">
+                <adec:decorative xmlns:adec="http://schemas.microsoft.com/office/drawing/2017/decorative" val="1"/>
+              </a:ext>
+            </a:extLst>
+          </p:cNvPr>
+          <p:cNvSpPr>
+            <a:spLocks noGrp="1" noRot="1" noChangeAspect="1" noMove="1" noResize="1" noEditPoints="1" noAdjustHandles="1" noChangeArrowheads="1" noChangeShapeType="1" noTextEdit="1"/>
+          </p:cNvSpPr>
+          <p:nvPr>
+            <p:extLst>
+              <p:ext uri="{386F3935-93C4-4BCD-93E2-E3B085C9AB24}">
+                <p16:designElem xmlns:p16="http://schemas.microsoft.com/office/powerpoint/2015/main" val="1"/>
+              </p:ext>
+            </p:extLst>
+          </p:nvPr>
+        </p:nvSpPr>
+        <p:spPr>
+          <a:xfrm>
+            <a:off x="0" y="0"/>
+            <a:ext cx="12188952" cy="6858000"/>
+          </a:xfrm>
+          <a:prstGeom prst="rect">
+            <a:avLst/>
+          </a:prstGeom>
+          <a:ln w="12700" cap="flat" cmpd="sng" algn="ctr">
+            <a:noFill/>
+            <a:prstDash val="solid"/>
+            <a:miter lim="800000"/>
+          </a:ln>
+          <a:effectLst/>
+          <a:extLst>
+            <a:ext uri="{91240B29-F687-4F45-9708-019B960494DF}">
+              <a14:hiddenLine xmlns:a14="http://schemas.microsoft.com/office/drawing/2010/main" w="12700" cap="flat" cmpd="sng" algn="ctr">
+                <a:solidFill>
+                  <a:schemeClr val="accent1">
+                    <a:shade val="50000"/>
+                  </a:schemeClr>
+                </a:solidFill>
+                <a:prstDash val="solid"/>
+                <a:miter lim="800000"/>
+              </a14:hiddenLine>
+            </a:ext>
+          </a:extLst>
+        </p:spPr>
+        <p:style>
+          <a:lnRef idx="2">
+            <a:schemeClr val="accent1">
+              <a:shade val="50000"/>
+            </a:schemeClr>
+          </a:lnRef>
+          <a:fillRef idx="1">
+            <a:schemeClr val="accent1"/>
+          </a:fillRef>
+          <a:effectRef idx="0">
+            <a:schemeClr val="accent1"/>
+          </a:effectRef>
+          <a:fontRef idx="minor">
+            <a:schemeClr val="lt1"/>
+          </a:fontRef>
+        </p:style>
+        <p:txBody>
+          <a:bodyPr rtlCol="0" anchor="ctr"/>
+          <a:lstStyle/>
+          <a:p>
+            <a:pPr algn="ctr"/>
+            <a:endParaRPr lang="en-US"/>
+          </a:p>
+        </p:txBody>
+      </p:sp>
+      <p:sp>
+        <p:nvSpPr>
+          <p:cNvPr id="29" name="Rectangle 28">
+            <a:extLst>
+              <a:ext uri="{FF2B5EF4-FFF2-40B4-BE49-F238E27FC236}">
+                <a16:creationId xmlns:a16="http://schemas.microsoft.com/office/drawing/2014/main" id="{CD9FE4EF-C4D8-49A0-B2FF-81D8DB7D8A24}"/>
+              </a:ext>
+              <a:ext uri="{C183D7F6-B498-43B3-948B-1728B52AA6E4}">
+                <adec:decorative xmlns:adec="http://schemas.microsoft.com/office/drawing/2017/decorative" val="1"/>
+              </a:ext>
+            </a:extLst>
+          </p:cNvPr>
+          <p:cNvSpPr>
+            <a:spLocks noGrp="1" noRot="1" noChangeAspect="1" noMove="1" noResize="1" noEditPoints="1" noAdjustHandles="1" noChangeArrowheads="1" noChangeShapeType="1" noTextEdit="1"/>
+          </p:cNvSpPr>
+          <p:nvPr>
+            <p:extLst>
+              <p:ext uri="{386F3935-93C4-4BCD-93E2-E3B085C9AB24}">
+                <p16:designElem xmlns:p16="http://schemas.microsoft.com/office/powerpoint/2015/main" val="1"/>
+              </p:ext>
+            </p:extLst>
+          </p:nvPr>
+        </p:nvSpPr>
+        <p:spPr>
+          <a:xfrm rot="5400000" flipH="1">
+            <a:off x="-1410084" y="1410082"/>
+            <a:ext cx="6858000" cy="4037836"/>
+          </a:xfrm>
+          <a:prstGeom prst="rect">
+            <a:avLst/>
+          </a:prstGeom>
+          <a:gradFill>
+            <a:gsLst>
+              <a:gs pos="8000">
+                <a:srgbClr val="000000"/>
+              </a:gs>
+              <a:gs pos="100000">
+                <a:schemeClr val="accent1">
+                  <a:lumMod val="75000"/>
+                </a:schemeClr>
+              </a:gs>
+            </a:gsLst>
+            <a:lin ang="3000000" scaled="0"/>
+          </a:gradFill>
+          <a:ln>
+            <a:noFill/>
+          </a:ln>
+        </p:spPr>
+        <p:style>
+          <a:lnRef idx="2">
+            <a:schemeClr val="accent1">
+              <a:shade val="50000"/>
+            </a:schemeClr>
+          </a:lnRef>
+          <a:fillRef idx="1">
+            <a:schemeClr val="accent1"/>
+          </a:fillRef>
+          <a:effectRef idx="0">
+            <a:schemeClr val="accent1"/>
+          </a:effectRef>
+          <a:fontRef idx="minor">
+            <a:schemeClr val="lt1"/>
+          </a:fontRef>
+        </p:style>
+        <p:txBody>
+          <a:bodyPr rtlCol="0" anchor="ctr"/>
+          <a:lstStyle/>
+          <a:p>
+            <a:pPr algn="ctr"/>
+            <a:endParaRPr lang="en-US"/>
+          </a:p>
+        </p:txBody>
+      </p:sp>
+      <p:sp>
+        <p:nvSpPr>
+          <p:cNvPr id="31" name="Rectangle 30">
+            <a:extLst>
+              <a:ext uri="{FF2B5EF4-FFF2-40B4-BE49-F238E27FC236}">
+                <a16:creationId xmlns:a16="http://schemas.microsoft.com/office/drawing/2014/main" id="{4300840D-0A0B-4512-BACA-B439D5B9C57C}"/>
+              </a:ext>
+              <a:ext uri="{C183D7F6-B498-43B3-948B-1728B52AA6E4}">
+                <adec:decorative xmlns:adec="http://schemas.microsoft.com/office/drawing/2017/decorative" val="1"/>
+              </a:ext>
+            </a:extLst>
+          </p:cNvPr>
+          <p:cNvSpPr>
+            <a:spLocks noGrp="1" noRot="1" noChangeAspect="1" noMove="1" noResize="1" noEditPoints="1" noAdjustHandles="1" noChangeArrowheads="1" noChangeShapeType="1" noTextEdit="1"/>
+          </p:cNvSpPr>
+          <p:nvPr>
+            <p:extLst>
+              <p:ext uri="{386F3935-93C4-4BCD-93E2-E3B085C9AB24}">
+                <p16:designElem xmlns:p16="http://schemas.microsoft.com/office/powerpoint/2015/main" val="1"/>
+              </p:ext>
+            </p:extLst>
+          </p:nvPr>
+        </p:nvSpPr>
+        <p:spPr>
+          <a:xfrm rot="5400000" flipH="1">
+            <a:off x="-1410085" y="1420219"/>
+            <a:ext cx="6857999" cy="4037839"/>
+          </a:xfrm>
+          <a:prstGeom prst="rect">
+            <a:avLst/>
+          </a:prstGeom>
+          <a:gradFill>
+            <a:gsLst>
+              <a:gs pos="0">
+                <a:srgbClr val="000000">
+                  <a:alpha val="0"/>
+                </a:srgbClr>
+              </a:gs>
+              <a:gs pos="99000">
+                <a:schemeClr val="accent1">
+                  <a:alpha val="46000"/>
+                </a:schemeClr>
+              </a:gs>
+            </a:gsLst>
+            <a:lin ang="1800000" scaled="0"/>
+          </a:gradFill>
+          <a:ln>
+            <a:noFill/>
+          </a:ln>
+        </p:spPr>
+        <p:style>
+          <a:lnRef idx="2">
+            <a:schemeClr val="accent1">
+              <a:shade val="50000"/>
+            </a:schemeClr>
+          </a:lnRef>
+          <a:fillRef idx="1">
+            <a:schemeClr val="accent1"/>
+          </a:fillRef>
+          <a:effectRef idx="0">
+            <a:schemeClr val="accent1"/>
+          </a:effectRef>
+          <a:fontRef idx="minor">
+            <a:schemeClr val="lt1"/>
+          </a:fontRef>
+        </p:style>
+        <p:txBody>
+          <a:bodyPr rtlCol="0" anchor="ctr"/>
+          <a:lstStyle/>
+          <a:p>
+            <a:pPr algn="ctr"/>
+            <a:endParaRPr lang="en-US"/>
+          </a:p>
+        </p:txBody>
+      </p:sp>
+      <p:sp>
+        <p:nvSpPr>
+          <p:cNvPr id="33" name="Rectangle 32">
+            <a:extLst>
+              <a:ext uri="{FF2B5EF4-FFF2-40B4-BE49-F238E27FC236}">
+                <a16:creationId xmlns:a16="http://schemas.microsoft.com/office/drawing/2014/main" id="{D2B78728-A580-49A7-84F9-6EF6F583ADE0}"/>
+              </a:ext>
+              <a:ext uri="{C183D7F6-B498-43B3-948B-1728B52AA6E4}">
+                <adec:decorative xmlns:adec="http://schemas.microsoft.com/office/drawing/2017/decorative" val="1"/>
+              </a:ext>
+            </a:extLst>
+          </p:cNvPr>
+          <p:cNvSpPr>
+            <a:spLocks noGrp="1" noRot="1" noChangeAspect="1" noMove="1" noResize="1" noEditPoints="1" noAdjustHandles="1" noChangeArrowheads="1" noChangeShapeType="1" noTextEdit="1"/>
+          </p:cNvSpPr>
+          <p:nvPr>
+            <p:extLst>
+              <p:ext uri="{386F3935-93C4-4BCD-93E2-E3B085C9AB24}">
+                <p16:designElem xmlns:p16="http://schemas.microsoft.com/office/powerpoint/2015/main" val="1"/>
+              </p:ext>
+            </p:extLst>
+          </p:nvPr>
+        </p:nvSpPr>
+        <p:spPr>
+          <a:xfrm rot="5400000" flipH="1">
+            <a:off x="767923" y="3588085"/>
+            <a:ext cx="2501979" cy="4037841"/>
+          </a:xfrm>
+          <a:prstGeom prst="rect">
+            <a:avLst/>
+          </a:prstGeom>
+          <a:gradFill>
+            <a:gsLst>
+              <a:gs pos="2000">
+                <a:schemeClr val="accent1">
+                  <a:alpha val="29000"/>
+                </a:schemeClr>
+              </a:gs>
+              <a:gs pos="100000">
+                <a:srgbClr val="000000">
+                  <a:alpha val="30000"/>
+                </a:srgbClr>
+              </a:gs>
+            </a:gsLst>
+            <a:lin ang="7800000" scaled="0"/>
+          </a:gradFill>
+          <a:ln>
+            <a:noFill/>
+          </a:ln>
+        </p:spPr>
+        <p:style>
+          <a:lnRef idx="2">
+            <a:schemeClr val="accent1">
+              <a:shade val="50000"/>
+            </a:schemeClr>
+          </a:lnRef>
+          <a:fillRef idx="1">
+            <a:schemeClr val="accent1"/>
+          </a:fillRef>
+          <a:effectRef idx="0">
+            <a:schemeClr val="accent1"/>
+          </a:effectRef>
+          <a:fontRef idx="minor">
+            <a:schemeClr val="lt1"/>
+          </a:fontRef>
+        </p:style>
+        <p:txBody>
+          <a:bodyPr rtlCol="0" anchor="ctr"/>
+          <a:lstStyle/>
+          <a:p>
+            <a:pPr algn="ctr"/>
+            <a:endParaRPr lang="en-US" dirty="0"/>
+          </a:p>
+        </p:txBody>
+      </p:sp>
+      <p:sp>
+        <p:nvSpPr>
+          <p:cNvPr id="35" name="Freeform: Shape 34">
+            <a:extLst>
+              <a:ext uri="{FF2B5EF4-FFF2-40B4-BE49-F238E27FC236}">
+                <a16:creationId xmlns:a16="http://schemas.microsoft.com/office/drawing/2014/main" id="{38FAA1A1-D861-433F-88FA-1E9D6FD31D11}"/>
+              </a:ext>
+              <a:ext uri="{C183D7F6-B498-43B3-948B-1728B52AA6E4}">
+                <adec:decorative xmlns:adec="http://schemas.microsoft.com/office/drawing/2017/decorative" val="1"/>
+              </a:ext>
+            </a:extLst>
+          </p:cNvPr>
+          <p:cNvSpPr>
+            <a:spLocks noGrp="1" noRot="1" noChangeAspect="1" noMove="1" noResize="1" noEditPoints="1" noAdjustHandles="1" noChangeArrowheads="1" noChangeShapeType="1" noTextEdit="1"/>
+          </p:cNvSpPr>
+          <p:nvPr>
+            <p:extLst>
+              <p:ext uri="{386F3935-93C4-4BCD-93E2-E3B085C9AB24}">
+                <p16:designElem xmlns:p16="http://schemas.microsoft.com/office/powerpoint/2015/main" val="1"/>
+              </p:ext>
+            </p:extLst>
+          </p:nvPr>
+        </p:nvSpPr>
+        <p:spPr>
+          <a:xfrm rot="20635413">
+            <a:off x="-501737" y="969718"/>
+            <a:ext cx="3900357" cy="4178958"/>
+          </a:xfrm>
+          <a:custGeom>
+            <a:avLst/>
+            <a:gdLst>
+              <a:gd name="connsiteX0" fmla="*/ 2432225 w 3900357"/>
+              <a:gd name="connsiteY0" fmla="*/ 93939 h 4178958"/>
+              <a:gd name="connsiteX1" fmla="*/ 3900357 w 3900357"/>
+              <a:gd name="connsiteY1" fmla="*/ 2089479 h 4178958"/>
+              <a:gd name="connsiteX2" fmla="*/ 1810878 w 3900357"/>
+              <a:gd name="connsiteY2" fmla="*/ 4178958 h 4178958"/>
+              <a:gd name="connsiteX3" fmla="*/ 78249 w 3900357"/>
+              <a:gd name="connsiteY3" fmla="*/ 3257727 h 4178958"/>
+              <a:gd name="connsiteX4" fmla="*/ 0 w 3900357"/>
+              <a:gd name="connsiteY4" fmla="*/ 3128923 h 4178958"/>
+              <a:gd name="connsiteX5" fmla="*/ 831324 w 3900357"/>
+              <a:gd name="connsiteY5" fmla="*/ 244281 h 4178958"/>
+              <a:gd name="connsiteX6" fmla="*/ 997559 w 3900357"/>
+              <a:gd name="connsiteY6" fmla="*/ 164202 h 4178958"/>
+              <a:gd name="connsiteX7" fmla="*/ 1810878 w 3900357"/>
+              <a:gd name="connsiteY7" fmla="*/ 0 h 4178958"/>
+              <a:gd name="connsiteX8" fmla="*/ 2432225 w 3900357"/>
+              <a:gd name="connsiteY8" fmla="*/ 93939 h 4178958"/>
+            </a:gdLst>
+            <a:ahLst/>
+            <a:cxnLst>
+              <a:cxn ang="0">
+                <a:pos x="connsiteX0" y="connsiteY0"/>
+              </a:cxn>
+              <a:cxn ang="0">
+                <a:pos x="connsiteX1" y="connsiteY1"/>
+              </a:cxn>
+              <a:cxn ang="0">
+                <a:pos x="connsiteX2" y="connsiteY2"/>
+              </a:cxn>
+              <a:cxn ang="0">
+                <a:pos x="connsiteX3" y="connsiteY3"/>
+              </a:cxn>
+              <a:cxn ang="0">
+                <a:pos x="connsiteX4" y="connsiteY4"/>
+              </a:cxn>
+              <a:cxn ang="0">
+                <a:pos x="connsiteX5" y="connsiteY5"/>
+              </a:cxn>
+              <a:cxn ang="0">
+                <a:pos x="connsiteX6" y="connsiteY6"/>
+              </a:cxn>
+              <a:cxn ang="0">
+                <a:pos x="connsiteX7" y="connsiteY7"/>
+              </a:cxn>
+              <a:cxn ang="0">
+                <a:pos x="connsiteX8" y="connsiteY8"/>
+              </a:cxn>
+            </a:cxnLst>
+            <a:rect l="l" t="t" r="r" b="b"/>
+            <a:pathLst>
+              <a:path w="3900357" h="4178958">
+                <a:moveTo>
+                  <a:pt x="2432225" y="93939"/>
+                </a:moveTo>
+                <a:cubicBezTo>
+                  <a:pt x="3282786" y="358491"/>
+                  <a:pt x="3900357" y="1151865"/>
+                  <a:pt x="3900357" y="2089479"/>
+                </a:cubicBezTo>
+                <a:cubicBezTo>
+                  <a:pt x="3900357" y="3243466"/>
+                  <a:pt x="2964865" y="4178958"/>
+                  <a:pt x="1810878" y="4178958"/>
+                </a:cubicBezTo>
+                <a:cubicBezTo>
+                  <a:pt x="1089636" y="4178958"/>
+                  <a:pt x="453744" y="3813531"/>
+                  <a:pt x="78249" y="3257727"/>
+                </a:cubicBezTo>
+                <a:lnTo>
+                  <a:pt x="0" y="3128923"/>
+                </a:lnTo>
+                <a:lnTo>
+                  <a:pt x="831324" y="244281"/>
+                </a:lnTo>
+                <a:lnTo>
+                  <a:pt x="997559" y="164202"/>
+                </a:lnTo>
+                <a:cubicBezTo>
+                  <a:pt x="1247540" y="58468"/>
+                  <a:pt x="1522381" y="0"/>
+                  <a:pt x="1810878" y="0"/>
+                </a:cubicBezTo>
+                <a:cubicBezTo>
+                  <a:pt x="2027251" y="0"/>
+                  <a:pt x="2235942" y="32888"/>
+                  <a:pt x="2432225" y="93939"/>
+                </a:cubicBezTo>
+                <a:close/>
+              </a:path>
+            </a:pathLst>
+          </a:custGeom>
+          <a:gradFill>
+            <a:gsLst>
+              <a:gs pos="29000">
+                <a:srgbClr val="000000">
+                  <a:alpha val="0"/>
+                </a:srgbClr>
+              </a:gs>
+              <a:gs pos="100000">
+                <a:schemeClr val="accent1">
+                  <a:alpha val="43000"/>
+                </a:schemeClr>
+              </a:gs>
+            </a:gsLst>
+            <a:lin ang="1800000" scaled="0"/>
+          </a:gradFill>
+          <a:ln>
+            <a:noFill/>
+          </a:ln>
+        </p:spPr>
+        <p:style>
+          <a:lnRef idx="2">
+            <a:schemeClr val="accent1">
+              <a:shade val="50000"/>
+            </a:schemeClr>
+          </a:lnRef>
+          <a:fillRef idx="1">
+            <a:schemeClr val="accent1"/>
+          </a:fillRef>
+          <a:effectRef idx="0">
+            <a:schemeClr val="accent1"/>
+          </a:effectRef>
+          <a:fontRef idx="minor">
+            <a:schemeClr val="lt1"/>
+          </a:fontRef>
+        </p:style>
+        <p:txBody>
+          <a:bodyPr wrap="square" rtlCol="0" anchor="ctr">
+            <a:noAutofit/>
+          </a:bodyPr>
+          <a:lstStyle/>
+          <a:p>
+            <a:pPr algn="ctr"/>
+            <a:endParaRPr lang="en-US" dirty="0"/>
+          </a:p>
+        </p:txBody>
+      </p:sp>
+      <p:sp>
+        <p:nvSpPr>
+          <p:cNvPr id="37" name="Rectangle 36">
+            <a:extLst>
+              <a:ext uri="{FF2B5EF4-FFF2-40B4-BE49-F238E27FC236}">
+                <a16:creationId xmlns:a16="http://schemas.microsoft.com/office/drawing/2014/main" id="{8D71EDA1-87BF-4D5D-AB79-F346FD19278A}"/>
+              </a:ext>
+              <a:ext uri="{C183D7F6-B498-43B3-948B-1728B52AA6E4}">
+                <adec:decorative xmlns:adec="http://schemas.microsoft.com/office/drawing/2017/decorative" val="1"/>
+              </a:ext>
+            </a:extLst>
+          </p:cNvPr>
+          <p:cNvSpPr>
+            <a:spLocks noGrp="1" noRot="1" noChangeAspect="1" noMove="1" noResize="1" noEditPoints="1" noAdjustHandles="1" noChangeArrowheads="1" noChangeShapeType="1" noTextEdit="1"/>
+          </p:cNvSpPr>
+          <p:nvPr>
+            <p:extLst>
+              <p:ext uri="{386F3935-93C4-4BCD-93E2-E3B085C9AB24}">
+                <p16:designElem xmlns:p16="http://schemas.microsoft.com/office/powerpoint/2015/main" val="1"/>
+              </p:ext>
+            </p:extLst>
+          </p:nvPr>
+        </p:nvSpPr>
+        <p:spPr>
+          <a:xfrm rot="5400000" flipH="1">
+            <a:off x="-1410093" y="1399943"/>
+            <a:ext cx="6858003" cy="4037835"/>
+          </a:xfrm>
+          <a:prstGeom prst="rect">
+            <a:avLst/>
+          </a:prstGeom>
+          <a:gradFill>
+            <a:gsLst>
+              <a:gs pos="0">
+                <a:srgbClr val="000000">
+                  <a:alpha val="0"/>
+                </a:srgbClr>
+              </a:gs>
+              <a:gs pos="99000">
+                <a:schemeClr val="accent1">
+                  <a:lumMod val="60000"/>
+                  <a:lumOff val="40000"/>
+                  <a:alpha val="11000"/>
+                </a:schemeClr>
+              </a:gs>
+            </a:gsLst>
+            <a:lin ang="7200000" scaled="0"/>
+          </a:gradFill>
+          <a:ln>
+            <a:noFill/>
+          </a:ln>
+        </p:spPr>
+        <p:style>
+          <a:lnRef idx="2">
+            <a:schemeClr val="accent1">
+              <a:shade val="50000"/>
+            </a:schemeClr>
+          </a:lnRef>
+          <a:fillRef idx="1">
+            <a:schemeClr val="accent1"/>
+          </a:fillRef>
+          <a:effectRef idx="0">
+            <a:schemeClr val="accent1"/>
+          </a:effectRef>
+          <a:fontRef idx="minor">
+            <a:schemeClr val="lt1"/>
+          </a:fontRef>
+        </p:style>
+        <p:txBody>
+          <a:bodyPr rtlCol="0" anchor="ctr"/>
+          <a:lstStyle/>
+          <a:p>
+            <a:pPr algn="ctr"/>
+            <a:endParaRPr lang="en-US"/>
+          </a:p>
+        </p:txBody>
+      </p:sp>
+      <p:sp>
+        <p:nvSpPr>
+          <p:cNvPr id="2" name="Title 1">
+            <a:extLst>
+              <a:ext uri="{FF2B5EF4-FFF2-40B4-BE49-F238E27FC236}">
+                <a16:creationId xmlns:a16="http://schemas.microsoft.com/office/drawing/2014/main" id="{23F66A4E-7FC4-E1A9-BBEA-9AE961CAC075}"/>
+              </a:ext>
+            </a:extLst>
+          </p:cNvPr>
+          <p:cNvSpPr>
+            <a:spLocks noGrp="1"/>
+          </p:cNvSpPr>
+          <p:nvPr>
+            <p:ph type="title"/>
+          </p:nvPr>
+        </p:nvSpPr>
+        <p:spPr>
+          <a:xfrm>
+            <a:off x="466722" y="586855"/>
+            <a:ext cx="3201366" cy="3387497"/>
+          </a:xfrm>
+        </p:spPr>
+        <p:txBody>
+          <a:bodyPr anchor="b">
+            <a:normAutofit/>
+          </a:bodyPr>
+          <a:lstStyle/>
+          <a:p>
+            <a:pPr algn="r"/>
+            <a:r>
+              <a:rPr lang="en-US" sz="4000">
+                <a:solidFill>
+                  <a:srgbClr val="FFFFFF"/>
+                </a:solidFill>
+              </a:rPr>
+              <a:t>Conclusion</a:t>
             </a:r>
           </a:p>
         </p:txBody>
@@ -3865,7 +8522,7 @@
           <p:cNvPr id="3" name="Content Placeholder 2">
             <a:extLst>
               <a:ext uri="{FF2B5EF4-FFF2-40B4-BE49-F238E27FC236}">
-                <a16:creationId xmlns:a16="http://schemas.microsoft.com/office/drawing/2014/main" id="{9D23DC33-E41A-942A-2CBA-959AFA5A6871}"/>
+                <a16:creationId xmlns:a16="http://schemas.microsoft.com/office/drawing/2014/main" id="{E3D60D69-0D09-DF6F-9B5B-F2B5EBC25496}"/>
               </a:ext>
             </a:extLst>
           </p:cNvPr>
@@ -3878,157 +8535,102 @@
         </p:nvSpPr>
         <p:spPr>
           <a:xfrm>
-            <a:off x="838200" y="1825625"/>
-            <a:ext cx="10661952" cy="1822299"/>
+            <a:off x="4810259" y="649480"/>
+            <a:ext cx="6555347" cy="5546047"/>
           </a:xfrm>
         </p:spPr>
         <p:txBody>
-          <a:bodyPr>
+          <a:bodyPr anchor="ctr">
             <a:normAutofit/>
           </a:bodyPr>
           <a:lstStyle/>
           <a:p>
-            <a:pPr algn="l">
-              <a:buFont typeface="Arial" panose="020B0604020202020204" pitchFamily="34" charset="0"/>
-              <a:buChar char="•"/>
+            <a:pPr marL="0" indent="0">
+              <a:buNone/>
             </a:pPr>
             <a:r>
-              <a:rPr lang="en-US" sz="1800" b="0" i="0" dirty="0">
-                <a:solidFill>
-                  <a:srgbClr val="091E42"/>
-                </a:solidFill>
-                <a:effectLst/>
-                <a:latin typeface="freight-text-pro"/>
-              </a:rPr>
-              <a:t>ROC curve is measured at all thresholds, the best threshold would be the one at which </a:t>
+              <a:rPr lang="en-US" sz="1100" dirty="0"/>
+              <a:t>Choosing between SMOTE and ADASYN based solely on ROC AUC score may not be the best approach, as both techniques have their advantages and disadvantages. The ROC AUC score is just one aspect to consider when selecting a final model. Here are some factors to weigh in your decision:</a:t>
             </a:r>
+          </a:p>
+          <a:p>
+            <a:pPr marL="0" indent="0">
+              <a:buNone/>
+            </a:pPr>
             <a:r>
-              <a:rPr lang="en-US" sz="1800" b="1" i="0" dirty="0">
-                <a:solidFill>
-                  <a:srgbClr val="091E42"/>
-                </a:solidFill>
-                <a:effectLst/>
-                <a:latin typeface="freight-text-pro"/>
-              </a:rPr>
-              <a:t>TPR is high and FPR is low,</a:t>
+              <a:rPr lang="en-US" sz="1100" dirty="0"/>
+              <a:t>Data Distribution : SMOTE tends to create synthetic samples that are closer to the original samples, while ADASYN focuses on those minority samples that are difficult to classify. Depending on your dataset and the specific characteristics of fraudulent transactions, one method may be more appropriate than the other. Consider the nature of your data and whether SMOTE or ADASYN aligns better with the underlying distribution.</a:t>
             </a:r>
+          </a:p>
+          <a:p>
+            <a:pPr marL="0" indent="0">
+              <a:buNone/>
+            </a:pPr>
             <a:r>
-              <a:rPr lang="en-US" sz="1800" b="0" i="0" dirty="0">
-                <a:solidFill>
-                  <a:srgbClr val="091E42"/>
-                </a:solidFill>
-                <a:effectLst/>
-                <a:latin typeface="freight-text-pro"/>
-              </a:rPr>
-              <a:t> </a:t>
+              <a:rPr lang="en-US" sz="1100" dirty="0"/>
+              <a:t>Computational Resources : SMOTE is computationally less intensive than ADASYN, as it generates synthetic samples in a simpler manner. If you have limited computational resources and need a quicker solution, SMOTE might be a better choice.</a:t>
             </a:r>
+          </a:p>
+          <a:p>
+            <a:pPr marL="0" indent="0">
+              <a:buNone/>
+            </a:pPr>
             <a:r>
-              <a:rPr lang="en-US" sz="1800" b="1" i="0" dirty="0">
-                <a:solidFill>
-                  <a:srgbClr val="091E42"/>
-                </a:solidFill>
-                <a:effectLst/>
-                <a:latin typeface="freight-text-pro"/>
-              </a:rPr>
-              <a:t>i.e., misclassifications are low.</a:t>
+              <a:rPr lang="en-US" sz="1100" dirty="0"/>
+              <a:t>Interpretability: Consider the interpretability of your model. Sometimes, simpler models are preferred over complex ones, especially in applications where interpretability is crucial. If a simpler model with SMOTE achieves a satisfactory ROC AUC score and is easier to interpret, it might be a better choice.</a:t>
             </a:r>
-            <a:endParaRPr lang="en-US" sz="1800" b="0" i="0" dirty="0">
-              <a:solidFill>
-                <a:srgbClr val="091E42"/>
-              </a:solidFill>
-              <a:effectLst/>
-              <a:latin typeface="freight-text-pro"/>
-            </a:endParaRPr>
-          </a:p>
-          <a:p>
+          </a:p>
+          <a:p>
+            <a:pPr marL="0" indent="0">
+              <a:buNone/>
+            </a:pPr>
             <a:r>
-              <a:rPr lang="en-US" sz="1800" dirty="0">
-                <a:solidFill>
-                  <a:srgbClr val="091E42"/>
-                </a:solidFill>
-                <a:latin typeface="freight-text-pro"/>
-              </a:rPr>
-              <a:t>To save banks from high-value fraudulent transactions, we need to focus on high recall to detect actual fraudulent transactions.</a:t>
+              <a:rPr lang="en-US" sz="1100" dirty="0"/>
+              <a:t>Other Evaluation Metrics: ROC AUC is just one evaluation metric. It's important to also look at other metrics like precision, recall, F1-score, and confusion matrices. Evaluate the models based on these metrics to understand their performance in correctly classifying fraudulent transactions.</a:t>
             </a:r>
           </a:p>
-        </p:txBody>
-      </p:sp>
-      <p:pic>
-        <p:nvPicPr>
-          <p:cNvPr id="5" name="Picture 4">
-            <a:extLst>
-              <a:ext uri="{FF2B5EF4-FFF2-40B4-BE49-F238E27FC236}">
-                <a16:creationId xmlns:a16="http://schemas.microsoft.com/office/drawing/2014/main" id="{5F4C3959-D82D-7A2E-F3F6-0C40DC76A903}"/>
-              </a:ext>
-            </a:extLst>
-          </p:cNvPr>
-          <p:cNvPicPr>
-            <a:picLocks noChangeAspect="1"/>
-          </p:cNvPicPr>
-          <p:nvPr/>
-        </p:nvPicPr>
-        <p:blipFill>
-          <a:blip r:embed="rId2"/>
-          <a:stretch>
-            <a:fillRect/>
-          </a:stretch>
-        </p:blipFill>
-        <p:spPr>
-          <a:xfrm>
-            <a:off x="5750351" y="2965774"/>
-            <a:ext cx="4953594" cy="3766369"/>
-          </a:xfrm>
-          <a:prstGeom prst="rect">
-            <a:avLst/>
-          </a:prstGeom>
-        </p:spPr>
-      </p:pic>
-      <p:sp>
-        <p:nvSpPr>
-          <p:cNvPr id="7" name="TextBox 6">
-            <a:extLst>
-              <a:ext uri="{FF2B5EF4-FFF2-40B4-BE49-F238E27FC236}">
-                <a16:creationId xmlns:a16="http://schemas.microsoft.com/office/drawing/2014/main" id="{05FD5E9D-8EB2-E255-9E7E-376865142DFB}"/>
-              </a:ext>
-            </a:extLst>
-          </p:cNvPr>
-          <p:cNvSpPr txBox="1"/>
-          <p:nvPr/>
-        </p:nvSpPr>
-        <p:spPr>
-          <a:xfrm>
-            <a:off x="609993" y="3925627"/>
-            <a:ext cx="4776323" cy="923330"/>
-          </a:xfrm>
-          <a:prstGeom prst="rect">
-            <a:avLst/>
-          </a:prstGeom>
-          <a:noFill/>
-        </p:spPr>
-        <p:txBody>
-          <a:bodyPr wrap="square">
-            <a:spAutoFit/>
-          </a:bodyPr>
-          <a:lstStyle/>
-          <a:p>
+          <a:p>
+            <a:pPr marL="0" indent="0">
+              <a:buNone/>
+            </a:pPr>
             <a:r>
-              <a:rPr lang="en-US" b="0" i="0" dirty="0">
-                <a:solidFill>
-                  <a:srgbClr val="D5D5D5"/>
-                </a:solidFill>
-                <a:effectLst/>
-                <a:latin typeface="Courier New" panose="02070309020205020404" pitchFamily="49" charset="0"/>
-              </a:rPr>
-              <a:t>False Positive Rate (FPR): 0.0016 True Positive Rate (TPR): 0.8980 Best Threshold: 0.1210</a:t>
+              <a:rPr lang="en-US" sz="1100" dirty="0"/>
+              <a:t>Business Considerations:  Think about the real-world impact of your model. Consider the cost of false positives and false negatives. Depending on the specific business scenario, you might prioritize recall (identifying most fraudulent transactions) over precision (minimizing false positives) or vice versa.</a:t>
             </a:r>
-            <a:endParaRPr lang="en-US" dirty="0"/>
+          </a:p>
+          <a:p>
+            <a:pPr marL="0" indent="0">
+              <a:buNone/>
+            </a:pPr>
+            <a:r>
+              <a:rPr lang="en-US" sz="1100" dirty="0"/>
+              <a:t>Cross-Validation:  Ensure that your model's performance is consistent across different cross-validation folds. A model that consistently performs well on various folds is more reliable.</a:t>
+            </a:r>
+          </a:p>
+          <a:p>
+            <a:pPr marL="0" indent="0">
+              <a:buNone/>
+            </a:pPr>
+            <a:r>
+              <a:rPr lang="en-US" sz="1100" dirty="0"/>
+              <a:t>Ensemble Methods:  Consider using ensemble methods that combine the strengths of both SMOTE and ADASYN. You can create an ensemble of models trained on datasets balanced with SMOTE and ADASYN to potentially improve overall performance.</a:t>
+            </a:r>
+          </a:p>
+          <a:p>
+            <a:pPr marL="0" indent="0">
+              <a:buNone/>
+            </a:pPr>
+            <a:r>
+              <a:rPr lang="en-US" sz="1100" dirty="0"/>
+              <a:t>In summary, it's recommended to conduct a thorough evaluation of both SMOTE and ADASYN, considering not only the ROC AUC score but also the factors mentioned above. Depending on your dataset and specific business needs, one technique may emerge as the better choice. Ultimately, the goal is to select a model that offers a good balance between performance and practicality.</a:t>
+            </a:r>
           </a:p>
         </p:txBody>
       </p:sp>
     </p:spTree>
     <p:extLst>
       <p:ext uri="{BB962C8B-B14F-4D97-AF65-F5344CB8AC3E}">
-        <p14:creationId xmlns:p14="http://schemas.microsoft.com/office/powerpoint/2010/main" val="2236464694"/>
+        <p14:creationId xmlns:p14="http://schemas.microsoft.com/office/powerpoint/2010/main" val="4005664085"/>
       </p:ext>
     </p:extLst>
   </p:cSld>
@@ -4065,10 +8667,10 @@
       </p:grpSpPr>
       <p:sp useBgFill="1">
         <p:nvSpPr>
-          <p:cNvPr id="38" name="Rectangle 37">
-            <a:extLst>
-              <a:ext uri="{FF2B5EF4-FFF2-40B4-BE49-F238E27FC236}">
-                <a16:creationId xmlns:a16="http://schemas.microsoft.com/office/drawing/2014/main" id="{6EFC920F-B85A-4068-BD93-41064EDE93D3}"/>
+          <p:cNvPr id="51" name="Rectangle 50">
+            <a:extLst>
+              <a:ext uri="{FF2B5EF4-FFF2-40B4-BE49-F238E27FC236}">
+                <a16:creationId xmlns:a16="http://schemas.microsoft.com/office/drawing/2014/main" id="{0CCC4BA0-1298-4DBD-86F1-B51D8C9D3437}"/>
               </a:ext>
               <a:ext uri="{C183D7F6-B498-43B3-948B-1728B52AA6E4}">
                 <adec:decorative xmlns:adec="http://schemas.microsoft.com/office/drawing/2017/decorative" val="1"/>
@@ -4088,8 +8690,8 @@
         </p:nvSpPr>
         <p:spPr>
           <a:xfrm>
-            <a:off x="0" y="0"/>
-            <a:ext cx="12191999" cy="6857365"/>
+            <a:off x="0" y="2"/>
+            <a:ext cx="12192000" cy="6857997"/>
           </a:xfrm>
           <a:prstGeom prst="rect">
             <a:avLst/>
@@ -4123,165 +8725,167 @@
           </a:p>
         </p:txBody>
       </p:sp>
-      <p:grpSp>
-        <p:nvGrpSpPr>
-          <p:cNvPr id="40" name="Group 39">
-            <a:extLst>
-              <a:ext uri="{FF2B5EF4-FFF2-40B4-BE49-F238E27FC236}">
-                <a16:creationId xmlns:a16="http://schemas.microsoft.com/office/drawing/2014/main" id="{1C559108-BBAE-426C-8564-051D2BA6DDC8}"/>
-              </a:ext>
-              <a:ext uri="{C183D7F6-B498-43B3-948B-1728B52AA6E4}">
-                <adec:decorative xmlns:adec="http://schemas.microsoft.com/office/drawing/2017/decorative" val="1"/>
-              </a:ext>
-            </a:extLst>
-          </p:cNvPr>
-          <p:cNvGrpSpPr>
-            <a:grpSpLocks noGrp="1" noUngrp="1" noRot="1" noChangeAspect="1" noMove="1" noResize="1"/>
-          </p:cNvGrpSpPr>
-          <p:nvPr>
-            <p:extLst>
-              <p:ext uri="{386F3935-93C4-4BCD-93E2-E3B085C9AB24}">
-                <p16:designElem xmlns:p16="http://schemas.microsoft.com/office/powerpoint/2015/main" val="1"/>
-              </p:ext>
-            </p:extLst>
-          </p:nvPr>
-        </p:nvGrpSpPr>
-        <p:grpSpPr>
-          <a:xfrm rot="5400000">
-            <a:off x="-2340441" y="2666183"/>
-            <a:ext cx="5860051" cy="527712"/>
-            <a:chOff x="6081624" y="1998368"/>
-            <a:chExt cx="5613457" cy="782175"/>
-          </a:xfrm>
-          <a:solidFill>
-            <a:schemeClr val="accent4"/>
-          </a:solidFill>
-        </p:grpSpPr>
-        <p:sp>
-          <p:nvSpPr>
-            <p:cNvPr id="41" name="Rectangle 40">
-              <a:extLst>
-                <a:ext uri="{FF2B5EF4-FFF2-40B4-BE49-F238E27FC236}">
-                  <a16:creationId xmlns:a16="http://schemas.microsoft.com/office/drawing/2014/main" id="{42BC35EE-6650-42D2-AEFB-4B7CD1AFC9BD}"/>
-                </a:ext>
-                <a:ext uri="{C183D7F6-B498-43B3-948B-1728B52AA6E4}">
-                  <adec:decorative xmlns:adec="http://schemas.microsoft.com/office/drawing/2017/decorative" val="1"/>
-                </a:ext>
-              </a:extLst>
-            </p:cNvPr>
-            <p:cNvSpPr/>
-            <p:nvPr>
-              <p:extLst>
-                <p:ext uri="{386F3935-93C4-4BCD-93E2-E3B085C9AB24}">
-                  <p16:designElem xmlns:p16="http://schemas.microsoft.com/office/powerpoint/2015/main" val="1"/>
-                </p:ext>
-              </p:extLst>
-            </p:nvPr>
-          </p:nvSpPr>
-          <p:spPr>
-            <a:xfrm rot="5400000">
-              <a:off x="11228040" y="2313027"/>
-              <a:ext cx="781700" cy="152382"/>
-            </a:xfrm>
-            <a:prstGeom prst="rect">
-              <a:avLst/>
-            </a:prstGeom>
-            <a:grpFill/>
-            <a:ln>
-              <a:noFill/>
-            </a:ln>
-          </p:spPr>
-          <p:style>
-            <a:lnRef idx="2">
-              <a:schemeClr val="accent1">
-                <a:shade val="50000"/>
-              </a:schemeClr>
-            </a:lnRef>
-            <a:fillRef idx="1">
-              <a:schemeClr val="accent1"/>
-            </a:fillRef>
-            <a:effectRef idx="0">
-              <a:schemeClr val="accent1"/>
-            </a:effectRef>
-            <a:fontRef idx="minor">
-              <a:schemeClr val="lt1"/>
-            </a:fontRef>
-          </p:style>
-          <p:txBody>
-            <a:bodyPr rtlCol="0" anchor="ctr"/>
-            <a:lstStyle/>
-            <a:p>
-              <a:pPr algn="ctr"/>
-              <a:endParaRPr lang="en-US"/>
-            </a:p>
-          </p:txBody>
-        </p:sp>
-        <p:sp>
-          <p:nvSpPr>
-            <p:cNvPr id="42" name="Rectangle 41">
-              <a:extLst>
-                <a:ext uri="{FF2B5EF4-FFF2-40B4-BE49-F238E27FC236}">
-                  <a16:creationId xmlns:a16="http://schemas.microsoft.com/office/drawing/2014/main" id="{0952C743-9049-4DFB-878B-2AB07B6E4FD1}"/>
-                </a:ext>
-                <a:ext uri="{C183D7F6-B498-43B3-948B-1728B52AA6E4}">
-                  <adec:decorative xmlns:adec="http://schemas.microsoft.com/office/drawing/2017/decorative" val="1"/>
-                </a:ext>
-              </a:extLst>
-            </p:cNvPr>
-            <p:cNvSpPr/>
-            <p:nvPr>
-              <p:extLst>
-                <p:ext uri="{386F3935-93C4-4BCD-93E2-E3B085C9AB24}">
-                  <p16:designElem xmlns:p16="http://schemas.microsoft.com/office/powerpoint/2015/main" val="1"/>
-                </p:ext>
-              </p:extLst>
-            </p:nvPr>
-          </p:nvSpPr>
-          <p:spPr>
-            <a:xfrm flipH="1" flipV="1">
-              <a:off x="6081624" y="1998844"/>
-              <a:ext cx="5372968" cy="781699"/>
-            </a:xfrm>
-            <a:prstGeom prst="rect">
-              <a:avLst/>
-            </a:prstGeom>
-            <a:grpFill/>
-            <a:ln>
-              <a:noFill/>
-            </a:ln>
-          </p:spPr>
-          <p:style>
-            <a:lnRef idx="2">
-              <a:schemeClr val="accent1">
-                <a:shade val="50000"/>
-              </a:schemeClr>
-            </a:lnRef>
-            <a:fillRef idx="1">
-              <a:schemeClr val="accent1"/>
-            </a:fillRef>
-            <a:effectRef idx="0">
-              <a:schemeClr val="accent1"/>
-            </a:effectRef>
-            <a:fontRef idx="minor">
-              <a:schemeClr val="lt1"/>
-            </a:fontRef>
-          </p:style>
-          <p:txBody>
-            <a:bodyPr rtlCol="0" anchor="ctr"/>
-            <a:lstStyle/>
-            <a:p>
-              <a:pPr algn="ctr"/>
-              <a:endParaRPr lang="en-US"/>
-            </a:p>
-          </p:txBody>
-        </p:sp>
-      </p:grpSp>
       <p:sp>
         <p:nvSpPr>
-          <p:cNvPr id="44" name="Rectangle 43">
-            <a:extLst>
-              <a:ext uri="{FF2B5EF4-FFF2-40B4-BE49-F238E27FC236}">
-                <a16:creationId xmlns:a16="http://schemas.microsoft.com/office/drawing/2014/main" id="{CBC4F608-B4B8-48C3-9572-C0F061B1CD99}"/>
+          <p:cNvPr id="2" name="Title 1">
+            <a:extLst>
+              <a:ext uri="{FF2B5EF4-FFF2-40B4-BE49-F238E27FC236}">
+                <a16:creationId xmlns:a16="http://schemas.microsoft.com/office/drawing/2014/main" id="{50C8066E-D989-0665-D2EF-B72FF5B58861}"/>
+              </a:ext>
+            </a:extLst>
+          </p:cNvPr>
+          <p:cNvSpPr>
+            <a:spLocks noGrp="1"/>
+          </p:cNvSpPr>
+          <p:nvPr>
+            <p:ph type="title"/>
+          </p:nvPr>
+        </p:nvSpPr>
+        <p:spPr>
+          <a:xfrm>
+            <a:off x="1136398" y="502021"/>
+            <a:ext cx="5427525" cy="1667997"/>
+          </a:xfrm>
+        </p:spPr>
+        <p:txBody>
+          <a:bodyPr anchor="b">
+            <a:normAutofit/>
+          </a:bodyPr>
+          <a:lstStyle/>
+          <a:p>
+            <a:r>
+              <a:rPr lang="en-US" sz="4000"/>
+              <a:t>Agenda</a:t>
+            </a:r>
+          </a:p>
+        </p:txBody>
+      </p:sp>
+      <p:sp>
+        <p:nvSpPr>
+          <p:cNvPr id="3" name="Content Placeholder 2">
+            <a:extLst>
+              <a:ext uri="{FF2B5EF4-FFF2-40B4-BE49-F238E27FC236}">
+                <a16:creationId xmlns:a16="http://schemas.microsoft.com/office/drawing/2014/main" id="{7C6C9774-F587-9CEC-85CE-A0ECDFE05DBD}"/>
+              </a:ext>
+            </a:extLst>
+          </p:cNvPr>
+          <p:cNvSpPr>
+            <a:spLocks noGrp="1"/>
+          </p:cNvSpPr>
+          <p:nvPr>
+            <p:ph idx="1"/>
+          </p:nvPr>
+        </p:nvSpPr>
+        <p:spPr>
+          <a:xfrm>
+            <a:off x="1136398" y="2405467"/>
+            <a:ext cx="5427526" cy="3535083"/>
+          </a:xfrm>
+        </p:spPr>
+        <p:txBody>
+          <a:bodyPr anchor="t">
+            <a:normAutofit/>
+          </a:bodyPr>
+          <a:lstStyle/>
+          <a:p>
+            <a:r>
+              <a:rPr lang="en-US" sz="2000" dirty="0"/>
+              <a:t>Overview</a:t>
+            </a:r>
+          </a:p>
+          <a:p>
+            <a:r>
+              <a:rPr lang="en-US" sz="2000" dirty="0"/>
+              <a:t>Data Pre-Processing</a:t>
+            </a:r>
+          </a:p>
+          <a:p>
+            <a:r>
+              <a:rPr lang="en-US" sz="2000" dirty="0"/>
+              <a:t>Model Selection</a:t>
+            </a:r>
+          </a:p>
+          <a:p>
+            <a:r>
+              <a:rPr lang="en-US" sz="2000" dirty="0"/>
+              <a:t>Hyperparameter Tuning</a:t>
+            </a:r>
+          </a:p>
+          <a:p>
+            <a:r>
+              <a:rPr lang="en-US" sz="2000" dirty="0"/>
+              <a:t>Model Evaluation</a:t>
+            </a:r>
+          </a:p>
+        </p:txBody>
+      </p:sp>
+      <p:pic>
+        <p:nvPicPr>
+          <p:cNvPr id="31" name="Picture 4" descr="White bulbs with a yellow one standing out">
+            <a:extLst>
+              <a:ext uri="{FF2B5EF4-FFF2-40B4-BE49-F238E27FC236}">
+                <a16:creationId xmlns:a16="http://schemas.microsoft.com/office/drawing/2014/main" id="{E7CA49BF-2D4C-5157-F49E-4020BB2FE831}"/>
+              </a:ext>
+            </a:extLst>
+          </p:cNvPr>
+          <p:cNvPicPr>
+            <a:picLocks noChangeAspect="1"/>
+          </p:cNvPicPr>
+          <p:nvPr/>
+        </p:nvPicPr>
+        <p:blipFill rotWithShape="1">
+          <a:blip r:embed="rId2"/>
+          <a:srcRect l="28004" r="5246" b="-1"/>
+          <a:stretch/>
+        </p:blipFill>
+        <p:spPr>
+          <a:xfrm>
+            <a:off x="7047513" y="975645"/>
+            <a:ext cx="4443447" cy="4443447"/>
+          </a:xfrm>
+          <a:custGeom>
+            <a:avLst/>
+            <a:gdLst/>
+            <a:ahLst/>
+            <a:cxnLst/>
+            <a:rect l="l" t="t" r="r" b="b"/>
+            <a:pathLst>
+              <a:path w="4694238" h="4694238">
+                <a:moveTo>
+                  <a:pt x="2347119" y="0"/>
+                </a:moveTo>
+                <a:cubicBezTo>
+                  <a:pt x="3643397" y="0"/>
+                  <a:pt x="4694238" y="1050841"/>
+                  <a:pt x="4694238" y="2347119"/>
+                </a:cubicBezTo>
+                <a:cubicBezTo>
+                  <a:pt x="4694238" y="3643397"/>
+                  <a:pt x="3643397" y="4694238"/>
+                  <a:pt x="2347119" y="4694238"/>
+                </a:cubicBezTo>
+                <a:cubicBezTo>
+                  <a:pt x="1050841" y="4694238"/>
+                  <a:pt x="0" y="3643397"/>
+                  <a:pt x="0" y="2347119"/>
+                </a:cubicBezTo>
+                <a:cubicBezTo>
+                  <a:pt x="0" y="1050841"/>
+                  <a:pt x="1050841" y="0"/>
+                  <a:pt x="2347119" y="0"/>
+                </a:cubicBezTo>
+                <a:close/>
+              </a:path>
+            </a:pathLst>
+          </a:custGeom>
+        </p:spPr>
+      </p:pic>
+      <p:sp>
+        <p:nvSpPr>
+          <p:cNvPr id="53" name="Rectangle 52">
+            <a:extLst>
+              <a:ext uri="{FF2B5EF4-FFF2-40B4-BE49-F238E27FC236}">
+                <a16:creationId xmlns:a16="http://schemas.microsoft.com/office/drawing/2014/main" id="{EEBF1590-3B36-48EE-A89D-3B6F3CB256AB}"/>
               </a:ext>
               <a:ext uri="{C183D7F6-B498-43B3-948B-1728B52AA6E4}">
                 <adec:decorative xmlns:adec="http://schemas.microsoft.com/office/drawing/2017/decorative" val="1"/>
@@ -4300,121 +8904,24 @@
           </p:nvPr>
         </p:nvSpPr>
         <p:spPr>
-          <a:xfrm>
-            <a:off x="579528" y="922919"/>
-            <a:ext cx="11111729" cy="5461252"/>
+          <a:xfrm rot="10800000" flipH="1">
+            <a:off x="0" y="6400799"/>
+            <a:ext cx="12192000" cy="456773"/>
           </a:xfrm>
           <a:prstGeom prst="rect">
             <a:avLst/>
           </a:prstGeom>
-          <a:solidFill>
-            <a:schemeClr val="bg1"/>
-          </a:solidFill>
-          <a:ln>
-            <a:noFill/>
-          </a:ln>
-          <a:effectLst>
-            <a:outerShdw blurRad="139700" dist="127000" dir="5400000" algn="t" rotWithShape="0">
-              <a:prstClr val="black">
-                <a:alpha val="15000"/>
-              </a:prstClr>
-            </a:outerShdw>
-          </a:effectLst>
-        </p:spPr>
-        <p:style>
-          <a:lnRef idx="2">
-            <a:schemeClr val="accent1">
-              <a:shade val="50000"/>
-            </a:schemeClr>
-          </a:lnRef>
-          <a:fillRef idx="1">
-            <a:schemeClr val="accent1"/>
-          </a:fillRef>
-          <a:effectRef idx="0">
-            <a:schemeClr val="accent1"/>
-          </a:effectRef>
-          <a:fontRef idx="minor">
-            <a:schemeClr val="lt1"/>
-          </a:fontRef>
-        </p:style>
-        <p:txBody>
-          <a:bodyPr rtlCol="0" anchor="ctr"/>
-          <a:lstStyle/>
-          <a:p>
-            <a:pPr algn="ctr"/>
-            <a:endParaRPr lang="en-US"/>
-          </a:p>
-        </p:txBody>
-      </p:sp>
-      <p:sp>
-        <p:nvSpPr>
-          <p:cNvPr id="2" name="Title 1">
-            <a:extLst>
-              <a:ext uri="{FF2B5EF4-FFF2-40B4-BE49-F238E27FC236}">
-                <a16:creationId xmlns:a16="http://schemas.microsoft.com/office/drawing/2014/main" id="{50C8066E-D989-0665-D2EF-B72FF5B58861}"/>
-              </a:ext>
-            </a:extLst>
-          </p:cNvPr>
-          <p:cNvSpPr>
-            <a:spLocks noGrp="1"/>
-          </p:cNvSpPr>
-          <p:nvPr>
-            <p:ph type="title"/>
-          </p:nvPr>
-        </p:nvSpPr>
-        <p:spPr>
-          <a:xfrm>
-            <a:off x="1099425" y="1238081"/>
-            <a:ext cx="4709345" cy="962953"/>
-          </a:xfrm>
-        </p:spPr>
-        <p:txBody>
-          <a:bodyPr anchor="b">
-            <a:normAutofit/>
-          </a:bodyPr>
-          <a:lstStyle/>
-          <a:p>
-            <a:r>
-              <a:rPr lang="en-US" sz="3800"/>
-              <a:t>Agenda</a:t>
-            </a:r>
-          </a:p>
-        </p:txBody>
-      </p:sp>
-      <p:sp>
-        <p:nvSpPr>
-          <p:cNvPr id="46" name="Rectangle 45">
-            <a:extLst>
-              <a:ext uri="{FF2B5EF4-FFF2-40B4-BE49-F238E27FC236}">
-                <a16:creationId xmlns:a16="http://schemas.microsoft.com/office/drawing/2014/main" id="{1382A32C-5B0C-4B1C-A074-76C6DBCC9F87}"/>
-              </a:ext>
-              <a:ext uri="{C183D7F6-B498-43B3-948B-1728B52AA6E4}">
-                <adec:decorative xmlns:adec="http://schemas.microsoft.com/office/drawing/2017/decorative" val="1"/>
-              </a:ext>
-            </a:extLst>
-          </p:cNvPr>
-          <p:cNvSpPr>
-            <a:spLocks noGrp="1" noRot="1" noChangeAspect="1" noMove="1" noResize="1" noEditPoints="1" noAdjustHandles="1" noChangeArrowheads="1" noChangeShapeType="1" noTextEdit="1"/>
-          </p:cNvSpPr>
-          <p:nvPr>
-            <p:extLst>
-              <p:ext uri="{386F3935-93C4-4BCD-93E2-E3B085C9AB24}">
-                <p16:designElem xmlns:p16="http://schemas.microsoft.com/office/powerpoint/2015/main" val="1"/>
-              </p:ext>
-            </p:extLst>
-          </p:nvPr>
-        </p:nvSpPr>
-        <p:spPr>
-          <a:xfrm flipH="1">
-            <a:off x="1139885" y="2372170"/>
-            <a:ext cx="4389120" cy="27432"/>
-          </a:xfrm>
-          <a:prstGeom prst="rect">
-            <a:avLst/>
-          </a:prstGeom>
-          <a:solidFill>
-            <a:schemeClr val="accent4"/>
-          </a:solidFill>
+          <a:gradFill>
+            <a:gsLst>
+              <a:gs pos="0">
+                <a:schemeClr val="accent1"/>
+              </a:gs>
+              <a:gs pos="78000">
+                <a:srgbClr val="000000"/>
+              </a:gs>
+            </a:gsLst>
+            <a:lin ang="2400000" scaled="0"/>
+          </a:gradFill>
           <a:ln>
             <a:noFill/>
           </a:ln>
@@ -4446,92 +8953,79 @@
       </p:sp>
       <p:sp>
         <p:nvSpPr>
-          <p:cNvPr id="3" name="Content Placeholder 2">
-            <a:extLst>
-              <a:ext uri="{FF2B5EF4-FFF2-40B4-BE49-F238E27FC236}">
-                <a16:creationId xmlns:a16="http://schemas.microsoft.com/office/drawing/2014/main" id="{7C6C9774-F587-9CEC-85CE-A0ECDFE05DBD}"/>
+          <p:cNvPr id="55" name="Rectangle 54">
+            <a:extLst>
+              <a:ext uri="{FF2B5EF4-FFF2-40B4-BE49-F238E27FC236}">
+                <a16:creationId xmlns:a16="http://schemas.microsoft.com/office/drawing/2014/main" id="{AC8F6C8C-AB5A-4548-942D-E3FD40ACBC49}"/>
+              </a:ext>
+              <a:ext uri="{C183D7F6-B498-43B3-948B-1728B52AA6E4}">
+                <adec:decorative xmlns:adec="http://schemas.microsoft.com/office/drawing/2017/decorative" val="1"/>
               </a:ext>
             </a:extLst>
           </p:cNvPr>
           <p:cNvSpPr>
-            <a:spLocks noGrp="1"/>
+            <a:spLocks noGrp="1" noRot="1" noChangeAspect="1" noMove="1" noResize="1" noEditPoints="1" noAdjustHandles="1" noChangeArrowheads="1" noChangeShapeType="1" noTextEdit="1"/>
           </p:cNvSpPr>
           <p:nvPr>
-            <p:ph idx="1"/>
+            <p:extLst>
+              <p:ext uri="{386F3935-93C4-4BCD-93E2-E3B085C9AB24}">
+                <p16:designElem xmlns:p16="http://schemas.microsoft.com/office/powerpoint/2015/main" val="1"/>
+              </p:ext>
+            </p:extLst>
           </p:nvPr>
         </p:nvSpPr>
         <p:spPr>
-          <a:xfrm>
-            <a:off x="1100736" y="2508105"/>
-            <a:ext cx="4709345" cy="3632493"/>
-          </a:xfrm>
-        </p:spPr>
-        <p:txBody>
-          <a:bodyPr anchor="ctr">
-            <a:normAutofit/>
-          </a:bodyPr>
-          <a:lstStyle/>
-          <a:p>
-            <a:r>
-              <a:rPr lang="en-US" sz="2000" dirty="0"/>
-              <a:t>Overview</a:t>
-            </a:r>
-          </a:p>
-          <a:p>
-            <a:r>
-              <a:rPr lang="en-US" sz="2000" dirty="0"/>
-              <a:t>Data Pre-Processing</a:t>
-            </a:r>
-          </a:p>
-          <a:p>
-            <a:r>
-              <a:rPr lang="en-US" sz="2000" dirty="0"/>
-              <a:t>Model Selection</a:t>
-            </a:r>
-          </a:p>
-          <a:p>
-            <a:r>
-              <a:rPr lang="en-US" sz="2000" dirty="0"/>
-              <a:t>Hyperparameter Tuning</a:t>
-            </a:r>
-          </a:p>
-          <a:p>
-            <a:r>
-              <a:rPr lang="en-US" sz="2000" dirty="0"/>
-              <a:t>Model Evaluation</a:t>
-            </a:r>
-          </a:p>
-        </p:txBody>
-      </p:sp>
-      <p:pic>
-        <p:nvPicPr>
-          <p:cNvPr id="31" name="Picture 4" descr="White bulbs with a yellow one standing out">
-            <a:extLst>
-              <a:ext uri="{FF2B5EF4-FFF2-40B4-BE49-F238E27FC236}">
-                <a16:creationId xmlns:a16="http://schemas.microsoft.com/office/drawing/2014/main" id="{E7CA49BF-2D4C-5157-F49E-4020BB2FE831}"/>
-              </a:ext>
-            </a:extLst>
-          </p:cNvPr>
-          <p:cNvPicPr>
-            <a:picLocks noChangeAspect="1"/>
-          </p:cNvPicPr>
-          <p:nvPr/>
-        </p:nvPicPr>
-        <p:blipFill rotWithShape="1">
-          <a:blip r:embed="rId2"/>
-          <a:srcRect l="26795" r="4038"/>
-          <a:stretch/>
-        </p:blipFill>
-        <p:spPr>
-          <a:xfrm>
-            <a:off x="6538366" y="1383738"/>
-            <a:ext cx="4929098" cy="4756870"/>
+          <a:xfrm flipH="1">
+            <a:off x="4038600" y="6400799"/>
+            <a:ext cx="8153398" cy="456772"/>
           </a:xfrm>
           <a:prstGeom prst="rect">
             <a:avLst/>
           </a:prstGeom>
+          <a:gradFill>
+            <a:gsLst>
+              <a:gs pos="0">
+                <a:srgbClr val="000000">
+                  <a:alpha val="63000"/>
+                </a:srgbClr>
+              </a:gs>
+              <a:gs pos="100000">
+                <a:schemeClr val="accent1">
+                  <a:lumMod val="75000"/>
+                </a:schemeClr>
+              </a:gs>
+            </a:gsLst>
+            <a:lin ang="13800000" scaled="0"/>
+          </a:gradFill>
+          <a:ln>
+            <a:noFill/>
+          </a:ln>
         </p:spPr>
-      </p:pic>
+        <p:style>
+          <a:lnRef idx="2">
+            <a:schemeClr val="accent1">
+              <a:shade val="50000"/>
+            </a:schemeClr>
+          </a:lnRef>
+          <a:fillRef idx="1">
+            <a:schemeClr val="accent1"/>
+          </a:fillRef>
+          <a:effectRef idx="0">
+            <a:schemeClr val="accent1"/>
+          </a:effectRef>
+          <a:fontRef idx="minor">
+            <a:schemeClr val="lt1"/>
+          </a:fontRef>
+        </p:style>
+        <p:txBody>
+          <a:bodyPr rtlCol="0" anchor="ctr"/>
+          <a:lstStyle/>
+          <a:p>
+            <a:pPr algn="ctr"/>
+            <a:endParaRPr lang="en-US"/>
+          </a:p>
+        </p:txBody>
+      </p:sp>
     </p:spTree>
     <p:extLst>
       <p:ext uri="{BB962C8B-B14F-4D97-AF65-F5344CB8AC3E}">
@@ -4570,41 +9064,12 @@
           <a:chExt cx="0" cy="0"/>
         </a:xfrm>
       </p:grpSpPr>
-      <p:pic>
-        <p:nvPicPr>
-          <p:cNvPr id="29" name="Picture 4" descr="Light bulb on yellow background with sketched light beams and cord">
-            <a:extLst>
-              <a:ext uri="{FF2B5EF4-FFF2-40B4-BE49-F238E27FC236}">
-                <a16:creationId xmlns:a16="http://schemas.microsoft.com/office/drawing/2014/main" id="{09B1F3BB-8555-9ACA-2650-3E0CAD92D8C4}"/>
-              </a:ext>
-            </a:extLst>
-          </p:cNvPr>
-          <p:cNvPicPr>
-            <a:picLocks noChangeAspect="1"/>
-          </p:cNvPicPr>
-          <p:nvPr/>
-        </p:nvPicPr>
-        <p:blipFill rotWithShape="1">
-          <a:blip r:embed="rId2"/>
-          <a:srcRect l="2866" r="6225" b="16852"/>
-          <a:stretch/>
-        </p:blipFill>
-        <p:spPr>
-          <a:xfrm>
-            <a:off x="20" y="10"/>
-            <a:ext cx="12191980" cy="6857990"/>
-          </a:xfrm>
-          <a:prstGeom prst="rect">
-            <a:avLst/>
-          </a:prstGeom>
-        </p:spPr>
-      </p:pic>
-      <p:sp>
+      <p:sp useBgFill="1">
         <p:nvSpPr>
-          <p:cNvPr id="74" name="Rectangle 48">
-            <a:extLst>
-              <a:ext uri="{FF2B5EF4-FFF2-40B4-BE49-F238E27FC236}">
-                <a16:creationId xmlns:a16="http://schemas.microsoft.com/office/drawing/2014/main" id="{257363FD-7E77-4145-9483-331A807ADF0E}"/>
+          <p:cNvPr id="79" name="Rectangle 78">
+            <a:extLst>
+              <a:ext uri="{FF2B5EF4-FFF2-40B4-BE49-F238E27FC236}">
+                <a16:creationId xmlns:a16="http://schemas.microsoft.com/office/drawing/2014/main" id="{0CCC4BA0-1298-4DBD-86F1-B51D8C9D3437}"/>
               </a:ext>
               <a:ext uri="{C183D7F6-B498-43B3-948B-1728B52AA6E4}">
                 <adec:decorative xmlns:adec="http://schemas.microsoft.com/office/drawing/2017/decorative" val="1"/>
@@ -4624,27 +9089,311 @@
         </p:nvSpPr>
         <p:spPr>
           <a:xfrm>
-            <a:off x="0" y="0"/>
-            <a:ext cx="12196802" cy="6858000"/>
+            <a:off x="0" y="2"/>
+            <a:ext cx="12192000" cy="6857997"/>
           </a:xfrm>
           <a:prstGeom prst="rect">
             <a:avLst/>
           </a:prstGeom>
-          <a:gradFill flip="none" rotWithShape="1">
+          <a:ln>
+            <a:noFill/>
+          </a:ln>
+        </p:spPr>
+        <p:style>
+          <a:lnRef idx="2">
+            <a:schemeClr val="accent1">
+              <a:shade val="50000"/>
+            </a:schemeClr>
+          </a:lnRef>
+          <a:fillRef idx="1">
+            <a:schemeClr val="accent1"/>
+          </a:fillRef>
+          <a:effectRef idx="0">
+            <a:schemeClr val="accent1"/>
+          </a:effectRef>
+          <a:fontRef idx="minor">
+            <a:schemeClr val="lt1"/>
+          </a:fontRef>
+        </p:style>
+        <p:txBody>
+          <a:bodyPr rtlCol="0" anchor="ctr"/>
+          <a:lstStyle/>
+          <a:p>
+            <a:pPr algn="ctr"/>
+            <a:endParaRPr lang="en-US"/>
+          </a:p>
+        </p:txBody>
+      </p:sp>
+      <p:sp>
+        <p:nvSpPr>
+          <p:cNvPr id="2" name="Title 1">
+            <a:extLst>
+              <a:ext uri="{FF2B5EF4-FFF2-40B4-BE49-F238E27FC236}">
+                <a16:creationId xmlns:a16="http://schemas.microsoft.com/office/drawing/2014/main" id="{1DFD8D85-E2C0-71DF-A7DA-517E08E734A2}"/>
+              </a:ext>
+            </a:extLst>
+          </p:cNvPr>
+          <p:cNvSpPr>
+            <a:spLocks noGrp="1"/>
+          </p:cNvSpPr>
+          <p:nvPr>
+            <p:ph type="title"/>
+          </p:nvPr>
+        </p:nvSpPr>
+        <p:spPr>
+          <a:xfrm>
+            <a:off x="1136398" y="502021"/>
+            <a:ext cx="5427525" cy="1667997"/>
+          </a:xfrm>
+        </p:spPr>
+        <p:txBody>
+          <a:bodyPr anchor="b">
+            <a:normAutofit/>
+          </a:bodyPr>
+          <a:lstStyle/>
+          <a:p>
+            <a:r>
+              <a:rPr lang="en-US" sz="4000"/>
+              <a:t>Overview</a:t>
+            </a:r>
+          </a:p>
+        </p:txBody>
+      </p:sp>
+      <p:sp>
+        <p:nvSpPr>
+          <p:cNvPr id="3" name="Content Placeholder 2">
+            <a:extLst>
+              <a:ext uri="{FF2B5EF4-FFF2-40B4-BE49-F238E27FC236}">
+                <a16:creationId xmlns:a16="http://schemas.microsoft.com/office/drawing/2014/main" id="{E5E91E62-9215-D66C-4CC7-A0496757EC7A}"/>
+              </a:ext>
+            </a:extLst>
+          </p:cNvPr>
+          <p:cNvSpPr>
+            <a:spLocks noGrp="1"/>
+          </p:cNvSpPr>
+          <p:nvPr>
+            <p:ph idx="1"/>
+          </p:nvPr>
+        </p:nvSpPr>
+        <p:spPr>
+          <a:xfrm>
+            <a:off x="1136398" y="2405467"/>
+            <a:ext cx="5427526" cy="3535083"/>
+          </a:xfrm>
+        </p:spPr>
+        <p:txBody>
+          <a:bodyPr anchor="t">
+            <a:normAutofit/>
+          </a:bodyPr>
+          <a:lstStyle/>
+          <a:p>
+            <a:pPr marL="0" indent="0">
+              <a:buNone/>
+            </a:pPr>
+            <a:r>
+              <a:rPr lang="en-US" sz="1400" i="0">
+                <a:effectLst/>
+                <a:latin typeface="+mj-lt"/>
+              </a:rPr>
+              <a:t>Objective -</a:t>
+            </a:r>
+            <a:r>
+              <a:rPr lang="en-US" sz="1400" b="1" i="0">
+                <a:effectLst/>
+                <a:latin typeface="+mj-lt"/>
+              </a:rPr>
+              <a:t>  </a:t>
+            </a:r>
+            <a:r>
+              <a:rPr lang="en-US" sz="1400" i="0">
+                <a:effectLst/>
+                <a:latin typeface="+mj-lt"/>
+              </a:rPr>
+              <a:t>Predict fraudulent credit card transactions with the help of machine learning models.</a:t>
+            </a:r>
+          </a:p>
+          <a:p>
+            <a:pPr marL="0" indent="0">
+              <a:buNone/>
+            </a:pPr>
+            <a:endParaRPr lang="en-US" sz="1400" i="0">
+              <a:effectLst/>
+              <a:latin typeface="+mj-lt"/>
+            </a:endParaRPr>
+          </a:p>
+          <a:p>
+            <a:pPr>
+              <a:buFont typeface="Arial" panose="020B0604020202020204" pitchFamily="34" charset="0"/>
+              <a:buChar char="•"/>
+            </a:pPr>
+            <a:r>
+              <a:rPr lang="en-US" sz="1400" b="1" i="0">
+                <a:effectLst/>
+                <a:latin typeface="+mj-lt"/>
+              </a:rPr>
+              <a:t>Approach</a:t>
+            </a:r>
+            <a:r>
+              <a:rPr lang="en-US" sz="1400" b="0" i="0">
+                <a:effectLst/>
+                <a:latin typeface="+mj-lt"/>
+              </a:rPr>
+              <a:t>:</a:t>
+            </a:r>
+          </a:p>
+          <a:p>
+            <a:r>
+              <a:rPr lang="en-US" sz="1400" b="1">
+                <a:latin typeface="+mj-lt"/>
+              </a:rPr>
+              <a:t>Data understanding: Load the data and understand the features.</a:t>
+            </a:r>
+          </a:p>
+          <a:p>
+            <a:r>
+              <a:rPr lang="en-US" sz="1400" b="1">
+                <a:latin typeface="+mj-lt"/>
+              </a:rPr>
+              <a:t>Exploratory data analytics (EDA): Identify and mitigate skewness in the data.</a:t>
+            </a:r>
+          </a:p>
+          <a:p>
+            <a:r>
+              <a:rPr lang="en-US" sz="1400" b="1">
+                <a:latin typeface="+mj-lt"/>
+              </a:rPr>
+              <a:t>Train/Test split: Use k-fold cross-validation.</a:t>
+            </a:r>
+          </a:p>
+          <a:p>
+            <a:r>
+              <a:rPr lang="en-US" sz="1400" b="1">
+                <a:latin typeface="+mj-lt"/>
+              </a:rPr>
+              <a:t>Model building / hyperparameter tuning: Experiment with different models and fine-tune hyperparameters.</a:t>
+            </a:r>
+          </a:p>
+          <a:p>
+            <a:r>
+              <a:rPr lang="en-US" sz="1400" b="1">
+                <a:latin typeface="+mj-lt"/>
+              </a:rPr>
+              <a:t>Model evaluation: Use appropriate evaluation metrics, considering the imbalanced dataset.</a:t>
+            </a:r>
+          </a:p>
+          <a:p>
+            <a:pPr marL="457200" indent="-457200">
+              <a:buFont typeface="+mj-lt"/>
+              <a:buAutoNum type="arabicPeriod"/>
+            </a:pPr>
+            <a:endParaRPr lang="en-US" sz="1400">
+              <a:latin typeface="+mj-lt"/>
+            </a:endParaRPr>
+          </a:p>
+        </p:txBody>
+      </p:sp>
+      <p:pic>
+        <p:nvPicPr>
+          <p:cNvPr id="29" name="Picture 4" descr="Light bulb on yellow background with sketched light beams and cord">
+            <a:extLst>
+              <a:ext uri="{FF2B5EF4-FFF2-40B4-BE49-F238E27FC236}">
+                <a16:creationId xmlns:a16="http://schemas.microsoft.com/office/drawing/2014/main" id="{09B1F3BB-8555-9ACA-2650-3E0CAD92D8C4}"/>
+              </a:ext>
+            </a:extLst>
+          </p:cNvPr>
+          <p:cNvPicPr>
+            <a:picLocks noChangeAspect="1"/>
+          </p:cNvPicPr>
+          <p:nvPr/>
+        </p:nvPicPr>
+        <p:blipFill rotWithShape="1">
+          <a:blip r:embed="rId2"/>
+          <a:srcRect l="38500" r="1" b="1"/>
+          <a:stretch/>
+        </p:blipFill>
+        <p:spPr>
+          <a:xfrm>
+            <a:off x="7047513" y="975645"/>
+            <a:ext cx="4443447" cy="4443447"/>
+          </a:xfrm>
+          <a:custGeom>
+            <a:avLst/>
+            <a:gdLst/>
+            <a:ahLst/>
+            <a:cxnLst/>
+            <a:rect l="l" t="t" r="r" b="b"/>
+            <a:pathLst>
+              <a:path w="4694238" h="4694238">
+                <a:moveTo>
+                  <a:pt x="2347119" y="0"/>
+                </a:moveTo>
+                <a:cubicBezTo>
+                  <a:pt x="3643397" y="0"/>
+                  <a:pt x="4694238" y="1050841"/>
+                  <a:pt x="4694238" y="2347119"/>
+                </a:cubicBezTo>
+                <a:cubicBezTo>
+                  <a:pt x="4694238" y="3643397"/>
+                  <a:pt x="3643397" y="4694238"/>
+                  <a:pt x="2347119" y="4694238"/>
+                </a:cubicBezTo>
+                <a:cubicBezTo>
+                  <a:pt x="1050841" y="4694238"/>
+                  <a:pt x="0" y="3643397"/>
+                  <a:pt x="0" y="2347119"/>
+                </a:cubicBezTo>
+                <a:cubicBezTo>
+                  <a:pt x="0" y="1050841"/>
+                  <a:pt x="1050841" y="0"/>
+                  <a:pt x="2347119" y="0"/>
+                </a:cubicBezTo>
+                <a:close/>
+              </a:path>
+            </a:pathLst>
+          </a:custGeom>
+        </p:spPr>
+      </p:pic>
+      <p:sp>
+        <p:nvSpPr>
+          <p:cNvPr id="81" name="Rectangle 80">
+            <a:extLst>
+              <a:ext uri="{FF2B5EF4-FFF2-40B4-BE49-F238E27FC236}">
+                <a16:creationId xmlns:a16="http://schemas.microsoft.com/office/drawing/2014/main" id="{EEBF1590-3B36-48EE-A89D-3B6F3CB256AB}"/>
+              </a:ext>
+              <a:ext uri="{C183D7F6-B498-43B3-948B-1728B52AA6E4}">
+                <adec:decorative xmlns:adec="http://schemas.microsoft.com/office/drawing/2017/decorative" val="1"/>
+              </a:ext>
+            </a:extLst>
+          </p:cNvPr>
+          <p:cNvSpPr>
+            <a:spLocks noGrp="1" noRot="1" noChangeAspect="1" noMove="1" noResize="1" noEditPoints="1" noAdjustHandles="1" noChangeArrowheads="1" noChangeShapeType="1" noTextEdit="1"/>
+          </p:cNvSpPr>
+          <p:nvPr>
+            <p:extLst>
+              <p:ext uri="{386F3935-93C4-4BCD-93E2-E3B085C9AB24}">
+                <p16:designElem xmlns:p16="http://schemas.microsoft.com/office/powerpoint/2015/main" val="1"/>
+              </p:ext>
+            </p:extLst>
+          </p:nvPr>
+        </p:nvSpPr>
+        <p:spPr>
+          <a:xfrm rot="10800000" flipH="1">
+            <a:off x="0" y="6400799"/>
+            <a:ext cx="12192000" cy="456773"/>
+          </a:xfrm>
+          <a:prstGeom prst="rect">
+            <a:avLst/>
+          </a:prstGeom>
+          <a:gradFill>
             <a:gsLst>
-              <a:gs pos="28000">
-                <a:schemeClr val="bg2">
-                  <a:alpha val="84000"/>
-                </a:schemeClr>
+              <a:gs pos="0">
+                <a:schemeClr val="accent1"/>
               </a:gs>
-              <a:gs pos="74000">
-                <a:schemeClr val="bg1"/>
+              <a:gs pos="78000">
+                <a:srgbClr val="000000"/>
               </a:gs>
             </a:gsLst>
-            <a:path path="circle">
-              <a:fillToRect l="100000" t="100000"/>
-            </a:path>
-            <a:tileRect r="-100000" b="-100000"/>
+            <a:lin ang="2400000" scaled="0"/>
           </a:gradFill>
           <a:ln>
             <a:noFill/>
@@ -4670,208 +9419,83 @@
           <a:bodyPr rtlCol="0" anchor="ctr"/>
           <a:lstStyle/>
           <a:p>
-            <a:pPr marL="0" marR="0" lvl="0" indent="0" algn="ctr" defTabSz="914400" rtl="0" eaLnBrk="1" fontAlgn="auto" latinLnBrk="0" hangingPunct="1">
-              <a:lnSpc>
-                <a:spcPct val="100000"/>
-              </a:lnSpc>
-              <a:spcBef>
-                <a:spcPts val="0"/>
-              </a:spcBef>
-              <a:spcAft>
-                <a:spcPts val="0"/>
-              </a:spcAft>
-              <a:buClrTx/>
-              <a:buSzTx/>
-              <a:buFontTx/>
-              <a:buNone/>
-              <a:tabLst/>
-              <a:defRPr/>
-            </a:pPr>
-            <a:endParaRPr kumimoji="0" lang="en-US" sz="1800" b="0" i="0" u="none" strike="noStrike" kern="1200" cap="none" spc="0" normalizeH="0" baseline="0" noProof="0">
-              <a:ln>
-                <a:noFill/>
-              </a:ln>
-              <a:solidFill>
-                <a:prstClr val="white"/>
-              </a:solidFill>
-              <a:effectLst/>
-              <a:uLnTx/>
-              <a:uFillTx/>
-              <a:latin typeface="Calibri" panose="020F0502020204030204"/>
-              <a:ea typeface="+mn-ea"/>
-              <a:cs typeface="+mn-cs"/>
-            </a:endParaRPr>
+            <a:pPr algn="ctr"/>
+            <a:endParaRPr lang="en-US"/>
           </a:p>
         </p:txBody>
       </p:sp>
       <p:sp>
         <p:nvSpPr>
-          <p:cNvPr id="2" name="Title 1">
-            <a:extLst>
-              <a:ext uri="{FF2B5EF4-FFF2-40B4-BE49-F238E27FC236}">
-                <a16:creationId xmlns:a16="http://schemas.microsoft.com/office/drawing/2014/main" id="{1DFD8D85-E2C0-71DF-A7DA-517E08E734A2}"/>
+          <p:cNvPr id="83" name="Rectangle 82">
+            <a:extLst>
+              <a:ext uri="{FF2B5EF4-FFF2-40B4-BE49-F238E27FC236}">
+                <a16:creationId xmlns:a16="http://schemas.microsoft.com/office/drawing/2014/main" id="{AC8F6C8C-AB5A-4548-942D-E3FD40ACBC49}"/>
+              </a:ext>
+              <a:ext uri="{C183D7F6-B498-43B3-948B-1728B52AA6E4}">
+                <adec:decorative xmlns:adec="http://schemas.microsoft.com/office/drawing/2017/decorative" val="1"/>
               </a:ext>
             </a:extLst>
           </p:cNvPr>
           <p:cNvSpPr>
-            <a:spLocks noGrp="1"/>
+            <a:spLocks noGrp="1" noRot="1" noChangeAspect="1" noMove="1" noResize="1" noEditPoints="1" noAdjustHandles="1" noChangeArrowheads="1" noChangeShapeType="1" noTextEdit="1"/>
           </p:cNvSpPr>
           <p:nvPr>
-            <p:ph type="title"/>
+            <p:extLst>
+              <p:ext uri="{386F3935-93C4-4BCD-93E2-E3B085C9AB24}">
+                <p16:designElem xmlns:p16="http://schemas.microsoft.com/office/powerpoint/2015/main" val="1"/>
+              </p:ext>
+            </p:extLst>
           </p:nvPr>
         </p:nvSpPr>
         <p:spPr>
-          <a:xfrm>
-            <a:off x="838200" y="365125"/>
-            <a:ext cx="10515600" cy="1325563"/>
+          <a:xfrm flipH="1">
+            <a:off x="4038600" y="6400799"/>
+            <a:ext cx="8153398" cy="456772"/>
           </a:xfrm>
+          <a:prstGeom prst="rect">
+            <a:avLst/>
+          </a:prstGeom>
+          <a:gradFill>
+            <a:gsLst>
+              <a:gs pos="0">
+                <a:srgbClr val="000000">
+                  <a:alpha val="63000"/>
+                </a:srgbClr>
+              </a:gs>
+              <a:gs pos="100000">
+                <a:schemeClr val="accent1">
+                  <a:lumMod val="75000"/>
+                </a:schemeClr>
+              </a:gs>
+            </a:gsLst>
+            <a:lin ang="13800000" scaled="0"/>
+          </a:gradFill>
+          <a:ln>
+            <a:noFill/>
+          </a:ln>
         </p:spPr>
+        <p:style>
+          <a:lnRef idx="2">
+            <a:schemeClr val="accent1">
+              <a:shade val="50000"/>
+            </a:schemeClr>
+          </a:lnRef>
+          <a:fillRef idx="1">
+            <a:schemeClr val="accent1"/>
+          </a:fillRef>
+          <a:effectRef idx="0">
+            <a:schemeClr val="accent1"/>
+          </a:effectRef>
+          <a:fontRef idx="minor">
+            <a:schemeClr val="lt1"/>
+          </a:fontRef>
+        </p:style>
         <p:txBody>
-          <a:bodyPr>
-            <a:normAutofit/>
-          </a:bodyPr>
+          <a:bodyPr rtlCol="0" anchor="ctr"/>
           <a:lstStyle/>
           <a:p>
-            <a:r>
-              <a:rPr lang="en-US"/>
-              <a:t>Overview</a:t>
-            </a:r>
-          </a:p>
-        </p:txBody>
-      </p:sp>
-      <p:sp>
-        <p:nvSpPr>
-          <p:cNvPr id="3" name="Content Placeholder 2">
-            <a:extLst>
-              <a:ext uri="{FF2B5EF4-FFF2-40B4-BE49-F238E27FC236}">
-                <a16:creationId xmlns:a16="http://schemas.microsoft.com/office/drawing/2014/main" id="{E5E91E62-9215-D66C-4CC7-A0496757EC7A}"/>
-              </a:ext>
-            </a:extLst>
-          </p:cNvPr>
-          <p:cNvSpPr>
-            <a:spLocks noGrp="1"/>
-          </p:cNvSpPr>
-          <p:nvPr>
-            <p:ph idx="1"/>
-          </p:nvPr>
-        </p:nvSpPr>
-        <p:spPr>
-          <a:xfrm>
-            <a:off x="838200" y="1825625"/>
-            <a:ext cx="10515600" cy="4351338"/>
-          </a:xfrm>
-        </p:spPr>
-        <p:txBody>
-          <a:bodyPr>
-            <a:noAutofit/>
-          </a:bodyPr>
-          <a:lstStyle/>
-          <a:p>
-            <a:pPr marL="0" indent="0">
-              <a:buNone/>
-            </a:pPr>
-            <a:r>
-              <a:rPr lang="en-US" sz="1500" i="0" dirty="0">
-                <a:effectLst/>
-                <a:latin typeface="+mj-lt"/>
-              </a:rPr>
-              <a:t>Objective -</a:t>
-            </a:r>
-            <a:r>
-              <a:rPr lang="en-US" sz="1500" b="1" i="0" dirty="0">
-                <a:effectLst/>
-                <a:latin typeface="+mj-lt"/>
-              </a:rPr>
-              <a:t>  </a:t>
-            </a:r>
-            <a:r>
-              <a:rPr lang="en-US" sz="1500" i="0" dirty="0">
-                <a:effectLst/>
-                <a:latin typeface="+mj-lt"/>
-              </a:rPr>
-              <a:t>Predict fraudulent credit card transactions with the help of machine learning models.</a:t>
-            </a:r>
-          </a:p>
-          <a:p>
-            <a:pPr marL="0" indent="0">
-              <a:buNone/>
-            </a:pPr>
-            <a:endParaRPr lang="en-US" sz="1500" i="0" dirty="0">
-              <a:effectLst/>
-              <a:latin typeface="+mj-lt"/>
-            </a:endParaRPr>
-          </a:p>
-          <a:p>
-            <a:pPr algn="l">
-              <a:buFont typeface="Arial" panose="020B0604020202020204" pitchFamily="34" charset="0"/>
-              <a:buChar char="•"/>
-            </a:pPr>
-            <a:r>
-              <a:rPr lang="en-US" sz="1500" b="1" i="0" dirty="0">
-                <a:effectLst/>
-                <a:latin typeface="+mj-lt"/>
-              </a:rPr>
-              <a:t>Approach</a:t>
-            </a:r>
-            <a:r>
-              <a:rPr lang="en-US" sz="1500" b="0" i="0" dirty="0">
-                <a:solidFill>
-                  <a:srgbClr val="D1D5DB"/>
-                </a:solidFill>
-                <a:effectLst/>
-                <a:latin typeface="+mj-lt"/>
-              </a:rPr>
-              <a:t>:</a:t>
-            </a:r>
-          </a:p>
-          <a:p>
-            <a:r>
-              <a:rPr lang="en-US" sz="1500" b="1" dirty="0">
-                <a:latin typeface="+mj-lt"/>
-              </a:rPr>
-              <a:t>Data understanding: Load the data and understand the features.</a:t>
-            </a:r>
-          </a:p>
-          <a:p>
-            <a:r>
-              <a:rPr lang="en-US" sz="1500" b="1" dirty="0">
-                <a:latin typeface="+mj-lt"/>
-              </a:rPr>
-              <a:t>Exploratory data analytics (EDA): Identify and mitigate skewness in the data.</a:t>
-            </a:r>
-          </a:p>
-          <a:p>
-            <a:r>
-              <a:rPr lang="en-US" sz="1500" b="1" dirty="0">
-                <a:latin typeface="+mj-lt"/>
-              </a:rPr>
-              <a:t>Train/Test split: Use k-fold cross-validation.</a:t>
-            </a:r>
-          </a:p>
-          <a:p>
-            <a:r>
-              <a:rPr lang="en-US" sz="1500" b="1" dirty="0">
-                <a:latin typeface="+mj-lt"/>
-              </a:rPr>
-              <a:t>Model building / hyperparameter tuning: Experiment with different models and fine-tune hyperparameters.</a:t>
-            </a:r>
-          </a:p>
-          <a:p>
-            <a:r>
-              <a:rPr lang="en-US" sz="1500" b="1" dirty="0">
-                <a:latin typeface="+mj-lt"/>
-              </a:rPr>
-              <a:t>Model evaluation: Use appropriate evaluation metrics, considering the imbalanced dataset.</a:t>
-            </a:r>
-          </a:p>
-          <a:p>
-            <a:pPr marL="457200" indent="-457200">
-              <a:buFont typeface="+mj-lt"/>
-              <a:buAutoNum type="arabicPeriod"/>
-            </a:pPr>
-            <a:endParaRPr lang="en-US" sz="1500" dirty="0">
-              <a:latin typeface="+mj-lt"/>
-            </a:endParaRPr>
+            <a:pPr algn="ctr"/>
+            <a:endParaRPr lang="en-US"/>
           </a:p>
         </p:txBody>
       </p:sp>
@@ -4915,10 +9539,10 @@
       </p:grpSpPr>
       <p:sp useBgFill="1">
         <p:nvSpPr>
-          <p:cNvPr id="62" name="Rectangle 53">
-            <a:extLst>
-              <a:ext uri="{FF2B5EF4-FFF2-40B4-BE49-F238E27FC236}">
-                <a16:creationId xmlns:a16="http://schemas.microsoft.com/office/drawing/2014/main" id="{352BEC0E-22F8-46D0-9632-375DB541B06C}"/>
+          <p:cNvPr id="68" name="Rectangle 67">
+            <a:extLst>
+              <a:ext uri="{FF2B5EF4-FFF2-40B4-BE49-F238E27FC236}">
+                <a16:creationId xmlns:a16="http://schemas.microsoft.com/office/drawing/2014/main" id="{B712E947-0734-45F9-9C4F-41114EC3A33E}"/>
               </a:ext>
               <a:ext uri="{C183D7F6-B498-43B3-948B-1728B52AA6E4}">
                 <adec:decorative xmlns:adec="http://schemas.microsoft.com/office/drawing/2017/decorative" val="1"/>
@@ -4939,11 +9563,218 @@
         <p:spPr>
           <a:xfrm>
             <a:off x="0" y="0"/>
-            <a:ext cx="12188952" cy="6858000"/>
+            <a:ext cx="12192000" cy="6858000"/>
           </a:xfrm>
           <a:prstGeom prst="rect">
             <a:avLst/>
           </a:prstGeom>
+          <a:ln w="12700" cap="flat" cmpd="sng" algn="ctr">
+            <a:noFill/>
+            <a:prstDash val="solid"/>
+            <a:miter lim="800000"/>
+          </a:ln>
+          <a:effectLst/>
+          <a:extLst>
+            <a:ext uri="{91240B29-F687-4F45-9708-019B960494DF}">
+              <a14:hiddenLine xmlns:a14="http://schemas.microsoft.com/office/drawing/2010/main" w="12700" cap="flat" cmpd="sng" algn="ctr">
+                <a:solidFill>
+                  <a:schemeClr val="accent1">
+                    <a:shade val="50000"/>
+                  </a:schemeClr>
+                </a:solidFill>
+                <a:prstDash val="solid"/>
+                <a:miter lim="800000"/>
+              </a14:hiddenLine>
+            </a:ext>
+          </a:extLst>
+        </p:spPr>
+        <p:style>
+          <a:lnRef idx="2">
+            <a:schemeClr val="accent1">
+              <a:shade val="50000"/>
+            </a:schemeClr>
+          </a:lnRef>
+          <a:fillRef idx="1">
+            <a:schemeClr val="accent1"/>
+          </a:fillRef>
+          <a:effectRef idx="0">
+            <a:schemeClr val="accent1"/>
+          </a:effectRef>
+          <a:fontRef idx="minor">
+            <a:schemeClr val="lt1"/>
+          </a:fontRef>
+        </p:style>
+        <p:txBody>
+          <a:bodyPr rtlCol="0" anchor="ctr"/>
+          <a:lstStyle/>
+          <a:p>
+            <a:pPr algn="ctr"/>
+            <a:endParaRPr lang="en-US"/>
+          </a:p>
+        </p:txBody>
+      </p:sp>
+      <p:sp>
+        <p:nvSpPr>
+          <p:cNvPr id="2" name="Title 1">
+            <a:extLst>
+              <a:ext uri="{FF2B5EF4-FFF2-40B4-BE49-F238E27FC236}">
+                <a16:creationId xmlns:a16="http://schemas.microsoft.com/office/drawing/2014/main" id="{ECDEF243-AA48-B06B-ADEA-01419A7801BB}"/>
+              </a:ext>
+            </a:extLst>
+          </p:cNvPr>
+          <p:cNvSpPr>
+            <a:spLocks noGrp="1"/>
+          </p:cNvSpPr>
+          <p:nvPr>
+            <p:ph type="title"/>
+          </p:nvPr>
+        </p:nvSpPr>
+        <p:spPr>
+          <a:xfrm>
+            <a:off x="1136396" y="457201"/>
+            <a:ext cx="5814240" cy="1556870"/>
+          </a:xfrm>
+        </p:spPr>
+        <p:txBody>
+          <a:bodyPr vert="horz" lIns="91440" tIns="45720" rIns="91440" bIns="45720" rtlCol="0" anchor="b">
+            <a:normAutofit/>
+          </a:bodyPr>
+          <a:lstStyle/>
+          <a:p>
+            <a:r>
+              <a:rPr lang="en-US" sz="4000"/>
+              <a:t>Data – Imbalanced Dataset</a:t>
+            </a:r>
+          </a:p>
+        </p:txBody>
+      </p:sp>
+      <p:graphicFrame>
+        <p:nvGraphicFramePr>
+          <p:cNvPr id="74" name="Content Placeholder 3">
+            <a:extLst>
+              <a:ext uri="{FF2B5EF4-FFF2-40B4-BE49-F238E27FC236}">
+                <a16:creationId xmlns:a16="http://schemas.microsoft.com/office/drawing/2014/main" id="{CA83000E-A4AA-B067-03D3-0D43F4D64CFC}"/>
+              </a:ext>
+            </a:extLst>
+          </p:cNvPr>
+          <p:cNvGraphicFramePr>
+            <a:graphicFrameLocks noGrp="1"/>
+          </p:cNvGraphicFramePr>
+          <p:nvPr>
+            <p:ph idx="1"/>
+          </p:nvPr>
+        </p:nvGraphicFramePr>
+        <p:xfrm>
+          <a:off x="1136396" y="2277036"/>
+          <a:ext cx="5814239" cy="3461155"/>
+        </p:xfrm>
+        <a:graphic>
+          <a:graphicData uri="http://schemas.openxmlformats.org/drawingml/2006/diagram">
+            <dgm:relIds xmlns:dgm="http://schemas.openxmlformats.org/drawingml/2006/diagram" xmlns:r="http://schemas.openxmlformats.org/officeDocument/2006/relationships" r:dm="rId2" r:lo="rId3" r:qs="rId4" r:cs="rId5"/>
+          </a:graphicData>
+        </a:graphic>
+      </p:graphicFrame>
+      <p:pic>
+        <p:nvPicPr>
+          <p:cNvPr id="6" name="Content Placeholder 4">
+            <a:extLst>
+              <a:ext uri="{FF2B5EF4-FFF2-40B4-BE49-F238E27FC236}">
+                <a16:creationId xmlns:a16="http://schemas.microsoft.com/office/drawing/2014/main" id="{EA96ADB4-AE6D-99D4-C1C0-667A11071A13}"/>
+              </a:ext>
+            </a:extLst>
+          </p:cNvPr>
+          <p:cNvPicPr>
+            <a:picLocks noChangeAspect="1"/>
+          </p:cNvPicPr>
+          <p:nvPr/>
+        </p:nvPicPr>
+        <p:blipFill rotWithShape="1">
+          <a:blip r:embed="rId7"/>
+          <a:srcRect r="12306" b="-1"/>
+          <a:stretch/>
+        </p:blipFill>
+        <p:spPr>
+          <a:xfrm>
+            <a:off x="7679766" y="840667"/>
+            <a:ext cx="3712869" cy="2127549"/>
+          </a:xfrm>
+          <a:prstGeom prst="rect">
+            <a:avLst/>
+          </a:prstGeom>
+        </p:spPr>
+      </p:pic>
+      <p:pic>
+        <p:nvPicPr>
+          <p:cNvPr id="8" name="Content Placeholder 3">
+            <a:extLst>
+              <a:ext uri="{FF2B5EF4-FFF2-40B4-BE49-F238E27FC236}">
+                <a16:creationId xmlns:a16="http://schemas.microsoft.com/office/drawing/2014/main" id="{13EDBE0A-8815-6928-252B-563878B5B142}"/>
+              </a:ext>
+            </a:extLst>
+          </p:cNvPr>
+          <p:cNvPicPr>
+            <a:picLocks noChangeAspect="1"/>
+          </p:cNvPicPr>
+          <p:nvPr/>
+        </p:nvPicPr>
+        <p:blipFill>
+          <a:blip r:embed="rId8"/>
+          <a:stretch>
+            <a:fillRect/>
+          </a:stretch>
+        </p:blipFill>
+        <p:spPr>
+          <a:xfrm>
+            <a:off x="8309270" y="3375824"/>
+            <a:ext cx="2425149" cy="2243263"/>
+          </a:xfrm>
+          <a:prstGeom prst="rect">
+            <a:avLst/>
+          </a:prstGeom>
+        </p:spPr>
+      </p:pic>
+      <p:sp>
+        <p:nvSpPr>
+          <p:cNvPr id="70" name="Rectangle 69">
+            <a:extLst>
+              <a:ext uri="{FF2B5EF4-FFF2-40B4-BE49-F238E27FC236}">
+                <a16:creationId xmlns:a16="http://schemas.microsoft.com/office/drawing/2014/main" id="{5A65989E-BBD5-44D7-AA86-7AFD5D46BBC0}"/>
+              </a:ext>
+              <a:ext uri="{C183D7F6-B498-43B3-948B-1728B52AA6E4}">
+                <adec:decorative xmlns:adec="http://schemas.microsoft.com/office/drawing/2017/decorative" val="1"/>
+              </a:ext>
+            </a:extLst>
+          </p:cNvPr>
+          <p:cNvSpPr>
+            <a:spLocks noGrp="1" noRot="1" noChangeAspect="1" noMove="1" noResize="1" noEditPoints="1" noAdjustHandles="1" noChangeArrowheads="1" noChangeShapeType="1" noTextEdit="1"/>
+          </p:cNvSpPr>
+          <p:nvPr>
+            <p:extLst>
+              <p:ext uri="{386F3935-93C4-4BCD-93E2-E3B085C9AB24}">
+                <p16:designElem xmlns:p16="http://schemas.microsoft.com/office/powerpoint/2015/main" val="1"/>
+              </p:ext>
+            </p:extLst>
+          </p:nvPr>
+        </p:nvSpPr>
+        <p:spPr>
+          <a:xfrm rot="10800000" flipH="1">
+            <a:off x="0" y="6400799"/>
+            <a:ext cx="12192000" cy="456773"/>
+          </a:xfrm>
+          <a:prstGeom prst="rect">
+            <a:avLst/>
+          </a:prstGeom>
+          <a:gradFill>
+            <a:gsLst>
+              <a:gs pos="0">
+                <a:schemeClr val="accent1"/>
+              </a:gs>
+              <a:gs pos="66000">
+                <a:srgbClr val="000000"/>
+              </a:gs>
+            </a:gsLst>
+            <a:lin ang="10200000" scaled="0"/>
+          </a:gradFill>
           <a:ln>
             <a:noFill/>
           </a:ln>
@@ -4975,45 +9806,10 @@
       </p:sp>
       <p:sp>
         <p:nvSpPr>
-          <p:cNvPr id="2" name="Title 1">
-            <a:extLst>
-              <a:ext uri="{FF2B5EF4-FFF2-40B4-BE49-F238E27FC236}">
-                <a16:creationId xmlns:a16="http://schemas.microsoft.com/office/drawing/2014/main" id="{ECDEF243-AA48-B06B-ADEA-01419A7801BB}"/>
-              </a:ext>
-            </a:extLst>
-          </p:cNvPr>
-          <p:cNvSpPr>
-            <a:spLocks noGrp="1"/>
-          </p:cNvSpPr>
-          <p:nvPr>
-            <p:ph type="title"/>
-          </p:nvPr>
-        </p:nvSpPr>
-        <p:spPr>
-          <a:xfrm>
-            <a:off x="640080" y="329184"/>
-            <a:ext cx="6894576" cy="1783080"/>
-          </a:xfrm>
-        </p:spPr>
-        <p:txBody>
-          <a:bodyPr vert="horz" lIns="91440" tIns="45720" rIns="91440" bIns="45720" rtlCol="0" anchor="b">
-            <a:normAutofit/>
-          </a:bodyPr>
-          <a:lstStyle/>
-          <a:p>
-            <a:r>
-              <a:rPr lang="en-US" sz="5400" dirty="0"/>
-              <a:t>Data – Imbalanced Dataset</a:t>
-            </a:r>
-          </a:p>
-        </p:txBody>
-      </p:sp>
-      <p:sp>
-        <p:nvSpPr>
-          <p:cNvPr id="63" name="sketch line">
-            <a:extLst>
-              <a:ext uri="{FF2B5EF4-FFF2-40B4-BE49-F238E27FC236}">
-                <a16:creationId xmlns:a16="http://schemas.microsoft.com/office/drawing/2014/main" id="{3FCFB1DE-0B7E-48CC-BA90-B2AB0889F9D6}"/>
+          <p:cNvPr id="72" name="Rectangle 71">
+            <a:extLst>
+              <a:ext uri="{FF2B5EF4-FFF2-40B4-BE49-F238E27FC236}">
+                <a16:creationId xmlns:a16="http://schemas.microsoft.com/office/drawing/2014/main" id="{231A2881-D8D7-4A7D-ACA3-E9F849F853D8}"/>
               </a:ext>
               <a:ext uri="{C183D7F6-B498-43B3-948B-1728B52AA6E4}">
                 <adec:decorative xmlns:adec="http://schemas.microsoft.com/office/drawing/2017/decorative" val="1"/>
@@ -5032,298 +9828,30 @@
           </p:nvPr>
         </p:nvSpPr>
         <p:spPr>
-          <a:xfrm>
-            <a:off x="758952" y="2395728"/>
-            <a:ext cx="4243589" cy="18288"/>
+          <a:xfrm flipH="1">
+            <a:off x="1" y="6400800"/>
+            <a:ext cx="8153398" cy="456772"/>
           </a:xfrm>
-          <a:custGeom>
+          <a:prstGeom prst="rect">
             <a:avLst/>
-            <a:gdLst>
-              <a:gd name="connsiteX0" fmla="*/ 0 w 4243589"/>
-              <a:gd name="connsiteY0" fmla="*/ 0 h 18288"/>
-              <a:gd name="connsiteX1" fmla="*/ 478919 w 4243589"/>
-              <a:gd name="connsiteY1" fmla="*/ 0 h 18288"/>
-              <a:gd name="connsiteX2" fmla="*/ 957839 w 4243589"/>
-              <a:gd name="connsiteY2" fmla="*/ 0 h 18288"/>
-              <a:gd name="connsiteX3" fmla="*/ 1521630 w 4243589"/>
-              <a:gd name="connsiteY3" fmla="*/ 0 h 18288"/>
-              <a:gd name="connsiteX4" fmla="*/ 2212729 w 4243589"/>
-              <a:gd name="connsiteY4" fmla="*/ 0 h 18288"/>
-              <a:gd name="connsiteX5" fmla="*/ 2734084 w 4243589"/>
-              <a:gd name="connsiteY5" fmla="*/ 0 h 18288"/>
-              <a:gd name="connsiteX6" fmla="*/ 3255439 w 4243589"/>
-              <a:gd name="connsiteY6" fmla="*/ 0 h 18288"/>
-              <a:gd name="connsiteX7" fmla="*/ 4243589 w 4243589"/>
-              <a:gd name="connsiteY7" fmla="*/ 0 h 18288"/>
-              <a:gd name="connsiteX8" fmla="*/ 4243589 w 4243589"/>
-              <a:gd name="connsiteY8" fmla="*/ 18288 h 18288"/>
-              <a:gd name="connsiteX9" fmla="*/ 3594926 w 4243589"/>
-              <a:gd name="connsiteY9" fmla="*/ 18288 h 18288"/>
-              <a:gd name="connsiteX10" fmla="*/ 3073571 w 4243589"/>
-              <a:gd name="connsiteY10" fmla="*/ 18288 h 18288"/>
-              <a:gd name="connsiteX11" fmla="*/ 2552216 w 4243589"/>
-              <a:gd name="connsiteY11" fmla="*/ 18288 h 18288"/>
-              <a:gd name="connsiteX12" fmla="*/ 1903553 w 4243589"/>
-              <a:gd name="connsiteY12" fmla="*/ 18288 h 18288"/>
-              <a:gd name="connsiteX13" fmla="*/ 1212454 w 4243589"/>
-              <a:gd name="connsiteY13" fmla="*/ 18288 h 18288"/>
-              <a:gd name="connsiteX14" fmla="*/ 733535 w 4243589"/>
-              <a:gd name="connsiteY14" fmla="*/ 18288 h 18288"/>
-              <a:gd name="connsiteX15" fmla="*/ 0 w 4243589"/>
-              <a:gd name="connsiteY15" fmla="*/ 18288 h 18288"/>
-              <a:gd name="connsiteX16" fmla="*/ 0 w 4243589"/>
-              <a:gd name="connsiteY16" fmla="*/ 0 h 18288"/>
-            </a:gdLst>
-            <a:ahLst/>
-            <a:cxnLst>
-              <a:cxn ang="0">
-                <a:pos x="connsiteX0" y="connsiteY0"/>
-              </a:cxn>
-              <a:cxn ang="0">
-                <a:pos x="connsiteX1" y="connsiteY1"/>
-              </a:cxn>
-              <a:cxn ang="0">
-                <a:pos x="connsiteX2" y="connsiteY2"/>
-              </a:cxn>
-              <a:cxn ang="0">
-                <a:pos x="connsiteX3" y="connsiteY3"/>
-              </a:cxn>
-              <a:cxn ang="0">
-                <a:pos x="connsiteX4" y="connsiteY4"/>
-              </a:cxn>
-              <a:cxn ang="0">
-                <a:pos x="connsiteX5" y="connsiteY5"/>
-              </a:cxn>
-              <a:cxn ang="0">
-                <a:pos x="connsiteX6" y="connsiteY6"/>
-              </a:cxn>
-              <a:cxn ang="0">
-                <a:pos x="connsiteX7" y="connsiteY7"/>
-              </a:cxn>
-              <a:cxn ang="0">
-                <a:pos x="connsiteX8" y="connsiteY8"/>
-              </a:cxn>
-              <a:cxn ang="0">
-                <a:pos x="connsiteX9" y="connsiteY9"/>
-              </a:cxn>
-              <a:cxn ang="0">
-                <a:pos x="connsiteX10" y="connsiteY10"/>
-              </a:cxn>
-              <a:cxn ang="0">
-                <a:pos x="connsiteX11" y="connsiteY11"/>
-              </a:cxn>
-              <a:cxn ang="0">
-                <a:pos x="connsiteX12" y="connsiteY12"/>
-              </a:cxn>
-              <a:cxn ang="0">
-                <a:pos x="connsiteX13" y="connsiteY13"/>
-              </a:cxn>
-              <a:cxn ang="0">
-                <a:pos x="connsiteX14" y="connsiteY14"/>
-              </a:cxn>
-              <a:cxn ang="0">
-                <a:pos x="connsiteX15" y="connsiteY15"/>
-              </a:cxn>
-              <a:cxn ang="0">
-                <a:pos x="connsiteX16" y="connsiteY16"/>
-              </a:cxn>
-            </a:cxnLst>
-            <a:rect l="l" t="t" r="r" b="b"/>
-            <a:pathLst>
-              <a:path w="4243589" h="18288" fill="none" extrusionOk="0">
-                <a:moveTo>
-                  <a:pt x="0" y="0"/>
-                </a:moveTo>
-                <a:cubicBezTo>
-                  <a:pt x="213395" y="-21006"/>
-                  <a:pt x="307421" y="-18116"/>
-                  <a:pt x="478919" y="0"/>
-                </a:cubicBezTo>
-                <a:cubicBezTo>
-                  <a:pt x="650417" y="18116"/>
-                  <a:pt x="831092" y="-21237"/>
-                  <a:pt x="957839" y="0"/>
-                </a:cubicBezTo>
-                <a:cubicBezTo>
-                  <a:pt x="1084586" y="21237"/>
-                  <a:pt x="1301682" y="25124"/>
-                  <a:pt x="1521630" y="0"/>
-                </a:cubicBezTo>
-                <a:cubicBezTo>
-                  <a:pt x="1741578" y="-25124"/>
-                  <a:pt x="1970269" y="-29139"/>
-                  <a:pt x="2212729" y="0"/>
-                </a:cubicBezTo>
-                <a:cubicBezTo>
-                  <a:pt x="2455189" y="29139"/>
-                  <a:pt x="2558847" y="-4796"/>
-                  <a:pt x="2734084" y="0"/>
-                </a:cubicBezTo>
-                <a:cubicBezTo>
-                  <a:pt x="2909321" y="4796"/>
-                  <a:pt x="3097217" y="-13409"/>
-                  <a:pt x="3255439" y="0"/>
-                </a:cubicBezTo>
-                <a:cubicBezTo>
-                  <a:pt x="3413662" y="13409"/>
-                  <a:pt x="3979999" y="-10121"/>
-                  <a:pt x="4243589" y="0"/>
-                </a:cubicBezTo>
-                <a:cubicBezTo>
-                  <a:pt x="4244484" y="8974"/>
-                  <a:pt x="4243043" y="9359"/>
-                  <a:pt x="4243589" y="18288"/>
-                </a:cubicBezTo>
-                <a:cubicBezTo>
-                  <a:pt x="4058777" y="31246"/>
-                  <a:pt x="3910348" y="3158"/>
-                  <a:pt x="3594926" y="18288"/>
-                </a:cubicBezTo>
-                <a:cubicBezTo>
-                  <a:pt x="3279504" y="33418"/>
-                  <a:pt x="3319955" y="-3977"/>
-                  <a:pt x="3073571" y="18288"/>
-                </a:cubicBezTo>
-                <a:cubicBezTo>
-                  <a:pt x="2827187" y="40553"/>
-                  <a:pt x="2767387" y="1863"/>
-                  <a:pt x="2552216" y="18288"/>
-                </a:cubicBezTo>
-                <a:cubicBezTo>
-                  <a:pt x="2337046" y="34713"/>
-                  <a:pt x="2181871" y="19527"/>
-                  <a:pt x="1903553" y="18288"/>
-                </a:cubicBezTo>
-                <a:cubicBezTo>
-                  <a:pt x="1625235" y="17049"/>
-                  <a:pt x="1557672" y="24174"/>
-                  <a:pt x="1212454" y="18288"/>
-                </a:cubicBezTo>
-                <a:cubicBezTo>
-                  <a:pt x="867236" y="12402"/>
-                  <a:pt x="874382" y="15627"/>
-                  <a:pt x="733535" y="18288"/>
-                </a:cubicBezTo>
-                <a:cubicBezTo>
-                  <a:pt x="592688" y="20949"/>
-                  <a:pt x="183477" y="14753"/>
-                  <a:pt x="0" y="18288"/>
-                </a:cubicBezTo>
-                <a:cubicBezTo>
-                  <a:pt x="-229" y="14222"/>
-                  <a:pt x="509" y="5816"/>
-                  <a:pt x="0" y="0"/>
-                </a:cubicBezTo>
-                <a:close/>
-              </a:path>
-              <a:path w="4243589" h="18288" stroke="0" extrusionOk="0">
-                <a:moveTo>
-                  <a:pt x="0" y="0"/>
-                </a:moveTo>
-                <a:cubicBezTo>
-                  <a:pt x="143690" y="16630"/>
-                  <a:pt x="266667" y="14847"/>
-                  <a:pt x="521355" y="0"/>
-                </a:cubicBezTo>
-                <a:cubicBezTo>
-                  <a:pt x="776043" y="-14847"/>
-                  <a:pt x="814491" y="-17363"/>
-                  <a:pt x="1000275" y="0"/>
-                </a:cubicBezTo>
-                <a:cubicBezTo>
-                  <a:pt x="1186059" y="17363"/>
-                  <a:pt x="1352504" y="-23507"/>
-                  <a:pt x="1521630" y="0"/>
-                </a:cubicBezTo>
-                <a:cubicBezTo>
-                  <a:pt x="1690756" y="23507"/>
-                  <a:pt x="1889525" y="5871"/>
-                  <a:pt x="2127857" y="0"/>
-                </a:cubicBezTo>
-                <a:cubicBezTo>
-                  <a:pt x="2366189" y="-5871"/>
-                  <a:pt x="2620628" y="-27997"/>
-                  <a:pt x="2776520" y="0"/>
-                </a:cubicBezTo>
-                <a:cubicBezTo>
-                  <a:pt x="2932412" y="27997"/>
-                  <a:pt x="3131683" y="-25073"/>
-                  <a:pt x="3467618" y="0"/>
-                </a:cubicBezTo>
-                <a:cubicBezTo>
-                  <a:pt x="3803553" y="25073"/>
-                  <a:pt x="4017371" y="3071"/>
-                  <a:pt x="4243589" y="0"/>
-                </a:cubicBezTo>
-                <a:cubicBezTo>
-                  <a:pt x="4243134" y="6162"/>
-                  <a:pt x="4243492" y="11775"/>
-                  <a:pt x="4243589" y="18288"/>
-                </a:cubicBezTo>
-                <a:cubicBezTo>
-                  <a:pt x="4017834" y="-5779"/>
-                  <a:pt x="3834586" y="13376"/>
-                  <a:pt x="3594926" y="18288"/>
-                </a:cubicBezTo>
-                <a:cubicBezTo>
-                  <a:pt x="3355266" y="23200"/>
-                  <a:pt x="3204179" y="2869"/>
-                  <a:pt x="2903827" y="18288"/>
-                </a:cubicBezTo>
-                <a:cubicBezTo>
-                  <a:pt x="2603475" y="33707"/>
-                  <a:pt x="2526187" y="46187"/>
-                  <a:pt x="2212729" y="18288"/>
-                </a:cubicBezTo>
-                <a:cubicBezTo>
-                  <a:pt x="1899271" y="-9611"/>
-                  <a:pt x="1966289" y="29692"/>
-                  <a:pt x="1733809" y="18288"/>
-                </a:cubicBezTo>
-                <a:cubicBezTo>
-                  <a:pt x="1501329" y="6884"/>
-                  <a:pt x="1343612" y="12492"/>
-                  <a:pt x="1085146" y="18288"/>
-                </a:cubicBezTo>
-                <a:cubicBezTo>
-                  <a:pt x="826680" y="24084"/>
-                  <a:pt x="778184" y="35607"/>
-                  <a:pt x="521355" y="18288"/>
-                </a:cubicBezTo>
-                <a:cubicBezTo>
-                  <a:pt x="264526" y="969"/>
-                  <a:pt x="120277" y="4268"/>
-                  <a:pt x="0" y="18288"/>
-                </a:cubicBezTo>
-                <a:cubicBezTo>
-                  <a:pt x="766" y="10800"/>
-                  <a:pt x="-457" y="8180"/>
-                  <a:pt x="0" y="0"/>
-                </a:cubicBezTo>
-                <a:close/>
-              </a:path>
-            </a:pathLst>
-          </a:custGeom>
-          <a:solidFill>
-            <a:schemeClr val="accent2"/>
-          </a:solidFill>
-          <a:ln w="41275" cap="rnd">
-            <a:solidFill>
-              <a:schemeClr val="accent2"/>
-            </a:solidFill>
-            <a:round/>
-            <a:extLst>
-              <a:ext uri="{C807C97D-BFC1-408E-A445-0C87EB9F89A2}">
-                <ask:lineSketchStyleProps xmlns:ask="http://schemas.microsoft.com/office/drawing/2018/sketchyshapes" sd="2727557108">
-                  <a:prstGeom prst="rect">
-                    <a:avLst/>
-                  </a:prstGeom>
-                  <ask:type>
-                    <ask:lineSketchFreehand/>
-                  </ask:type>
-                </ask:lineSketchStyleProps>
-              </a:ext>
-            </a:extLst>
+          </a:prstGeom>
+          <a:gradFill>
+            <a:gsLst>
+              <a:gs pos="0">
+                <a:srgbClr val="000000">
+                  <a:alpha val="63000"/>
+                </a:srgbClr>
+              </a:gs>
+              <a:gs pos="100000">
+                <a:schemeClr val="accent1">
+                  <a:lumMod val="75000"/>
+                </a:schemeClr>
+              </a:gs>
+            </a:gsLst>
+            <a:lin ang="17400000" scaled="0"/>
+          </a:gradFill>
+          <a:ln>
+            <a:noFill/>
           </a:ln>
         </p:spPr>
         <p:style>
@@ -5351,126 +9879,6 @@
           </a:p>
         </p:txBody>
       </p:sp>
-      <p:sp>
-        <p:nvSpPr>
-          <p:cNvPr id="4" name="Content Placeholder 3">
-            <a:extLst>
-              <a:ext uri="{FF2B5EF4-FFF2-40B4-BE49-F238E27FC236}">
-                <a16:creationId xmlns:a16="http://schemas.microsoft.com/office/drawing/2014/main" id="{02BE3E08-9F99-CAE9-F88F-F2E872D31930}"/>
-              </a:ext>
-            </a:extLst>
-          </p:cNvPr>
-          <p:cNvSpPr>
-            <a:spLocks noGrp="1"/>
-          </p:cNvSpPr>
-          <p:nvPr>
-            <p:ph idx="1"/>
-          </p:nvPr>
-        </p:nvSpPr>
-        <p:spPr>
-          <a:xfrm>
-            <a:off x="640080" y="2706624"/>
-            <a:ext cx="6894576" cy="3483864"/>
-          </a:xfrm>
-        </p:spPr>
-        <p:txBody>
-          <a:bodyPr vert="horz" lIns="91440" tIns="45720" rIns="91440" bIns="45720" rtlCol="0">
-            <a:normAutofit/>
-          </a:bodyPr>
-          <a:lstStyle/>
-          <a:p>
-            <a:pPr algn="l">
-              <a:buFont typeface="Arial" panose="020B0604020202020204" pitchFamily="34" charset="0"/>
-              <a:buChar char="•"/>
-            </a:pPr>
-            <a:r>
-              <a:rPr lang="en-US" sz="1600" b="0" i="0" dirty="0">
-                <a:solidFill>
-                  <a:srgbClr val="D1D5DB"/>
-                </a:solidFill>
-                <a:effectLst/>
-                <a:latin typeface="Söhne"/>
-              </a:rPr>
-              <a:t>Imbalanced Dataset:284,315 Good Transactions</a:t>
-            </a:r>
-          </a:p>
-          <a:p>
-            <a:pPr algn="l">
-              <a:buFont typeface="Arial" panose="020B0604020202020204" pitchFamily="34" charset="0"/>
-              <a:buChar char="•"/>
-            </a:pPr>
-            <a:r>
-              <a:rPr lang="en-US" sz="1600" b="0" i="0" dirty="0">
-                <a:solidFill>
-                  <a:srgbClr val="D1D5DB"/>
-                </a:solidFill>
-                <a:effectLst/>
-                <a:latin typeface="Söhne"/>
-              </a:rPr>
-              <a:t>492 Fraud Transactions</a:t>
-            </a:r>
-          </a:p>
-        </p:txBody>
-      </p:sp>
-      <p:pic>
-        <p:nvPicPr>
-          <p:cNvPr id="8" name="Content Placeholder 3">
-            <a:extLst>
-              <a:ext uri="{FF2B5EF4-FFF2-40B4-BE49-F238E27FC236}">
-                <a16:creationId xmlns:a16="http://schemas.microsoft.com/office/drawing/2014/main" id="{13EDBE0A-8815-6928-252B-563878B5B142}"/>
-              </a:ext>
-            </a:extLst>
-          </p:cNvPr>
-          <p:cNvPicPr>
-            <a:picLocks noChangeAspect="1"/>
-          </p:cNvPicPr>
-          <p:nvPr/>
-        </p:nvPicPr>
-        <p:blipFill>
-          <a:blip r:embed="rId2"/>
-          <a:stretch>
-            <a:fillRect/>
-          </a:stretch>
-        </p:blipFill>
-        <p:spPr>
-          <a:xfrm>
-            <a:off x="8016911" y="329183"/>
-            <a:ext cx="3708074" cy="3429969"/>
-          </a:xfrm>
-          <a:prstGeom prst="rect">
-            <a:avLst/>
-          </a:prstGeom>
-        </p:spPr>
-      </p:pic>
-      <p:pic>
-        <p:nvPicPr>
-          <p:cNvPr id="6" name="Content Placeholder 4">
-            <a:extLst>
-              <a:ext uri="{FF2B5EF4-FFF2-40B4-BE49-F238E27FC236}">
-                <a16:creationId xmlns:a16="http://schemas.microsoft.com/office/drawing/2014/main" id="{EA96ADB4-AE6D-99D4-C1C0-667A11071A13}"/>
-              </a:ext>
-            </a:extLst>
-          </p:cNvPr>
-          <p:cNvPicPr>
-            <a:picLocks noChangeAspect="1"/>
-          </p:cNvPicPr>
-          <p:nvPr/>
-        </p:nvPicPr>
-        <p:blipFill rotWithShape="1">
-          <a:blip r:embed="rId3"/>
-          <a:srcRect r="12306" b="-1"/>
-          <a:stretch/>
-        </p:blipFill>
-        <p:spPr>
-          <a:xfrm>
-            <a:off x="7962856" y="4079193"/>
-            <a:ext cx="3797896" cy="2176272"/>
-          </a:xfrm>
-          <a:prstGeom prst="rect">
-            <a:avLst/>
-          </a:prstGeom>
-        </p:spPr>
-      </p:pic>
     </p:spTree>
     <p:extLst>
       <p:ext uri="{BB962C8B-B14F-4D97-AF65-F5344CB8AC3E}">
@@ -5603,10 +10011,10 @@
       </p:grpSpPr>
       <p:sp useBgFill="1">
         <p:nvSpPr>
-          <p:cNvPr id="10" name="Rectangle 9">
-            <a:extLst>
-              <a:ext uri="{FF2B5EF4-FFF2-40B4-BE49-F238E27FC236}">
-                <a16:creationId xmlns:a16="http://schemas.microsoft.com/office/drawing/2014/main" id="{2B97F24A-32CE-4C1C-A50D-3016B394DCFB}"/>
+          <p:cNvPr id="26" name="Rectangle 25">
+            <a:extLst>
+              <a:ext uri="{FF2B5EF4-FFF2-40B4-BE49-F238E27FC236}">
+                <a16:creationId xmlns:a16="http://schemas.microsoft.com/office/drawing/2014/main" id="{3AFE8227-C443-417B-BA91-520EB1EF4559}"/>
               </a:ext>
               <a:ext uri="{C183D7F6-B498-43B3-948B-1728B52AA6E4}">
                 <adec:decorative xmlns:adec="http://schemas.microsoft.com/office/drawing/2017/decorative" val="1"/>
@@ -5626,8 +10034,8 @@
         </p:nvSpPr>
         <p:spPr>
           <a:xfrm>
-            <a:off x="0" y="0"/>
-            <a:ext cx="12192000" cy="6858000"/>
+            <a:off x="0" y="2"/>
+            <a:ext cx="12192000" cy="6857997"/>
           </a:xfrm>
           <a:prstGeom prst="rect">
             <a:avLst/>
@@ -5679,8 +10087,8 @@
         </p:nvSpPr>
         <p:spPr>
           <a:xfrm>
-            <a:off x="630936" y="639520"/>
-            <a:ext cx="3429000" cy="1719072"/>
+            <a:off x="8643193" y="489507"/>
+            <a:ext cx="3091607" cy="1655483"/>
           </a:xfrm>
         </p:spPr>
         <p:txBody>
@@ -5690,25 +10098,99 @@
           <a:lstStyle/>
           <a:p>
             <a:r>
-              <a:rPr lang="en-US" sz="5400" kern="1200">
-                <a:solidFill>
-                  <a:schemeClr val="tx1"/>
-                </a:solidFill>
-                <a:latin typeface="+mj-lt"/>
-                <a:ea typeface="+mj-ea"/>
-                <a:cs typeface="+mj-cs"/>
-              </a:rPr>
+              <a:rPr lang="en-US" sz="4000"/>
               <a:t>Data - Correlation </a:t>
             </a:r>
+          </a:p>
+        </p:txBody>
+      </p:sp>
+      <p:pic>
+        <p:nvPicPr>
+          <p:cNvPr id="5" name="Content Placeholder 4">
+            <a:extLst>
+              <a:ext uri="{FF2B5EF4-FFF2-40B4-BE49-F238E27FC236}">
+                <a16:creationId xmlns:a16="http://schemas.microsoft.com/office/drawing/2014/main" id="{9E9DFA77-E43E-74A3-834B-3869C72D29B8}"/>
+              </a:ext>
+            </a:extLst>
+          </p:cNvPr>
+          <p:cNvPicPr>
+            <a:picLocks noGrp="1" noChangeAspect="1"/>
+          </p:cNvPicPr>
+          <p:nvPr>
+            <p:ph idx="1"/>
+          </p:nvPr>
+        </p:nvPicPr>
+        <p:blipFill rotWithShape="1">
+          <a:blip r:embed="rId2"/>
+          <a:srcRect r="3756"/>
+          <a:stretch/>
+        </p:blipFill>
+        <p:spPr>
+          <a:xfrm>
+            <a:off x="20" y="431"/>
+            <a:ext cx="8115280" cy="6408311"/>
+          </a:xfrm>
+          <a:prstGeom prst="rect">
+            <a:avLst/>
+          </a:prstGeom>
+        </p:spPr>
+      </p:pic>
+      <p:sp>
+        <p:nvSpPr>
+          <p:cNvPr id="3" name="TextBox 2">
+            <a:extLst>
+              <a:ext uri="{FF2B5EF4-FFF2-40B4-BE49-F238E27FC236}">
+                <a16:creationId xmlns:a16="http://schemas.microsoft.com/office/drawing/2014/main" id="{4A7AC1A6-2FA6-30BD-3D6C-2D57F9C8B1D8}"/>
+              </a:ext>
+            </a:extLst>
+          </p:cNvPr>
+          <p:cNvSpPr txBox="1"/>
+          <p:nvPr/>
+        </p:nvSpPr>
+        <p:spPr>
+          <a:xfrm>
+            <a:off x="8643193" y="2418408"/>
+            <a:ext cx="2942813" cy="3540265"/>
+          </a:xfrm>
+          <a:prstGeom prst="rect">
+            <a:avLst/>
+          </a:prstGeom>
+        </p:spPr>
+        <p:txBody>
+          <a:bodyPr vert="horz" lIns="91440" tIns="45720" rIns="91440" bIns="45720" rtlCol="0">
+            <a:normAutofit/>
+          </a:bodyPr>
+          <a:lstStyle/>
+          <a:p>
+            <a:pPr indent="-228600">
+              <a:lnSpc>
+                <a:spcPct val="90000"/>
+              </a:lnSpc>
+              <a:spcAft>
+                <a:spcPts val="600"/>
+              </a:spcAft>
+              <a:buFont typeface="Arial" panose="020B0604020202020204" pitchFamily="34" charset="0"/>
+              <a:buChar char="•"/>
+            </a:pPr>
+            <a:r>
+              <a:rPr lang="en-US" sz="2000" b="0" i="0" dirty="0">
+                <a:effectLst/>
+              </a:rPr>
+              <a:t>No high correlation between features.</a:t>
+            </a:r>
+            <a:br>
+              <a:rPr lang="en-US" sz="2000" dirty="0"/>
+            </a:br>
+            <a:endParaRPr lang="en-US" sz="2000" dirty="0"/>
           </a:p>
         </p:txBody>
       </p:sp>
       <p:sp>
         <p:nvSpPr>
-          <p:cNvPr id="12" name="sketch line">
-            <a:extLst>
-              <a:ext uri="{FF2B5EF4-FFF2-40B4-BE49-F238E27FC236}">
-                <a16:creationId xmlns:a16="http://schemas.microsoft.com/office/drawing/2014/main" id="{CD8B4F24-440B-49E9-B85D-733523DC064B}"/>
+          <p:cNvPr id="28" name="Rectangle 27">
+            <a:extLst>
+              <a:ext uri="{FF2B5EF4-FFF2-40B4-BE49-F238E27FC236}">
+                <a16:creationId xmlns:a16="http://schemas.microsoft.com/office/drawing/2014/main" id="{907741FC-B544-4A6E-B831-6789D042333D}"/>
               </a:ext>
               <a:ext uri="{C183D7F6-B498-43B3-948B-1728B52AA6E4}">
                 <adec:decorative xmlns:adec="http://schemas.microsoft.com/office/drawing/2017/decorative" val="1"/>
@@ -5727,228 +10209,28 @@
           </p:nvPr>
         </p:nvSpPr>
         <p:spPr>
-          <a:xfrm>
-            <a:off x="643278" y="2573756"/>
-            <a:ext cx="3255095" cy="18288"/>
+          <a:xfrm flipH="1">
+            <a:off x="-1" y="6408741"/>
+            <a:ext cx="12191998" cy="457202"/>
           </a:xfrm>
-          <a:custGeom>
+          <a:prstGeom prst="rect">
             <a:avLst/>
-            <a:gdLst>
-              <a:gd name="connsiteX0" fmla="*/ 0 w 3255095"/>
-              <a:gd name="connsiteY0" fmla="*/ 0 h 18288"/>
-              <a:gd name="connsiteX1" fmla="*/ 618468 w 3255095"/>
-              <a:gd name="connsiteY1" fmla="*/ 0 h 18288"/>
-              <a:gd name="connsiteX2" fmla="*/ 1269487 w 3255095"/>
-              <a:gd name="connsiteY2" fmla="*/ 0 h 18288"/>
-              <a:gd name="connsiteX3" fmla="*/ 1953057 w 3255095"/>
-              <a:gd name="connsiteY3" fmla="*/ 0 h 18288"/>
-              <a:gd name="connsiteX4" fmla="*/ 2636627 w 3255095"/>
-              <a:gd name="connsiteY4" fmla="*/ 0 h 18288"/>
-              <a:gd name="connsiteX5" fmla="*/ 3255095 w 3255095"/>
-              <a:gd name="connsiteY5" fmla="*/ 0 h 18288"/>
-              <a:gd name="connsiteX6" fmla="*/ 3255095 w 3255095"/>
-              <a:gd name="connsiteY6" fmla="*/ 18288 h 18288"/>
-              <a:gd name="connsiteX7" fmla="*/ 2538974 w 3255095"/>
-              <a:gd name="connsiteY7" fmla="*/ 18288 h 18288"/>
-              <a:gd name="connsiteX8" fmla="*/ 1822853 w 3255095"/>
-              <a:gd name="connsiteY8" fmla="*/ 18288 h 18288"/>
-              <a:gd name="connsiteX9" fmla="*/ 1171834 w 3255095"/>
-              <a:gd name="connsiteY9" fmla="*/ 18288 h 18288"/>
-              <a:gd name="connsiteX10" fmla="*/ 0 w 3255095"/>
-              <a:gd name="connsiteY10" fmla="*/ 18288 h 18288"/>
-              <a:gd name="connsiteX11" fmla="*/ 0 w 3255095"/>
-              <a:gd name="connsiteY11" fmla="*/ 0 h 18288"/>
-            </a:gdLst>
-            <a:ahLst/>
-            <a:cxnLst>
-              <a:cxn ang="0">
-                <a:pos x="connsiteX0" y="connsiteY0"/>
-              </a:cxn>
-              <a:cxn ang="0">
-                <a:pos x="connsiteX1" y="connsiteY1"/>
-              </a:cxn>
-              <a:cxn ang="0">
-                <a:pos x="connsiteX2" y="connsiteY2"/>
-              </a:cxn>
-              <a:cxn ang="0">
-                <a:pos x="connsiteX3" y="connsiteY3"/>
-              </a:cxn>
-              <a:cxn ang="0">
-                <a:pos x="connsiteX4" y="connsiteY4"/>
-              </a:cxn>
-              <a:cxn ang="0">
-                <a:pos x="connsiteX5" y="connsiteY5"/>
-              </a:cxn>
-              <a:cxn ang="0">
-                <a:pos x="connsiteX6" y="connsiteY6"/>
-              </a:cxn>
-              <a:cxn ang="0">
-                <a:pos x="connsiteX7" y="connsiteY7"/>
-              </a:cxn>
-              <a:cxn ang="0">
-                <a:pos x="connsiteX8" y="connsiteY8"/>
-              </a:cxn>
-              <a:cxn ang="0">
-                <a:pos x="connsiteX9" y="connsiteY9"/>
-              </a:cxn>
-              <a:cxn ang="0">
-                <a:pos x="connsiteX10" y="connsiteY10"/>
-              </a:cxn>
-              <a:cxn ang="0">
-                <a:pos x="connsiteX11" y="connsiteY11"/>
-              </a:cxn>
-            </a:cxnLst>
-            <a:rect l="l" t="t" r="r" b="b"/>
-            <a:pathLst>
-              <a:path w="3255095" h="18288" fill="none" extrusionOk="0">
-                <a:moveTo>
-                  <a:pt x="0" y="0"/>
-                </a:moveTo>
-                <a:cubicBezTo>
-                  <a:pt x="240201" y="-22123"/>
-                  <a:pt x="462021" y="-19623"/>
-                  <a:pt x="618468" y="0"/>
-                </a:cubicBezTo>
-                <a:cubicBezTo>
-                  <a:pt x="774915" y="19623"/>
-                  <a:pt x="974734" y="2035"/>
-                  <a:pt x="1269487" y="0"/>
-                </a:cubicBezTo>
-                <a:cubicBezTo>
-                  <a:pt x="1564240" y="-2035"/>
-                  <a:pt x="1733579" y="10639"/>
-                  <a:pt x="1953057" y="0"/>
-                </a:cubicBezTo>
-                <a:cubicBezTo>
-                  <a:pt x="2172535" y="-10639"/>
-                  <a:pt x="2453962" y="14018"/>
-                  <a:pt x="2636627" y="0"/>
-                </a:cubicBezTo>
-                <a:cubicBezTo>
-                  <a:pt x="2819292" y="-14018"/>
-                  <a:pt x="3121375" y="5399"/>
-                  <a:pt x="3255095" y="0"/>
-                </a:cubicBezTo>
-                <a:cubicBezTo>
-                  <a:pt x="3254386" y="8157"/>
-                  <a:pt x="3254682" y="12125"/>
-                  <a:pt x="3255095" y="18288"/>
-                </a:cubicBezTo>
-                <a:cubicBezTo>
-                  <a:pt x="3088545" y="23203"/>
-                  <a:pt x="2687475" y="7419"/>
-                  <a:pt x="2538974" y="18288"/>
-                </a:cubicBezTo>
-                <a:cubicBezTo>
-                  <a:pt x="2390473" y="29157"/>
-                  <a:pt x="2137381" y="-8959"/>
-                  <a:pt x="1822853" y="18288"/>
-                </a:cubicBezTo>
-                <a:cubicBezTo>
-                  <a:pt x="1508325" y="45535"/>
-                  <a:pt x="1466437" y="20385"/>
-                  <a:pt x="1171834" y="18288"/>
-                </a:cubicBezTo>
-                <a:cubicBezTo>
-                  <a:pt x="877231" y="16191"/>
-                  <a:pt x="561097" y="37643"/>
-                  <a:pt x="0" y="18288"/>
-                </a:cubicBezTo>
-                <a:cubicBezTo>
-                  <a:pt x="-46" y="12483"/>
-                  <a:pt x="-203" y="6491"/>
-                  <a:pt x="0" y="0"/>
-                </a:cubicBezTo>
-                <a:close/>
-              </a:path>
-              <a:path w="3255095" h="18288" stroke="0" extrusionOk="0">
-                <a:moveTo>
-                  <a:pt x="0" y="0"/>
-                </a:moveTo>
-                <a:cubicBezTo>
-                  <a:pt x="291965" y="19429"/>
-                  <a:pt x="363155" y="8568"/>
-                  <a:pt x="618468" y="0"/>
-                </a:cubicBezTo>
-                <a:cubicBezTo>
-                  <a:pt x="873781" y="-8568"/>
-                  <a:pt x="904459" y="-19505"/>
-                  <a:pt x="1171834" y="0"/>
-                </a:cubicBezTo>
-                <a:cubicBezTo>
-                  <a:pt x="1439209" y="19505"/>
-                  <a:pt x="1744369" y="9790"/>
-                  <a:pt x="1887955" y="0"/>
-                </a:cubicBezTo>
-                <a:cubicBezTo>
-                  <a:pt x="2031541" y="-9790"/>
-                  <a:pt x="2346378" y="21240"/>
-                  <a:pt x="2506423" y="0"/>
-                </a:cubicBezTo>
-                <a:cubicBezTo>
-                  <a:pt x="2666468" y="-21240"/>
-                  <a:pt x="2990257" y="30414"/>
-                  <a:pt x="3255095" y="0"/>
-                </a:cubicBezTo>
-                <a:cubicBezTo>
-                  <a:pt x="3254831" y="4493"/>
-                  <a:pt x="3255479" y="9472"/>
-                  <a:pt x="3255095" y="18288"/>
-                </a:cubicBezTo>
-                <a:cubicBezTo>
-                  <a:pt x="3120743" y="16690"/>
-                  <a:pt x="2759628" y="42462"/>
-                  <a:pt x="2604076" y="18288"/>
-                </a:cubicBezTo>
-                <a:cubicBezTo>
-                  <a:pt x="2448524" y="-5886"/>
-                  <a:pt x="2184336" y="19599"/>
-                  <a:pt x="1887955" y="18288"/>
-                </a:cubicBezTo>
-                <a:cubicBezTo>
-                  <a:pt x="1591574" y="16977"/>
-                  <a:pt x="1548845" y="6870"/>
-                  <a:pt x="1334589" y="18288"/>
-                </a:cubicBezTo>
-                <a:cubicBezTo>
-                  <a:pt x="1120333" y="29706"/>
-                  <a:pt x="996014" y="9662"/>
-                  <a:pt x="683570" y="18288"/>
-                </a:cubicBezTo>
-                <a:cubicBezTo>
-                  <a:pt x="371126" y="26914"/>
-                  <a:pt x="198687" y="16167"/>
-                  <a:pt x="0" y="18288"/>
-                </a:cubicBezTo>
-                <a:cubicBezTo>
-                  <a:pt x="843" y="9577"/>
-                  <a:pt x="371" y="6900"/>
-                  <a:pt x="0" y="0"/>
-                </a:cubicBezTo>
-                <a:close/>
-              </a:path>
-            </a:pathLst>
-          </a:custGeom>
-          <a:solidFill>
-            <a:schemeClr val="accent2"/>
-          </a:solidFill>
-          <a:ln w="38100" cap="rnd">
-            <a:solidFill>
-              <a:schemeClr val="accent2"/>
-            </a:solidFill>
-            <a:round/>
-            <a:extLst>
-              <a:ext uri="{C807C97D-BFC1-408E-A445-0C87EB9F89A2}">
-                <ask:lineSketchStyleProps xmlns:ask="http://schemas.microsoft.com/office/drawing/2018/sketchyshapes" sd="1219033472">
-                  <a:prstGeom prst="rect">
-                    <a:avLst/>
-                  </a:prstGeom>
-                  <ask:type>
-                    <ask:lineSketchFreehand/>
-                  </ask:type>
-                </ask:lineSketchStyleProps>
-              </a:ext>
-            </a:extLst>
+          </a:prstGeom>
+          <a:gradFill>
+            <a:gsLst>
+              <a:gs pos="34000">
+                <a:srgbClr val="000000">
+                  <a:alpha val="96000"/>
+                </a:srgbClr>
+              </a:gs>
+              <a:gs pos="100000">
+                <a:schemeClr val="accent1"/>
+              </a:gs>
+            </a:gsLst>
+            <a:lin ang="8400000" scaled="0"/>
+          </a:gradFill>
+          <a:ln>
+            <a:noFill/>
           </a:ln>
         </p:spPr>
         <p:style>
@@ -5978,86 +10260,80 @@
       </p:sp>
       <p:sp>
         <p:nvSpPr>
-          <p:cNvPr id="3" name="TextBox 2">
-            <a:extLst>
-              <a:ext uri="{FF2B5EF4-FFF2-40B4-BE49-F238E27FC236}">
-                <a16:creationId xmlns:a16="http://schemas.microsoft.com/office/drawing/2014/main" id="{4A7AC1A6-2FA6-30BD-3D6C-2D57F9C8B1D8}"/>
-              </a:ext>
-            </a:extLst>
-          </p:cNvPr>
-          <p:cNvSpPr txBox="1"/>
-          <p:nvPr/>
+          <p:cNvPr id="30" name="Rectangle 29">
+            <a:extLst>
+              <a:ext uri="{FF2B5EF4-FFF2-40B4-BE49-F238E27FC236}">
+                <a16:creationId xmlns:a16="http://schemas.microsoft.com/office/drawing/2014/main" id="{3F0BE7ED-7814-4273-B18A-F26CC0380380}"/>
+              </a:ext>
+              <a:ext uri="{C183D7F6-B498-43B3-948B-1728B52AA6E4}">
+                <adec:decorative xmlns:adec="http://schemas.microsoft.com/office/drawing/2017/decorative" val="1"/>
+              </a:ext>
+            </a:extLst>
+          </p:cNvPr>
+          <p:cNvSpPr>
+            <a:spLocks noGrp="1" noRot="1" noChangeAspect="1" noMove="1" noResize="1" noEditPoints="1" noAdjustHandles="1" noChangeArrowheads="1" noChangeShapeType="1" noTextEdit="1"/>
+          </p:cNvSpPr>
+          <p:nvPr>
+            <p:extLst>
+              <p:ext uri="{386F3935-93C4-4BCD-93E2-E3B085C9AB24}">
+                <p16:designElem xmlns:p16="http://schemas.microsoft.com/office/powerpoint/2015/main" val="1"/>
+              </p:ext>
+            </p:extLst>
+          </p:nvPr>
         </p:nvSpPr>
         <p:spPr>
-          <a:xfrm>
-            <a:off x="630936" y="2807208"/>
-            <a:ext cx="3429000" cy="3410712"/>
+          <a:xfrm flipH="1">
+            <a:off x="-4" y="6408742"/>
+            <a:ext cx="8115300" cy="449258"/>
           </a:xfrm>
           <a:prstGeom prst="rect">
             <a:avLst/>
           </a:prstGeom>
+          <a:gradFill>
+            <a:gsLst>
+              <a:gs pos="28000">
+                <a:schemeClr val="accent1">
+                  <a:lumMod val="75000"/>
+                  <a:alpha val="59000"/>
+                </a:schemeClr>
+              </a:gs>
+              <a:gs pos="100000">
+                <a:srgbClr val="000000">
+                  <a:alpha val="70000"/>
+                </a:srgbClr>
+              </a:gs>
+            </a:gsLst>
+            <a:lin ang="11400000" scaled="0"/>
+          </a:gradFill>
+          <a:ln>
+            <a:noFill/>
+          </a:ln>
         </p:spPr>
+        <p:style>
+          <a:lnRef idx="2">
+            <a:schemeClr val="accent1">
+              <a:shade val="50000"/>
+            </a:schemeClr>
+          </a:lnRef>
+          <a:fillRef idx="1">
+            <a:schemeClr val="accent1"/>
+          </a:fillRef>
+          <a:effectRef idx="0">
+            <a:schemeClr val="accent1"/>
+          </a:effectRef>
+          <a:fontRef idx="minor">
+            <a:schemeClr val="lt1"/>
+          </a:fontRef>
+        </p:style>
         <p:txBody>
-          <a:bodyPr vert="horz" lIns="91440" tIns="45720" rIns="91440" bIns="45720" rtlCol="0" anchor="t">
-            <a:normAutofit/>
-          </a:bodyPr>
+          <a:bodyPr rtlCol="0" anchor="ctr"/>
           <a:lstStyle/>
           <a:p>
-            <a:pPr algn="l">
-              <a:buFont typeface="Arial" panose="020B0604020202020204" pitchFamily="34" charset="0"/>
-              <a:buChar char="•"/>
-            </a:pPr>
-            <a:r>
-              <a:rPr lang="en-US" sz="2400" b="0" i="0" dirty="0">
-                <a:solidFill>
-                  <a:srgbClr val="D1D5DB"/>
-                </a:solidFill>
-                <a:effectLst/>
-                <a:latin typeface="Söhne"/>
-              </a:rPr>
-              <a:t>No high correlation between features.</a:t>
-            </a:r>
-          </a:p>
-          <a:p>
-            <a:br>
-              <a:rPr lang="en-US" sz="2400" dirty="0"/>
-            </a:br>
-            <a:endParaRPr lang="en-US" sz="2200" dirty="0"/>
+            <a:pPr algn="ctr"/>
+            <a:endParaRPr lang="en-US"/>
           </a:p>
         </p:txBody>
       </p:sp>
-      <p:pic>
-        <p:nvPicPr>
-          <p:cNvPr id="5" name="Content Placeholder 4">
-            <a:extLst>
-              <a:ext uri="{FF2B5EF4-FFF2-40B4-BE49-F238E27FC236}">
-                <a16:creationId xmlns:a16="http://schemas.microsoft.com/office/drawing/2014/main" id="{9E9DFA77-E43E-74A3-834B-3869C72D29B8}"/>
-              </a:ext>
-            </a:extLst>
-          </p:cNvPr>
-          <p:cNvPicPr>
-            <a:picLocks noGrp="1" noChangeAspect="1"/>
-          </p:cNvPicPr>
-          <p:nvPr>
-            <p:ph idx="1"/>
-          </p:nvPr>
-        </p:nvPicPr>
-        <p:blipFill>
-          <a:blip r:embed="rId2"/>
-          <a:stretch>
-            <a:fillRect/>
-          </a:stretch>
-        </p:blipFill>
-        <p:spPr>
-          <a:xfrm>
-            <a:off x="4654296" y="805587"/>
-            <a:ext cx="6903720" cy="5246825"/>
-          </a:xfrm>
-          <a:prstGeom prst="rect">
-            <a:avLst/>
-          </a:prstGeom>
-        </p:spPr>
-      </p:pic>
     </p:spTree>
     <p:extLst>
       <p:ext uri="{BB962C8B-B14F-4D97-AF65-F5344CB8AC3E}">
@@ -6098,10 +10374,10 @@
       </p:grpSpPr>
       <p:sp useBgFill="1">
         <p:nvSpPr>
-          <p:cNvPr id="29" name="Rectangle 13">
-            <a:extLst>
-              <a:ext uri="{FF2B5EF4-FFF2-40B4-BE49-F238E27FC236}">
-                <a16:creationId xmlns:a16="http://schemas.microsoft.com/office/drawing/2014/main" id="{53B475F8-50AE-46A0-9943-B2B63183D50C}"/>
+          <p:cNvPr id="56" name="Rectangle 49">
+            <a:extLst>
+              <a:ext uri="{FF2B5EF4-FFF2-40B4-BE49-F238E27FC236}">
+                <a16:creationId xmlns:a16="http://schemas.microsoft.com/office/drawing/2014/main" id="{50D1C5B3-B60D-4696-AE60-100D5EC8AB5D}"/>
               </a:ext>
               <a:ext uri="{C183D7F6-B498-43B3-948B-1728B52AA6E4}">
                 <adec:decorative xmlns:adec="http://schemas.microsoft.com/office/drawing/2017/decorative" val="1"/>
@@ -6122,11 +10398,662 @@
         <p:spPr>
           <a:xfrm>
             <a:off x="0" y="0"/>
-            <a:ext cx="12188952" cy="6858000"/>
+            <a:ext cx="12192000" cy="6858000"/>
           </a:xfrm>
           <a:prstGeom prst="rect">
             <a:avLst/>
           </a:prstGeom>
+          <a:ln w="12700" cap="flat" cmpd="sng" algn="ctr">
+            <a:noFill/>
+            <a:prstDash val="solid"/>
+            <a:miter lim="800000"/>
+          </a:ln>
+          <a:effectLst/>
+          <a:extLst>
+            <a:ext uri="{91240B29-F687-4F45-9708-019B960494DF}">
+              <a14:hiddenLine xmlns:a14="http://schemas.microsoft.com/office/drawing/2010/main" w="12700" cap="flat" cmpd="sng" algn="ctr">
+                <a:solidFill>
+                  <a:schemeClr val="accent1">
+                    <a:shade val="50000"/>
+                  </a:schemeClr>
+                </a:solidFill>
+                <a:prstDash val="solid"/>
+                <a:miter lim="800000"/>
+              </a14:hiddenLine>
+            </a:ext>
+          </a:extLst>
+        </p:spPr>
+        <p:style>
+          <a:lnRef idx="2">
+            <a:schemeClr val="accent1">
+              <a:shade val="50000"/>
+            </a:schemeClr>
+          </a:lnRef>
+          <a:fillRef idx="1">
+            <a:schemeClr val="accent1"/>
+          </a:fillRef>
+          <a:effectRef idx="0">
+            <a:schemeClr val="accent1"/>
+          </a:effectRef>
+          <a:fontRef idx="minor">
+            <a:schemeClr val="lt1"/>
+          </a:fontRef>
+        </p:style>
+        <p:txBody>
+          <a:bodyPr rtlCol="0" anchor="ctr"/>
+          <a:lstStyle/>
+          <a:p>
+            <a:pPr algn="ctr"/>
+            <a:endParaRPr lang="en-US"/>
+          </a:p>
+        </p:txBody>
+      </p:sp>
+      <p:grpSp>
+        <p:nvGrpSpPr>
+          <p:cNvPr id="57" name="Group 51">
+            <a:extLst>
+              <a:ext uri="{FF2B5EF4-FFF2-40B4-BE49-F238E27FC236}">
+                <a16:creationId xmlns:a16="http://schemas.microsoft.com/office/drawing/2014/main" id="{73EDDF53-0851-48D4-A466-6FE0DCE91E73}"/>
+              </a:ext>
+              <a:ext uri="{C183D7F6-B498-43B3-948B-1728B52AA6E4}">
+                <adec:decorative xmlns:adec="http://schemas.microsoft.com/office/drawing/2017/decorative" val="1"/>
+              </a:ext>
+            </a:extLst>
+          </p:cNvPr>
+          <p:cNvGrpSpPr>
+            <a:grpSpLocks noGrp="1" noUngrp="1" noRot="1" noChangeAspect="1" noMove="1" noResize="1"/>
+          </p:cNvGrpSpPr>
+          <p:nvPr>
+            <p:extLst>
+              <p:ext uri="{386F3935-93C4-4BCD-93E2-E3B085C9AB24}">
+                <p16:designElem xmlns:p16="http://schemas.microsoft.com/office/powerpoint/2015/main" val="1"/>
+              </p:ext>
+            </p:extLst>
+          </p:nvPr>
+        </p:nvGrpSpPr>
+        <p:grpSpPr>
+          <a:xfrm>
+            <a:off x="0" y="0"/>
+            <a:ext cx="12192002" cy="1576446"/>
+            <a:chOff x="0" y="0"/>
+            <a:chExt cx="12192002" cy="1576446"/>
+          </a:xfrm>
+        </p:grpSpPr>
+        <p:sp>
+          <p:nvSpPr>
+            <p:cNvPr id="53" name="Rectangle 52">
+              <a:extLst>
+                <a:ext uri="{FF2B5EF4-FFF2-40B4-BE49-F238E27FC236}">
+                  <a16:creationId xmlns:a16="http://schemas.microsoft.com/office/drawing/2014/main" id="{D074D04C-85E8-4A3E-90D7-86A10AE04827}"/>
+                </a:ext>
+                <a:ext uri="{C183D7F6-B498-43B3-948B-1728B52AA6E4}">
+                  <adec:decorative xmlns:adec="http://schemas.microsoft.com/office/drawing/2017/decorative" val="1"/>
+                </a:ext>
+              </a:extLst>
+            </p:cNvPr>
+            <p:cNvSpPr/>
+            <p:nvPr>
+              <p:extLst>
+                <p:ext uri="{386F3935-93C4-4BCD-93E2-E3B085C9AB24}">
+                  <p16:designElem xmlns:p16="http://schemas.microsoft.com/office/powerpoint/2015/main" val="1"/>
+                </p:ext>
+              </p:extLst>
+            </p:nvPr>
+          </p:nvSpPr>
+          <p:spPr>
+            <a:xfrm rot="10800000" flipH="1">
+              <a:off x="2" y="0"/>
+              <a:ext cx="12191998" cy="1575955"/>
+            </a:xfrm>
+            <a:prstGeom prst="rect">
+              <a:avLst/>
+            </a:prstGeom>
+            <a:gradFill>
+              <a:gsLst>
+                <a:gs pos="0">
+                  <a:srgbClr val="000000">
+                    <a:alpha val="96000"/>
+                  </a:srgbClr>
+                </a:gs>
+                <a:gs pos="100000">
+                  <a:schemeClr val="accent1">
+                    <a:lumMod val="75000"/>
+                  </a:schemeClr>
+                </a:gs>
+              </a:gsLst>
+              <a:lin ang="8400000" scaled="0"/>
+            </a:gradFill>
+            <a:ln>
+              <a:noFill/>
+            </a:ln>
+          </p:spPr>
+          <p:style>
+            <a:lnRef idx="2">
+              <a:schemeClr val="accent1">
+                <a:shade val="50000"/>
+              </a:schemeClr>
+            </a:lnRef>
+            <a:fillRef idx="1">
+              <a:schemeClr val="accent1"/>
+            </a:fillRef>
+            <a:effectRef idx="0">
+              <a:schemeClr val="accent1"/>
+            </a:effectRef>
+            <a:fontRef idx="minor">
+              <a:schemeClr val="lt1"/>
+            </a:fontRef>
+          </p:style>
+          <p:txBody>
+            <a:bodyPr rtlCol="0" anchor="ctr"/>
+            <a:lstStyle/>
+            <a:p>
+              <a:pPr algn="ctr"/>
+              <a:endParaRPr lang="en-US"/>
+            </a:p>
+          </p:txBody>
+        </p:sp>
+        <p:sp>
+          <p:nvSpPr>
+            <p:cNvPr id="58" name="Rectangle 53">
+              <a:extLst>
+                <a:ext uri="{FF2B5EF4-FFF2-40B4-BE49-F238E27FC236}">
+                  <a16:creationId xmlns:a16="http://schemas.microsoft.com/office/drawing/2014/main" id="{4097020A-86B6-43BD-A2AA-66AE72CA3110}"/>
+                </a:ext>
+                <a:ext uri="{C183D7F6-B498-43B3-948B-1728B52AA6E4}">
+                  <adec:decorative xmlns:adec="http://schemas.microsoft.com/office/drawing/2017/decorative" val="1"/>
+                </a:ext>
+              </a:extLst>
+            </p:cNvPr>
+            <p:cNvSpPr/>
+            <p:nvPr>
+              <p:extLst>
+                <p:ext uri="{386F3935-93C4-4BCD-93E2-E3B085C9AB24}">
+                  <p16:designElem xmlns:p16="http://schemas.microsoft.com/office/powerpoint/2015/main" val="1"/>
+                </p:ext>
+              </p:extLst>
+            </p:nvPr>
+          </p:nvSpPr>
+          <p:spPr>
+            <a:xfrm rot="16200000">
+              <a:off x="5307778" y="-5307778"/>
+              <a:ext cx="1576446" cy="12192002"/>
+            </a:xfrm>
+            <a:prstGeom prst="rect">
+              <a:avLst/>
+            </a:prstGeom>
+            <a:gradFill>
+              <a:gsLst>
+                <a:gs pos="45000">
+                  <a:schemeClr val="accent1">
+                    <a:alpha val="0"/>
+                  </a:schemeClr>
+                </a:gs>
+                <a:gs pos="99000">
+                  <a:srgbClr val="000000">
+                    <a:alpha val="74000"/>
+                  </a:srgbClr>
+                </a:gs>
+              </a:gsLst>
+              <a:lin ang="11400000" scaled="0"/>
+            </a:gradFill>
+            <a:ln>
+              <a:noFill/>
+            </a:ln>
+          </p:spPr>
+          <p:style>
+            <a:lnRef idx="2">
+              <a:schemeClr val="accent1">
+                <a:shade val="50000"/>
+              </a:schemeClr>
+            </a:lnRef>
+            <a:fillRef idx="1">
+              <a:schemeClr val="accent1"/>
+            </a:fillRef>
+            <a:effectRef idx="0">
+              <a:schemeClr val="accent1"/>
+            </a:effectRef>
+            <a:fontRef idx="minor">
+              <a:schemeClr val="lt1"/>
+            </a:fontRef>
+          </p:style>
+          <p:txBody>
+            <a:bodyPr rtlCol="0" anchor="ctr"/>
+            <a:lstStyle/>
+            <a:p>
+              <a:pPr algn="ctr"/>
+              <a:endParaRPr lang="en-US" dirty="0"/>
+            </a:p>
+          </p:txBody>
+        </p:sp>
+        <p:sp>
+          <p:nvSpPr>
+            <p:cNvPr id="55" name="Rectangle 54">
+              <a:extLst>
+                <a:ext uri="{FF2B5EF4-FFF2-40B4-BE49-F238E27FC236}">
+                  <a16:creationId xmlns:a16="http://schemas.microsoft.com/office/drawing/2014/main" id="{20C6C743-32FE-4E24-AA22-45D3B1C7C0A1}"/>
+                </a:ext>
+                <a:ext uri="{C183D7F6-B498-43B3-948B-1728B52AA6E4}">
+                  <adec:decorative xmlns:adec="http://schemas.microsoft.com/office/drawing/2017/decorative" val="1"/>
+                </a:ext>
+              </a:extLst>
+            </p:cNvPr>
+            <p:cNvSpPr/>
+            <p:nvPr>
+              <p:extLst>
+                <p:ext uri="{386F3935-93C4-4BCD-93E2-E3B085C9AB24}">
+                  <p16:designElem xmlns:p16="http://schemas.microsoft.com/office/powerpoint/2015/main" val="1"/>
+                </p:ext>
+              </p:extLst>
+            </p:nvPr>
+          </p:nvSpPr>
+          <p:spPr>
+            <a:xfrm>
+              <a:off x="3825434" y="0"/>
+              <a:ext cx="4303422" cy="1575461"/>
+            </a:xfrm>
+            <a:prstGeom prst="rect">
+              <a:avLst/>
+            </a:prstGeom>
+            <a:gradFill>
+              <a:gsLst>
+                <a:gs pos="0">
+                  <a:schemeClr val="accent1">
+                    <a:alpha val="17000"/>
+                  </a:schemeClr>
+                </a:gs>
+                <a:gs pos="74000">
+                  <a:schemeClr val="accent1">
+                    <a:lumMod val="50000"/>
+                    <a:alpha val="0"/>
+                  </a:schemeClr>
+                </a:gs>
+              </a:gsLst>
+              <a:lin ang="14400000" scaled="0"/>
+            </a:gradFill>
+            <a:ln>
+              <a:noFill/>
+            </a:ln>
+          </p:spPr>
+          <p:style>
+            <a:lnRef idx="2">
+              <a:schemeClr val="accent1">
+                <a:shade val="50000"/>
+              </a:schemeClr>
+            </a:lnRef>
+            <a:fillRef idx="1">
+              <a:schemeClr val="accent1"/>
+            </a:fillRef>
+            <a:effectRef idx="0">
+              <a:schemeClr val="accent1"/>
+            </a:effectRef>
+            <a:fontRef idx="minor">
+              <a:schemeClr val="lt1"/>
+            </a:fontRef>
+          </p:style>
+          <p:txBody>
+            <a:bodyPr rtlCol="0" anchor="ctr"/>
+            <a:lstStyle/>
+            <a:p>
+              <a:pPr algn="ctr"/>
+              <a:endParaRPr lang="en-US"/>
+            </a:p>
+          </p:txBody>
+        </p:sp>
+      </p:grpSp>
+      <p:sp>
+        <p:nvSpPr>
+          <p:cNvPr id="2" name="Title 1">
+            <a:extLst>
+              <a:ext uri="{FF2B5EF4-FFF2-40B4-BE49-F238E27FC236}">
+                <a16:creationId xmlns:a16="http://schemas.microsoft.com/office/drawing/2014/main" id="{D0D8E67D-9DB5-B9D4-7BD4-B2240D56351C}"/>
+              </a:ext>
+            </a:extLst>
+          </p:cNvPr>
+          <p:cNvSpPr>
+            <a:spLocks noGrp="1"/>
+          </p:cNvSpPr>
+          <p:nvPr>
+            <p:ph type="title"/>
+          </p:nvPr>
+        </p:nvSpPr>
+        <p:spPr>
+          <a:xfrm>
+            <a:off x="1371600" y="407695"/>
+            <a:ext cx="9724030" cy="834251"/>
+          </a:xfrm>
+        </p:spPr>
+        <p:txBody>
+          <a:bodyPr vert="horz" lIns="91440" tIns="45720" rIns="91440" bIns="45720" rtlCol="0" anchor="ctr">
+            <a:normAutofit/>
+          </a:bodyPr>
+          <a:lstStyle/>
+          <a:p>
+            <a:r>
+              <a:rPr lang="en-US" sz="4000">
+                <a:solidFill>
+                  <a:srgbClr val="FFFFFF"/>
+                </a:solidFill>
+              </a:rPr>
+              <a:t>Normalized Data</a:t>
+            </a:r>
+          </a:p>
+        </p:txBody>
+      </p:sp>
+      <p:pic>
+        <p:nvPicPr>
+          <p:cNvPr id="5" name="Content Placeholder 4">
+            <a:extLst>
+              <a:ext uri="{FF2B5EF4-FFF2-40B4-BE49-F238E27FC236}">
+                <a16:creationId xmlns:a16="http://schemas.microsoft.com/office/drawing/2014/main" id="{C76C51A4-7E6B-4795-5DC7-E634E423F134}"/>
+              </a:ext>
+            </a:extLst>
+          </p:cNvPr>
+          <p:cNvPicPr>
+            <a:picLocks noGrp="1" noChangeAspect="1"/>
+          </p:cNvPicPr>
+          <p:nvPr>
+            <p:ph idx="1"/>
+          </p:nvPr>
+        </p:nvPicPr>
+        <p:blipFill>
+          <a:blip r:embed="rId2"/>
+          <a:stretch>
+            <a:fillRect/>
+          </a:stretch>
+        </p:blipFill>
+        <p:spPr>
+          <a:xfrm>
+            <a:off x="1216889" y="2200459"/>
+            <a:ext cx="3061813" cy="1163488"/>
+          </a:xfrm>
+          <a:prstGeom prst="rect">
+            <a:avLst/>
+          </a:prstGeom>
+        </p:spPr>
+      </p:pic>
+      <p:pic>
+        <p:nvPicPr>
+          <p:cNvPr id="7" name="Picture 6">
+            <a:extLst>
+              <a:ext uri="{FF2B5EF4-FFF2-40B4-BE49-F238E27FC236}">
+                <a16:creationId xmlns:a16="http://schemas.microsoft.com/office/drawing/2014/main" id="{1DFA8053-6CDA-EBC8-DC79-88BC7D5016D5}"/>
+              </a:ext>
+            </a:extLst>
+          </p:cNvPr>
+          <p:cNvPicPr>
+            <a:picLocks noChangeAspect="1"/>
+          </p:cNvPicPr>
+          <p:nvPr/>
+        </p:nvPicPr>
+        <p:blipFill>
+          <a:blip r:embed="rId3"/>
+          <a:stretch>
+            <a:fillRect/>
+          </a:stretch>
+        </p:blipFill>
+        <p:spPr>
+          <a:xfrm>
+            <a:off x="4599296" y="2200459"/>
+            <a:ext cx="3007003" cy="1518537"/>
+          </a:xfrm>
+          <a:prstGeom prst="rect">
+            <a:avLst/>
+          </a:prstGeom>
+        </p:spPr>
+      </p:pic>
+      <p:pic>
+        <p:nvPicPr>
+          <p:cNvPr id="9" name="Picture 8">
+            <a:extLst>
+              <a:ext uri="{FF2B5EF4-FFF2-40B4-BE49-F238E27FC236}">
+                <a16:creationId xmlns:a16="http://schemas.microsoft.com/office/drawing/2014/main" id="{FE18F748-8092-7D83-6FC5-1FE5D93FDDB2}"/>
+              </a:ext>
+            </a:extLst>
+          </p:cNvPr>
+          <p:cNvPicPr>
+            <a:picLocks noChangeAspect="1"/>
+          </p:cNvPicPr>
+          <p:nvPr/>
+        </p:nvPicPr>
+        <p:blipFill>
+          <a:blip r:embed="rId4"/>
+          <a:stretch>
+            <a:fillRect/>
+          </a:stretch>
+        </p:blipFill>
+        <p:spPr>
+          <a:xfrm>
+            <a:off x="7913295" y="2200459"/>
+            <a:ext cx="3061813" cy="949162"/>
+          </a:xfrm>
+          <a:prstGeom prst="rect">
+            <a:avLst/>
+          </a:prstGeom>
+        </p:spPr>
+      </p:pic>
+      <p:sp>
+        <p:nvSpPr>
+          <p:cNvPr id="3" name="TextBox 2">
+            <a:extLst>
+              <a:ext uri="{FF2B5EF4-FFF2-40B4-BE49-F238E27FC236}">
+                <a16:creationId xmlns:a16="http://schemas.microsoft.com/office/drawing/2014/main" id="{25F6FDDF-DEAC-0A1C-F484-9A2F37C9469A}"/>
+              </a:ext>
+            </a:extLst>
+          </p:cNvPr>
+          <p:cNvSpPr txBox="1"/>
+          <p:nvPr/>
+        </p:nvSpPr>
+        <p:spPr>
+          <a:xfrm>
+            <a:off x="1371601" y="4786744"/>
+            <a:ext cx="9448800" cy="1442631"/>
+          </a:xfrm>
+          <a:prstGeom prst="rect">
+            <a:avLst/>
+          </a:prstGeom>
+        </p:spPr>
+        <p:txBody>
+          <a:bodyPr vert="horz" lIns="91440" tIns="45720" rIns="91440" bIns="45720" rtlCol="0">
+            <a:normAutofit/>
+          </a:bodyPr>
+          <a:lstStyle/>
+          <a:p>
+            <a:pPr indent="-228600">
+              <a:lnSpc>
+                <a:spcPct val="90000"/>
+              </a:lnSpc>
+              <a:spcAft>
+                <a:spcPts val="600"/>
+              </a:spcAft>
+              <a:buFont typeface="Arial" panose="020B0604020202020204" pitchFamily="34" charset="0"/>
+              <a:buChar char="•"/>
+            </a:pPr>
+            <a:endParaRPr lang="en-US" sz="2000" b="0" i="0" dirty="0">
+              <a:effectLst/>
+            </a:endParaRPr>
+          </a:p>
+          <a:p>
+            <a:pPr marL="742950" lvl="1" indent="-228600">
+              <a:lnSpc>
+                <a:spcPct val="90000"/>
+              </a:lnSpc>
+              <a:spcAft>
+                <a:spcPts val="600"/>
+              </a:spcAft>
+              <a:buFont typeface="Arial" panose="020B0604020202020204" pitchFamily="34" charset="0"/>
+              <a:buChar char="•"/>
+            </a:pPr>
+            <a:r>
+              <a:rPr lang="en-US" sz="2000" b="0" i="0" dirty="0">
+                <a:effectLst/>
+              </a:rPr>
+              <a:t>Skewness removed using Power Transformer.</a:t>
+            </a:r>
+            <a:br>
+              <a:rPr lang="en-US" sz="2000" dirty="0"/>
+            </a:br>
+            <a:endParaRPr lang="en-US" sz="2000" dirty="0"/>
+          </a:p>
+        </p:txBody>
+      </p:sp>
+    </p:spTree>
+    <p:extLst>
+      <p:ext uri="{BB962C8B-B14F-4D97-AF65-F5344CB8AC3E}">
+        <p14:creationId xmlns:p14="http://schemas.microsoft.com/office/powerpoint/2010/main" val="2972794063"/>
+      </p:ext>
+    </p:extLst>
+  </p:cSld>
+  <p:clrMapOvr>
+    <a:masterClrMapping/>
+  </p:clrMapOvr>
+</p:sld>
+</file>
+
+<file path=ppt/slides/slide7.xml><?xml version="1.0" encoding="utf-8"?>
+<p:sld xmlns:a="http://schemas.openxmlformats.org/drawingml/2006/main" xmlns:r="http://schemas.openxmlformats.org/officeDocument/2006/relationships" xmlns:p="http://schemas.openxmlformats.org/presentationml/2006/main">
+  <p:cSld>
+    <p:bg>
+      <p:bgPr>
+        <a:solidFill>
+          <a:schemeClr val="bg1"/>
+        </a:solidFill>
+        <a:effectLst/>
+      </p:bgPr>
+    </p:bg>
+    <p:spTree>
+      <p:nvGrpSpPr>
+        <p:cNvPr id="1" name=""/>
+        <p:cNvGrpSpPr/>
+        <p:nvPr/>
+      </p:nvGrpSpPr>
+      <p:grpSpPr>
+        <a:xfrm>
+          <a:off x="0" y="0"/>
+          <a:ext cx="0" cy="0"/>
+          <a:chOff x="0" y="0"/>
+          <a:chExt cx="0" cy="0"/>
+        </a:xfrm>
+      </p:grpSpPr>
+      <p:sp useBgFill="1">
+        <p:nvSpPr>
+          <p:cNvPr id="24" name="Rectangle 12">
+            <a:extLst>
+              <a:ext uri="{FF2B5EF4-FFF2-40B4-BE49-F238E27FC236}">
+                <a16:creationId xmlns:a16="http://schemas.microsoft.com/office/drawing/2014/main" id="{B712E947-0734-45F9-9C4F-41114EC3A33E}"/>
+              </a:ext>
+              <a:ext uri="{C183D7F6-B498-43B3-948B-1728B52AA6E4}">
+                <adec:decorative xmlns:adec="http://schemas.microsoft.com/office/drawing/2017/decorative" val="1"/>
+              </a:ext>
+            </a:extLst>
+          </p:cNvPr>
+          <p:cNvSpPr>
+            <a:spLocks noGrp="1" noRot="1" noChangeAspect="1" noMove="1" noResize="1" noEditPoints="1" noAdjustHandles="1" noChangeArrowheads="1" noChangeShapeType="1" noTextEdit="1"/>
+          </p:cNvSpPr>
+          <p:nvPr>
+            <p:extLst>
+              <p:ext uri="{386F3935-93C4-4BCD-93E2-E3B085C9AB24}">
+                <p16:designElem xmlns:p16="http://schemas.microsoft.com/office/powerpoint/2015/main" val="1"/>
+              </p:ext>
+            </p:extLst>
+          </p:nvPr>
+        </p:nvSpPr>
+        <p:spPr>
+          <a:xfrm>
+            <a:off x="0" y="0"/>
+            <a:ext cx="12192000" cy="6858000"/>
+          </a:xfrm>
+          <a:prstGeom prst="rect">
+            <a:avLst/>
+          </a:prstGeom>
+          <a:ln w="12700" cap="flat" cmpd="sng" algn="ctr">
+            <a:noFill/>
+            <a:prstDash val="solid"/>
+            <a:miter lim="800000"/>
+          </a:ln>
+          <a:effectLst/>
+          <a:extLst>
+            <a:ext uri="{91240B29-F687-4F45-9708-019B960494DF}">
+              <a14:hiddenLine xmlns:a14="http://schemas.microsoft.com/office/drawing/2010/main" w="12700" cap="flat" cmpd="sng" algn="ctr">
+                <a:solidFill>
+                  <a:schemeClr val="accent1">
+                    <a:shade val="50000"/>
+                  </a:schemeClr>
+                </a:solidFill>
+                <a:prstDash val="solid"/>
+                <a:miter lim="800000"/>
+              </a14:hiddenLine>
+            </a:ext>
+          </a:extLst>
+        </p:spPr>
+        <p:style>
+          <a:lnRef idx="2">
+            <a:schemeClr val="accent1">
+              <a:shade val="50000"/>
+            </a:schemeClr>
+          </a:lnRef>
+          <a:fillRef idx="1">
+            <a:schemeClr val="accent1"/>
+          </a:fillRef>
+          <a:effectRef idx="0">
+            <a:schemeClr val="accent1"/>
+          </a:effectRef>
+          <a:fontRef idx="minor">
+            <a:schemeClr val="lt1"/>
+          </a:fontRef>
+        </p:style>
+        <p:txBody>
+          <a:bodyPr rtlCol="0" anchor="ctr"/>
+          <a:lstStyle/>
+          <a:p>
+            <a:pPr algn="ctr"/>
+            <a:endParaRPr lang="en-US"/>
+          </a:p>
+        </p:txBody>
+      </p:sp>
+      <p:sp>
+        <p:nvSpPr>
+          <p:cNvPr id="25" name="Rectangle 14">
+            <a:extLst>
+              <a:ext uri="{FF2B5EF4-FFF2-40B4-BE49-F238E27FC236}">
+                <a16:creationId xmlns:a16="http://schemas.microsoft.com/office/drawing/2014/main" id="{4C6B5652-C661-4C58-B937-F0F490F7FCB2}"/>
+              </a:ext>
+              <a:ext uri="{C183D7F6-B498-43B3-948B-1728B52AA6E4}">
+                <adec:decorative xmlns:adec="http://schemas.microsoft.com/office/drawing/2017/decorative" val="1"/>
+              </a:ext>
+            </a:extLst>
+          </p:cNvPr>
+          <p:cNvSpPr>
+            <a:spLocks noGrp="1" noRot="1" noChangeAspect="1" noMove="1" noResize="1" noEditPoints="1" noAdjustHandles="1" noChangeArrowheads="1" noChangeShapeType="1" noTextEdit="1"/>
+          </p:cNvSpPr>
+          <p:nvPr>
+            <p:extLst>
+              <p:ext uri="{386F3935-93C4-4BCD-93E2-E3B085C9AB24}">
+                <p16:designElem xmlns:p16="http://schemas.microsoft.com/office/powerpoint/2015/main" val="1"/>
+              </p:ext>
+            </p:extLst>
+          </p:nvPr>
+        </p:nvSpPr>
+        <p:spPr>
+          <a:xfrm rot="5400000" flipH="1">
+            <a:off x="-1410084" y="1410082"/>
+            <a:ext cx="6858000" cy="4037836"/>
+          </a:xfrm>
+          <a:prstGeom prst="rect">
+            <a:avLst/>
+          </a:prstGeom>
+          <a:gradFill>
+            <a:gsLst>
+              <a:gs pos="8000">
+                <a:srgbClr val="000000"/>
+              </a:gs>
+              <a:gs pos="100000">
+                <a:schemeClr val="accent1">
+                  <a:lumMod val="75000"/>
+                </a:schemeClr>
+              </a:gs>
+            </a:gsLst>
+            <a:lin ang="3000000" scaled="0"/>
+          </a:gradFill>
           <a:ln>
             <a:noFill/>
           </a:ln>
@@ -6158,75 +11085,10 @@
       </p:sp>
       <p:sp>
         <p:nvSpPr>
-          <p:cNvPr id="2" name="Title 1">
-            <a:extLst>
-              <a:ext uri="{FF2B5EF4-FFF2-40B4-BE49-F238E27FC236}">
-                <a16:creationId xmlns:a16="http://schemas.microsoft.com/office/drawing/2014/main" id="{D0D8E67D-9DB5-B9D4-7BD4-B2240D56351C}"/>
-              </a:ext>
-            </a:extLst>
-          </p:cNvPr>
-          <p:cNvSpPr>
-            <a:spLocks noGrp="1"/>
-          </p:cNvSpPr>
-          <p:nvPr>
-            <p:ph type="title"/>
-          </p:nvPr>
-        </p:nvSpPr>
-        <p:spPr>
-          <a:xfrm>
-            <a:off x="612648" y="365125"/>
-            <a:ext cx="6986015" cy="1776484"/>
-          </a:xfrm>
-        </p:spPr>
-        <p:txBody>
-          <a:bodyPr vert="horz" lIns="91440" tIns="45720" rIns="91440" bIns="45720" rtlCol="0" anchor="b">
-            <a:normAutofit/>
-          </a:bodyPr>
-          <a:lstStyle/>
-          <a:p>
-            <a:r>
-              <a:rPr lang="en-US" sz="5400"/>
-              <a:t>Normalized Data</a:t>
-            </a:r>
-          </a:p>
-        </p:txBody>
-      </p:sp>
-      <p:pic>
-        <p:nvPicPr>
-          <p:cNvPr id="9" name="Picture 8">
-            <a:extLst>
-              <a:ext uri="{FF2B5EF4-FFF2-40B4-BE49-F238E27FC236}">
-                <a16:creationId xmlns:a16="http://schemas.microsoft.com/office/drawing/2014/main" id="{FE18F748-8092-7D83-6FC5-1FE5D93FDDB2}"/>
-              </a:ext>
-            </a:extLst>
-          </p:cNvPr>
-          <p:cNvPicPr>
-            <a:picLocks noChangeAspect="1"/>
-          </p:cNvPicPr>
-          <p:nvPr/>
-        </p:nvPicPr>
-        <p:blipFill>
-          <a:blip r:embed="rId2"/>
-          <a:stretch>
-            <a:fillRect/>
-          </a:stretch>
-        </p:blipFill>
-        <p:spPr>
-          <a:xfrm>
-            <a:off x="8379409" y="659635"/>
-            <a:ext cx="3532036" cy="1094931"/>
-          </a:xfrm>
-          <a:prstGeom prst="rect">
-            <a:avLst/>
-          </a:prstGeom>
-        </p:spPr>
-      </p:pic>
-      <p:sp>
-        <p:nvSpPr>
-          <p:cNvPr id="30" name="sketch line">
-            <a:extLst>
-              <a:ext uri="{FF2B5EF4-FFF2-40B4-BE49-F238E27FC236}">
-                <a16:creationId xmlns:a16="http://schemas.microsoft.com/office/drawing/2014/main" id="{75F6FDB4-2351-48C2-A863-2364A02343C0}"/>
+          <p:cNvPr id="26" name="Rectangle 16">
+            <a:extLst>
+              <a:ext uri="{FF2B5EF4-FFF2-40B4-BE49-F238E27FC236}">
+                <a16:creationId xmlns:a16="http://schemas.microsoft.com/office/drawing/2014/main" id="{0B936867-6407-43FB-9DE6-1B0879D0CB31}"/>
               </a:ext>
               <a:ext uri="{C183D7F6-B498-43B3-948B-1728B52AA6E4}">
                 <adec:decorative xmlns:adec="http://schemas.microsoft.com/office/drawing/2017/decorative" val="1"/>
@@ -6245,47 +11107,181 @@
           </p:nvPr>
         </p:nvSpPr>
         <p:spPr>
-          <a:xfrm>
-            <a:off x="838200" y="2315691"/>
-            <a:ext cx="4343400" cy="18288"/>
+          <a:xfrm rot="5400000" flipH="1">
+            <a:off x="-1410085" y="1420219"/>
+            <a:ext cx="6857999" cy="4037839"/>
+          </a:xfrm>
+          <a:prstGeom prst="rect">
+            <a:avLst/>
+          </a:prstGeom>
+          <a:gradFill>
+            <a:gsLst>
+              <a:gs pos="0">
+                <a:srgbClr val="000000">
+                  <a:alpha val="0"/>
+                </a:srgbClr>
+              </a:gs>
+              <a:gs pos="99000">
+                <a:schemeClr val="accent1">
+                  <a:alpha val="46000"/>
+                </a:schemeClr>
+              </a:gs>
+            </a:gsLst>
+            <a:lin ang="1800000" scaled="0"/>
+          </a:gradFill>
+          <a:ln>
+            <a:noFill/>
+          </a:ln>
+        </p:spPr>
+        <p:style>
+          <a:lnRef idx="2">
+            <a:schemeClr val="accent1">
+              <a:shade val="50000"/>
+            </a:schemeClr>
+          </a:lnRef>
+          <a:fillRef idx="1">
+            <a:schemeClr val="accent1"/>
+          </a:fillRef>
+          <a:effectRef idx="0">
+            <a:schemeClr val="accent1"/>
+          </a:effectRef>
+          <a:fontRef idx="minor">
+            <a:schemeClr val="lt1"/>
+          </a:fontRef>
+        </p:style>
+        <p:txBody>
+          <a:bodyPr rtlCol="0" anchor="ctr"/>
+          <a:lstStyle/>
+          <a:p>
+            <a:pPr algn="ctr"/>
+            <a:endParaRPr lang="en-US"/>
+          </a:p>
+        </p:txBody>
+      </p:sp>
+      <p:sp>
+        <p:nvSpPr>
+          <p:cNvPr id="27" name="Rectangle 18">
+            <a:extLst>
+              <a:ext uri="{FF2B5EF4-FFF2-40B4-BE49-F238E27FC236}">
+                <a16:creationId xmlns:a16="http://schemas.microsoft.com/office/drawing/2014/main" id="{ACD0B258-678B-4A8C-894F-848AF24A1922}"/>
+              </a:ext>
+              <a:ext uri="{C183D7F6-B498-43B3-948B-1728B52AA6E4}">
+                <adec:decorative xmlns:adec="http://schemas.microsoft.com/office/drawing/2017/decorative" val="1"/>
+              </a:ext>
+            </a:extLst>
+          </p:cNvPr>
+          <p:cNvSpPr>
+            <a:spLocks noGrp="1" noRot="1" noChangeAspect="1" noMove="1" noResize="1" noEditPoints="1" noAdjustHandles="1" noChangeArrowheads="1" noChangeShapeType="1" noTextEdit="1"/>
+          </p:cNvSpPr>
+          <p:nvPr>
+            <p:extLst>
+              <p:ext uri="{386F3935-93C4-4BCD-93E2-E3B085C9AB24}">
+                <p16:designElem xmlns:p16="http://schemas.microsoft.com/office/powerpoint/2015/main" val="1"/>
+              </p:ext>
+            </p:extLst>
+          </p:nvPr>
+        </p:nvSpPr>
+        <p:spPr>
+          <a:xfrm rot="5400000" flipH="1">
+            <a:off x="767923" y="3588085"/>
+            <a:ext cx="2501979" cy="4037841"/>
+          </a:xfrm>
+          <a:prstGeom prst="rect">
+            <a:avLst/>
+          </a:prstGeom>
+          <a:gradFill>
+            <a:gsLst>
+              <a:gs pos="2000">
+                <a:schemeClr val="accent1">
+                  <a:alpha val="29000"/>
+                </a:schemeClr>
+              </a:gs>
+              <a:gs pos="100000">
+                <a:srgbClr val="000000">
+                  <a:alpha val="30000"/>
+                </a:srgbClr>
+              </a:gs>
+            </a:gsLst>
+            <a:lin ang="7800000" scaled="0"/>
+          </a:gradFill>
+          <a:ln>
+            <a:noFill/>
+          </a:ln>
+        </p:spPr>
+        <p:style>
+          <a:lnRef idx="2">
+            <a:schemeClr val="accent1">
+              <a:shade val="50000"/>
+            </a:schemeClr>
+          </a:lnRef>
+          <a:fillRef idx="1">
+            <a:schemeClr val="accent1"/>
+          </a:fillRef>
+          <a:effectRef idx="0">
+            <a:schemeClr val="accent1"/>
+          </a:effectRef>
+          <a:fontRef idx="minor">
+            <a:schemeClr val="lt1"/>
+          </a:fontRef>
+        </p:style>
+        <p:txBody>
+          <a:bodyPr rtlCol="0" anchor="ctr"/>
+          <a:lstStyle/>
+          <a:p>
+            <a:pPr algn="ctr"/>
+            <a:endParaRPr lang="en-US" dirty="0"/>
+          </a:p>
+        </p:txBody>
+      </p:sp>
+      <p:sp>
+        <p:nvSpPr>
+          <p:cNvPr id="28" name="Freeform: Shape 20">
+            <a:extLst>
+              <a:ext uri="{FF2B5EF4-FFF2-40B4-BE49-F238E27FC236}">
+                <a16:creationId xmlns:a16="http://schemas.microsoft.com/office/drawing/2014/main" id="{C8D58395-74AF-401A-AF2F-76B6FCF71DFE}"/>
+              </a:ext>
+              <a:ext uri="{C183D7F6-B498-43B3-948B-1728B52AA6E4}">
+                <adec:decorative xmlns:adec="http://schemas.microsoft.com/office/drawing/2017/decorative" val="1"/>
+              </a:ext>
+            </a:extLst>
+          </p:cNvPr>
+          <p:cNvSpPr>
+            <a:spLocks noGrp="1" noRot="1" noChangeAspect="1" noMove="1" noResize="1" noEditPoints="1" noAdjustHandles="1" noChangeArrowheads="1" noChangeShapeType="1" noTextEdit="1"/>
+          </p:cNvSpPr>
+          <p:nvPr>
+            <p:extLst>
+              <p:ext uri="{386F3935-93C4-4BCD-93E2-E3B085C9AB24}">
+                <p16:designElem xmlns:p16="http://schemas.microsoft.com/office/powerpoint/2015/main" val="1"/>
+              </p:ext>
+            </p:extLst>
+          </p:nvPr>
+        </p:nvSpPr>
+        <p:spPr>
+          <a:xfrm rot="20635413">
+            <a:off x="-501737" y="969718"/>
+            <a:ext cx="3900357" cy="4178958"/>
           </a:xfrm>
           <a:custGeom>
             <a:avLst/>
             <a:gdLst>
-              <a:gd name="connsiteX0" fmla="*/ 0 w 4343400"/>
-              <a:gd name="connsiteY0" fmla="*/ 0 h 18288"/>
-              <a:gd name="connsiteX1" fmla="*/ 577052 w 4343400"/>
-              <a:gd name="connsiteY1" fmla="*/ 0 h 18288"/>
-              <a:gd name="connsiteX2" fmla="*/ 1067235 w 4343400"/>
-              <a:gd name="connsiteY2" fmla="*/ 0 h 18288"/>
-              <a:gd name="connsiteX3" fmla="*/ 1600853 w 4343400"/>
-              <a:gd name="connsiteY3" fmla="*/ 0 h 18288"/>
-              <a:gd name="connsiteX4" fmla="*/ 2264773 w 4343400"/>
-              <a:gd name="connsiteY4" fmla="*/ 0 h 18288"/>
-              <a:gd name="connsiteX5" fmla="*/ 2841825 w 4343400"/>
-              <a:gd name="connsiteY5" fmla="*/ 0 h 18288"/>
-              <a:gd name="connsiteX6" fmla="*/ 3375442 w 4343400"/>
-              <a:gd name="connsiteY6" fmla="*/ 0 h 18288"/>
-              <a:gd name="connsiteX7" fmla="*/ 4343400 w 4343400"/>
-              <a:gd name="connsiteY7" fmla="*/ 0 h 18288"/>
-              <a:gd name="connsiteX8" fmla="*/ 4343400 w 4343400"/>
-              <a:gd name="connsiteY8" fmla="*/ 18288 h 18288"/>
-              <a:gd name="connsiteX9" fmla="*/ 3722914 w 4343400"/>
-              <a:gd name="connsiteY9" fmla="*/ 18288 h 18288"/>
-              <a:gd name="connsiteX10" fmla="*/ 3189297 w 4343400"/>
-              <a:gd name="connsiteY10" fmla="*/ 18288 h 18288"/>
-              <a:gd name="connsiteX11" fmla="*/ 2481943 w 4343400"/>
-              <a:gd name="connsiteY11" fmla="*/ 18288 h 18288"/>
-              <a:gd name="connsiteX12" fmla="*/ 1904891 w 4343400"/>
-              <a:gd name="connsiteY12" fmla="*/ 18288 h 18288"/>
-              <a:gd name="connsiteX13" fmla="*/ 1414707 w 4343400"/>
-              <a:gd name="connsiteY13" fmla="*/ 18288 h 18288"/>
-              <a:gd name="connsiteX14" fmla="*/ 750788 w 4343400"/>
-              <a:gd name="connsiteY14" fmla="*/ 18288 h 18288"/>
-              <a:gd name="connsiteX15" fmla="*/ 0 w 4343400"/>
-              <a:gd name="connsiteY15" fmla="*/ 18288 h 18288"/>
-              <a:gd name="connsiteX16" fmla="*/ 0 w 4343400"/>
-              <a:gd name="connsiteY16" fmla="*/ 0 h 18288"/>
+              <a:gd name="connsiteX0" fmla="*/ 2432225 w 3900357"/>
+              <a:gd name="connsiteY0" fmla="*/ 93939 h 4178958"/>
+              <a:gd name="connsiteX1" fmla="*/ 3900357 w 3900357"/>
+              <a:gd name="connsiteY1" fmla="*/ 2089479 h 4178958"/>
+              <a:gd name="connsiteX2" fmla="*/ 1810878 w 3900357"/>
+              <a:gd name="connsiteY2" fmla="*/ 4178958 h 4178958"/>
+              <a:gd name="connsiteX3" fmla="*/ 78249 w 3900357"/>
+              <a:gd name="connsiteY3" fmla="*/ 3257727 h 4178958"/>
+              <a:gd name="connsiteX4" fmla="*/ 0 w 3900357"/>
+              <a:gd name="connsiteY4" fmla="*/ 3128923 h 4178958"/>
+              <a:gd name="connsiteX5" fmla="*/ 831324 w 3900357"/>
+              <a:gd name="connsiteY5" fmla="*/ 244281 h 4178958"/>
+              <a:gd name="connsiteX6" fmla="*/ 997559 w 3900357"/>
+              <a:gd name="connsiteY6" fmla="*/ 164202 h 4178958"/>
+              <a:gd name="connsiteX7" fmla="*/ 1810878 w 3900357"/>
+              <a:gd name="connsiteY7" fmla="*/ 0 h 4178958"/>
+              <a:gd name="connsiteX8" fmla="*/ 2432225 w 3900357"/>
+              <a:gd name="connsiteY8" fmla="*/ 93939 h 4178958"/>
             </a:gdLst>
             <a:ahLst/>
             <a:cxnLst>
@@ -6316,227 +11312,147 @@
               <a:cxn ang="0">
                 <a:pos x="connsiteX8" y="connsiteY8"/>
               </a:cxn>
-              <a:cxn ang="0">
-                <a:pos x="connsiteX9" y="connsiteY9"/>
-              </a:cxn>
-              <a:cxn ang="0">
-                <a:pos x="connsiteX10" y="connsiteY10"/>
-              </a:cxn>
-              <a:cxn ang="0">
-                <a:pos x="connsiteX11" y="connsiteY11"/>
-              </a:cxn>
-              <a:cxn ang="0">
-                <a:pos x="connsiteX12" y="connsiteY12"/>
-              </a:cxn>
-              <a:cxn ang="0">
-                <a:pos x="connsiteX13" y="connsiteY13"/>
-              </a:cxn>
-              <a:cxn ang="0">
-                <a:pos x="connsiteX14" y="connsiteY14"/>
-              </a:cxn>
-              <a:cxn ang="0">
-                <a:pos x="connsiteX15" y="connsiteY15"/>
-              </a:cxn>
-              <a:cxn ang="0">
-                <a:pos x="connsiteX16" y="connsiteY16"/>
-              </a:cxn>
             </a:cxnLst>
             <a:rect l="l" t="t" r="r" b="b"/>
             <a:pathLst>
-              <a:path w="4343400" h="18288" fill="none" extrusionOk="0">
+              <a:path w="3900357" h="4178958">
                 <a:moveTo>
-                  <a:pt x="0" y="0"/>
+                  <a:pt x="2432225" y="93939"/>
                 </a:moveTo>
                 <a:cubicBezTo>
-                  <a:pt x="233209" y="-19550"/>
-                  <a:pt x="330816" y="19068"/>
-                  <a:pt x="577052" y="0"/>
+                  <a:pt x="3282786" y="358491"/>
+                  <a:pt x="3900357" y="1151865"/>
+                  <a:pt x="3900357" y="2089479"/>
                 </a:cubicBezTo>
                 <a:cubicBezTo>
-                  <a:pt x="823288" y="-19068"/>
-                  <a:pt x="875077" y="10360"/>
-                  <a:pt x="1067235" y="0"/>
+                  <a:pt x="3900357" y="3243466"/>
+                  <a:pt x="2964865" y="4178958"/>
+                  <a:pt x="1810878" y="4178958"/>
                 </a:cubicBezTo>
                 <a:cubicBezTo>
-                  <a:pt x="1259393" y="-10360"/>
-                  <a:pt x="1410699" y="2939"/>
-                  <a:pt x="1600853" y="0"/>
+                  <a:pt x="1089636" y="4178958"/>
+                  <a:pt x="453744" y="3813531"/>
+                  <a:pt x="78249" y="3257727"/>
+                </a:cubicBezTo>
+                <a:lnTo>
+                  <a:pt x="0" y="3128923"/>
+                </a:lnTo>
+                <a:lnTo>
+                  <a:pt x="831324" y="244281"/>
+                </a:lnTo>
+                <a:lnTo>
+                  <a:pt x="997559" y="164202"/>
+                </a:lnTo>
+                <a:cubicBezTo>
+                  <a:pt x="1247540" y="58468"/>
+                  <a:pt x="1522381" y="0"/>
+                  <a:pt x="1810878" y="0"/>
                 </a:cubicBezTo>
                 <a:cubicBezTo>
-                  <a:pt x="1791007" y="-2939"/>
-                  <a:pt x="2101644" y="-26225"/>
-                  <a:pt x="2264773" y="0"/>
-                </a:cubicBezTo>
-                <a:cubicBezTo>
-                  <a:pt x="2427902" y="26225"/>
-                  <a:pt x="2690426" y="-27726"/>
-                  <a:pt x="2841825" y="0"/>
-                </a:cubicBezTo>
-                <a:cubicBezTo>
-                  <a:pt x="2993224" y="27726"/>
-                  <a:pt x="3172320" y="-18569"/>
-                  <a:pt x="3375442" y="0"/>
-                </a:cubicBezTo>
-                <a:cubicBezTo>
-                  <a:pt x="3578564" y="18569"/>
-                  <a:pt x="4003119" y="21909"/>
-                  <a:pt x="4343400" y="0"/>
-                </a:cubicBezTo>
-                <a:cubicBezTo>
-                  <a:pt x="4343798" y="7429"/>
-                  <a:pt x="4343380" y="10822"/>
-                  <a:pt x="4343400" y="18288"/>
-                </a:cubicBezTo>
-                <a:cubicBezTo>
-                  <a:pt x="4109047" y="14709"/>
-                  <a:pt x="3996986" y="7919"/>
-                  <a:pt x="3722914" y="18288"/>
-                </a:cubicBezTo>
-                <a:cubicBezTo>
-                  <a:pt x="3448842" y="28657"/>
-                  <a:pt x="3340973" y="29252"/>
-                  <a:pt x="3189297" y="18288"/>
-                </a:cubicBezTo>
-                <a:cubicBezTo>
-                  <a:pt x="3037621" y="7324"/>
-                  <a:pt x="2636891" y="-9539"/>
-                  <a:pt x="2481943" y="18288"/>
-                </a:cubicBezTo>
-                <a:cubicBezTo>
-                  <a:pt x="2326995" y="46115"/>
-                  <a:pt x="2131632" y="740"/>
-                  <a:pt x="1904891" y="18288"/>
-                </a:cubicBezTo>
-                <a:cubicBezTo>
-                  <a:pt x="1678150" y="35836"/>
-                  <a:pt x="1575362" y="-3381"/>
-                  <a:pt x="1414707" y="18288"/>
-                </a:cubicBezTo>
-                <a:cubicBezTo>
-                  <a:pt x="1254052" y="39957"/>
-                  <a:pt x="1051093" y="-335"/>
-                  <a:pt x="750788" y="18288"/>
-                </a:cubicBezTo>
-                <a:cubicBezTo>
-                  <a:pt x="450483" y="36911"/>
-                  <a:pt x="293781" y="22900"/>
-                  <a:pt x="0" y="18288"/>
-                </a:cubicBezTo>
-                <a:cubicBezTo>
-                  <a:pt x="-591" y="13205"/>
-                  <a:pt x="-663" y="6329"/>
-                  <a:pt x="0" y="0"/>
-                </a:cubicBezTo>
-                <a:close/>
-              </a:path>
-              <a:path w="4343400" h="18288" stroke="0" extrusionOk="0">
-                <a:moveTo>
-                  <a:pt x="0" y="0"/>
-                </a:moveTo>
-                <a:cubicBezTo>
-                  <a:pt x="212719" y="-28531"/>
-                  <a:pt x="340561" y="-1164"/>
-                  <a:pt x="577052" y="0"/>
-                </a:cubicBezTo>
-                <a:cubicBezTo>
-                  <a:pt x="813543" y="1164"/>
-                  <a:pt x="866967" y="-9376"/>
-                  <a:pt x="1067235" y="0"/>
-                </a:cubicBezTo>
-                <a:cubicBezTo>
-                  <a:pt x="1267503" y="9376"/>
-                  <a:pt x="1485778" y="-20470"/>
-                  <a:pt x="1774589" y="0"/>
-                </a:cubicBezTo>
-                <a:cubicBezTo>
-                  <a:pt x="2063400" y="20470"/>
-                  <a:pt x="2090152" y="-14502"/>
-                  <a:pt x="2351641" y="0"/>
-                </a:cubicBezTo>
-                <a:cubicBezTo>
-                  <a:pt x="2613130" y="14502"/>
-                  <a:pt x="2802864" y="19125"/>
-                  <a:pt x="2928693" y="0"/>
-                </a:cubicBezTo>
-                <a:cubicBezTo>
-                  <a:pt x="3054522" y="-19125"/>
-                  <a:pt x="3482611" y="-2038"/>
-                  <a:pt x="3636046" y="0"/>
-                </a:cubicBezTo>
-                <a:cubicBezTo>
-                  <a:pt x="3789481" y="2038"/>
-                  <a:pt x="4012363" y="973"/>
-                  <a:pt x="4343400" y="0"/>
-                </a:cubicBezTo>
-                <a:cubicBezTo>
-                  <a:pt x="4342514" y="5429"/>
-                  <a:pt x="4344221" y="14046"/>
-                  <a:pt x="4343400" y="18288"/>
-                </a:cubicBezTo>
-                <a:cubicBezTo>
-                  <a:pt x="4078870" y="-6138"/>
-                  <a:pt x="4015967" y="29658"/>
-                  <a:pt x="3809782" y="18288"/>
-                </a:cubicBezTo>
-                <a:cubicBezTo>
-                  <a:pt x="3603597" y="6918"/>
-                  <a:pt x="3495552" y="24439"/>
-                  <a:pt x="3189297" y="18288"/>
-                </a:cubicBezTo>
-                <a:cubicBezTo>
-                  <a:pt x="2883042" y="12137"/>
-                  <a:pt x="2850610" y="32583"/>
-                  <a:pt x="2568811" y="18288"/>
-                </a:cubicBezTo>
-                <a:cubicBezTo>
-                  <a:pt x="2287012" y="3993"/>
-                  <a:pt x="2279820" y="23580"/>
-                  <a:pt x="1991759" y="18288"/>
-                </a:cubicBezTo>
-                <a:cubicBezTo>
-                  <a:pt x="1703698" y="12996"/>
-                  <a:pt x="1616455" y="23157"/>
-                  <a:pt x="1284405" y="18288"/>
-                </a:cubicBezTo>
-                <a:cubicBezTo>
-                  <a:pt x="952355" y="13419"/>
-                  <a:pt x="783530" y="16053"/>
-                  <a:pt x="577052" y="18288"/>
-                </a:cubicBezTo>
-                <a:cubicBezTo>
-                  <a:pt x="370574" y="20523"/>
-                  <a:pt x="173929" y="5195"/>
-                  <a:pt x="0" y="18288"/>
-                </a:cubicBezTo>
-                <a:cubicBezTo>
-                  <a:pt x="668" y="13665"/>
-                  <a:pt x="578" y="5675"/>
-                  <a:pt x="0" y="0"/>
+                  <a:pt x="2027251" y="0"/>
+                  <a:pt x="2235942" y="32888"/>
+                  <a:pt x="2432225" y="93939"/>
                 </a:cubicBezTo>
                 <a:close/>
               </a:path>
             </a:pathLst>
           </a:custGeom>
-          <a:solidFill>
-            <a:schemeClr val="accent2"/>
-          </a:solidFill>
-          <a:ln w="41275" cap="rnd">
-            <a:solidFill>
-              <a:schemeClr val="accent2"/>
-            </a:solidFill>
-            <a:round/>
-            <a:extLst>
-              <a:ext uri="{C807C97D-BFC1-408E-A445-0C87EB9F89A2}">
-                <ask:lineSketchStyleProps xmlns:ask="http://schemas.microsoft.com/office/drawing/2018/sketchyshapes" sd="1219033472">
-                  <a:prstGeom prst="rect">
-                    <a:avLst/>
-                  </a:prstGeom>
-                  <ask:type>
-                    <ask:lineSketchFreehand/>
-                  </ask:type>
-                </ask:lineSketchStyleProps>
-              </a:ext>
-            </a:extLst>
+          <a:gradFill>
+            <a:gsLst>
+              <a:gs pos="29000">
+                <a:srgbClr val="000000">
+                  <a:alpha val="0"/>
+                </a:srgbClr>
+              </a:gs>
+              <a:gs pos="100000">
+                <a:schemeClr val="accent1">
+                  <a:alpha val="43000"/>
+                </a:schemeClr>
+              </a:gs>
+            </a:gsLst>
+            <a:lin ang="1800000" scaled="0"/>
+          </a:gradFill>
+          <a:ln>
+            <a:noFill/>
+          </a:ln>
+        </p:spPr>
+        <p:style>
+          <a:lnRef idx="2">
+            <a:schemeClr val="accent1">
+              <a:shade val="50000"/>
+            </a:schemeClr>
+          </a:lnRef>
+          <a:fillRef idx="1">
+            <a:schemeClr val="accent1"/>
+          </a:fillRef>
+          <a:effectRef idx="0">
+            <a:schemeClr val="accent1"/>
+          </a:effectRef>
+          <a:fontRef idx="minor">
+            <a:schemeClr val="lt1"/>
+          </a:fontRef>
+        </p:style>
+        <p:txBody>
+          <a:bodyPr wrap="square" rtlCol="0" anchor="ctr">
+            <a:noAutofit/>
+          </a:bodyPr>
+          <a:lstStyle/>
+          <a:p>
+            <a:pPr algn="ctr"/>
+            <a:endParaRPr lang="en-US" dirty="0"/>
+          </a:p>
+        </p:txBody>
+      </p:sp>
+      <p:sp>
+        <p:nvSpPr>
+          <p:cNvPr id="23" name="Rectangle 22">
+            <a:extLst>
+              <a:ext uri="{FF2B5EF4-FFF2-40B4-BE49-F238E27FC236}">
+                <a16:creationId xmlns:a16="http://schemas.microsoft.com/office/drawing/2014/main" id="{2F003F3F-F118-41D2-AA3F-74DB0D1970BB}"/>
+              </a:ext>
+              <a:ext uri="{C183D7F6-B498-43B3-948B-1728B52AA6E4}">
+                <adec:decorative xmlns:adec="http://schemas.microsoft.com/office/drawing/2017/decorative" val="1"/>
+              </a:ext>
+            </a:extLst>
+          </p:cNvPr>
+          <p:cNvSpPr>
+            <a:spLocks noGrp="1" noRot="1" noChangeAspect="1" noMove="1" noResize="1" noEditPoints="1" noAdjustHandles="1" noChangeArrowheads="1" noChangeShapeType="1" noTextEdit="1"/>
+          </p:cNvSpPr>
+          <p:nvPr>
+            <p:extLst>
+              <p:ext uri="{386F3935-93C4-4BCD-93E2-E3B085C9AB24}">
+                <p16:designElem xmlns:p16="http://schemas.microsoft.com/office/powerpoint/2015/main" val="1"/>
+              </p:ext>
+            </p:extLst>
+          </p:nvPr>
+        </p:nvSpPr>
+        <p:spPr>
+          <a:xfrm rot="5400000" flipH="1">
+            <a:off x="-1410095" y="1410079"/>
+            <a:ext cx="6858003" cy="4037835"/>
+          </a:xfrm>
+          <a:prstGeom prst="rect">
+            <a:avLst/>
+          </a:prstGeom>
+          <a:gradFill>
+            <a:gsLst>
+              <a:gs pos="0">
+                <a:srgbClr val="000000">
+                  <a:alpha val="0"/>
+                </a:srgbClr>
+              </a:gs>
+              <a:gs pos="99000">
+                <a:schemeClr val="accent1">
+                  <a:lumMod val="60000"/>
+                  <a:lumOff val="40000"/>
+                  <a:alpha val="11000"/>
+                </a:schemeClr>
+              </a:gs>
+            </a:gsLst>
+            <a:lin ang="7200000" scaled="0"/>
+          </a:gradFill>
+          <a:ln>
+            <a:noFill/>
           </a:ln>
         </p:spPr>
         <p:style>
@@ -6566,10 +11482,50 @@
       </p:sp>
       <p:sp>
         <p:nvSpPr>
+          <p:cNvPr id="2" name="Title 1">
+            <a:extLst>
+              <a:ext uri="{FF2B5EF4-FFF2-40B4-BE49-F238E27FC236}">
+                <a16:creationId xmlns:a16="http://schemas.microsoft.com/office/drawing/2014/main" id="{0691A2E3-FECE-B43A-094A-8B2B0AD0CC19}"/>
+              </a:ext>
+            </a:extLst>
+          </p:cNvPr>
+          <p:cNvSpPr>
+            <a:spLocks noGrp="1"/>
+          </p:cNvSpPr>
+          <p:nvPr>
+            <p:ph type="title"/>
+          </p:nvPr>
+        </p:nvSpPr>
+        <p:spPr>
+          <a:xfrm>
+            <a:off x="806825" y="457201"/>
+            <a:ext cx="2844800" cy="3588870"/>
+          </a:xfrm>
+        </p:spPr>
+        <p:txBody>
+          <a:bodyPr vert="horz" lIns="91440" tIns="45720" rIns="91440" bIns="45720" rtlCol="0" anchor="b">
+            <a:normAutofit/>
+          </a:bodyPr>
+          <a:lstStyle/>
+          <a:p>
+            <a:pPr algn="r"/>
+            <a:r>
+              <a:rPr lang="en-US" sz="3700">
+                <a:solidFill>
+                  <a:srgbClr val="FFFFFF"/>
+                </a:solidFill>
+              </a:rPr>
+              <a:t>Oversampled Datapoints</a:t>
+            </a:r>
+          </a:p>
+        </p:txBody>
+      </p:sp>
+      <p:sp>
+        <p:nvSpPr>
           <p:cNvPr id="3" name="TextBox 2">
             <a:extLst>
               <a:ext uri="{FF2B5EF4-FFF2-40B4-BE49-F238E27FC236}">
-                <a16:creationId xmlns:a16="http://schemas.microsoft.com/office/drawing/2014/main" id="{25F6FDDF-DEAC-0A1C-F484-9A2F37C9469A}"/>
+                <a16:creationId xmlns:a16="http://schemas.microsoft.com/office/drawing/2014/main" id="{866E656E-8895-B5E0-8C3B-83F304E91AAC}"/>
               </a:ext>
             </a:extLst>
           </p:cNvPr>
@@ -6578,81 +11534,72 @@
         </p:nvSpPr>
         <p:spPr>
           <a:xfrm>
-            <a:off x="612648" y="2504819"/>
-            <a:ext cx="6986016" cy="3672144"/>
+            <a:off x="4649245" y="669363"/>
+            <a:ext cx="3290579" cy="5534211"/>
           </a:xfrm>
           <a:prstGeom prst="rect">
             <a:avLst/>
           </a:prstGeom>
         </p:spPr>
         <p:txBody>
-          <a:bodyPr vert="horz" lIns="91440" tIns="45720" rIns="91440" bIns="45720" rtlCol="0">
+          <a:bodyPr vert="horz" lIns="91440" tIns="45720" rIns="91440" bIns="45720" rtlCol="0" anchor="ctr">
             <a:normAutofit/>
           </a:bodyPr>
           <a:lstStyle/>
           <a:p>
-            <a:pPr algn="l">
-              <a:buFont typeface="Arial" panose="020B0604020202020204" pitchFamily="34" charset="0"/>
-              <a:buChar char="•"/>
-            </a:pPr>
-            <a:endParaRPr lang="en-US" b="0" i="0" dirty="0">
-              <a:solidFill>
-                <a:srgbClr val="D1D5DB"/>
-              </a:solidFill>
-              <a:effectLst/>
-              <a:latin typeface="Söhne"/>
-            </a:endParaRPr>
-          </a:p>
-          <a:p>
-            <a:pPr marL="742950" lvl="1" indent="-285750" algn="l">
+            <a:pPr indent="-228600">
+              <a:lnSpc>
+                <a:spcPct val="90000"/>
+              </a:lnSpc>
+              <a:spcAft>
+                <a:spcPts val="600"/>
+              </a:spcAft>
               <a:buFont typeface="Arial" panose="020B0604020202020204" pitchFamily="34" charset="0"/>
               <a:buChar char="•"/>
             </a:pPr>
             <a:r>
-              <a:rPr lang="en-US" b="0" i="0" dirty="0">
-                <a:solidFill>
-                  <a:srgbClr val="D1D5DB"/>
-                </a:solidFill>
-                <a:effectLst/>
-                <a:latin typeface="Söhne"/>
-              </a:rPr>
-              <a:t>Skewness removed using </a:t>
+              <a:rPr lang="en-US" sz="2000"/>
+              <a:t>ADASYN adaptively generates synthetic samples in regions of the feature space with low minority class density, while SMOTE interpolates between existing minority class samples, making ADASYN suitable for highly imbalanced datasets with clustered minority instances and SMOTE appropriate for datasets with more evenly distributed minority class instances.</a:t>
             </a:r>
-            <a:r>
-              <a:rPr lang="en-US" b="0" i="0" dirty="0" err="1">
-                <a:solidFill>
-                  <a:srgbClr val="D1D5DB"/>
-                </a:solidFill>
-                <a:effectLst/>
-                <a:latin typeface="Söhne"/>
-              </a:rPr>
-              <a:t>PowerTransformer</a:t>
-            </a:r>
-            <a:r>
-              <a:rPr lang="en-US" b="0" i="0" dirty="0">
-                <a:solidFill>
-                  <a:srgbClr val="D1D5DB"/>
-                </a:solidFill>
-                <a:effectLst/>
-                <a:latin typeface="Söhne"/>
-              </a:rPr>
-              <a:t>.</a:t>
-            </a:r>
-          </a:p>
-          <a:p>
-            <a:br>
-              <a:rPr lang="en-US" dirty="0"/>
-            </a:br>
-            <a:endParaRPr lang="en-US" sz="2200" dirty="0"/>
           </a:p>
         </p:txBody>
       </p:sp>
       <p:pic>
         <p:nvPicPr>
-          <p:cNvPr id="7" name="Picture 6">
-            <a:extLst>
-              <a:ext uri="{FF2B5EF4-FFF2-40B4-BE49-F238E27FC236}">
-                <a16:creationId xmlns:a16="http://schemas.microsoft.com/office/drawing/2014/main" id="{1DFA8053-6CDA-EBC8-DC79-88BC7D5016D5}"/>
+          <p:cNvPr id="8" name="Picture 7">
+            <a:extLst>
+              <a:ext uri="{FF2B5EF4-FFF2-40B4-BE49-F238E27FC236}">
+                <a16:creationId xmlns:a16="http://schemas.microsoft.com/office/drawing/2014/main" id="{A3DAC6F1-8FE0-0D64-B34B-4B0D542D82A5}"/>
+              </a:ext>
+            </a:extLst>
+          </p:cNvPr>
+          <p:cNvPicPr>
+            <a:picLocks noChangeAspect="1"/>
+          </p:cNvPicPr>
+          <p:nvPr/>
+        </p:nvPicPr>
+        <p:blipFill>
+          <a:blip r:embed="rId2"/>
+          <a:stretch>
+            <a:fillRect/>
+          </a:stretch>
+        </p:blipFill>
+        <p:spPr>
+          <a:xfrm>
+            <a:off x="8658496" y="900555"/>
+            <a:ext cx="2442312" cy="2381255"/>
+          </a:xfrm>
+          <a:prstGeom prst="rect">
+            <a:avLst/>
+          </a:prstGeom>
+        </p:spPr>
+      </p:pic>
+      <p:pic>
+        <p:nvPicPr>
+          <p:cNvPr id="6" name="Picture 5">
+            <a:extLst>
+              <a:ext uri="{FF2B5EF4-FFF2-40B4-BE49-F238E27FC236}">
+                <a16:creationId xmlns:a16="http://schemas.microsoft.com/office/drawing/2014/main" id="{5A0369C5-D56F-C52F-4718-4571F30B0CC5}"/>
               </a:ext>
             </a:extLst>
           </p:cNvPr>
@@ -6669,191 +11616,8 @@
         </p:blipFill>
         <p:spPr>
           <a:xfrm>
-            <a:off x="8381136" y="2363793"/>
-            <a:ext cx="3530309" cy="1782806"/>
-          </a:xfrm>
-          <a:prstGeom prst="rect">
-            <a:avLst/>
-          </a:prstGeom>
-        </p:spPr>
-      </p:pic>
-      <p:pic>
-        <p:nvPicPr>
-          <p:cNvPr id="5" name="Content Placeholder 4">
-            <a:extLst>
-              <a:ext uri="{FF2B5EF4-FFF2-40B4-BE49-F238E27FC236}">
-                <a16:creationId xmlns:a16="http://schemas.microsoft.com/office/drawing/2014/main" id="{C76C51A4-7E6B-4795-5DC7-E634E423F134}"/>
-              </a:ext>
-            </a:extLst>
-          </p:cNvPr>
-          <p:cNvPicPr>
-            <a:picLocks noGrp="1" noChangeAspect="1"/>
-          </p:cNvPicPr>
-          <p:nvPr>
-            <p:ph idx="1"/>
-          </p:nvPr>
-        </p:nvPicPr>
-        <p:blipFill>
-          <a:blip r:embed="rId4"/>
-          <a:stretch>
-            <a:fillRect/>
-          </a:stretch>
-        </p:blipFill>
-        <p:spPr>
-          <a:xfrm>
-            <a:off x="8381136" y="4632532"/>
-            <a:ext cx="3530309" cy="1341517"/>
-          </a:xfrm>
-          <a:prstGeom prst="rect">
-            <a:avLst/>
-          </a:prstGeom>
-        </p:spPr>
-      </p:pic>
-    </p:spTree>
-    <p:extLst>
-      <p:ext uri="{BB962C8B-B14F-4D97-AF65-F5344CB8AC3E}">
-        <p14:creationId xmlns:p14="http://schemas.microsoft.com/office/powerpoint/2010/main" val="2972794063"/>
-      </p:ext>
-    </p:extLst>
-  </p:cSld>
-  <p:clrMapOvr>
-    <a:masterClrMapping/>
-  </p:clrMapOvr>
-</p:sld>
-</file>
-
-<file path=ppt/slides/slide7.xml><?xml version="1.0" encoding="utf-8"?>
-<p:sld xmlns:a="http://schemas.openxmlformats.org/drawingml/2006/main" xmlns:r="http://schemas.openxmlformats.org/officeDocument/2006/relationships" xmlns:p="http://schemas.openxmlformats.org/presentationml/2006/main">
-  <p:cSld>
-    <p:spTree>
-      <p:nvGrpSpPr>
-        <p:cNvPr id="1" name=""/>
-        <p:cNvGrpSpPr/>
-        <p:nvPr/>
-      </p:nvGrpSpPr>
-      <p:grpSpPr>
-        <a:xfrm>
-          <a:off x="0" y="0"/>
-          <a:ext cx="0" cy="0"/>
-          <a:chOff x="0" y="0"/>
-          <a:chExt cx="0" cy="0"/>
-        </a:xfrm>
-      </p:grpSpPr>
-      <p:sp>
-        <p:nvSpPr>
-          <p:cNvPr id="2" name="Title 1">
-            <a:extLst>
-              <a:ext uri="{FF2B5EF4-FFF2-40B4-BE49-F238E27FC236}">
-                <a16:creationId xmlns:a16="http://schemas.microsoft.com/office/drawing/2014/main" id="{0691A2E3-FECE-B43A-094A-8B2B0AD0CC19}"/>
-              </a:ext>
-            </a:extLst>
-          </p:cNvPr>
-          <p:cNvSpPr>
-            <a:spLocks noGrp="1"/>
-          </p:cNvSpPr>
-          <p:nvPr>
-            <p:ph type="title"/>
-          </p:nvPr>
-        </p:nvSpPr>
-        <p:spPr/>
-        <p:txBody>
-          <a:bodyPr/>
-          <a:lstStyle/>
-          <a:p>
-            <a:r>
-              <a:rPr lang="en-US"/>
-              <a:t>Oversampled Datapoints</a:t>
-            </a:r>
-            <a:endParaRPr lang="en-US" dirty="0"/>
-          </a:p>
-        </p:txBody>
-      </p:sp>
-      <p:pic>
-        <p:nvPicPr>
-          <p:cNvPr id="4" name="Content Placeholder 3">
-            <a:extLst>
-              <a:ext uri="{FF2B5EF4-FFF2-40B4-BE49-F238E27FC236}">
-                <a16:creationId xmlns:a16="http://schemas.microsoft.com/office/drawing/2014/main" id="{67D50C59-B128-5091-C0B5-C8689565F25F}"/>
-              </a:ext>
-            </a:extLst>
-          </p:cNvPr>
-          <p:cNvPicPr>
-            <a:picLocks noGrp="1" noChangeAspect="1"/>
-          </p:cNvPicPr>
-          <p:nvPr>
-            <p:ph idx="1"/>
-          </p:nvPr>
-        </p:nvPicPr>
-        <p:blipFill>
-          <a:blip r:embed="rId2"/>
-          <a:stretch>
-            <a:fillRect/>
-          </a:stretch>
-        </p:blipFill>
-        <p:spPr>
-          <a:xfrm>
-            <a:off x="160581" y="2615746"/>
-            <a:ext cx="3661515" cy="3980338"/>
-          </a:xfrm>
-          <a:prstGeom prst="rect">
-            <a:avLst/>
-          </a:prstGeom>
-        </p:spPr>
-      </p:pic>
-      <p:pic>
-        <p:nvPicPr>
-          <p:cNvPr id="6" name="Picture 5">
-            <a:extLst>
-              <a:ext uri="{FF2B5EF4-FFF2-40B4-BE49-F238E27FC236}">
-                <a16:creationId xmlns:a16="http://schemas.microsoft.com/office/drawing/2014/main" id="{5A0369C5-D56F-C52F-4718-4571F30B0CC5}"/>
-              </a:ext>
-            </a:extLst>
-          </p:cNvPr>
-          <p:cNvPicPr>
-            <a:picLocks noChangeAspect="1"/>
-          </p:cNvPicPr>
-          <p:nvPr/>
-        </p:nvPicPr>
-        <p:blipFill>
-          <a:blip r:embed="rId3"/>
-          <a:stretch>
-            <a:fillRect/>
-          </a:stretch>
-        </p:blipFill>
-        <p:spPr>
-          <a:xfrm>
-            <a:off x="8088084" y="2615746"/>
-            <a:ext cx="4034739" cy="3980338"/>
-          </a:xfrm>
-          <a:prstGeom prst="rect">
-            <a:avLst/>
-          </a:prstGeom>
-        </p:spPr>
-      </p:pic>
-      <p:pic>
-        <p:nvPicPr>
-          <p:cNvPr id="8" name="Picture 7">
-            <a:extLst>
-              <a:ext uri="{FF2B5EF4-FFF2-40B4-BE49-F238E27FC236}">
-                <a16:creationId xmlns:a16="http://schemas.microsoft.com/office/drawing/2014/main" id="{A3DAC6F1-8FE0-0D64-B34B-4B0D542D82A5}"/>
-              </a:ext>
-            </a:extLst>
-          </p:cNvPr>
-          <p:cNvPicPr>
-            <a:picLocks noChangeAspect="1"/>
-          </p:cNvPicPr>
-          <p:nvPr/>
-        </p:nvPicPr>
-        <p:blipFill>
-          <a:blip r:embed="rId4"/>
-          <a:stretch>
-            <a:fillRect/>
-          </a:stretch>
-        </p:blipFill>
-        <p:spPr>
-          <a:xfrm>
-            <a:off x="4103917" y="2615746"/>
-            <a:ext cx="3921698" cy="3980338"/>
+            <a:off x="8666875" y="3589863"/>
+            <a:ext cx="2425554" cy="2395235"/>
           </a:xfrm>
           <a:prstGeom prst="rect">
             <a:avLst/>
@@ -8244,14 +13008,14 @@
             <p:ph idx="1"/>
             <p:extLst>
               <p:ext uri="{D42A27DB-BD31-4B8C-83A1-F6EECF244321}">
-                <p14:modId xmlns:p14="http://schemas.microsoft.com/office/powerpoint/2010/main" val="3381954343"/>
+                <p14:modId xmlns:p14="http://schemas.microsoft.com/office/powerpoint/2010/main" val="1203679507"/>
               </p:ext>
             </p:extLst>
           </p:nvPr>
         </p:nvGraphicFramePr>
         <p:xfrm>
           <a:off x="149149" y="2067892"/>
-          <a:ext cx="11733502" cy="4536453"/>
+          <a:ext cx="11751699" cy="4536453"/>
         </p:xfrm>
         <a:graphic>
           <a:graphicData uri="http://schemas.openxmlformats.org/drawingml/2006/table">
@@ -8260,42 +13024,42 @@
                 <a:tableStyleId>{5C22544A-7EE6-4342-B048-85BDC9FD1C3A}</a:tableStyleId>
               </a:tblPr>
               <a:tblGrid>
-                <a:gridCol w="1802968">
+                <a:gridCol w="1805764">
                   <a:extLst>
                     <a:ext uri="{9D8B030D-6E8A-4147-A177-3AD203B41FA5}">
                       <a16:colId xmlns:a16="http://schemas.microsoft.com/office/drawing/2014/main" val="4046375680"/>
                     </a:ext>
                   </a:extLst>
                 </a:gridCol>
-                <a:gridCol w="1835808">
+                <a:gridCol w="1838655">
                   <a:extLst>
                     <a:ext uri="{9D8B030D-6E8A-4147-A177-3AD203B41FA5}">
                       <a16:colId xmlns:a16="http://schemas.microsoft.com/office/drawing/2014/main" val="3836363078"/>
                     </a:ext>
                   </a:extLst>
                 </a:gridCol>
-                <a:gridCol w="2621016">
+                <a:gridCol w="2625081">
                   <a:extLst>
                     <a:ext uri="{9D8B030D-6E8A-4147-A177-3AD203B41FA5}">
                       <a16:colId xmlns:a16="http://schemas.microsoft.com/office/drawing/2014/main" val="2601938607"/>
                     </a:ext>
                   </a:extLst>
                 </a:gridCol>
-                <a:gridCol w="1784149">
+                <a:gridCol w="1786916">
                   <a:extLst>
                     <a:ext uri="{9D8B030D-6E8A-4147-A177-3AD203B41FA5}">
                       <a16:colId xmlns:a16="http://schemas.microsoft.com/office/drawing/2014/main" val="1790429295"/>
                     </a:ext>
                   </a:extLst>
                 </a:gridCol>
-                <a:gridCol w="1802968">
+                <a:gridCol w="1805764">
                   <a:extLst>
                     <a:ext uri="{9D8B030D-6E8A-4147-A177-3AD203B41FA5}">
                       <a16:colId xmlns:a16="http://schemas.microsoft.com/office/drawing/2014/main" val="3582529616"/>
                     </a:ext>
                   </a:extLst>
                 </a:gridCol>
-                <a:gridCol w="1886593">
+                <a:gridCol w="1889519">
                   <a:extLst>
                     <a:ext uri="{9D8B030D-6E8A-4147-A177-3AD203B41FA5}">
                       <a16:colId xmlns:a16="http://schemas.microsoft.com/office/drawing/2014/main" val="3542389499"/>

--- a/CreditCard_FraudDetection_MachingLearning.pptx
+++ b/CreditCard_FraudDetection_MachingLearning.pptx
@@ -13,10 +13,10 @@
     <p:sldId id="262" r:id="rId7"/>
     <p:sldId id="284" r:id="rId8"/>
     <p:sldId id="279" r:id="rId9"/>
-    <p:sldId id="280" r:id="rId10"/>
-    <p:sldId id="285" r:id="rId11"/>
-    <p:sldId id="287" r:id="rId12"/>
-    <p:sldId id="286" r:id="rId13"/>
+    <p:sldId id="288" r:id="rId10"/>
+    <p:sldId id="280" r:id="rId11"/>
+    <p:sldId id="289" r:id="rId12"/>
+    <p:sldId id="290" r:id="rId13"/>
   </p:sldIdLst>
   <p:sldSz cx="12192000" cy="6858000"/>
   <p:notesSz cx="6858000" cy="9144000"/>
@@ -2917,7 +2917,7 @@
           <a:p>
             <a:fld id="{58231EE7-2188-4879-A9D9-AECF66CEEAF8}" type="datetimeFigureOut">
               <a:rPr lang="en-US" smtClean="0"/>
-              <a:t>9/24/2023</a:t>
+              <a:t>9/25/2023</a:t>
             </a:fld>
             <a:endParaRPr lang="en-US"/>
           </a:p>
@@ -3115,7 +3115,7 @@
           <a:p>
             <a:fld id="{58231EE7-2188-4879-A9D9-AECF66CEEAF8}" type="datetimeFigureOut">
               <a:rPr lang="en-US" smtClean="0"/>
-              <a:t>9/24/2023</a:t>
+              <a:t>9/25/2023</a:t>
             </a:fld>
             <a:endParaRPr lang="en-US"/>
           </a:p>
@@ -3323,7 +3323,7 @@
           <a:p>
             <a:fld id="{58231EE7-2188-4879-A9D9-AECF66CEEAF8}" type="datetimeFigureOut">
               <a:rPr lang="en-US" smtClean="0"/>
-              <a:t>9/24/2023</a:t>
+              <a:t>9/25/2023</a:t>
             </a:fld>
             <a:endParaRPr lang="en-US"/>
           </a:p>
@@ -3521,7 +3521,7 @@
           <a:p>
             <a:fld id="{58231EE7-2188-4879-A9D9-AECF66CEEAF8}" type="datetimeFigureOut">
               <a:rPr lang="en-US" smtClean="0"/>
-              <a:t>9/24/2023</a:t>
+              <a:t>9/25/2023</a:t>
             </a:fld>
             <a:endParaRPr lang="en-US"/>
           </a:p>
@@ -3796,7 +3796,7 @@
           <a:p>
             <a:fld id="{58231EE7-2188-4879-A9D9-AECF66CEEAF8}" type="datetimeFigureOut">
               <a:rPr lang="en-US" smtClean="0"/>
-              <a:t>9/24/2023</a:t>
+              <a:t>9/25/2023</a:t>
             </a:fld>
             <a:endParaRPr lang="en-US"/>
           </a:p>
@@ -4061,7 +4061,7 @@
           <a:p>
             <a:fld id="{58231EE7-2188-4879-A9D9-AECF66CEEAF8}" type="datetimeFigureOut">
               <a:rPr lang="en-US" smtClean="0"/>
-              <a:t>9/24/2023</a:t>
+              <a:t>9/25/2023</a:t>
             </a:fld>
             <a:endParaRPr lang="en-US"/>
           </a:p>
@@ -4473,7 +4473,7 @@
           <a:p>
             <a:fld id="{58231EE7-2188-4879-A9D9-AECF66CEEAF8}" type="datetimeFigureOut">
               <a:rPr lang="en-US" smtClean="0"/>
-              <a:t>9/24/2023</a:t>
+              <a:t>9/25/2023</a:t>
             </a:fld>
             <a:endParaRPr lang="en-US"/>
           </a:p>
@@ -4614,7 +4614,7 @@
           <a:p>
             <a:fld id="{58231EE7-2188-4879-A9D9-AECF66CEEAF8}" type="datetimeFigureOut">
               <a:rPr lang="en-US" smtClean="0"/>
-              <a:t>9/24/2023</a:t>
+              <a:t>9/25/2023</a:t>
             </a:fld>
             <a:endParaRPr lang="en-US"/>
           </a:p>
@@ -4727,7 +4727,7 @@
           <a:p>
             <a:fld id="{58231EE7-2188-4879-A9D9-AECF66CEEAF8}" type="datetimeFigureOut">
               <a:rPr lang="en-US" smtClean="0"/>
-              <a:t>9/24/2023</a:t>
+              <a:t>9/25/2023</a:t>
             </a:fld>
             <a:endParaRPr lang="en-US"/>
           </a:p>
@@ -5038,7 +5038,7 @@
           <a:p>
             <a:fld id="{58231EE7-2188-4879-A9D9-AECF66CEEAF8}" type="datetimeFigureOut">
               <a:rPr lang="en-US" smtClean="0"/>
-              <a:t>9/24/2023</a:t>
+              <a:t>9/25/2023</a:t>
             </a:fld>
             <a:endParaRPr lang="en-US"/>
           </a:p>
@@ -5326,7 +5326,7 @@
           <a:p>
             <a:fld id="{58231EE7-2188-4879-A9D9-AECF66CEEAF8}" type="datetimeFigureOut">
               <a:rPr lang="en-US" smtClean="0"/>
-              <a:t>9/24/2023</a:t>
+              <a:t>9/25/2023</a:t>
             </a:fld>
             <a:endParaRPr lang="en-US"/>
           </a:p>
@@ -5567,7 +5567,7 @@
           <a:p>
             <a:fld id="{58231EE7-2188-4879-A9D9-AECF66CEEAF8}" type="datetimeFigureOut">
               <a:rPr lang="en-US" smtClean="0"/>
-              <a:t>9/24/2023</a:t>
+              <a:t>9/25/2023</a:t>
             </a:fld>
             <a:endParaRPr lang="en-US"/>
           </a:p>
@@ -6375,768 +6375,10 @@
       </p:grpSpPr>
       <p:sp useBgFill="1">
         <p:nvSpPr>
-          <p:cNvPr id="13" name="Rectangle 9">
-            <a:extLst>
-              <a:ext uri="{FF2B5EF4-FFF2-40B4-BE49-F238E27FC236}">
-                <a16:creationId xmlns:a16="http://schemas.microsoft.com/office/drawing/2014/main" id="{385E1BDC-A9B0-4A87-82E3-F3187F69A802}"/>
-              </a:ext>
-              <a:ext uri="{C183D7F6-B498-43B3-948B-1728B52AA6E4}">
-                <adec:decorative xmlns:adec="http://schemas.microsoft.com/office/drawing/2017/decorative" val="1"/>
-              </a:ext>
-            </a:extLst>
-          </p:cNvPr>
-          <p:cNvSpPr>
-            <a:spLocks noGrp="1" noRot="1" noChangeAspect="1" noMove="1" noResize="1" noEditPoints="1" noAdjustHandles="1" noChangeArrowheads="1" noChangeShapeType="1" noTextEdit="1"/>
-          </p:cNvSpPr>
-          <p:nvPr>
-            <p:extLst>
-              <p:ext uri="{386F3935-93C4-4BCD-93E2-E3B085C9AB24}">
-                <p16:designElem xmlns:p16="http://schemas.microsoft.com/office/powerpoint/2015/main" val="1"/>
-              </p:ext>
-            </p:extLst>
-          </p:nvPr>
-        </p:nvSpPr>
-        <p:spPr>
-          <a:xfrm>
-            <a:off x="0" y="0"/>
-            <a:ext cx="12192000" cy="6858000"/>
-          </a:xfrm>
-          <a:prstGeom prst="rect">
-            <a:avLst/>
-          </a:prstGeom>
-          <a:ln>
-            <a:noFill/>
-          </a:ln>
-        </p:spPr>
-        <p:style>
-          <a:lnRef idx="2">
-            <a:schemeClr val="accent1">
-              <a:shade val="50000"/>
-            </a:schemeClr>
-          </a:lnRef>
-          <a:fillRef idx="1">
-            <a:schemeClr val="accent1"/>
-          </a:fillRef>
-          <a:effectRef idx="0">
-            <a:schemeClr val="accent1"/>
-          </a:effectRef>
-          <a:fontRef idx="minor">
-            <a:schemeClr val="lt1"/>
-          </a:fontRef>
-        </p:style>
-        <p:txBody>
-          <a:bodyPr rtlCol="0" anchor="ctr"/>
-          <a:lstStyle/>
-          <a:p>
-            <a:pPr algn="ctr"/>
-            <a:endParaRPr lang="en-US"/>
-          </a:p>
-        </p:txBody>
-      </p:sp>
-      <p:sp useBgFill="1">
-        <p:nvSpPr>
-          <p:cNvPr id="12" name="Rectangle 11">
-            <a:extLst>
-              <a:ext uri="{FF2B5EF4-FFF2-40B4-BE49-F238E27FC236}">
-                <a16:creationId xmlns:a16="http://schemas.microsoft.com/office/drawing/2014/main" id="{0990C621-3B8B-4820-8328-D47EF7CE823C}"/>
-              </a:ext>
-              <a:ext uri="{C183D7F6-B498-43B3-948B-1728B52AA6E4}">
-                <adec:decorative xmlns:adec="http://schemas.microsoft.com/office/drawing/2017/decorative" val="1"/>
-              </a:ext>
-            </a:extLst>
-          </p:cNvPr>
-          <p:cNvSpPr>
-            <a:spLocks noGrp="1" noRot="1" noChangeAspect="1" noMove="1" noResize="1" noEditPoints="1" noAdjustHandles="1" noChangeArrowheads="1" noChangeShapeType="1" noTextEdit="1"/>
-          </p:cNvSpPr>
-          <p:nvPr>
-            <p:extLst>
-              <p:ext uri="{386F3935-93C4-4BCD-93E2-E3B085C9AB24}">
-                <p16:designElem xmlns:p16="http://schemas.microsoft.com/office/powerpoint/2015/main" val="1"/>
-              </p:ext>
-            </p:extLst>
-          </p:nvPr>
-        </p:nvSpPr>
-        <p:spPr>
-          <a:xfrm>
-            <a:off x="554416" y="365125"/>
-            <a:ext cx="11167447" cy="2089317"/>
-          </a:xfrm>
-          <a:prstGeom prst="rect">
-            <a:avLst/>
-          </a:prstGeom>
-          <a:ln w="12700">
-            <a:solidFill>
-              <a:srgbClr val="DEDEDE"/>
-            </a:solidFill>
-          </a:ln>
-          <a:effectLst>
-            <a:outerShdw blurRad="50800" dist="38100" dir="2700000" algn="tl" rotWithShape="0">
-              <a:schemeClr val="bg2">
-                <a:lumMod val="85000"/>
-                <a:alpha val="50000"/>
-              </a:schemeClr>
-            </a:outerShdw>
-          </a:effectLst>
-        </p:spPr>
-        <p:style>
-          <a:lnRef idx="2">
-            <a:schemeClr val="accent1">
-              <a:shade val="50000"/>
-            </a:schemeClr>
-          </a:lnRef>
-          <a:fillRef idx="1">
-            <a:schemeClr val="accent1"/>
-          </a:fillRef>
-          <a:effectRef idx="0">
-            <a:schemeClr val="accent1"/>
-          </a:effectRef>
-          <a:fontRef idx="minor">
-            <a:schemeClr val="lt1"/>
-          </a:fontRef>
-        </p:style>
-        <p:txBody>
-          <a:bodyPr rtlCol="0" anchor="ctr"/>
-          <a:lstStyle/>
-          <a:p>
-            <a:pPr marL="0" marR="0" lvl="0" indent="0" algn="ctr" defTabSz="914400" rtl="0" eaLnBrk="1" fontAlgn="auto" latinLnBrk="0" hangingPunct="1">
-              <a:lnSpc>
-                <a:spcPct val="100000"/>
-              </a:lnSpc>
-              <a:spcBef>
-                <a:spcPts val="0"/>
-              </a:spcBef>
-              <a:spcAft>
-                <a:spcPts val="0"/>
-              </a:spcAft>
-              <a:buClrTx/>
-              <a:buSzTx/>
-              <a:buFontTx/>
-              <a:buNone/>
-              <a:tabLst/>
-              <a:defRPr/>
-            </a:pPr>
-            <a:endParaRPr kumimoji="0" lang="en-US" sz="1800" b="0" i="0" u="none" strike="noStrike" kern="1200" cap="none" spc="0" normalizeH="0" baseline="0" noProof="0">
-              <a:ln>
-                <a:noFill/>
-              </a:ln>
-              <a:solidFill>
-                <a:prstClr val="white"/>
-              </a:solidFill>
-              <a:effectLst/>
-              <a:uLnTx/>
-              <a:uFillTx/>
-              <a:latin typeface="Calibri" panose="020F0502020204030204"/>
-              <a:ea typeface="+mn-ea"/>
-              <a:cs typeface="+mn-cs"/>
-            </a:endParaRPr>
-          </a:p>
-        </p:txBody>
-      </p:sp>
-      <p:sp>
-        <p:nvSpPr>
-          <p:cNvPr id="2" name="Title 1">
-            <a:extLst>
-              <a:ext uri="{FF2B5EF4-FFF2-40B4-BE49-F238E27FC236}">
-                <a16:creationId xmlns:a16="http://schemas.microsoft.com/office/drawing/2014/main" id="{BBD15B57-8752-291C-310C-FDBAA09447DC}"/>
-              </a:ext>
-            </a:extLst>
-          </p:cNvPr>
-          <p:cNvSpPr>
-            <a:spLocks noGrp="1"/>
-          </p:cNvSpPr>
-          <p:nvPr>
-            <p:ph type="title"/>
-          </p:nvPr>
-        </p:nvSpPr>
-        <p:spPr>
-          <a:xfrm>
-            <a:off x="1051560" y="586822"/>
-            <a:ext cx="3657600" cy="1645920"/>
-          </a:xfrm>
-        </p:spPr>
-        <p:txBody>
-          <a:bodyPr>
-            <a:normAutofit/>
-          </a:bodyPr>
-          <a:lstStyle/>
-          <a:p>
-            <a:r>
-              <a:rPr lang="en-US" sz="3200"/>
-              <a:t>Model Evaluation with ADASYN</a:t>
-            </a:r>
-          </a:p>
-        </p:txBody>
-      </p:sp>
-      <p:sp>
-        <p:nvSpPr>
-          <p:cNvPr id="14" name="Rectangle 13">
-            <a:extLst>
-              <a:ext uri="{FF2B5EF4-FFF2-40B4-BE49-F238E27FC236}">
-                <a16:creationId xmlns:a16="http://schemas.microsoft.com/office/drawing/2014/main" id="{C1A2385B-1D2A-4E17-84FA-6CB7F0AAE473}"/>
-              </a:ext>
-              <a:ext uri="{C183D7F6-B498-43B3-948B-1728B52AA6E4}">
-                <adec:decorative xmlns:adec="http://schemas.microsoft.com/office/drawing/2017/decorative" val="1"/>
-              </a:ext>
-            </a:extLst>
-          </p:cNvPr>
-          <p:cNvSpPr>
-            <a:spLocks noGrp="1" noRot="1" noChangeAspect="1" noMove="1" noResize="1" noEditPoints="1" noAdjustHandles="1" noChangeArrowheads="1" noChangeShapeType="1" noTextEdit="1"/>
-          </p:cNvSpPr>
-          <p:nvPr>
-            <p:extLst>
-              <p:ext uri="{386F3935-93C4-4BCD-93E2-E3B085C9AB24}">
-                <p16:designElem xmlns:p16="http://schemas.microsoft.com/office/powerpoint/2015/main" val="1"/>
-              </p:ext>
-            </p:extLst>
-          </p:nvPr>
-        </p:nvSpPr>
-        <p:spPr>
-          <a:xfrm>
-            <a:off x="490408" y="1057739"/>
-            <a:ext cx="128016" cy="704088"/>
-          </a:xfrm>
-          <a:prstGeom prst="rect">
-            <a:avLst/>
-          </a:prstGeom>
-          <a:solidFill>
-            <a:schemeClr val="accent2"/>
-          </a:solidFill>
-          <a:ln>
-            <a:noFill/>
-          </a:ln>
-        </p:spPr>
-        <p:style>
-          <a:lnRef idx="2">
-            <a:schemeClr val="accent1">
-              <a:shade val="50000"/>
-            </a:schemeClr>
-          </a:lnRef>
-          <a:fillRef idx="1">
-            <a:schemeClr val="accent1"/>
-          </a:fillRef>
-          <a:effectRef idx="0">
-            <a:schemeClr val="accent1"/>
-          </a:effectRef>
-          <a:fontRef idx="minor">
-            <a:schemeClr val="lt1"/>
-          </a:fontRef>
-        </p:style>
-        <p:txBody>
-          <a:bodyPr rtlCol="0" anchor="ctr"/>
-          <a:lstStyle/>
-          <a:p>
-            <a:pPr algn="ctr"/>
-            <a:endParaRPr lang="en-US" dirty="0">
-              <a:solidFill>
-                <a:prstClr val="white"/>
-              </a:solidFill>
-              <a:latin typeface="Calibri" panose="020F0502020204030204"/>
-            </a:endParaRPr>
-          </a:p>
-        </p:txBody>
-      </p:sp>
-      <p:sp>
-        <p:nvSpPr>
-          <p:cNvPr id="16" name="Rectangle 15">
-            <a:extLst>
-              <a:ext uri="{FF2B5EF4-FFF2-40B4-BE49-F238E27FC236}">
-                <a16:creationId xmlns:a16="http://schemas.microsoft.com/office/drawing/2014/main" id="{5E791F2F-79DB-4CC0-9FA1-001E3E91E8B7}"/>
-              </a:ext>
-              <a:ext uri="{C183D7F6-B498-43B3-948B-1728B52AA6E4}">
-                <adec:decorative xmlns:adec="http://schemas.microsoft.com/office/drawing/2017/decorative" val="1"/>
-              </a:ext>
-            </a:extLst>
-          </p:cNvPr>
-          <p:cNvSpPr>
-            <a:spLocks noGrp="1" noRot="1" noChangeAspect="1" noMove="1" noResize="1" noEditPoints="1" noAdjustHandles="1" noChangeArrowheads="1" noChangeShapeType="1" noTextEdit="1"/>
-          </p:cNvSpPr>
-          <p:nvPr>
-            <p:extLst>
-              <p:ext uri="{386F3935-93C4-4BCD-93E2-E3B085C9AB24}">
-                <p16:designElem xmlns:p16="http://schemas.microsoft.com/office/powerpoint/2015/main" val="1"/>
-              </p:ext>
-            </p:extLst>
-          </p:nvPr>
-        </p:nvSpPr>
-        <p:spPr>
-          <a:xfrm rot="5400000">
-            <a:off x="4243541" y="1400638"/>
-            <a:ext cx="1463040" cy="18288"/>
-          </a:xfrm>
-          <a:prstGeom prst="rect">
-            <a:avLst/>
-          </a:prstGeom>
-          <a:solidFill>
-            <a:srgbClr val="D5D5D5"/>
-          </a:solidFill>
-          <a:ln w="3175">
-            <a:noFill/>
-          </a:ln>
-          <a:effectLst/>
-        </p:spPr>
-        <p:style>
-          <a:lnRef idx="2">
-            <a:schemeClr val="accent1">
-              <a:shade val="50000"/>
-            </a:schemeClr>
-          </a:lnRef>
-          <a:fillRef idx="1">
-            <a:schemeClr val="accent1"/>
-          </a:fillRef>
-          <a:effectRef idx="0">
-            <a:schemeClr val="accent1"/>
-          </a:effectRef>
-          <a:fontRef idx="minor">
-            <a:schemeClr val="lt1"/>
-          </a:fontRef>
-        </p:style>
-        <p:txBody>
-          <a:bodyPr rtlCol="0" anchor="ctr"/>
-          <a:lstStyle/>
-          <a:p>
-            <a:pPr marL="0" marR="0" lvl="0" indent="0" algn="ctr" defTabSz="914400" rtl="0" eaLnBrk="1" fontAlgn="auto" latinLnBrk="0" hangingPunct="1">
-              <a:lnSpc>
-                <a:spcPct val="100000"/>
-              </a:lnSpc>
-              <a:spcBef>
-                <a:spcPts val="0"/>
-              </a:spcBef>
-              <a:spcAft>
-                <a:spcPts val="0"/>
-              </a:spcAft>
-              <a:buClrTx/>
-              <a:buSzTx/>
-              <a:buFontTx/>
-              <a:buNone/>
-              <a:tabLst/>
-              <a:defRPr/>
-            </a:pPr>
-            <a:endParaRPr kumimoji="0" lang="en-US" sz="1800" b="0" i="0" u="none" strike="noStrike" kern="1200" cap="none" spc="0" normalizeH="0" baseline="0" noProof="0">
-              <a:ln>
-                <a:noFill/>
-              </a:ln>
-              <a:solidFill>
-                <a:prstClr val="white"/>
-              </a:solidFill>
-              <a:effectLst/>
-              <a:uLnTx/>
-              <a:uFillTx/>
-              <a:latin typeface="Calibri" panose="020F0502020204030204"/>
-              <a:ea typeface="+mn-ea"/>
-              <a:cs typeface="+mn-cs"/>
-            </a:endParaRPr>
-          </a:p>
-        </p:txBody>
-      </p:sp>
-      <p:sp>
-        <p:nvSpPr>
-          <p:cNvPr id="3" name="Content Placeholder 2">
-            <a:extLst>
-              <a:ext uri="{FF2B5EF4-FFF2-40B4-BE49-F238E27FC236}">
-                <a16:creationId xmlns:a16="http://schemas.microsoft.com/office/drawing/2014/main" id="{9D23DC33-E41A-942A-2CBA-959AFA5A6871}"/>
-              </a:ext>
-            </a:extLst>
-          </p:cNvPr>
-          <p:cNvSpPr>
-            <a:spLocks noGrp="1"/>
-          </p:cNvSpPr>
-          <p:nvPr>
-            <p:ph idx="1"/>
-          </p:nvPr>
-        </p:nvSpPr>
-        <p:spPr>
-          <a:xfrm>
-            <a:off x="5250106" y="586822"/>
-            <a:ext cx="6106742" cy="1645920"/>
-          </a:xfrm>
-        </p:spPr>
-        <p:txBody>
-          <a:bodyPr anchor="ctr">
-            <a:normAutofit/>
-          </a:bodyPr>
-          <a:lstStyle/>
-          <a:p>
-            <a:pPr marL="0" indent="0">
-              <a:buNone/>
-            </a:pPr>
-            <a:r>
-              <a:rPr lang="en-US" sz="1800" b="0" i="0">
-                <a:effectLst/>
-                <a:latin typeface="freight-text-pro"/>
-              </a:rPr>
-              <a:t>In summary, the selection of a threshold value, such as 0.1210, plays a crucial role in binary classification. It determines how predictions are categorized into classes, with a focus on optimizing TPR and FPR to minimize misclassifications, especially in scenarios like fraud detection.</a:t>
-            </a:r>
-            <a:endParaRPr lang="en-US" sz="1800">
-              <a:latin typeface="freight-text-pro"/>
-            </a:endParaRPr>
-          </a:p>
-        </p:txBody>
-      </p:sp>
-      <p:pic>
-        <p:nvPicPr>
-          <p:cNvPr id="5" name="Picture 4">
-            <a:extLst>
-              <a:ext uri="{FF2B5EF4-FFF2-40B4-BE49-F238E27FC236}">
-                <a16:creationId xmlns:a16="http://schemas.microsoft.com/office/drawing/2014/main" id="{5F4C3959-D82D-7A2E-F3F6-0C40DC76A903}"/>
-              </a:ext>
-            </a:extLst>
-          </p:cNvPr>
-          <p:cNvPicPr>
-            <a:picLocks noChangeAspect="1"/>
-          </p:cNvPicPr>
-          <p:nvPr/>
-        </p:nvPicPr>
-        <p:blipFill>
-          <a:blip r:embed="rId2"/>
-          <a:stretch>
-            <a:fillRect/>
-          </a:stretch>
-        </p:blipFill>
-        <p:spPr>
-          <a:xfrm>
-            <a:off x="1006521" y="2729397"/>
-            <a:ext cx="4584032" cy="3483864"/>
-          </a:xfrm>
-          <a:prstGeom prst="rect">
-            <a:avLst/>
-          </a:prstGeom>
-        </p:spPr>
-      </p:pic>
-      <p:graphicFrame>
-        <p:nvGraphicFramePr>
-          <p:cNvPr id="4" name="Table 5">
-            <a:extLst>
-              <a:ext uri="{FF2B5EF4-FFF2-40B4-BE49-F238E27FC236}">
-                <a16:creationId xmlns:a16="http://schemas.microsoft.com/office/drawing/2014/main" id="{1978C2A7-08E8-B20E-9CFB-20E314C587F8}"/>
-              </a:ext>
-            </a:extLst>
-          </p:cNvPr>
-          <p:cNvGraphicFramePr>
-            <a:graphicFrameLocks noGrp="1"/>
-          </p:cNvGraphicFramePr>
-          <p:nvPr>
-            <p:extLst>
-              <p:ext uri="{D42A27DB-BD31-4B8C-83A1-F6EECF244321}">
-                <p14:modId xmlns:p14="http://schemas.microsoft.com/office/powerpoint/2010/main" val="1679660872"/>
-              </p:ext>
-            </p:extLst>
-          </p:nvPr>
-        </p:nvGraphicFramePr>
-        <p:xfrm>
-          <a:off x="6198781" y="2780834"/>
-          <a:ext cx="5523083" cy="3070095"/>
-        </p:xfrm>
-        <a:graphic>
-          <a:graphicData uri="http://schemas.openxmlformats.org/drawingml/2006/table">
-            <a:tbl>
-              <a:tblPr firstRow="1" bandRow="1">
-                <a:tableStyleId>{5C22544A-7EE6-4342-B048-85BDC9FD1C3A}</a:tableStyleId>
-              </a:tblPr>
-              <a:tblGrid>
-                <a:gridCol w="363464">
-                  <a:extLst>
-                    <a:ext uri="{9D8B030D-6E8A-4147-A177-3AD203B41FA5}">
-                      <a16:colId xmlns:a16="http://schemas.microsoft.com/office/drawing/2014/main" val="4124676591"/>
-                    </a:ext>
-                  </a:extLst>
-                </a:gridCol>
-                <a:gridCol w="1619827">
-                  <a:extLst>
-                    <a:ext uri="{9D8B030D-6E8A-4147-A177-3AD203B41FA5}">
-                      <a16:colId xmlns:a16="http://schemas.microsoft.com/office/drawing/2014/main" val="1986819784"/>
-                    </a:ext>
-                  </a:extLst>
-                </a:gridCol>
-                <a:gridCol w="3539792">
-                  <a:extLst>
-                    <a:ext uri="{9D8B030D-6E8A-4147-A177-3AD203B41FA5}">
-                      <a16:colId xmlns:a16="http://schemas.microsoft.com/office/drawing/2014/main" val="3612541629"/>
-                    </a:ext>
-                  </a:extLst>
-                </a:gridCol>
-              </a:tblGrid>
-              <a:tr h="1088135">
-                <a:tc>
-                  <a:txBody>
-                    <a:bodyPr/>
-                    <a:lstStyle/>
-                    <a:p>
-                      <a:r>
-                        <a:rPr lang="en-US" sz="1300"/>
-                        <a:t>1</a:t>
-                      </a:r>
-                    </a:p>
-                  </a:txBody>
-                  <a:tcPr marL="83276" marR="83276" marT="41638" marB="41638"/>
-                </a:tc>
-                <a:tc>
-                  <a:txBody>
-                    <a:bodyPr/>
-                    <a:lstStyle/>
-                    <a:p>
-                      <a:r>
-                        <a:rPr lang="en-US" sz="1300" b="0" i="0" dirty="0">
-                          <a:solidFill>
-                            <a:srgbClr val="091E42"/>
-                          </a:solidFill>
-                          <a:effectLst/>
-                          <a:latin typeface="freight-text-pro"/>
-                        </a:rPr>
-                        <a:t>ROC Curve Analysis</a:t>
-                      </a:r>
-                      <a:endParaRPr lang="en-US" sz="1300" dirty="0"/>
-                    </a:p>
-                  </a:txBody>
-                  <a:tcPr marL="83276" marR="83276" marT="41638" marB="41638"/>
-                </a:tc>
-                <a:tc>
-                  <a:txBody>
-                    <a:bodyPr/>
-                    <a:lstStyle/>
-                    <a:p>
-                      <a:pPr marL="0" indent="0" algn="l">
-                        <a:buNone/>
-                      </a:pPr>
-                      <a:r>
-                        <a:rPr lang="en-US" sz="1300" b="0" i="0" dirty="0">
-                          <a:solidFill>
-                            <a:srgbClr val="091E42"/>
-                          </a:solidFill>
-                          <a:effectLst/>
-                          <a:latin typeface="freight-text-pro"/>
-                        </a:rPr>
-                        <a:t>- ROC curve evaluates model performance at different thresholds.</a:t>
-                      </a:r>
-                    </a:p>
-                    <a:p>
-                      <a:pPr marL="0" indent="0" algn="l">
-                        <a:buNone/>
-                      </a:pPr>
-                      <a:r>
-                        <a:rPr lang="en-US" sz="1300" b="0" i="0" dirty="0">
-                          <a:solidFill>
-                            <a:srgbClr val="091E42"/>
-                          </a:solidFill>
-                          <a:effectLst/>
-                          <a:latin typeface="freight-text-pro"/>
-                        </a:rPr>
-                        <a:t>   - The best threshold balances True Positive Rate (TPR) and False Positive Rate (FPR) to minimize misclassifications.</a:t>
-                      </a:r>
-                      <a:endParaRPr lang="en-US" sz="1300" dirty="0"/>
-                    </a:p>
-                  </a:txBody>
-                  <a:tcPr marL="83276" marR="83276" marT="41638" marB="41638"/>
-                </a:tc>
-                <a:extLst>
-                  <a:ext uri="{0D108BD9-81ED-4DB2-BD59-A6C34878D82A}">
-                    <a16:rowId xmlns:a16="http://schemas.microsoft.com/office/drawing/2014/main" val="2124589511"/>
-                  </a:ext>
-                </a:extLst>
-              </a:tr>
-              <a:tr h="893825">
-                <a:tc>
-                  <a:txBody>
-                    <a:bodyPr/>
-                    <a:lstStyle/>
-                    <a:p>
-                      <a:r>
-                        <a:rPr lang="en-US" sz="1300"/>
-                        <a:t>2</a:t>
-                      </a:r>
-                    </a:p>
-                  </a:txBody>
-                  <a:tcPr marL="83276" marR="83276" marT="41638" marB="41638"/>
-                </a:tc>
-                <a:tc>
-                  <a:txBody>
-                    <a:bodyPr/>
-                    <a:lstStyle/>
-                    <a:p>
-                      <a:r>
-                        <a:rPr lang="en-US" sz="1300" b="0" i="0">
-                          <a:solidFill>
-                            <a:srgbClr val="091E42"/>
-                          </a:solidFill>
-                          <a:effectLst/>
-                          <a:latin typeface="freight-text-pro"/>
-                        </a:rPr>
-                        <a:t>Focus on High Recall</a:t>
-                      </a:r>
-                      <a:endParaRPr lang="en-US" sz="1300"/>
-                    </a:p>
-                  </a:txBody>
-                  <a:tcPr marL="83276" marR="83276" marT="41638" marB="41638"/>
-                </a:tc>
-                <a:tc>
-                  <a:txBody>
-                    <a:bodyPr/>
-                    <a:lstStyle/>
-                    <a:p>
-                      <a:pPr marL="0" indent="0" algn="l">
-                        <a:buNone/>
-                      </a:pPr>
-                      <a:r>
-                        <a:rPr lang="en-US" sz="1300" b="0" i="0">
-                          <a:solidFill>
-                            <a:srgbClr val="091E42"/>
-                          </a:solidFill>
-                          <a:effectLst/>
-                          <a:latin typeface="freight-text-pro"/>
-                        </a:rPr>
-                        <a:t>- Priority is to detect actual fraudulent transactions, especially high-value ones.</a:t>
-                      </a:r>
-                    </a:p>
-                    <a:p>
-                      <a:pPr marL="0" indent="0" algn="l">
-                        <a:buNone/>
-                      </a:pPr>
-                      <a:r>
-                        <a:rPr lang="en-US" sz="1300" b="0" i="0">
-                          <a:solidFill>
-                            <a:srgbClr val="091E42"/>
-                          </a:solidFill>
-                          <a:effectLst/>
-                          <a:latin typeface="freight-text-pro"/>
-                        </a:rPr>
-                        <a:t>   - High Recall ensures fewer fraudulent cases go undetected.</a:t>
-                      </a:r>
-                      <a:endParaRPr lang="en-US" sz="1300"/>
-                    </a:p>
-                  </a:txBody>
-                  <a:tcPr marL="83276" marR="83276" marT="41638" marB="41638"/>
-                </a:tc>
-                <a:extLst>
-                  <a:ext uri="{0D108BD9-81ED-4DB2-BD59-A6C34878D82A}">
-                    <a16:rowId xmlns:a16="http://schemas.microsoft.com/office/drawing/2014/main" val="3767029743"/>
-                  </a:ext>
-                </a:extLst>
-              </a:tr>
-              <a:tr h="1088135">
-                <a:tc>
-                  <a:txBody>
-                    <a:bodyPr/>
-                    <a:lstStyle/>
-                    <a:p>
-                      <a:r>
-                        <a:rPr lang="en-US" sz="1300"/>
-                        <a:t>3</a:t>
-                      </a:r>
-                    </a:p>
-                  </a:txBody>
-                  <a:tcPr marL="83276" marR="83276" marT="41638" marB="41638"/>
-                </a:tc>
-                <a:tc>
-                  <a:txBody>
-                    <a:bodyPr/>
-                    <a:lstStyle/>
-                    <a:p>
-                      <a:r>
-                        <a:rPr lang="en-US" sz="1300" b="0" i="0">
-                          <a:solidFill>
-                            <a:srgbClr val="091E42"/>
-                          </a:solidFill>
-                          <a:effectLst/>
-                          <a:latin typeface="freight-text-pro"/>
-                        </a:rPr>
-                        <a:t>Threshold Values</a:t>
-                      </a:r>
-                      <a:endParaRPr lang="en-US" sz="1300"/>
-                    </a:p>
-                  </a:txBody>
-                  <a:tcPr marL="83276" marR="83276" marT="41638" marB="41638"/>
-                </a:tc>
-                <a:tc>
-                  <a:txBody>
-                    <a:bodyPr/>
-                    <a:lstStyle/>
-                    <a:p>
-                      <a:pPr marL="0" indent="0" algn="l">
-                        <a:buNone/>
-                      </a:pPr>
-                      <a:r>
-                        <a:rPr lang="en-US" sz="1300" b="0" i="0" dirty="0">
-                          <a:solidFill>
-                            <a:srgbClr val="091E42"/>
-                          </a:solidFill>
-                          <a:effectLst/>
-                          <a:latin typeface="freight-text-pro"/>
-                        </a:rPr>
-                        <a:t>- Best Threshold: 0.1210</a:t>
-                      </a:r>
-                    </a:p>
-                    <a:p>
-                      <a:pPr marL="0" indent="0" algn="l">
-                        <a:buNone/>
-                      </a:pPr>
-                      <a:r>
-                        <a:rPr lang="en-US" sz="1300" b="0" i="0" dirty="0">
-                          <a:solidFill>
-                            <a:srgbClr val="091E42"/>
-                          </a:solidFill>
-                          <a:effectLst/>
-                          <a:latin typeface="freight-text-pro"/>
-                        </a:rPr>
-                        <a:t>   - Threshold Interpretation: Predicted probabilities ≥ 0.1210 → "class 1" (positive class), Predicted probabilities &lt; 0.1210 → "class 0" (negative class).</a:t>
-                      </a:r>
-                      <a:endParaRPr lang="en-US" sz="1300" dirty="0"/>
-                    </a:p>
-                  </a:txBody>
-                  <a:tcPr marL="83276" marR="83276" marT="41638" marB="41638"/>
-                </a:tc>
-                <a:extLst>
-                  <a:ext uri="{0D108BD9-81ED-4DB2-BD59-A6C34878D82A}">
-                    <a16:rowId xmlns:a16="http://schemas.microsoft.com/office/drawing/2014/main" val="854076702"/>
-                  </a:ext>
-                </a:extLst>
-              </a:tr>
-            </a:tbl>
-          </a:graphicData>
-        </a:graphic>
-      </p:graphicFrame>
-    </p:spTree>
-    <p:extLst>
-      <p:ext uri="{BB962C8B-B14F-4D97-AF65-F5344CB8AC3E}">
-        <p14:creationId xmlns:p14="http://schemas.microsoft.com/office/powerpoint/2010/main" val="2236464694"/>
-      </p:ext>
-    </p:extLst>
-  </p:cSld>
-  <p:clrMapOvr>
-    <a:masterClrMapping/>
-  </p:clrMapOvr>
-</p:sld>
-</file>
-
-<file path=ppt/slides/slide11.xml><?xml version="1.0" encoding="utf-8"?>
-<p:sld xmlns:a="http://schemas.openxmlformats.org/drawingml/2006/main" xmlns:r="http://schemas.openxmlformats.org/officeDocument/2006/relationships" xmlns:p="http://schemas.openxmlformats.org/presentationml/2006/main">
-  <p:cSld>
-    <p:bg>
-      <p:bgPr>
-        <a:solidFill>
-          <a:schemeClr val="bg1"/>
-        </a:solidFill>
-        <a:effectLst/>
-      </p:bgPr>
-    </p:bg>
-    <p:spTree>
-      <p:nvGrpSpPr>
-        <p:cNvPr id="1" name=""/>
-        <p:cNvGrpSpPr/>
-        <p:nvPr/>
-      </p:nvGrpSpPr>
-      <p:grpSpPr>
-        <a:xfrm>
-          <a:off x="0" y="0"/>
-          <a:ext cx="0" cy="0"/>
-          <a:chOff x="0" y="0"/>
-          <a:chExt cx="0" cy="0"/>
-        </a:xfrm>
-      </p:grpSpPr>
-      <p:sp useBgFill="1">
-        <p:nvSpPr>
-          <p:cNvPr id="9" name="Rectangle 8">
-            <a:extLst>
-              <a:ext uri="{FF2B5EF4-FFF2-40B4-BE49-F238E27FC236}">
-                <a16:creationId xmlns:a16="http://schemas.microsoft.com/office/drawing/2014/main" id="{A8384FB5-9ADC-4DDC-881B-597D56F5B15D}"/>
+          <p:cNvPr id="6" name="Rectangle 8">
+            <a:extLst>
+              <a:ext uri="{FF2B5EF4-FFF2-40B4-BE49-F238E27FC236}">
+                <a16:creationId xmlns:a16="http://schemas.microsoft.com/office/drawing/2014/main" id="{BACC6370-2D7E-4714-9D71-7542949D7D5D}"/>
               </a:ext>
               <a:ext uri="{C183D7F6-B498-43B3-948B-1728B52AA6E4}">
                 <adec:decorative xmlns:adec="http://schemas.microsoft.com/office/drawing/2017/decorative" val="1"/>
@@ -7209,10 +6451,10 @@
       </p:sp>
       <p:sp>
         <p:nvSpPr>
-          <p:cNvPr id="11" name="Rectangle 10">
-            <a:extLst>
-              <a:ext uri="{FF2B5EF4-FFF2-40B4-BE49-F238E27FC236}">
-                <a16:creationId xmlns:a16="http://schemas.microsoft.com/office/drawing/2014/main" id="{1199E1B1-A8C0-4FE8-A5A8-1CB41D69F857}"/>
+          <p:cNvPr id="7" name="Rectangle 10">
+            <a:extLst>
+              <a:ext uri="{FF2B5EF4-FFF2-40B4-BE49-F238E27FC236}">
+                <a16:creationId xmlns:a16="http://schemas.microsoft.com/office/drawing/2014/main" id="{F68B3F68-107C-434F-AA38-110D5EA91B85}"/>
               </a:ext>
               <a:ext uri="{C183D7F6-B498-43B3-948B-1728B52AA6E4}">
                 <adec:decorative xmlns:adec="http://schemas.microsoft.com/office/drawing/2017/decorative" val="1"/>
@@ -7231,7 +6473,7 @@
           </p:nvPr>
         </p:nvSpPr>
         <p:spPr>
-          <a:xfrm rot="10800000" flipH="1">
+          <a:xfrm flipH="1">
             <a:off x="2" y="0"/>
             <a:ext cx="12191998" cy="1575955"/>
           </a:xfrm>
@@ -7248,83 +6490,6 @@
               <a:gs pos="100000">
                 <a:schemeClr val="accent1">
                   <a:lumMod val="75000"/>
-                </a:schemeClr>
-              </a:gs>
-            </a:gsLst>
-            <a:lin ang="6000000" scaled="0"/>
-          </a:gradFill>
-          <a:ln>
-            <a:noFill/>
-          </a:ln>
-        </p:spPr>
-        <p:style>
-          <a:lnRef idx="2">
-            <a:schemeClr val="accent1">
-              <a:shade val="50000"/>
-            </a:schemeClr>
-          </a:lnRef>
-          <a:fillRef idx="1">
-            <a:schemeClr val="accent1"/>
-          </a:fillRef>
-          <a:effectRef idx="0">
-            <a:schemeClr val="accent1"/>
-          </a:effectRef>
-          <a:fontRef idx="minor">
-            <a:schemeClr val="lt1"/>
-          </a:fontRef>
-        </p:style>
-        <p:txBody>
-          <a:bodyPr rtlCol="0" anchor="ctr"/>
-          <a:lstStyle/>
-          <a:p>
-            <a:pPr algn="ctr"/>
-            <a:endParaRPr lang="en-US"/>
-          </a:p>
-        </p:txBody>
-      </p:sp>
-      <p:sp>
-        <p:nvSpPr>
-          <p:cNvPr id="13" name="Rectangle 12">
-            <a:extLst>
-              <a:ext uri="{FF2B5EF4-FFF2-40B4-BE49-F238E27FC236}">
-                <a16:creationId xmlns:a16="http://schemas.microsoft.com/office/drawing/2014/main" id="{84A8DE83-DE75-4B41-9DB4-A7EC0B0DEC0B}"/>
-              </a:ext>
-              <a:ext uri="{C183D7F6-B498-43B3-948B-1728B52AA6E4}">
-                <adec:decorative xmlns:adec="http://schemas.microsoft.com/office/drawing/2017/decorative" val="1"/>
-              </a:ext>
-            </a:extLst>
-          </p:cNvPr>
-          <p:cNvSpPr>
-            <a:spLocks noGrp="1" noRot="1" noChangeAspect="1" noMove="1" noResize="1" noEditPoints="1" noAdjustHandles="1" noChangeArrowheads="1" noChangeShapeType="1" noTextEdit="1"/>
-          </p:cNvSpPr>
-          <p:nvPr>
-            <p:extLst>
-              <p:ext uri="{386F3935-93C4-4BCD-93E2-E3B085C9AB24}">
-                <p16:designElem xmlns:p16="http://schemas.microsoft.com/office/powerpoint/2015/main" val="1"/>
-              </p:ext>
-            </p:extLst>
-          </p:nvPr>
-        </p:nvSpPr>
-        <p:spPr>
-          <a:xfrm>
-            <a:off x="0" y="0"/>
-            <a:ext cx="8128856" cy="1575461"/>
-          </a:xfrm>
-          <a:prstGeom prst="rect">
-            <a:avLst/>
-          </a:prstGeom>
-          <a:gradFill>
-            <a:gsLst>
-              <a:gs pos="0">
-                <a:schemeClr val="accent1">
-                  <a:alpha val="41000"/>
-                </a:schemeClr>
-              </a:gs>
-              <a:gs pos="74000">
-                <a:schemeClr val="accent1">
-                  <a:lumMod val="60000"/>
-                  <a:lumOff val="40000"/>
-                  <a:alpha val="0"/>
                 </a:schemeClr>
               </a:gs>
             </a:gsLst>
@@ -7361,10 +6526,10 @@
       </p:sp>
       <p:sp>
         <p:nvSpPr>
-          <p:cNvPr id="15" name="Rectangle 14">
-            <a:extLst>
-              <a:ext uri="{FF2B5EF4-FFF2-40B4-BE49-F238E27FC236}">
-                <a16:creationId xmlns:a16="http://schemas.microsoft.com/office/drawing/2014/main" id="{A7009A0A-BEF5-4EAC-AF15-E4F9F002E239}"/>
+          <p:cNvPr id="8" name="Rectangle 12">
+            <a:extLst>
+              <a:ext uri="{FF2B5EF4-FFF2-40B4-BE49-F238E27FC236}">
+                <a16:creationId xmlns:a16="http://schemas.microsoft.com/office/drawing/2014/main" id="{AAD0DBB9-1A4B-4391-81D4-CB19F9AB918A}"/>
               </a:ext>
               <a:ext uri="{C183D7F6-B498-43B3-948B-1728B52AA6E4}">
                 <adec:decorative xmlns:adec="http://schemas.microsoft.com/office/drawing/2017/decorative" val="1"/>
@@ -7383,27 +6548,28 @@
           </p:nvPr>
         </p:nvSpPr>
         <p:spPr>
-          <a:xfrm flipH="1">
-            <a:off x="-3" y="-1"/>
-            <a:ext cx="12192002" cy="1574311"/>
+          <a:xfrm rot="10800000" flipH="1">
+            <a:off x="8128857" y="0"/>
+            <a:ext cx="4063143" cy="1576412"/>
           </a:xfrm>
           <a:prstGeom prst="rect">
             <a:avLst/>
           </a:prstGeom>
           <a:gradFill>
             <a:gsLst>
-              <a:gs pos="0">
-                <a:srgbClr val="000000">
-                  <a:alpha val="63000"/>
-                </a:srgbClr>
+              <a:gs pos="19000">
+                <a:schemeClr val="accent1">
+                  <a:lumMod val="50000"/>
+                  <a:alpha val="68000"/>
+                </a:schemeClr>
               </a:gs>
-              <a:gs pos="78000">
+              <a:gs pos="100000">
                 <a:schemeClr val="accent1">
-                  <a:alpha val="15000"/>
+                  <a:alpha val="79000"/>
                 </a:schemeClr>
               </a:gs>
             </a:gsLst>
-            <a:lin ang="15600000" scaled="0"/>
+            <a:lin ang="19200000" scaled="0"/>
           </a:gradFill>
           <a:ln>
             <a:noFill/>
@@ -7436,10 +6602,85 @@
       </p:sp>
       <p:sp>
         <p:nvSpPr>
+          <p:cNvPr id="10" name="Rectangle 14">
+            <a:extLst>
+              <a:ext uri="{FF2B5EF4-FFF2-40B4-BE49-F238E27FC236}">
+                <a16:creationId xmlns:a16="http://schemas.microsoft.com/office/drawing/2014/main" id="{063BBA22-50EA-4C4D-BE05-F1CE4E63AA56}"/>
+              </a:ext>
+              <a:ext uri="{C183D7F6-B498-43B3-948B-1728B52AA6E4}">
+                <adec:decorative xmlns:adec="http://schemas.microsoft.com/office/drawing/2017/decorative" val="1"/>
+              </a:ext>
+            </a:extLst>
+          </p:cNvPr>
+          <p:cNvSpPr>
+            <a:spLocks noGrp="1" noRot="1" noChangeAspect="1" noMove="1" noResize="1" noEditPoints="1" noAdjustHandles="1" noChangeArrowheads="1" noChangeShapeType="1" noTextEdit="1"/>
+          </p:cNvSpPr>
+          <p:nvPr>
+            <p:extLst>
+              <p:ext uri="{386F3935-93C4-4BCD-93E2-E3B085C9AB24}">
+                <p16:designElem xmlns:p16="http://schemas.microsoft.com/office/powerpoint/2015/main" val="1"/>
+              </p:ext>
+            </p:extLst>
+          </p:nvPr>
+        </p:nvSpPr>
+        <p:spPr>
+          <a:xfrm rot="5400000">
+            <a:off x="5307777" y="-5307778"/>
+            <a:ext cx="1576446" cy="12192002"/>
+          </a:xfrm>
+          <a:prstGeom prst="rect">
+            <a:avLst/>
+          </a:prstGeom>
+          <a:gradFill>
+            <a:gsLst>
+              <a:gs pos="23000">
+                <a:schemeClr val="accent1">
+                  <a:alpha val="0"/>
+                </a:schemeClr>
+              </a:gs>
+              <a:gs pos="99000">
+                <a:srgbClr val="000000">
+                  <a:alpha val="74000"/>
+                </a:srgbClr>
+              </a:gs>
+            </a:gsLst>
+            <a:lin ang="20400000" scaled="0"/>
+          </a:gradFill>
+          <a:ln>
+            <a:noFill/>
+          </a:ln>
+        </p:spPr>
+        <p:style>
+          <a:lnRef idx="2">
+            <a:schemeClr val="accent1">
+              <a:shade val="50000"/>
+            </a:schemeClr>
+          </a:lnRef>
+          <a:fillRef idx="1">
+            <a:schemeClr val="accent1"/>
+          </a:fillRef>
+          <a:effectRef idx="0">
+            <a:schemeClr val="accent1"/>
+          </a:effectRef>
+          <a:fontRef idx="minor">
+            <a:schemeClr val="lt1"/>
+          </a:fontRef>
+        </p:style>
+        <p:txBody>
+          <a:bodyPr rtlCol="0" anchor="ctr"/>
+          <a:lstStyle/>
+          <a:p>
+            <a:pPr algn="ctr"/>
+            <a:endParaRPr lang="en-US" dirty="0"/>
+          </a:p>
+        </p:txBody>
+      </p:sp>
+      <p:sp>
+        <p:nvSpPr>
           <p:cNvPr id="2" name="Title 1">
             <a:extLst>
               <a:ext uri="{FF2B5EF4-FFF2-40B4-BE49-F238E27FC236}">
-                <a16:creationId xmlns:a16="http://schemas.microsoft.com/office/drawing/2014/main" id="{FC5DE171-8F94-1646-328D-D79A60114EE3}"/>
+                <a16:creationId xmlns:a16="http://schemas.microsoft.com/office/drawing/2014/main" id="{7B26803C-0720-05CB-F1A7-BDA405F18A6D}"/>
               </a:ext>
             </a:extLst>
           </p:cNvPr>
@@ -7452,36 +6693,33 @@
         </p:nvSpPr>
         <p:spPr>
           <a:xfrm>
-            <a:off x="699713" y="248038"/>
-            <a:ext cx="7063721" cy="1159200"/>
+            <a:off x="418492" y="349112"/>
+            <a:ext cx="10044023" cy="877729"/>
           </a:xfrm>
         </p:spPr>
         <p:txBody>
-          <a:bodyPr vert="horz" lIns="91440" tIns="45720" rIns="91440" bIns="45720" rtlCol="0" anchor="ctr">
-            <a:normAutofit/>
+          <a:bodyPr anchor="ctr">
+            <a:normAutofit fontScale="90000"/>
           </a:bodyPr>
           <a:lstStyle/>
           <a:p>
             <a:r>
-              <a:rPr lang="en-US" sz="3700" kern="1200" dirty="0">
+              <a:rPr lang="en-US" sz="4000" dirty="0">
                 <a:solidFill>
                   <a:srgbClr val="FFFFFF"/>
                 </a:solidFill>
-                <a:latin typeface="+mj-lt"/>
-                <a:ea typeface="+mj-ea"/>
-                <a:cs typeface="+mj-cs"/>
               </a:rPr>
-              <a:t>Interpreting an F1 Score of 0.9455 in Classification</a:t>
+              <a:t>Model Performance - XGBoost with Hyperparameter Tuning </a:t>
             </a:r>
           </a:p>
         </p:txBody>
       </p:sp>
       <p:graphicFrame>
         <p:nvGraphicFramePr>
-          <p:cNvPr id="4" name="Table 5">
-            <a:extLst>
-              <a:ext uri="{FF2B5EF4-FFF2-40B4-BE49-F238E27FC236}">
-                <a16:creationId xmlns:a16="http://schemas.microsoft.com/office/drawing/2014/main" id="{FD83068A-7F55-69FF-0AAD-2A8DD593BFB5}"/>
+          <p:cNvPr id="4" name="Table 4">
+            <a:extLst>
+              <a:ext uri="{FF2B5EF4-FFF2-40B4-BE49-F238E27FC236}">
+                <a16:creationId xmlns:a16="http://schemas.microsoft.com/office/drawing/2014/main" id="{9D177A2C-B843-0FCE-A9B7-AEF3024875C8}"/>
               </a:ext>
             </a:extLst>
           </p:cNvPr>
@@ -7489,16 +6727,17 @@
             <a:graphicFrameLocks noGrp="1"/>
           </p:cNvGraphicFramePr>
           <p:nvPr>
+            <p:ph idx="1"/>
             <p:extLst>
               <p:ext uri="{D42A27DB-BD31-4B8C-83A1-F6EECF244321}">
-                <p14:modId xmlns:p14="http://schemas.microsoft.com/office/powerpoint/2010/main" val="534957308"/>
+                <p14:modId xmlns:p14="http://schemas.microsoft.com/office/powerpoint/2010/main" val="1919671499"/>
               </p:ext>
             </p:extLst>
           </p:nvPr>
         </p:nvGraphicFramePr>
         <p:xfrm>
-          <a:off x="1007678" y="1966293"/>
-          <a:ext cx="10176643" cy="4452164"/>
+          <a:off x="130953" y="1738007"/>
+          <a:ext cx="11669810" cy="4770881"/>
         </p:xfrm>
         <a:graphic>
           <a:graphicData uri="http://schemas.openxmlformats.org/drawingml/2006/table">
@@ -7507,22 +6746,57 @@
                 <a:tableStyleId>{5C22544A-7EE6-4342-B048-85BDC9FD1C3A}</a:tableStyleId>
               </a:tblPr>
               <a:tblGrid>
-                <a:gridCol w="3402125">
+                <a:gridCol w="1564003">
                   <a:extLst>
                     <a:ext uri="{9D8B030D-6E8A-4147-A177-3AD203B41FA5}">
-                      <a16:colId xmlns:a16="http://schemas.microsoft.com/office/drawing/2014/main" val="1986819784"/>
+                      <a16:colId xmlns:a16="http://schemas.microsoft.com/office/drawing/2014/main" val="4046375680"/>
                     </a:ext>
                   </a:extLst>
                 </a:gridCol>
-                <a:gridCol w="6774518">
+                <a:gridCol w="1592491">
                   <a:extLst>
                     <a:ext uri="{9D8B030D-6E8A-4147-A177-3AD203B41FA5}">
-                      <a16:colId xmlns:a16="http://schemas.microsoft.com/office/drawing/2014/main" val="3612541629"/>
+                      <a16:colId xmlns:a16="http://schemas.microsoft.com/office/drawing/2014/main" val="3836363078"/>
+                    </a:ext>
+                  </a:extLst>
+                </a:gridCol>
+                <a:gridCol w="2273628">
+                  <a:extLst>
+                    <a:ext uri="{9D8B030D-6E8A-4147-A177-3AD203B41FA5}">
+                      <a16:colId xmlns:a16="http://schemas.microsoft.com/office/drawing/2014/main" val="2601938607"/>
+                    </a:ext>
+                  </a:extLst>
+                </a:gridCol>
+                <a:gridCol w="1547679">
+                  <a:extLst>
+                    <a:ext uri="{9D8B030D-6E8A-4147-A177-3AD203B41FA5}">
+                      <a16:colId xmlns:a16="http://schemas.microsoft.com/office/drawing/2014/main" val="1790429295"/>
+                    </a:ext>
+                  </a:extLst>
+                </a:gridCol>
+                <a:gridCol w="1564003">
+                  <a:extLst>
+                    <a:ext uri="{9D8B030D-6E8A-4147-A177-3AD203B41FA5}">
+                      <a16:colId xmlns:a16="http://schemas.microsoft.com/office/drawing/2014/main" val="3582529616"/>
+                    </a:ext>
+                  </a:extLst>
+                </a:gridCol>
+                <a:gridCol w="1564003">
+                  <a:extLst>
+                    <a:ext uri="{9D8B030D-6E8A-4147-A177-3AD203B41FA5}">
+                      <a16:colId xmlns:a16="http://schemas.microsoft.com/office/drawing/2014/main" val="876594004"/>
+                    </a:ext>
+                  </a:extLst>
+                </a:gridCol>
+                <a:gridCol w="1564003">
+                  <a:extLst>
+                    <a:ext uri="{9D8B030D-6E8A-4147-A177-3AD203B41FA5}">
+                      <a16:colId xmlns:a16="http://schemas.microsoft.com/office/drawing/2014/main" val="926915438"/>
                     </a:ext>
                   </a:extLst>
                 </a:gridCol>
               </a:tblGrid>
-              <a:tr h="537286">
+              <a:tr h="655738">
                 <a:tc>
                   <a:txBody>
                     <a:bodyPr/>
@@ -7530,12 +6804,11 @@
                     <a:p>
                       <a:r>
                         <a:rPr lang="en-US" sz="1400" dirty="0"/>
-                        <a:t>F1 Score Overview</a:t>
+                        <a:t>Data Type</a:t>
                       </a:r>
-                      <a:endParaRPr lang="en-US" sz="1300" dirty="0"/>
                     </a:p>
                   </a:txBody>
-                  <a:tcPr marL="81861" marR="81861" marT="40931" marB="40931"/>
+                  <a:tcPr marL="97546" marR="97546" marT="48773" marB="48773"/>
                 </a:tc>
                 <a:tc>
                   <a:txBody>
@@ -7544,39 +6817,11 @@
                     <a:p>
                       <a:r>
                         <a:rPr lang="en-US" sz="1400" dirty="0"/>
-                        <a:t> - The F1 Score is a key metric for evaluating classification models.</a:t>
+                        <a:t>Data Oversampling</a:t>
                       </a:r>
                     </a:p>
-                    <a:p>
-                      <a:r>
-                        <a:rPr lang="en-US" sz="1400" dirty="0"/>
-                        <a:t>   - It combines precision and recall to provide a balanced performance measure.</a:t>
-                      </a:r>
-                      <a:endParaRPr lang="en-US" sz="1300" dirty="0"/>
-                    </a:p>
                   </a:txBody>
-                  <a:tcPr marL="81861" marR="81861" marT="40931" marB="40931"/>
-                </a:tc>
-                <a:extLst>
-                  <a:ext uri="{0D108BD9-81ED-4DB2-BD59-A6C34878D82A}">
-                    <a16:rowId xmlns:a16="http://schemas.microsoft.com/office/drawing/2014/main" val="2124589511"/>
-                  </a:ext>
-                </a:extLst>
-              </a:tr>
-              <a:tr h="537286">
-                <a:tc>
-                  <a:txBody>
-                    <a:bodyPr/>
-                    <a:lstStyle/>
-                    <a:p>
-                      <a:r>
-                        <a:rPr lang="en-US" sz="1400" dirty="0"/>
-                        <a:t>Understanding the F1 Score of 0.9455</a:t>
-                      </a:r>
-                      <a:endParaRPr lang="en-US" sz="1300" dirty="0"/>
-                    </a:p>
-                  </a:txBody>
-                  <a:tcPr marL="81861" marR="81861" marT="40931" marB="40931"/>
+                  <a:tcPr marL="97546" marR="97546" marT="48773" marB="48773"/>
                 </a:tc>
                 <a:tc>
                   <a:txBody>
@@ -7585,39 +6830,11 @@
                     <a:p>
                       <a:r>
                         <a:rPr lang="en-US" sz="1400" dirty="0"/>
-                        <a:t> - An F1 Score of 0.9455 indicates a high-performing classification model.</a:t>
+                        <a:t>Size</a:t>
                       </a:r>
                     </a:p>
-                    <a:p>
-                      <a:r>
-                        <a:rPr lang="en-US" sz="1400" dirty="0"/>
-                        <a:t>   - It suggests a strong balance between precision and recall.</a:t>
-                      </a:r>
-                      <a:endParaRPr lang="en-US" sz="1300" dirty="0"/>
-                    </a:p>
                   </a:txBody>
-                  <a:tcPr marL="81861" marR="81861" marT="40931" marB="40931"/>
-                </a:tc>
-                <a:extLst>
-                  <a:ext uri="{0D108BD9-81ED-4DB2-BD59-A6C34878D82A}">
-                    <a16:rowId xmlns:a16="http://schemas.microsoft.com/office/drawing/2014/main" val="3767029743"/>
-                  </a:ext>
-                </a:extLst>
-              </a:tr>
-              <a:tr h="537286">
-                <a:tc>
-                  <a:txBody>
-                    <a:bodyPr/>
-                    <a:lstStyle/>
-                    <a:p>
-                      <a:r>
-                        <a:rPr lang="en-US" sz="1400" dirty="0"/>
-                        <a:t>Precision and Recall</a:t>
-                      </a:r>
-                      <a:endParaRPr lang="en-US" sz="1300" dirty="0"/>
-                    </a:p>
-                  </a:txBody>
-                  <a:tcPr marL="81861" marR="81861" marT="40931" marB="40931"/>
+                  <a:tcPr marL="97546" marR="97546" marT="48773" marB="48773"/>
                 </a:tc>
                 <a:tc>
                   <a:txBody>
@@ -7626,39 +6843,11 @@
                     <a:p>
                       <a:r>
                         <a:rPr lang="en-US" sz="1400" dirty="0"/>
-                        <a:t>- High Precision: Model's positive predictions are highly likely to be correct.</a:t>
+                        <a:t>Run Time</a:t>
                       </a:r>
                     </a:p>
-                    <a:p>
-                      <a:r>
-                        <a:rPr lang="en-US" sz="1400" dirty="0"/>
-                        <a:t>   - High Recall: Model effectively captures most actual positive cases.</a:t>
-                      </a:r>
-                      <a:endParaRPr lang="en-US" sz="1300" dirty="0"/>
-                    </a:p>
                   </a:txBody>
-                  <a:tcPr marL="81861" marR="81861" marT="40931" marB="40931"/>
-                </a:tc>
-                <a:extLst>
-                  <a:ext uri="{0D108BD9-81ED-4DB2-BD59-A6C34878D82A}">
-                    <a16:rowId xmlns:a16="http://schemas.microsoft.com/office/drawing/2014/main" val="854076702"/>
-                  </a:ext>
-                </a:extLst>
-              </a:tr>
-              <a:tr h="941775">
-                <a:tc>
-                  <a:txBody>
-                    <a:bodyPr/>
-                    <a:lstStyle/>
-                    <a:p>
-                      <a:r>
-                        <a:rPr lang="en-US" sz="1400" dirty="0"/>
-                        <a:t>Practical Significance</a:t>
-                      </a:r>
-                      <a:endParaRPr lang="en-US" sz="1300" dirty="0"/>
-                    </a:p>
-                  </a:txBody>
-                  <a:tcPr marL="81861" marR="81861" marT="40931" marB="40931"/>
+                  <a:tcPr marL="97546" marR="97546" marT="48773" marB="48773"/>
                 </a:tc>
                 <a:tc>
                   <a:txBody>
@@ -7667,28 +6856,25 @@
                     <a:p>
                       <a:r>
                         <a:rPr lang="en-US" sz="1400" dirty="0"/>
-                        <a:t> - The model excels in identifying the target class, such as fraudulent transactions.</a:t>
+                        <a:t>Evaluation - ROC AUC</a:t>
                       </a:r>
                     </a:p>
+                  </a:txBody>
+                  <a:tcPr marL="97546" marR="97546" marT="48773" marB="48773"/>
+                </a:tc>
+                <a:tc>
+                  <a:txBody>
+                    <a:bodyPr/>
+                    <a:lstStyle/>
                     <a:p>
                       <a:r>
                         <a:rPr lang="en-US" sz="1400" dirty="0"/>
-                        <a:t>   - Minimizes both false positives (false alarms) and false negatives (missed detections).</a:t>
+                        <a:t>F1</a:t>
                       </a:r>
                     </a:p>
-                    <a:p>
-                      <a:endParaRPr lang="en-US" sz="1300" dirty="0"/>
-                    </a:p>
                   </a:txBody>
-                  <a:tcPr marL="81861" marR="81861" marT="40931" marB="40931"/>
+                  <a:tcPr marL="97546" marR="97546" marT="48773" marB="48773"/>
                 </a:tc>
-                <a:extLst>
-                  <a:ext uri="{0D108BD9-81ED-4DB2-BD59-A6C34878D82A}">
-                    <a16:rowId xmlns:a16="http://schemas.microsoft.com/office/drawing/2014/main" val="2478459662"/>
-                  </a:ext>
-                </a:extLst>
-              </a:tr>
-              <a:tr h="732040">
                 <a:tc>
                   <a:txBody>
                     <a:bodyPr/>
@@ -7713,11 +6899,31 @@
                       </a:pPr>
                       <a:r>
                         <a:rPr lang="en-US" sz="1400" dirty="0"/>
-                        <a:t>Application in Credit Card Fraud Detection</a:t>
+                        <a:t>Recall / True Positive Rate (TPR)</a:t>
                       </a:r>
                     </a:p>
                   </a:txBody>
-                  <a:tcPr marL="81861" marR="81861" marT="40931" marB="40931"/>
+                  <a:tcPr marL="97546" marR="97546" marT="48773" marB="48773"/>
+                </a:tc>
+                <a:extLst>
+                  <a:ext uri="{0D108BD9-81ED-4DB2-BD59-A6C34878D82A}">
+                    <a16:rowId xmlns:a16="http://schemas.microsoft.com/office/drawing/2014/main" val="2638266860"/>
+                  </a:ext>
+                </a:extLst>
+              </a:tr>
+              <a:tr h="920923">
+                <a:tc>
+                  <a:txBody>
+                    <a:bodyPr/>
+                    <a:lstStyle/>
+                    <a:p>
+                      <a:r>
+                        <a:rPr lang="en-US" sz="1200" dirty="0"/>
+                        <a:t>Imbalanced Dataset</a:t>
+                      </a:r>
+                    </a:p>
+                  </a:txBody>
+                  <a:tcPr marL="97546" marR="97546" marT="48773" marB="48773"/>
                 </a:tc>
                 <a:tc>
                   <a:txBody>
@@ -7725,33 +6931,175 @@
                     <a:lstStyle/>
                     <a:p>
                       <a:r>
-                        <a:rPr lang="en-US" sz="1400" dirty="0"/>
-                        <a:t>- Especially valuable for detecting fraudulent transactions accurately.</a:t>
+                        <a:rPr lang="en-US" sz="1200" dirty="0"/>
+                        <a:t>NA</a:t>
+                      </a:r>
+                    </a:p>
+                  </a:txBody>
+                  <a:tcPr marL="97546" marR="97546" marT="48773" marB="48773"/>
+                </a:tc>
+                <a:tc>
+                  <a:txBody>
+                    <a:bodyPr/>
+                    <a:lstStyle/>
+                    <a:p>
+                      <a:r>
+                        <a:rPr lang="en-US" sz="1200" dirty="0" err="1">
+                          <a:solidFill>
+                            <a:schemeClr val="tx1"/>
+                          </a:solidFill>
+                        </a:rPr>
+                        <a:t>X_Train</a:t>
+                      </a:r>
+                      <a:r>
+                        <a:rPr lang="en-US" sz="1200" dirty="0">
+                          <a:solidFill>
+                            <a:schemeClr val="tx1"/>
+                          </a:solidFill>
+                        </a:rPr>
+                        <a:t> : 227845</a:t>
                       </a:r>
                     </a:p>
                     <a:p>
                       <a:r>
-                        <a:rPr lang="en-US" sz="1400" dirty="0"/>
-                        <a:t>   - Balances the need to catch fraud (recall) and avoid false alarms (precision).</a:t>
+                        <a:rPr lang="en-US" sz="1200" dirty="0" err="1">
+                          <a:solidFill>
+                            <a:schemeClr val="tx1"/>
+                          </a:solidFill>
+                        </a:rPr>
+                        <a:t>X_Test</a:t>
+                      </a:r>
+                      <a:r>
+                        <a:rPr lang="en-US" sz="1200" dirty="0">
+                          <a:solidFill>
+                            <a:schemeClr val="tx1"/>
+                          </a:solidFill>
+                        </a:rPr>
+                        <a:t> : 56962</a:t>
                       </a:r>
                     </a:p>
-                    <a:p>
-                      <a:endParaRPr lang="en-US" sz="1300" dirty="0"/>
-                    </a:p>
                   </a:txBody>
-                  <a:tcPr marL="81861" marR="81861" marT="40931" marB="40931"/>
+                  <a:tcPr marL="97546" marR="97546" marT="48773" marB="48773"/>
                 </a:tc>
-                <a:extLst>
-                  <a:ext uri="{0D108BD9-81ED-4DB2-BD59-A6C34878D82A}">
-                    <a16:rowId xmlns:a16="http://schemas.microsoft.com/office/drawing/2014/main" val="451047839"/>
-                  </a:ext>
-                </a:extLst>
-              </a:tr>
-              <a:tr h="1166491">
                 <a:tc>
                   <a:txBody>
                     <a:bodyPr/>
                     <a:lstStyle/>
+                    <a:p>
+                      <a:pPr algn="ctr"/>
+                      <a:r>
+                        <a:rPr lang="en-US" sz="1200" dirty="0"/>
+                        <a:t>3256 seconds</a:t>
+                      </a:r>
+                    </a:p>
+                  </a:txBody>
+                  <a:tcPr marL="97546" marR="97546" marT="48773" marB="48773"/>
+                </a:tc>
+                <a:tc>
+                  <a:txBody>
+                    <a:bodyPr/>
+                    <a:lstStyle/>
+                    <a:p>
+                      <a:pPr algn="ctr"/>
+                      <a:r>
+                        <a:rPr lang="en-US" sz="1200" dirty="0"/>
+                        <a:t>0.9785</a:t>
+                      </a:r>
+                    </a:p>
+                  </a:txBody>
+                  <a:tcPr marL="97546" marR="97546" marT="48773" marB="48773"/>
+                </a:tc>
+                <a:tc>
+                  <a:txBody>
+                    <a:bodyPr/>
+                    <a:lstStyle/>
+                    <a:p>
+                      <a:pPr algn="ctr"/>
+                      <a:r>
+                        <a:rPr lang="en-US" sz="1200" dirty="0"/>
+                        <a:t>60.42%</a:t>
+                      </a:r>
+                    </a:p>
+                  </a:txBody>
+                  <a:tcPr marL="97546" marR="97546" marT="48773" marB="48773"/>
+                </a:tc>
+                <a:tc>
+                  <a:txBody>
+                    <a:bodyPr/>
+                    <a:lstStyle/>
+                    <a:p>
+                      <a:pPr algn="ctr"/>
+                      <a:r>
+                        <a:rPr lang="en-US" sz="1200" dirty="0"/>
+                        <a:t>0.9082</a:t>
+                      </a:r>
+                    </a:p>
+                  </a:txBody>
+                  <a:tcPr marL="97546" marR="97546" marT="48773" marB="48773"/>
+                </a:tc>
+                <a:extLst>
+                  <a:ext uri="{0D108BD9-81ED-4DB2-BD59-A6C34878D82A}">
+                    <a16:rowId xmlns:a16="http://schemas.microsoft.com/office/drawing/2014/main" val="1931460037"/>
+                  </a:ext>
+                </a:extLst>
+              </a:tr>
+              <a:tr h="920923">
+                <a:tc>
+                  <a:txBody>
+                    <a:bodyPr/>
+                    <a:lstStyle/>
+                    <a:p>
+                      <a:r>
+                        <a:rPr lang="en-US" sz="1200"/>
+                        <a:t>Balanced Dataset</a:t>
+                      </a:r>
+                    </a:p>
+                  </a:txBody>
+                  <a:tcPr marL="97546" marR="97546" marT="48773" marB="48773"/>
+                </a:tc>
+                <a:tc>
+                  <a:txBody>
+                    <a:bodyPr/>
+                    <a:lstStyle/>
+                    <a:p>
+                      <a:r>
+                        <a:rPr lang="en-US" sz="1200"/>
+                        <a:t>Random Oversampling</a:t>
+                      </a:r>
+                    </a:p>
+                  </a:txBody>
+                  <a:tcPr marL="97546" marR="97546" marT="48773" marB="48773"/>
+                </a:tc>
+                <a:tc>
+                  <a:txBody>
+                    <a:bodyPr/>
+                    <a:lstStyle/>
+                    <a:p>
+                      <a:r>
+                        <a:rPr lang="en-US" sz="1200" b="0" i="0" kern="1200" dirty="0" err="1">
+                          <a:solidFill>
+                            <a:schemeClr val="tx1"/>
+                          </a:solidFill>
+                          <a:effectLst/>
+                          <a:latin typeface="+mn-lt"/>
+                          <a:ea typeface="+mn-ea"/>
+                          <a:cs typeface="+mn-cs"/>
+                        </a:rPr>
+                        <a:t>X_train_ros</a:t>
+                      </a:r>
+                      <a:r>
+                        <a:rPr lang="en-US" sz="1200" b="0" i="0" kern="1200" dirty="0">
+                          <a:solidFill>
+                            <a:schemeClr val="tx1"/>
+                          </a:solidFill>
+                          <a:effectLst/>
+                          <a:latin typeface="+mn-lt"/>
+                          <a:ea typeface="+mn-ea"/>
+                          <a:cs typeface="+mn-cs"/>
+                        </a:rPr>
+                        <a:t> : 454902</a:t>
+                      </a:r>
+                    </a:p>
                     <a:p>
                       <a:pPr marL="0" marR="0" lvl="0" indent="0" algn="l" defTabSz="914400" rtl="0" eaLnBrk="1" fontAlgn="auto" latinLnBrk="0" hangingPunct="1">
                         <a:lnSpc>
@@ -7771,12 +7119,100 @@
                         <a:defRPr/>
                       </a:pPr>
                       <a:r>
-                        <a:rPr lang="en-US" sz="1400" dirty="0"/>
-                        <a:t>Summary</a:t>
+                        <a:rPr lang="en-US" sz="1200" dirty="0" err="1">
+                          <a:solidFill>
+                            <a:schemeClr val="tx1"/>
+                          </a:solidFill>
+                        </a:rPr>
+                        <a:t>X_Test</a:t>
+                      </a:r>
+                      <a:r>
+                        <a:rPr lang="en-US" sz="1200" dirty="0">
+                          <a:solidFill>
+                            <a:schemeClr val="tx1"/>
+                          </a:solidFill>
+                        </a:rPr>
+                        <a:t> : 56962</a:t>
                       </a:r>
                     </a:p>
                   </a:txBody>
-                  <a:tcPr marL="81861" marR="81861" marT="40931" marB="40931"/>
+                  <a:tcPr marL="97546" marR="97546" marT="48773" marB="48773"/>
+                </a:tc>
+                <a:tc>
+                  <a:txBody>
+                    <a:bodyPr/>
+                    <a:lstStyle/>
+                    <a:p>
+                      <a:pPr algn="ctr"/>
+                      <a:r>
+                        <a:rPr lang="en-US" sz="1200" dirty="0"/>
+                        <a:t>5073 seconds</a:t>
+                      </a:r>
+                    </a:p>
+                  </a:txBody>
+                  <a:tcPr marL="97546" marR="97546" marT="48773" marB="48773"/>
+                </a:tc>
+                <a:tc>
+                  <a:txBody>
+                    <a:bodyPr/>
+                    <a:lstStyle/>
+                    <a:p>
+                      <a:pPr algn="ctr"/>
+                      <a:r>
+                        <a:rPr lang="en-US" sz="1200" dirty="0"/>
+                        <a:t>0.9779</a:t>
+                      </a:r>
+                    </a:p>
+                  </a:txBody>
+                  <a:tcPr marL="97546" marR="97546" marT="48773" marB="48773"/>
+                </a:tc>
+                <a:tc>
+                  <a:txBody>
+                    <a:bodyPr/>
+                    <a:lstStyle/>
+                    <a:p>
+                      <a:pPr algn="ctr"/>
+                      <a:r>
+                        <a:rPr lang="en-US" sz="1200" dirty="0"/>
+                        <a:t>40.09%</a:t>
+                      </a:r>
+                    </a:p>
+                  </a:txBody>
+                  <a:tcPr marL="97546" marR="97546" marT="48773" marB="48773"/>
+                </a:tc>
+                <a:tc>
+                  <a:txBody>
+                    <a:bodyPr/>
+                    <a:lstStyle/>
+                    <a:p>
+                      <a:pPr algn="ctr"/>
+                      <a:r>
+                        <a:rPr lang="en-US" sz="1200" dirty="0"/>
+                        <a:t>0.9286</a:t>
+                      </a:r>
+                    </a:p>
+                  </a:txBody>
+                  <a:tcPr marL="97546" marR="97546" marT="48773" marB="48773"/>
+                </a:tc>
+                <a:extLst>
+                  <a:ext uri="{0D108BD9-81ED-4DB2-BD59-A6C34878D82A}">
+                    <a16:rowId xmlns:a16="http://schemas.microsoft.com/office/drawing/2014/main" val="89103389"/>
+                  </a:ext>
+                </a:extLst>
+              </a:tr>
+              <a:tr h="1089678">
+                <a:tc>
+                  <a:txBody>
+                    <a:bodyPr/>
+                    <a:lstStyle/>
+                    <a:p>
+                      <a:r>
+                        <a:rPr lang="en-US" sz="1200"/>
+                        <a:t>Balanced Dataset</a:t>
+                      </a:r>
+                    </a:p>
+                  </a:txBody>
+                  <a:tcPr marL="97546" marR="97546" marT="48773" marB="48773"/>
                 </a:tc>
                 <a:tc>
                   <a:txBody>
@@ -7784,32 +7220,288 @@
                     <a:lstStyle/>
                     <a:p>
                       <a:r>
-                        <a:rPr lang="en-US" sz="1400" dirty="0"/>
-                        <a:t> - An F1 Score of 0.9455 reflects the model's excellence in handling imbalanced data.</a:t>
+                        <a:rPr lang="en-US" sz="1200"/>
+                        <a:t>SMOTE</a:t>
+                      </a:r>
+                    </a:p>
+                  </a:txBody>
+                  <a:tcPr marL="97546" marR="97546" marT="48773" marB="48773"/>
+                </a:tc>
+                <a:tc>
+                  <a:txBody>
+                    <a:bodyPr/>
+                    <a:lstStyle/>
+                    <a:p>
+                      <a:r>
+                        <a:rPr lang="en-US" sz="1200" dirty="0" err="1">
+                          <a:solidFill>
+                            <a:schemeClr val="tx1"/>
+                          </a:solidFill>
+                        </a:rPr>
+                        <a:t>X_train_smote</a:t>
+                      </a:r>
+                      <a:r>
+                        <a:rPr lang="en-US" sz="1200" dirty="0">
+                          <a:solidFill>
+                            <a:schemeClr val="tx1"/>
+                          </a:solidFill>
+                        </a:rPr>
+                        <a:t> : 454902</a:t>
                       </a:r>
                     </a:p>
                     <a:p>
+                      <a:pPr marL="0" marR="0" lvl="0" indent="0" algn="l" defTabSz="914400" rtl="0" eaLnBrk="1" fontAlgn="auto" latinLnBrk="0" hangingPunct="1">
+                        <a:lnSpc>
+                          <a:spcPct val="100000"/>
+                        </a:lnSpc>
+                        <a:spcBef>
+                          <a:spcPts val="0"/>
+                        </a:spcBef>
+                        <a:spcAft>
+                          <a:spcPts val="0"/>
+                        </a:spcAft>
+                        <a:buClrTx/>
+                        <a:buSzTx/>
+                        <a:buFontTx/>
+                        <a:buNone/>
+                        <a:tabLst/>
+                        <a:defRPr/>
+                      </a:pPr>
                       <a:r>
-                        <a:rPr lang="en-US" sz="1400" dirty="0"/>
-                        <a:t>   - It signifies the model's ability to accurately detect the target class.</a:t>
+                        <a:rPr lang="en-US" sz="1200" dirty="0" err="1">
+                          <a:solidFill>
+                            <a:schemeClr val="tx1"/>
+                          </a:solidFill>
+                        </a:rPr>
+                        <a:t>X_Test</a:t>
+                      </a:r>
+                      <a:r>
+                        <a:rPr lang="en-US" sz="1200" dirty="0">
+                          <a:solidFill>
+                            <a:schemeClr val="tx1"/>
+                          </a:solidFill>
+                        </a:rPr>
+                        <a:t> : 56962</a:t>
                       </a:r>
                     </a:p>
                     <a:p>
-                      <a:endParaRPr lang="en-US" sz="1400" dirty="0"/>
-                    </a:p>
-                    <a:p>
-                      <a:r>
-                        <a:rPr lang="en-US" sz="1400" dirty="0"/>
-                        <a:t>Overall, this F1 Score is a strong indicator of the model's effectiveness in credit card fraud detection, where precision and recall are both critical for success.</a:t>
-                      </a:r>
-                      <a:endParaRPr lang="en-US" sz="1300" dirty="0"/>
+                      <a:endParaRPr lang="en-US" sz="1200" dirty="0">
+                        <a:solidFill>
+                          <a:schemeClr val="tx1"/>
+                        </a:solidFill>
+                      </a:endParaRPr>
                     </a:p>
                   </a:txBody>
-                  <a:tcPr marL="81861" marR="81861" marT="40931" marB="40931"/>
+                  <a:tcPr marL="97546" marR="97546" marT="48773" marB="48773"/>
+                </a:tc>
+                <a:tc>
+                  <a:txBody>
+                    <a:bodyPr/>
+                    <a:lstStyle/>
+                    <a:p>
+                      <a:pPr algn="ctr"/>
+                      <a:r>
+                        <a:rPr lang="en-US" sz="1200" dirty="0"/>
+                        <a:t>7910 seconds</a:t>
+                      </a:r>
+                    </a:p>
+                  </a:txBody>
+                  <a:tcPr marL="97546" marR="97546" marT="48773" marB="48773"/>
+                </a:tc>
+                <a:tc>
+                  <a:txBody>
+                    <a:bodyPr/>
+                    <a:lstStyle/>
+                    <a:p>
+                      <a:pPr algn="ctr"/>
+                      <a:r>
+                        <a:rPr lang="en-US" sz="1200" dirty="0"/>
+                        <a:t>1.00</a:t>
+                      </a:r>
+                    </a:p>
+                  </a:txBody>
+                  <a:tcPr marL="97546" marR="97546" marT="48773" marB="48773"/>
+                </a:tc>
+                <a:tc>
+                  <a:txBody>
+                    <a:bodyPr/>
+                    <a:lstStyle/>
+                    <a:p>
+                      <a:pPr algn="ctr"/>
+                      <a:r>
+                        <a:rPr lang="en-US" sz="1200" dirty="0"/>
+                        <a:t>9.58%</a:t>
+                      </a:r>
+                    </a:p>
+                  </a:txBody>
+                  <a:tcPr marL="97546" marR="97546" marT="48773" marB="48773"/>
+                </a:tc>
+                <a:tc>
+                  <a:txBody>
+                    <a:bodyPr/>
+                    <a:lstStyle/>
+                    <a:p>
+                      <a:pPr algn="ctr"/>
+                      <a:r>
+                        <a:rPr lang="en-US" sz="1200" dirty="0"/>
+                        <a:t>0.9184</a:t>
+                      </a:r>
+                    </a:p>
+                  </a:txBody>
+                  <a:tcPr marL="97546" marR="97546" marT="48773" marB="48773"/>
                 </a:tc>
                 <a:extLst>
                   <a:ext uri="{0D108BD9-81ED-4DB2-BD59-A6C34878D82A}">
-                    <a16:rowId xmlns:a16="http://schemas.microsoft.com/office/drawing/2014/main" val="524205372"/>
+                    <a16:rowId xmlns:a16="http://schemas.microsoft.com/office/drawing/2014/main" val="1714661332"/>
+                  </a:ext>
+                </a:extLst>
+              </a:tr>
+              <a:tr h="1101731">
+                <a:tc>
+                  <a:txBody>
+                    <a:bodyPr/>
+                    <a:lstStyle/>
+                    <a:p>
+                      <a:r>
+                        <a:rPr lang="en-US" sz="1200"/>
+                        <a:t>Balanced Dataset</a:t>
+                      </a:r>
+                    </a:p>
+                  </a:txBody>
+                  <a:tcPr marL="97546" marR="97546" marT="48773" marB="48773"/>
+                </a:tc>
+                <a:tc>
+                  <a:txBody>
+                    <a:bodyPr/>
+                    <a:lstStyle/>
+                    <a:p>
+                      <a:r>
+                        <a:rPr lang="en-US" sz="1200"/>
+                        <a:t>ADASYN</a:t>
+                      </a:r>
+                    </a:p>
+                  </a:txBody>
+                  <a:tcPr marL="97546" marR="97546" marT="48773" marB="48773"/>
+                </a:tc>
+                <a:tc>
+                  <a:txBody>
+                    <a:bodyPr/>
+                    <a:lstStyle/>
+                    <a:p>
+                      <a:r>
+                        <a:rPr lang="en-US" sz="1200" dirty="0" err="1">
+                          <a:solidFill>
+                            <a:schemeClr val="tx1"/>
+                          </a:solidFill>
+                        </a:rPr>
+                        <a:t>X_train_adasyn</a:t>
+                      </a:r>
+                      <a:r>
+                        <a:rPr lang="en-US" sz="1200" dirty="0">
+                          <a:solidFill>
+                            <a:schemeClr val="tx1"/>
+                          </a:solidFill>
+                        </a:rPr>
+                        <a:t> : 454900</a:t>
+                      </a:r>
+                    </a:p>
+                    <a:p>
+                      <a:pPr marL="0" marR="0" lvl="0" indent="0" algn="l" defTabSz="914400" rtl="0" eaLnBrk="1" fontAlgn="auto" latinLnBrk="0" hangingPunct="1">
+                        <a:lnSpc>
+                          <a:spcPct val="100000"/>
+                        </a:lnSpc>
+                        <a:spcBef>
+                          <a:spcPts val="0"/>
+                        </a:spcBef>
+                        <a:spcAft>
+                          <a:spcPts val="0"/>
+                        </a:spcAft>
+                        <a:buClrTx/>
+                        <a:buSzTx/>
+                        <a:buFontTx/>
+                        <a:buNone/>
+                        <a:tabLst/>
+                        <a:defRPr/>
+                      </a:pPr>
+                      <a:r>
+                        <a:rPr lang="en-US" sz="1200" dirty="0" err="1">
+                          <a:solidFill>
+                            <a:schemeClr val="tx1"/>
+                          </a:solidFill>
+                        </a:rPr>
+                        <a:t>X_Test</a:t>
+                      </a:r>
+                      <a:r>
+                        <a:rPr lang="en-US" sz="1200" dirty="0">
+                          <a:solidFill>
+                            <a:schemeClr val="tx1"/>
+                          </a:solidFill>
+                        </a:rPr>
+                        <a:t> : 56962</a:t>
+                      </a:r>
+                    </a:p>
+                  </a:txBody>
+                  <a:tcPr marL="97546" marR="97546" marT="48773" marB="48773"/>
+                </a:tc>
+                <a:tc>
+                  <a:txBody>
+                    <a:bodyPr/>
+                    <a:lstStyle/>
+                    <a:p>
+                      <a:pPr algn="ctr"/>
+                      <a:r>
+                        <a:rPr lang="en-US" sz="1200" dirty="0"/>
+                        <a:t>8226 seconds</a:t>
+                      </a:r>
+                    </a:p>
+                  </a:txBody>
+                  <a:tcPr marL="97546" marR="97546" marT="48773" marB="48773"/>
+                </a:tc>
+                <a:tc>
+                  <a:txBody>
+                    <a:bodyPr/>
+                    <a:lstStyle/>
+                    <a:p>
+                      <a:pPr algn="ctr"/>
+                      <a:r>
+                        <a:rPr lang="en-US" sz="1200" dirty="0"/>
+                        <a:t>0.9751</a:t>
+                      </a:r>
+                    </a:p>
+                  </a:txBody>
+                  <a:tcPr marL="97546" marR="97546" marT="48773" marB="48773"/>
+                </a:tc>
+                <a:tc>
+                  <a:txBody>
+                    <a:bodyPr/>
+                    <a:lstStyle/>
+                    <a:p>
+                      <a:pPr algn="ctr"/>
+                      <a:r>
+                        <a:rPr lang="en-US" sz="1200" dirty="0"/>
+                        <a:t>63.27%</a:t>
+                      </a:r>
+                    </a:p>
+                  </a:txBody>
+                  <a:tcPr marL="97546" marR="97546" marT="48773" marB="48773"/>
+                </a:tc>
+                <a:tc>
+                  <a:txBody>
+                    <a:bodyPr/>
+                    <a:lstStyle/>
+                    <a:p>
+                      <a:pPr algn="ctr"/>
+                      <a:r>
+                        <a:rPr lang="en-US" sz="1200" dirty="0"/>
+                        <a:t>0.8980</a:t>
+                      </a:r>
+                    </a:p>
+                  </a:txBody>
+                  <a:tcPr marL="97546" marR="97546" marT="48773" marB="48773"/>
+                </a:tc>
+                <a:extLst>
+                  <a:ext uri="{0D108BD9-81ED-4DB2-BD59-A6C34878D82A}">
+                    <a16:rowId xmlns:a16="http://schemas.microsoft.com/office/drawing/2014/main" val="2218449266"/>
                   </a:ext>
                 </a:extLst>
               </a:tr>
@@ -7820,7 +7512,7 @@
     </p:spTree>
     <p:extLst>
       <p:ext uri="{BB962C8B-B14F-4D97-AF65-F5344CB8AC3E}">
-        <p14:creationId xmlns:p14="http://schemas.microsoft.com/office/powerpoint/2010/main" val="2047141154"/>
+        <p14:creationId xmlns:p14="http://schemas.microsoft.com/office/powerpoint/2010/main" val="3984056098"/>
       </p:ext>
     </p:extLst>
   </p:cSld>
@@ -7830,7 +7522,7 @@
 </p:sld>
 </file>
 
-<file path=ppt/slides/slide12.xml><?xml version="1.0" encoding="utf-8"?>
+<file path=ppt/slides/slide11.xml><?xml version="1.0" encoding="utf-8"?>
 <p:sld xmlns:a="http://schemas.openxmlformats.org/drawingml/2006/main" xmlns:r="http://schemas.openxmlformats.org/officeDocument/2006/relationships" xmlns:p="http://schemas.openxmlformats.org/presentationml/2006/main">
   <p:cSld>
     <p:bg>
@@ -7857,10 +7549,10 @@
       </p:grpSpPr>
       <p:sp useBgFill="1">
         <p:nvSpPr>
-          <p:cNvPr id="25" name="Rectangle 24">
-            <a:extLst>
-              <a:ext uri="{FF2B5EF4-FFF2-40B4-BE49-F238E27FC236}">
-                <a16:creationId xmlns:a16="http://schemas.microsoft.com/office/drawing/2014/main" id="{09588DA8-065E-4F6F-8EFD-43104AB2E0CF}"/>
+          <p:cNvPr id="8" name="Rectangle 7">
+            <a:extLst>
+              <a:ext uri="{FF2B5EF4-FFF2-40B4-BE49-F238E27FC236}">
+                <a16:creationId xmlns:a16="http://schemas.microsoft.com/office/drawing/2014/main" id="{1B15ED52-F352-441B-82BF-E0EA34836D08}"/>
               </a:ext>
               <a:ext uri="{C183D7F6-B498-43B3-948B-1728B52AA6E4}">
                 <adec:decorative xmlns:adec="http://schemas.microsoft.com/office/drawing/2017/decorative" val="1"/>
@@ -7931,9 +7623,572 @@
           </a:p>
         </p:txBody>
       </p:sp>
+      <p:sp>
+        <p:nvSpPr>
+          <p:cNvPr id="10" name="Rectangle 9">
+            <a:extLst>
+              <a:ext uri="{FF2B5EF4-FFF2-40B4-BE49-F238E27FC236}">
+                <a16:creationId xmlns:a16="http://schemas.microsoft.com/office/drawing/2014/main" id="{3B2E3793-BFE6-45A2-9B7B-E18844431C99}"/>
+              </a:ext>
+              <a:ext uri="{C183D7F6-B498-43B3-948B-1728B52AA6E4}">
+                <adec:decorative xmlns:adec="http://schemas.microsoft.com/office/drawing/2017/decorative" val="1"/>
+              </a:ext>
+            </a:extLst>
+          </p:cNvPr>
+          <p:cNvSpPr>
+            <a:spLocks noGrp="1" noRot="1" noChangeAspect="1" noMove="1" noResize="1" noEditPoints="1" noAdjustHandles="1" noChangeArrowheads="1" noChangeShapeType="1" noTextEdit="1"/>
+          </p:cNvSpPr>
+          <p:nvPr>
+            <p:extLst>
+              <p:ext uri="{386F3935-93C4-4BCD-93E2-E3B085C9AB24}">
+                <p16:designElem xmlns:p16="http://schemas.microsoft.com/office/powerpoint/2015/main" val="1"/>
+              </p:ext>
+            </p:extLst>
+          </p:nvPr>
+        </p:nvSpPr>
+        <p:spPr>
+          <a:xfrm flipH="1">
+            <a:off x="-1" y="-1"/>
+            <a:ext cx="12191998" cy="1590742"/>
+          </a:xfrm>
+          <a:prstGeom prst="rect">
+            <a:avLst/>
+          </a:prstGeom>
+          <a:gradFill>
+            <a:gsLst>
+              <a:gs pos="0">
+                <a:srgbClr val="000000"/>
+              </a:gs>
+              <a:gs pos="100000">
+                <a:schemeClr val="accent1">
+                  <a:lumMod val="75000"/>
+                </a:schemeClr>
+              </a:gs>
+            </a:gsLst>
+            <a:lin ang="8400000" scaled="0"/>
+          </a:gradFill>
+          <a:ln>
+            <a:noFill/>
+          </a:ln>
+        </p:spPr>
+        <p:style>
+          <a:lnRef idx="2">
+            <a:schemeClr val="accent1">
+              <a:shade val="50000"/>
+            </a:schemeClr>
+          </a:lnRef>
+          <a:fillRef idx="1">
+            <a:schemeClr val="accent1"/>
+          </a:fillRef>
+          <a:effectRef idx="0">
+            <a:schemeClr val="accent1"/>
+          </a:effectRef>
+          <a:fontRef idx="minor">
+            <a:schemeClr val="lt1"/>
+          </a:fontRef>
+        </p:style>
+        <p:txBody>
+          <a:bodyPr rtlCol="0" anchor="ctr"/>
+          <a:lstStyle/>
+          <a:p>
+            <a:pPr algn="ctr"/>
+            <a:endParaRPr lang="en-US"/>
+          </a:p>
+        </p:txBody>
+      </p:sp>
+      <p:sp>
+        <p:nvSpPr>
+          <p:cNvPr id="12" name="Rectangle 11">
+            <a:extLst>
+              <a:ext uri="{FF2B5EF4-FFF2-40B4-BE49-F238E27FC236}">
+                <a16:creationId xmlns:a16="http://schemas.microsoft.com/office/drawing/2014/main" id="{BC4C4868-CB8F-4AF9-9CDB-8108F2C19B67}"/>
+              </a:ext>
+              <a:ext uri="{C183D7F6-B498-43B3-948B-1728B52AA6E4}">
+                <adec:decorative xmlns:adec="http://schemas.microsoft.com/office/drawing/2017/decorative" val="1"/>
+              </a:ext>
+            </a:extLst>
+          </p:cNvPr>
+          <p:cNvSpPr>
+            <a:spLocks noGrp="1" noRot="1" noChangeAspect="1" noMove="1" noResize="1" noEditPoints="1" noAdjustHandles="1" noChangeArrowheads="1" noChangeShapeType="1" noTextEdit="1"/>
+          </p:cNvSpPr>
+          <p:nvPr>
+            <p:extLst>
+              <p:ext uri="{386F3935-93C4-4BCD-93E2-E3B085C9AB24}">
+                <p16:designElem xmlns:p16="http://schemas.microsoft.com/office/powerpoint/2015/main" val="1"/>
+              </p:ext>
+            </p:extLst>
+          </p:nvPr>
+        </p:nvSpPr>
+        <p:spPr>
+          <a:xfrm rot="10800000" flipH="1">
+            <a:off x="-3" y="0"/>
+            <a:ext cx="8115306" cy="1590742"/>
+          </a:xfrm>
+          <a:prstGeom prst="rect">
+            <a:avLst/>
+          </a:prstGeom>
+          <a:gradFill>
+            <a:gsLst>
+              <a:gs pos="20000">
+                <a:schemeClr val="accent1">
+                  <a:alpha val="0"/>
+                </a:schemeClr>
+              </a:gs>
+              <a:gs pos="100000">
+                <a:schemeClr val="accent1">
+                  <a:lumMod val="50000"/>
+                  <a:alpha val="55000"/>
+                </a:schemeClr>
+              </a:gs>
+            </a:gsLst>
+            <a:lin ang="13800000" scaled="0"/>
+          </a:gradFill>
+          <a:ln>
+            <a:noFill/>
+          </a:ln>
+        </p:spPr>
+        <p:style>
+          <a:lnRef idx="2">
+            <a:schemeClr val="accent1">
+              <a:shade val="50000"/>
+            </a:schemeClr>
+          </a:lnRef>
+          <a:fillRef idx="1">
+            <a:schemeClr val="accent1"/>
+          </a:fillRef>
+          <a:effectRef idx="0">
+            <a:schemeClr val="accent1"/>
+          </a:effectRef>
+          <a:fontRef idx="minor">
+            <a:schemeClr val="lt1"/>
+          </a:fontRef>
+        </p:style>
+        <p:txBody>
+          <a:bodyPr rtlCol="0" anchor="ctr"/>
+          <a:lstStyle/>
+          <a:p>
+            <a:pPr algn="ctr"/>
+            <a:endParaRPr lang="en-US"/>
+          </a:p>
+        </p:txBody>
+      </p:sp>
+      <p:sp>
+        <p:nvSpPr>
+          <p:cNvPr id="14" name="Rectangle 13">
+            <a:extLst>
+              <a:ext uri="{FF2B5EF4-FFF2-40B4-BE49-F238E27FC236}">
+                <a16:creationId xmlns:a16="http://schemas.microsoft.com/office/drawing/2014/main" id="{375E0459-6403-40CD-989D-56A4407CA12E}"/>
+              </a:ext>
+              <a:ext uri="{C183D7F6-B498-43B3-948B-1728B52AA6E4}">
+                <adec:decorative xmlns:adec="http://schemas.microsoft.com/office/drawing/2017/decorative" val="1"/>
+              </a:ext>
+            </a:extLst>
+          </p:cNvPr>
+          <p:cNvSpPr>
+            <a:spLocks noGrp="1" noRot="1" noChangeAspect="1" noMove="1" noResize="1" noEditPoints="1" noAdjustHandles="1" noChangeArrowheads="1" noChangeShapeType="1" noTextEdit="1"/>
+          </p:cNvSpPr>
+          <p:nvPr>
+            <p:extLst>
+              <p:ext uri="{386F3935-93C4-4BCD-93E2-E3B085C9AB24}">
+                <p16:designElem xmlns:p16="http://schemas.microsoft.com/office/powerpoint/2015/main" val="1"/>
+              </p:ext>
+            </p:extLst>
+          </p:nvPr>
+        </p:nvSpPr>
+        <p:spPr>
+          <a:xfrm flipH="1">
+            <a:off x="8115299" y="-1"/>
+            <a:ext cx="4076698" cy="1590742"/>
+          </a:xfrm>
+          <a:prstGeom prst="rect">
+            <a:avLst/>
+          </a:prstGeom>
+          <a:gradFill>
+            <a:gsLst>
+              <a:gs pos="0">
+                <a:schemeClr val="accent1">
+                  <a:alpha val="66000"/>
+                </a:schemeClr>
+              </a:gs>
+              <a:gs pos="100000">
+                <a:srgbClr val="000000">
+                  <a:alpha val="30000"/>
+                </a:srgbClr>
+              </a:gs>
+            </a:gsLst>
+            <a:lin ang="13200000" scaled="0"/>
+          </a:gradFill>
+          <a:ln>
+            <a:noFill/>
+          </a:ln>
+        </p:spPr>
+        <p:style>
+          <a:lnRef idx="2">
+            <a:schemeClr val="accent1">
+              <a:shade val="50000"/>
+            </a:schemeClr>
+          </a:lnRef>
+          <a:fillRef idx="1">
+            <a:schemeClr val="accent1"/>
+          </a:fillRef>
+          <a:effectRef idx="0">
+            <a:schemeClr val="accent1"/>
+          </a:effectRef>
+          <a:fontRef idx="minor">
+            <a:schemeClr val="lt1"/>
+          </a:fontRef>
+        </p:style>
+        <p:txBody>
+          <a:bodyPr rtlCol="0" anchor="ctr"/>
+          <a:lstStyle/>
+          <a:p>
+            <a:pPr algn="ctr"/>
+            <a:endParaRPr lang="en-US"/>
+          </a:p>
+        </p:txBody>
+      </p:sp>
+      <p:sp>
+        <p:nvSpPr>
+          <p:cNvPr id="16" name="Rectangle 15">
+            <a:extLst>
+              <a:ext uri="{FF2B5EF4-FFF2-40B4-BE49-F238E27FC236}">
+                <a16:creationId xmlns:a16="http://schemas.microsoft.com/office/drawing/2014/main" id="{53E5B1A8-3AC9-4BD1-9BBC-78CA94F2D1BA}"/>
+              </a:ext>
+              <a:ext uri="{C183D7F6-B498-43B3-948B-1728B52AA6E4}">
+                <adec:decorative xmlns:adec="http://schemas.microsoft.com/office/drawing/2017/decorative" val="1"/>
+              </a:ext>
+            </a:extLst>
+          </p:cNvPr>
+          <p:cNvSpPr>
+            <a:spLocks noGrp="1" noRot="1" noChangeAspect="1" noMove="1" noResize="1" noEditPoints="1" noAdjustHandles="1" noChangeArrowheads="1" noChangeShapeType="1" noTextEdit="1"/>
+          </p:cNvSpPr>
+          <p:nvPr>
+            <p:extLst>
+              <p:ext uri="{386F3935-93C4-4BCD-93E2-E3B085C9AB24}">
+                <p16:designElem xmlns:p16="http://schemas.microsoft.com/office/powerpoint/2015/main" val="1"/>
+              </p:ext>
+            </p:extLst>
+          </p:nvPr>
+        </p:nvSpPr>
+        <p:spPr>
+          <a:xfrm>
+            <a:off x="459350" y="-1"/>
+            <a:ext cx="11732646" cy="1597433"/>
+          </a:xfrm>
+          <a:prstGeom prst="rect">
+            <a:avLst/>
+          </a:prstGeom>
+          <a:gradFill>
+            <a:gsLst>
+              <a:gs pos="50000">
+                <a:srgbClr val="000000">
+                  <a:alpha val="0"/>
+                </a:srgbClr>
+              </a:gs>
+              <a:gs pos="99000">
+                <a:schemeClr val="accent1">
+                  <a:lumMod val="50000"/>
+                  <a:alpha val="52000"/>
+                </a:schemeClr>
+              </a:gs>
+            </a:gsLst>
+            <a:lin ang="16800000" scaled="0"/>
+          </a:gradFill>
+          <a:ln>
+            <a:noFill/>
+          </a:ln>
+        </p:spPr>
+        <p:style>
+          <a:lnRef idx="2">
+            <a:schemeClr val="accent1">
+              <a:shade val="50000"/>
+            </a:schemeClr>
+          </a:lnRef>
+          <a:fillRef idx="1">
+            <a:schemeClr val="accent1"/>
+          </a:fillRef>
+          <a:effectRef idx="0">
+            <a:schemeClr val="accent1"/>
+          </a:effectRef>
+          <a:fontRef idx="minor">
+            <a:schemeClr val="lt1"/>
+          </a:fontRef>
+        </p:style>
+        <p:txBody>
+          <a:bodyPr rtlCol="0" anchor="ctr"/>
+          <a:lstStyle/>
+          <a:p>
+            <a:pPr algn="ctr"/>
+            <a:endParaRPr lang="en-US"/>
+          </a:p>
+        </p:txBody>
+      </p:sp>
+      <p:sp>
+        <p:nvSpPr>
+          <p:cNvPr id="2" name="Title 1">
+            <a:extLst>
+              <a:ext uri="{FF2B5EF4-FFF2-40B4-BE49-F238E27FC236}">
+                <a16:creationId xmlns:a16="http://schemas.microsoft.com/office/drawing/2014/main" id="{E0EBF5A2-6A24-D247-302B-A83120A441B8}"/>
+              </a:ext>
+            </a:extLst>
+          </p:cNvPr>
+          <p:cNvSpPr>
+            <a:spLocks noGrp="1"/>
+          </p:cNvSpPr>
+          <p:nvPr>
+            <p:ph type="title"/>
+          </p:nvPr>
+        </p:nvSpPr>
+        <p:spPr>
+          <a:xfrm>
+            <a:off x="1371599" y="294538"/>
+            <a:ext cx="9895951" cy="1033669"/>
+          </a:xfrm>
+        </p:spPr>
+        <p:txBody>
+          <a:bodyPr>
+            <a:normAutofit/>
+          </a:bodyPr>
+          <a:lstStyle/>
+          <a:p>
+            <a:r>
+              <a:rPr lang="en-US" sz="4000">
+                <a:solidFill>
+                  <a:srgbClr val="FFFFFF"/>
+                </a:solidFill>
+              </a:rPr>
+              <a:t>XGBoost Performance Summary</a:t>
+            </a:r>
+          </a:p>
+        </p:txBody>
+      </p:sp>
+      <p:sp>
+        <p:nvSpPr>
+          <p:cNvPr id="27" name="Content Placeholder 2">
+            <a:extLst>
+              <a:ext uri="{FF2B5EF4-FFF2-40B4-BE49-F238E27FC236}">
+                <a16:creationId xmlns:a16="http://schemas.microsoft.com/office/drawing/2014/main" id="{A5B70089-D6FF-9143-3990-82B0FDF5BAAA}"/>
+              </a:ext>
+            </a:extLst>
+          </p:cNvPr>
+          <p:cNvSpPr>
+            <a:spLocks noGrp="1"/>
+          </p:cNvSpPr>
+          <p:nvPr>
+            <p:ph idx="1"/>
+          </p:nvPr>
+        </p:nvSpPr>
+        <p:spPr>
+          <a:xfrm>
+            <a:off x="1371599" y="2318197"/>
+            <a:ext cx="9724031" cy="3683358"/>
+          </a:xfrm>
+        </p:spPr>
+        <p:txBody>
+          <a:bodyPr anchor="ctr">
+            <a:normAutofit/>
+          </a:bodyPr>
+          <a:lstStyle/>
+          <a:p>
+            <a:pPr>
+              <a:buFont typeface="Arial" panose="020B0604020202020204" pitchFamily="34" charset="0"/>
+              <a:buChar char="•"/>
+            </a:pPr>
+            <a:r>
+              <a:rPr lang="en-US" sz="2000" b="1" i="0" dirty="0">
+                <a:effectLst/>
+                <a:latin typeface="Söhne"/>
+              </a:rPr>
+              <a:t>ROC AUC</a:t>
+            </a:r>
+            <a:r>
+              <a:rPr lang="en-US" sz="2000" b="0" i="0" dirty="0">
+                <a:effectLst/>
+                <a:latin typeface="Söhne"/>
+              </a:rPr>
+              <a:t>: Balanced Dataset with SMOTE achieves the highest ROC AUC of 1.0, indicating perfect separation between classes. However, this might be due to overfitting, especially considering the low F1 Score.</a:t>
+            </a:r>
+          </a:p>
+          <a:p>
+            <a:pPr>
+              <a:buFont typeface="Arial" panose="020B0604020202020204" pitchFamily="34" charset="0"/>
+              <a:buChar char="•"/>
+            </a:pPr>
+            <a:r>
+              <a:rPr lang="en-US" sz="2000" b="1" i="0" dirty="0">
+                <a:effectLst/>
+                <a:latin typeface="Söhne"/>
+              </a:rPr>
+              <a:t>F1 Score</a:t>
+            </a:r>
+            <a:r>
+              <a:rPr lang="en-US" sz="2000" b="0" i="0" dirty="0">
+                <a:effectLst/>
+                <a:latin typeface="Söhne"/>
+              </a:rPr>
+              <a:t>: Balanced Dataset with ADASYN has the highest F1 Score of 63.27%, which indicates a good balance between precision and recall. It's also the highest among all models.</a:t>
+            </a:r>
+          </a:p>
+          <a:p>
+            <a:pPr>
+              <a:buFont typeface="Arial" panose="020B0604020202020204" pitchFamily="34" charset="0"/>
+              <a:buChar char="•"/>
+            </a:pPr>
+            <a:r>
+              <a:rPr lang="en-US" sz="2000" b="1" i="0" dirty="0">
+                <a:effectLst/>
+                <a:latin typeface="Söhne"/>
+              </a:rPr>
+              <a:t>Recall/TPR</a:t>
+            </a:r>
+            <a:r>
+              <a:rPr lang="en-US" sz="2000" b="0" i="0" dirty="0">
+                <a:effectLst/>
+                <a:latin typeface="Söhne"/>
+              </a:rPr>
+              <a:t>: Balanced Dataset with Random Oversampling has the highest recall (0.9286), indicating that it effectively identifies actual fraudulent transactions.</a:t>
+            </a:r>
+          </a:p>
+          <a:p>
+            <a:pPr>
+              <a:buFont typeface="Arial" panose="020B0604020202020204" pitchFamily="34" charset="0"/>
+              <a:buChar char="•"/>
+            </a:pPr>
+            <a:r>
+              <a:rPr lang="en-US" sz="2000" b="1" i="0" dirty="0">
+                <a:effectLst/>
+                <a:latin typeface="Söhne"/>
+              </a:rPr>
+              <a:t>Runtime</a:t>
+            </a:r>
+            <a:r>
+              <a:rPr lang="en-US" sz="2000" b="0" i="0" dirty="0">
+                <a:effectLst/>
+                <a:latin typeface="Söhne"/>
+              </a:rPr>
+              <a:t>: Imbalanced Dataset has the lowest runtime, followed closely by Model #2. Model #3 and Model #4 have significantly higher runtimes.</a:t>
+            </a:r>
+            <a:endParaRPr lang="en-US" sz="2000" dirty="0"/>
+          </a:p>
+        </p:txBody>
+      </p:sp>
+    </p:spTree>
+    <p:extLst>
+      <p:ext uri="{BB962C8B-B14F-4D97-AF65-F5344CB8AC3E}">
+        <p14:creationId xmlns:p14="http://schemas.microsoft.com/office/powerpoint/2010/main" val="1781672292"/>
+      </p:ext>
+    </p:extLst>
+  </p:cSld>
+  <p:clrMapOvr>
+    <a:masterClrMapping/>
+  </p:clrMapOvr>
+</p:sld>
+</file>
+
+<file path=ppt/slides/slide12.xml><?xml version="1.0" encoding="utf-8"?>
+<p:sld xmlns:a="http://schemas.openxmlformats.org/drawingml/2006/main" xmlns:r="http://schemas.openxmlformats.org/officeDocument/2006/relationships" xmlns:p="http://schemas.openxmlformats.org/presentationml/2006/main">
+  <p:cSld>
+    <p:bg>
+      <p:bgPr>
+        <a:solidFill>
+          <a:schemeClr val="bg1"/>
+        </a:solidFill>
+        <a:effectLst/>
+      </p:bgPr>
+    </p:bg>
+    <p:spTree>
+      <p:nvGrpSpPr>
+        <p:cNvPr id="1" name=""/>
+        <p:cNvGrpSpPr/>
+        <p:nvPr/>
+      </p:nvGrpSpPr>
+      <p:grpSpPr>
+        <a:xfrm>
+          <a:off x="0" y="0"/>
+          <a:ext cx="0" cy="0"/>
+          <a:chOff x="0" y="0"/>
+          <a:chExt cx="0" cy="0"/>
+        </a:xfrm>
+      </p:grpSpPr>
       <p:sp useBgFill="1">
         <p:nvSpPr>
-          <p:cNvPr id="27" name="Rectangle 26">
+          <p:cNvPr id="9" name="Rectangle 8">
+            <a:extLst>
+              <a:ext uri="{FF2B5EF4-FFF2-40B4-BE49-F238E27FC236}">
+                <a16:creationId xmlns:a16="http://schemas.microsoft.com/office/drawing/2014/main" id="{09588DA8-065E-4F6F-8EFD-43104AB2E0CF}"/>
+              </a:ext>
+              <a:ext uri="{C183D7F6-B498-43B3-948B-1728B52AA6E4}">
+                <adec:decorative xmlns:adec="http://schemas.microsoft.com/office/drawing/2017/decorative" val="1"/>
+              </a:ext>
+            </a:extLst>
+          </p:cNvPr>
+          <p:cNvSpPr>
+            <a:spLocks noGrp="1" noRot="1" noChangeAspect="1" noMove="1" noResize="1" noEditPoints="1" noAdjustHandles="1" noChangeArrowheads="1" noChangeShapeType="1" noTextEdit="1"/>
+          </p:cNvSpPr>
+          <p:nvPr>
+            <p:extLst>
+              <p:ext uri="{386F3935-93C4-4BCD-93E2-E3B085C9AB24}">
+                <p16:designElem xmlns:p16="http://schemas.microsoft.com/office/powerpoint/2015/main" val="1"/>
+              </p:ext>
+            </p:extLst>
+          </p:nvPr>
+        </p:nvSpPr>
+        <p:spPr>
+          <a:xfrm>
+            <a:off x="0" y="0"/>
+            <a:ext cx="12192000" cy="6858000"/>
+          </a:xfrm>
+          <a:prstGeom prst="rect">
+            <a:avLst/>
+          </a:prstGeom>
+          <a:ln w="12700" cap="flat" cmpd="sng" algn="ctr">
+            <a:noFill/>
+            <a:prstDash val="solid"/>
+            <a:miter lim="800000"/>
+          </a:ln>
+          <a:effectLst/>
+          <a:extLst>
+            <a:ext uri="{91240B29-F687-4F45-9708-019B960494DF}">
+              <a14:hiddenLine xmlns:a14="http://schemas.microsoft.com/office/drawing/2010/main" w="12700" cap="flat" cmpd="sng" algn="ctr">
+                <a:solidFill>
+                  <a:schemeClr val="accent1">
+                    <a:shade val="50000"/>
+                  </a:schemeClr>
+                </a:solidFill>
+                <a:prstDash val="solid"/>
+                <a:miter lim="800000"/>
+              </a14:hiddenLine>
+            </a:ext>
+          </a:extLst>
+        </p:spPr>
+        <p:style>
+          <a:lnRef idx="2">
+            <a:schemeClr val="accent1">
+              <a:shade val="50000"/>
+            </a:schemeClr>
+          </a:lnRef>
+          <a:fillRef idx="1">
+            <a:schemeClr val="accent1"/>
+          </a:fillRef>
+          <a:effectRef idx="0">
+            <a:schemeClr val="accent1"/>
+          </a:effectRef>
+          <a:fontRef idx="minor">
+            <a:schemeClr val="lt1"/>
+          </a:fontRef>
+        </p:style>
+        <p:txBody>
+          <a:bodyPr rtlCol="0" anchor="ctr"/>
+          <a:lstStyle/>
+          <a:p>
+            <a:pPr algn="ctr"/>
+            <a:endParaRPr lang="en-US"/>
+          </a:p>
+        </p:txBody>
+      </p:sp>
+      <p:sp useBgFill="1">
+        <p:nvSpPr>
+          <p:cNvPr id="11" name="Rectangle 10">
             <a:extLst>
               <a:ext uri="{FF2B5EF4-FFF2-40B4-BE49-F238E27FC236}">
                 <a16:creationId xmlns:a16="http://schemas.microsoft.com/office/drawing/2014/main" id="{C4285719-470E-454C-AF62-8323075F1F5B}"/>
@@ -8009,7 +8264,7 @@
       </p:sp>
       <p:sp>
         <p:nvSpPr>
-          <p:cNvPr id="29" name="Rectangle 28">
+          <p:cNvPr id="13" name="Rectangle 12">
             <a:extLst>
               <a:ext uri="{FF2B5EF4-FFF2-40B4-BE49-F238E27FC236}">
                 <a16:creationId xmlns:a16="http://schemas.microsoft.com/office/drawing/2014/main" id="{CD9FE4EF-C4D8-49A0-B2FF-81D8DB7D8A24}"/>
@@ -8082,7 +8337,7 @@
       </p:sp>
       <p:sp>
         <p:nvSpPr>
-          <p:cNvPr id="31" name="Rectangle 30">
+          <p:cNvPr id="15" name="Rectangle 14">
             <a:extLst>
               <a:ext uri="{FF2B5EF4-FFF2-40B4-BE49-F238E27FC236}">
                 <a16:creationId xmlns:a16="http://schemas.microsoft.com/office/drawing/2014/main" id="{4300840D-0A0B-4512-BACA-B439D5B9C57C}"/>
@@ -8157,7 +8412,7 @@
       </p:sp>
       <p:sp>
         <p:nvSpPr>
-          <p:cNvPr id="33" name="Rectangle 32">
+          <p:cNvPr id="17" name="Rectangle 16">
             <a:extLst>
               <a:ext uri="{FF2B5EF4-FFF2-40B4-BE49-F238E27FC236}">
                 <a16:creationId xmlns:a16="http://schemas.microsoft.com/office/drawing/2014/main" id="{D2B78728-A580-49A7-84F9-6EF6F583ADE0}"/>
@@ -8232,7 +8487,7 @@
       </p:sp>
       <p:sp>
         <p:nvSpPr>
-          <p:cNvPr id="35" name="Freeform: Shape 34">
+          <p:cNvPr id="19" name="Freeform: Shape 18">
             <a:extLst>
               <a:ext uri="{FF2B5EF4-FFF2-40B4-BE49-F238E27FC236}">
                 <a16:creationId xmlns:a16="http://schemas.microsoft.com/office/drawing/2014/main" id="{38FAA1A1-D861-433F-88FA-1E9D6FD31D11}"/>
@@ -8402,7 +8657,7 @@
       </p:sp>
       <p:sp>
         <p:nvSpPr>
-          <p:cNvPr id="37" name="Rectangle 36">
+          <p:cNvPr id="21" name="Rectangle 20">
             <a:extLst>
               <a:ext uri="{FF2B5EF4-FFF2-40B4-BE49-F238E27FC236}">
                 <a16:creationId xmlns:a16="http://schemas.microsoft.com/office/drawing/2014/main" id="{8D71EDA1-87BF-4D5D-AB79-F346FD19278A}"/>
@@ -8482,7 +8737,7 @@
           <p:cNvPr id="2" name="Title 1">
             <a:extLst>
               <a:ext uri="{FF2B5EF4-FFF2-40B4-BE49-F238E27FC236}">
-                <a16:creationId xmlns:a16="http://schemas.microsoft.com/office/drawing/2014/main" id="{23F66A4E-7FC4-E1A9-BBEA-9AE961CAC075}"/>
+                <a16:creationId xmlns:a16="http://schemas.microsoft.com/office/drawing/2014/main" id="{0F097CD1-6625-F0CC-8F51-5773200E9DAD}"/>
               </a:ext>
             </a:extLst>
           </p:cNvPr>
@@ -8519,118 +8774,278 @@
       </p:sp>
       <p:sp>
         <p:nvSpPr>
-          <p:cNvPr id="3" name="Content Placeholder 2">
-            <a:extLst>
-              <a:ext uri="{FF2B5EF4-FFF2-40B4-BE49-F238E27FC236}">
-                <a16:creationId xmlns:a16="http://schemas.microsoft.com/office/drawing/2014/main" id="{E3D60D69-0D09-DF6F-9B5B-F2B5EBC25496}"/>
+          <p:cNvPr id="4" name="Rectangle 1">
+            <a:extLst>
+              <a:ext uri="{FF2B5EF4-FFF2-40B4-BE49-F238E27FC236}">
+                <a16:creationId xmlns:a16="http://schemas.microsoft.com/office/drawing/2014/main" id="{35C99906-6FD3-F2A6-1AD6-5D4D48920AFE}"/>
               </a:ext>
             </a:extLst>
           </p:cNvPr>
           <p:cNvSpPr>
-            <a:spLocks noGrp="1"/>
+            <a:spLocks noGrp="1" noChangeArrowheads="1"/>
           </p:cNvSpPr>
           <p:nvPr>
             <p:ph idx="1"/>
           </p:nvPr>
         </p:nvSpPr>
-        <p:spPr>
+        <p:spPr bwMode="auto">
           <a:xfrm>
             <a:off x="4810259" y="649480"/>
             <a:ext cx="6555347" cy="5546047"/>
           </a:xfrm>
+          <a:prstGeom prst="rect">
+            <a:avLst/>
+          </a:prstGeom>
+          <a:extLst>
+            <a:ext uri="{909E8E84-426E-40DD-AFC4-6F175D3DCCD1}">
+              <a14:hiddenFill xmlns:a14="http://schemas.microsoft.com/office/drawing/2010/main">
+                <a:solidFill>
+                  <a:schemeClr val="accent1"/>
+                </a:solidFill>
+              </a14:hiddenFill>
+            </a:ext>
+            <a:ext uri="{91240B29-F687-4F45-9708-019B960494DF}">
+              <a14:hiddenLine xmlns:a14="http://schemas.microsoft.com/office/drawing/2010/main" w="9525">
+                <a:solidFill>
+                  <a:schemeClr val="tx1"/>
+                </a:solidFill>
+                <a:miter lim="800000"/>
+                <a:headEnd/>
+                <a:tailEnd/>
+              </a14:hiddenLine>
+            </a:ext>
+            <a:ext uri="{AF507438-7753-43E0-B8FC-AC1667EBCBE1}">
+              <a14:hiddenEffects xmlns:a14="http://schemas.microsoft.com/office/drawing/2010/main">
+                <a:effectLst>
+                  <a:outerShdw dist="35921" dir="2700000" algn="ctr" rotWithShape="0">
+                    <a:schemeClr val="bg2"/>
+                  </a:outerShdw>
+                </a:effectLst>
+              </a14:hiddenEffects>
+            </a:ext>
+          </a:extLst>
         </p:spPr>
         <p:txBody>
-          <a:bodyPr anchor="ctr">
+          <a:bodyPr vert="horz" lIns="0" tIns="198375" rIns="0" bIns="198375" numCol="1" anchor="ctr" anchorCtr="0" compatLnSpc="1">
+            <a:prstTxWarp prst="textNoShape">
+              <a:avLst/>
+            </a:prstTxWarp>
             <a:normAutofit/>
           </a:bodyPr>
           <a:lstStyle/>
           <a:p>
-            <a:pPr marL="0" indent="0">
+            <a:pPr marL="0" marR="0" lvl="0" indent="0" defTabSz="914400" rtl="0" eaLnBrk="0" fontAlgn="base" latinLnBrk="0" hangingPunct="0">
+              <a:spcBef>
+                <a:spcPct val="0"/>
+              </a:spcBef>
+              <a:spcAft>
+                <a:spcPts val="600"/>
+              </a:spcAft>
+              <a:buClrTx/>
+              <a:buSzTx/>
+              <a:buFontTx/>
               <a:buNone/>
+              <a:tabLst/>
+            </a:pPr>
+            <a:endParaRPr kumimoji="0" lang="en-US" altLang="en-US" sz="1600" b="0" i="0" u="none" strike="noStrike" cap="none" normalizeH="0" baseline="0">
+              <a:ln>
+                <a:noFill/>
+              </a:ln>
+              <a:effectLst/>
+              <a:latin typeface="Söhne"/>
+            </a:endParaRPr>
+          </a:p>
+          <a:p>
+            <a:pPr marL="0" marR="0" lvl="0" indent="0" defTabSz="914400" rtl="0" eaLnBrk="0" fontAlgn="base" latinLnBrk="0" hangingPunct="0">
+              <a:spcBef>
+                <a:spcPct val="0"/>
+              </a:spcBef>
+              <a:spcAft>
+                <a:spcPts val="600"/>
+              </a:spcAft>
+              <a:buClrTx/>
+              <a:buSzTx/>
+              <a:buFontTx/>
+              <a:buChar char="•"/>
+              <a:tabLst/>
             </a:pPr>
             <a:r>
-              <a:rPr lang="en-US" sz="1100" dirty="0"/>
-              <a:t>Choosing between SMOTE and ADASYN based solely on ROC AUC score may not be the best approach, as both techniques have their advantages and disadvantages. The ROC AUC score is just one aspect to consider when selecting a final model. Here are some factors to weigh in your decision:</a:t>
+              <a:rPr kumimoji="0" lang="en-US" altLang="en-US" sz="1600" b="1" i="0" u="none" strike="noStrike" cap="none" normalizeH="0" baseline="0">
+                <a:ln>
+                  <a:noFill/>
+                </a:ln>
+                <a:effectLst/>
+                <a:latin typeface="Söhne"/>
+              </a:rPr>
+              <a:t>High ROC AUC:</a:t>
             </a:r>
-          </a:p>
-          <a:p>
-            <a:pPr marL="0" indent="0">
-              <a:buNone/>
+            <a:r>
+              <a:rPr kumimoji="0" lang="en-US" altLang="en-US" sz="1600" b="0" i="0" u="none" strike="noStrike" cap="none" normalizeH="0" baseline="0">
+                <a:ln>
+                  <a:noFill/>
+                </a:ln>
+                <a:effectLst/>
+                <a:latin typeface="Söhne"/>
+              </a:rPr>
+              <a:t> Both XGBoost and Logistic Regression models exhibit strong performance in terms of ROC AUC, indicating their ability to discriminate between fraudulent and non-fraudulent transactions.</a:t>
+            </a:r>
+          </a:p>
+          <a:p>
+            <a:pPr marL="0" marR="0" lvl="0" indent="0" defTabSz="914400" rtl="0" eaLnBrk="0" fontAlgn="base" latinLnBrk="0" hangingPunct="0">
+              <a:spcBef>
+                <a:spcPct val="0"/>
+              </a:spcBef>
+              <a:spcAft>
+                <a:spcPts val="600"/>
+              </a:spcAft>
+              <a:buClrTx/>
+              <a:buSzTx/>
+              <a:buFontTx/>
+              <a:buChar char="•"/>
+              <a:tabLst/>
             </a:pPr>
             <a:r>
-              <a:rPr lang="en-US" sz="1100" dirty="0"/>
-              <a:t>Data Distribution : SMOTE tends to create synthetic samples that are closer to the original samples, while ADASYN focuses on those minority samples that are difficult to classify. Depending on your dataset and the specific characteristics of fraudulent transactions, one method may be more appropriate than the other. Consider the nature of your data and whether SMOTE or ADASYN aligns better with the underlying distribution.</a:t>
+              <a:rPr kumimoji="0" lang="en-US" altLang="en-US" sz="1600" b="1" i="0" u="none" strike="noStrike" cap="none" normalizeH="0" baseline="0">
+                <a:ln>
+                  <a:noFill/>
+                </a:ln>
+                <a:effectLst/>
+                <a:latin typeface="Söhne"/>
+              </a:rPr>
+              <a:t>High Recall:</a:t>
             </a:r>
-          </a:p>
-          <a:p>
-            <a:pPr marL="0" indent="0">
-              <a:buNone/>
+            <a:r>
+              <a:rPr kumimoji="0" lang="en-US" altLang="en-US" sz="1600" b="0" i="0" u="none" strike="noStrike" cap="none" normalizeH="0" baseline="0">
+                <a:ln>
+                  <a:noFill/>
+                </a:ln>
+                <a:effectLst/>
+                <a:latin typeface="Söhne"/>
+              </a:rPr>
+              <a:t> XGBoost models, particularly when trained on imbalanced data (XGBoost #1) or with ADASYN (XGBoost #4), demonstrate high recall values, which are essential for effectively capturing actual fraudulent transactions.</a:t>
+            </a:r>
+          </a:p>
+          <a:p>
+            <a:pPr marL="0" marR="0" lvl="0" indent="0" defTabSz="914400" rtl="0" eaLnBrk="0" fontAlgn="base" latinLnBrk="0" hangingPunct="0">
+              <a:spcBef>
+                <a:spcPct val="0"/>
+              </a:spcBef>
+              <a:spcAft>
+                <a:spcPts val="600"/>
+              </a:spcAft>
+              <a:buClrTx/>
+              <a:buSzTx/>
+              <a:buFontTx/>
+              <a:buChar char="•"/>
+              <a:tabLst/>
             </a:pPr>
             <a:r>
-              <a:rPr lang="en-US" sz="1100" dirty="0"/>
-              <a:t>Computational Resources : SMOTE is computationally less intensive than ADASYN, as it generates synthetic samples in a simpler manner. If you have limited computational resources and need a quicker solution, SMOTE might be a better choice.</a:t>
+              <a:rPr kumimoji="0" lang="en-US" altLang="en-US" sz="1600" b="1" i="0" u="none" strike="noStrike" cap="none" normalizeH="0" baseline="0">
+                <a:ln>
+                  <a:noFill/>
+                </a:ln>
+                <a:effectLst/>
+                <a:latin typeface="Söhne"/>
+              </a:rPr>
+              <a:t>High F1 Score:</a:t>
             </a:r>
-          </a:p>
-          <a:p>
-            <a:pPr marL="0" indent="0">
+            <a:r>
+              <a:rPr kumimoji="0" lang="en-US" altLang="en-US" sz="1600" b="0" i="0" u="none" strike="noStrike" cap="none" normalizeH="0" baseline="0">
+                <a:ln>
+                  <a:noFill/>
+                </a:ln>
+                <a:effectLst/>
+                <a:latin typeface="Söhne"/>
+              </a:rPr>
+              <a:t> For a balance between precision and recall, XGBoost on imbalanced data (XGBoost #1) and ADASYN-balanced data (XGBoost #4) achieve noteworthy F1 Scores.</a:t>
+            </a:r>
+          </a:p>
+          <a:p>
+            <a:pPr marL="0" marR="0" lvl="0" indent="0" defTabSz="914400" rtl="0" eaLnBrk="0" fontAlgn="base" latinLnBrk="0" hangingPunct="0">
+              <a:spcBef>
+                <a:spcPct val="0"/>
+              </a:spcBef>
+              <a:spcAft>
+                <a:spcPts val="600"/>
+              </a:spcAft>
+              <a:buClrTx/>
+              <a:buSzTx/>
+              <a:buFontTx/>
               <a:buNone/>
+              <a:tabLst/>
             </a:pPr>
             <a:r>
-              <a:rPr lang="en-US" sz="1100" dirty="0"/>
-              <a:t>Interpretability: Consider the interpretability of your model. Sometimes, simpler models are preferred over complex ones, especially in applications where interpretability is crucial. If a simpler model with SMOTE achieves a satisfactory ROC AUC score and is easier to interpret, it might be a better choice.</a:t>
+              <a:rPr kumimoji="0" lang="en-US" altLang="en-US" sz="1600" b="0" i="0" u="none" strike="noStrike" cap="none" normalizeH="0" baseline="0">
+                <a:ln>
+                  <a:noFill/>
+                </a:ln>
+                <a:effectLst/>
+                <a:latin typeface="Söhne"/>
+              </a:rPr>
+              <a:t>Based on these considerations and the importance of effectively detecting fraudulent transactions while keeping false alarms low, we recommend exploring XGBoost models, especially XGBoost #1 (trained on imbalanced data) and XGBoost #4 (trained with ADASYN). Further fine-tuning and deployment considerations can help determine the final production model.</a:t>
             </a:r>
           </a:p>
           <a:p>
-            <a:pPr marL="0" indent="0">
+            <a:pPr marL="0" marR="0" lvl="0" indent="0" defTabSz="914400" rtl="0" eaLnBrk="0" fontAlgn="base" latinLnBrk="0" hangingPunct="0">
+              <a:spcBef>
+                <a:spcPct val="0"/>
+              </a:spcBef>
+              <a:spcAft>
+                <a:spcPts val="600"/>
+              </a:spcAft>
+              <a:buClrTx/>
+              <a:buSzTx/>
+              <a:buFontTx/>
               <a:buNone/>
+              <a:tabLst/>
             </a:pPr>
             <a:r>
-              <a:rPr lang="en-US" sz="1100" dirty="0"/>
-              <a:t>Other Evaluation Metrics: ROC AUC is just one evaluation metric. It's important to also look at other metrics like precision, recall, F1-score, and confusion matrices. Evaluate the models based on these metrics to understand their performance in correctly classifying fraudulent transactions.</a:t>
+              <a:rPr kumimoji="0" lang="en-US" altLang="en-US" sz="1600" b="0" i="0" u="none" strike="noStrike" cap="none" normalizeH="0" baseline="0">
+                <a:ln>
+                  <a:noFill/>
+                </a:ln>
+                <a:effectLst/>
+                <a:latin typeface="Söhne"/>
+              </a:rPr>
+              <a:t>Please note that model runtime, while a consideration during training, may not significantly impact real-time predictions in production scenarios.</a:t>
             </a:r>
           </a:p>
           <a:p>
-            <a:pPr marL="0" indent="0">
+            <a:pPr marL="0" marR="0" lvl="0" indent="0" defTabSz="914400" rtl="0" eaLnBrk="0" fontAlgn="base" latinLnBrk="0" hangingPunct="0">
+              <a:spcBef>
+                <a:spcPct val="0"/>
+              </a:spcBef>
+              <a:spcAft>
+                <a:spcPts val="600"/>
+              </a:spcAft>
+              <a:buClrTx/>
+              <a:buSzTx/>
+              <a:buFontTx/>
               <a:buNone/>
+              <a:tabLst/>
             </a:pPr>
-            <a:r>
-              <a:rPr lang="en-US" sz="1100" dirty="0"/>
-              <a:t>Business Considerations:  Think about the real-world impact of your model. Consider the cost of false positives and false negatives. Depending on the specific business scenario, you might prioritize recall (identifying most fraudulent transactions) over precision (minimizing false positives) or vice versa.</a:t>
-            </a:r>
-          </a:p>
-          <a:p>
-            <a:pPr marL="0" indent="0">
-              <a:buNone/>
-            </a:pPr>
-            <a:r>
-              <a:rPr lang="en-US" sz="1100" dirty="0"/>
-              <a:t>Cross-Validation:  Ensure that your model's performance is consistent across different cross-validation folds. A model that consistently performs well on various folds is more reliable.</a:t>
-            </a:r>
-          </a:p>
-          <a:p>
-            <a:pPr marL="0" indent="0">
-              <a:buNone/>
-            </a:pPr>
-            <a:r>
-              <a:rPr lang="en-US" sz="1100" dirty="0"/>
-              <a:t>Ensemble Methods:  Consider using ensemble methods that combine the strengths of both SMOTE and ADASYN. You can create an ensemble of models trained on datasets balanced with SMOTE and ADASYN to potentially improve overall performance.</a:t>
-            </a:r>
-          </a:p>
-          <a:p>
-            <a:pPr marL="0" indent="0">
-              <a:buNone/>
-            </a:pPr>
-            <a:r>
-              <a:rPr lang="en-US" sz="1100" dirty="0"/>
-              <a:t>In summary, it's recommended to conduct a thorough evaluation of both SMOTE and ADASYN, considering not only the ROC AUC score but also the factors mentioned above. Depending on your dataset and specific business needs, one technique may emerge as the better choice. Ultimately, the goal is to select a model that offers a good balance between performance and practicality.</a:t>
-            </a:r>
+            <a:br>
+              <a:rPr kumimoji="0" lang="en-US" altLang="en-US" sz="1600" b="0" i="0" u="none" strike="noStrike" cap="none" normalizeH="0" baseline="0">
+                <a:ln>
+                  <a:noFill/>
+                </a:ln>
+                <a:effectLst/>
+              </a:rPr>
+            </a:br>
+            <a:endParaRPr kumimoji="0" lang="en-US" altLang="en-US" sz="1600" b="0" i="0" u="none" strike="noStrike" cap="none" normalizeH="0" baseline="0">
+              <a:ln>
+                <a:noFill/>
+              </a:ln>
+              <a:effectLst/>
+              <a:latin typeface="Arial" panose="020B0604020202020204" pitchFamily="34" charset="0"/>
+            </a:endParaRPr>
           </a:p>
         </p:txBody>
       </p:sp>
     </p:spTree>
     <p:extLst>
       <p:ext uri="{BB962C8B-B14F-4D97-AF65-F5344CB8AC3E}">
-        <p14:creationId xmlns:p14="http://schemas.microsoft.com/office/powerpoint/2010/main" val="4005664085"/>
+        <p14:creationId xmlns:p14="http://schemas.microsoft.com/office/powerpoint/2010/main" val="1812254159"/>
       </p:ext>
     </p:extLst>
   </p:cSld>
@@ -12019,14 +12434,14 @@
             <p:ph idx="1"/>
             <p:extLst>
               <p:ext uri="{D42A27DB-BD31-4B8C-83A1-F6EECF244321}">
-                <p14:modId xmlns:p14="http://schemas.microsoft.com/office/powerpoint/2010/main" val="3391683017"/>
+                <p14:modId xmlns:p14="http://schemas.microsoft.com/office/powerpoint/2010/main" val="3518449450"/>
               </p:ext>
             </p:extLst>
           </p:nvPr>
         </p:nvGraphicFramePr>
         <p:xfrm>
           <a:off x="149149" y="2067892"/>
-          <a:ext cx="11624321" cy="3999376"/>
+          <a:ext cx="11624319" cy="4106603"/>
         </p:xfrm>
         <a:graphic>
           <a:graphicData uri="http://schemas.openxmlformats.org/drawingml/2006/table">
@@ -12035,45 +12450,59 @@
                 <a:tableStyleId>{5C22544A-7EE6-4342-B048-85BDC9FD1C3A}</a:tableStyleId>
               </a:tblPr>
               <a:tblGrid>
-                <a:gridCol w="1786191">
+                <a:gridCol w="1351564">
                   <a:extLst>
                     <a:ext uri="{9D8B030D-6E8A-4147-A177-3AD203B41FA5}">
                       <a16:colId xmlns:a16="http://schemas.microsoft.com/office/drawing/2014/main" val="4046375680"/>
                     </a:ext>
                   </a:extLst>
                 </a:gridCol>
-                <a:gridCol w="1818726">
+                <a:gridCol w="1376182">
                   <a:extLst>
                     <a:ext uri="{9D8B030D-6E8A-4147-A177-3AD203B41FA5}">
                       <a16:colId xmlns:a16="http://schemas.microsoft.com/office/drawing/2014/main" val="3836363078"/>
                     </a:ext>
                   </a:extLst>
                 </a:gridCol>
-                <a:gridCol w="2596627">
+                <a:gridCol w="1964799">
                   <a:extLst>
                     <a:ext uri="{9D8B030D-6E8A-4147-A177-3AD203B41FA5}">
                       <a16:colId xmlns:a16="http://schemas.microsoft.com/office/drawing/2014/main" val="2601938607"/>
                     </a:ext>
                   </a:extLst>
                 </a:gridCol>
-                <a:gridCol w="1767548">
+                <a:gridCol w="1337457">
                   <a:extLst>
                     <a:ext uri="{9D8B030D-6E8A-4147-A177-3AD203B41FA5}">
                       <a16:colId xmlns:a16="http://schemas.microsoft.com/office/drawing/2014/main" val="1790429295"/>
                     </a:ext>
                   </a:extLst>
                 </a:gridCol>
-                <a:gridCol w="1786191">
+                <a:gridCol w="1351564">
                   <a:extLst>
                     <a:ext uri="{9D8B030D-6E8A-4147-A177-3AD203B41FA5}">
                       <a16:colId xmlns:a16="http://schemas.microsoft.com/office/drawing/2014/main" val="3582529616"/>
                     </a:ext>
                   </a:extLst>
                 </a:gridCol>
-                <a:gridCol w="1869038">
+                <a:gridCol w="1414251">
                   <a:extLst>
                     <a:ext uri="{9D8B030D-6E8A-4147-A177-3AD203B41FA5}">
                       <a16:colId xmlns:a16="http://schemas.microsoft.com/office/drawing/2014/main" val="3542389499"/>
+                    </a:ext>
+                  </a:extLst>
+                </a:gridCol>
+                <a:gridCol w="1414251">
+                  <a:extLst>
+                    <a:ext uri="{9D8B030D-6E8A-4147-A177-3AD203B41FA5}">
+                      <a16:colId xmlns:a16="http://schemas.microsoft.com/office/drawing/2014/main" val="1002421035"/>
+                    </a:ext>
+                  </a:extLst>
+                </a:gridCol>
+                <a:gridCol w="1414251">
+                  <a:extLst>
+                    <a:ext uri="{9D8B030D-6E8A-4147-A177-3AD203B41FA5}">
+                      <a16:colId xmlns:a16="http://schemas.microsoft.com/office/drawing/2014/main" val="2498443636"/>
                     </a:ext>
                   </a:extLst>
                 </a:gridCol>
@@ -12085,7 +12514,7 @@
                     <a:lstStyle/>
                     <a:p>
                       <a:r>
-                        <a:rPr lang="en-US" sz="1900"/>
+                        <a:rPr lang="en-US" sz="1600"/>
                         <a:t>Data Type</a:t>
                       </a:r>
                     </a:p>
@@ -12098,7 +12527,7 @@
                     <a:lstStyle/>
                     <a:p>
                       <a:r>
-                        <a:rPr lang="en-US" sz="1900" dirty="0"/>
+                        <a:rPr lang="en-US" sz="1600" dirty="0"/>
                         <a:t>Data Oversampling</a:t>
                       </a:r>
                     </a:p>
@@ -12111,7 +12540,7 @@
                     <a:lstStyle/>
                     <a:p>
                       <a:r>
-                        <a:rPr lang="en-US" sz="1900"/>
+                        <a:rPr lang="en-US" sz="1600"/>
                         <a:t>Size</a:t>
                       </a:r>
                     </a:p>
@@ -12124,7 +12553,7 @@
                     <a:lstStyle/>
                     <a:p>
                       <a:r>
-                        <a:rPr lang="en-US" sz="1900" dirty="0"/>
+                        <a:rPr lang="en-US" sz="1600" dirty="0"/>
                         <a:t>Run Time</a:t>
                       </a:r>
                     </a:p>
@@ -12137,7 +12566,7 @@
                     <a:lstStyle/>
                     <a:p>
                       <a:r>
-                        <a:rPr lang="en-US" sz="1900" dirty="0"/>
+                        <a:rPr lang="en-US" sz="1600" dirty="0"/>
                         <a:t>Evaluation - ROC AUC</a:t>
                       </a:r>
                     </a:p>
@@ -12150,8 +12579,34 @@
                     <a:lstStyle/>
                     <a:p>
                       <a:r>
-                        <a:rPr lang="en-US" sz="1900"/>
+                        <a:rPr lang="en-US" sz="1600" dirty="0"/>
                         <a:t>Optimal ‘C’ Param</a:t>
+                      </a:r>
+                    </a:p>
+                  </a:txBody>
+                  <a:tcPr marL="97546" marR="97546" marT="48773" marB="48773"/>
+                </a:tc>
+                <a:tc>
+                  <a:txBody>
+                    <a:bodyPr/>
+                    <a:lstStyle/>
+                    <a:p>
+                      <a:r>
+                        <a:rPr lang="en-US" sz="1600" dirty="0"/>
+                        <a:t>F1 (Class 1)</a:t>
+                      </a:r>
+                    </a:p>
+                  </a:txBody>
+                  <a:tcPr marL="97546" marR="97546" marT="48773" marB="48773"/>
+                </a:tc>
+                <a:tc>
+                  <a:txBody>
+                    <a:bodyPr/>
+                    <a:lstStyle/>
+                    <a:p>
+                      <a:r>
+                        <a:rPr lang="en-US" sz="1600" dirty="0"/>
+                        <a:t>Recall / True Positive Rate (TPR)</a:t>
                       </a:r>
                     </a:p>
                   </a:txBody>
@@ -12246,6 +12701,34 @@
                       <a:r>
                         <a:rPr lang="en-US" sz="1500"/>
                         <a:t>0.001</a:t>
+                      </a:r>
+                    </a:p>
+                  </a:txBody>
+                  <a:tcPr marL="97546" marR="97546" marT="48773" marB="48773"/>
+                </a:tc>
+                <a:tc>
+                  <a:txBody>
+                    <a:bodyPr/>
+                    <a:lstStyle/>
+                    <a:p>
+                      <a:pPr algn="ctr"/>
+                      <a:r>
+                        <a:rPr lang="en-US" sz="1500" dirty="0"/>
+                        <a:t>72.73%</a:t>
+                      </a:r>
+                    </a:p>
+                  </a:txBody>
+                  <a:tcPr marL="97546" marR="97546" marT="48773" marB="48773"/>
+                </a:tc>
+                <a:tc>
+                  <a:txBody>
+                    <a:bodyPr/>
+                    <a:lstStyle/>
+                    <a:p>
+                      <a:pPr algn="ctr"/>
+                      <a:r>
+                        <a:rPr lang="en-US" sz="1500" dirty="0"/>
+                        <a:t>0.6531</a:t>
                       </a:r>
                     </a:p>
                   </a:txBody>
@@ -12370,6 +12853,34 @@
                   </a:txBody>
                   <a:tcPr marL="97546" marR="97546" marT="48773" marB="48773"/>
                 </a:tc>
+                <a:tc>
+                  <a:txBody>
+                    <a:bodyPr/>
+                    <a:lstStyle/>
+                    <a:p>
+                      <a:pPr algn="ctr"/>
+                      <a:r>
+                        <a:rPr lang="en-US" sz="1500" dirty="0"/>
+                        <a:t>10.15%</a:t>
+                      </a:r>
+                    </a:p>
+                  </a:txBody>
+                  <a:tcPr marL="97546" marR="97546" marT="48773" marB="48773"/>
+                </a:tc>
+                <a:tc>
+                  <a:txBody>
+                    <a:bodyPr/>
+                    <a:lstStyle/>
+                    <a:p>
+                      <a:pPr algn="ctr"/>
+                      <a:r>
+                        <a:rPr lang="en-US" sz="1500" dirty="0"/>
+                        <a:t>0.9184</a:t>
+                      </a:r>
+                    </a:p>
+                  </a:txBody>
+                  <a:tcPr marL="97546" marR="97546" marT="48773" marB="48773"/>
+                </a:tc>
                 <a:extLst>
                   <a:ext uri="{0D108BD9-81ED-4DB2-BD59-A6C34878D82A}">
                     <a16:rowId xmlns:a16="http://schemas.microsoft.com/office/drawing/2014/main" val="89103389"/>
@@ -12479,6 +12990,34 @@
                       <a:r>
                         <a:rPr lang="en-US" sz="1500" dirty="0"/>
                         <a:t>10</a:t>
+                      </a:r>
+                    </a:p>
+                  </a:txBody>
+                  <a:tcPr marL="97546" marR="97546" marT="48773" marB="48773"/>
+                </a:tc>
+                <a:tc>
+                  <a:txBody>
+                    <a:bodyPr/>
+                    <a:lstStyle/>
+                    <a:p>
+                      <a:pPr algn="ctr"/>
+                      <a:r>
+                        <a:rPr lang="en-US" sz="1500" dirty="0"/>
+                        <a:t>10%</a:t>
+                      </a:r>
+                    </a:p>
+                  </a:txBody>
+                  <a:tcPr marL="97546" marR="97546" marT="48773" marB="48773"/>
+                </a:tc>
+                <a:tc>
+                  <a:txBody>
+                    <a:bodyPr/>
+                    <a:lstStyle/>
+                    <a:p>
+                      <a:pPr algn="ctr"/>
+                      <a:r>
+                        <a:rPr lang="en-US" sz="1500" dirty="0"/>
+                        <a:t>0.9184</a:t>
                       </a:r>
                     </a:p>
                   </a:txBody>
@@ -12603,6 +13142,34 @@
                   </a:txBody>
                   <a:tcPr marL="97546" marR="97546" marT="48773" marB="48773"/>
                 </a:tc>
+                <a:tc>
+                  <a:txBody>
+                    <a:bodyPr/>
+                    <a:lstStyle/>
+                    <a:p>
+                      <a:pPr algn="ctr"/>
+                      <a:r>
+                        <a:rPr lang="en-US" sz="1500" dirty="0"/>
+                        <a:t>3%</a:t>
+                      </a:r>
+                    </a:p>
+                  </a:txBody>
+                  <a:tcPr marL="97546" marR="97546" marT="48773" marB="48773"/>
+                </a:tc>
+                <a:tc>
+                  <a:txBody>
+                    <a:bodyPr/>
+                    <a:lstStyle/>
+                    <a:p>
+                      <a:pPr algn="ctr"/>
+                      <a:r>
+                        <a:rPr lang="en-US" sz="1500" dirty="0"/>
+                        <a:t>0.92</a:t>
+                      </a:r>
+                    </a:p>
+                  </a:txBody>
+                  <a:tcPr marL="97546" marR="97546" marT="48773" marB="48773"/>
+                </a:tc>
                 <a:extLst>
                   <a:ext uri="{0D108BD9-81ED-4DB2-BD59-A6C34878D82A}">
                     <a16:rowId xmlns:a16="http://schemas.microsoft.com/office/drawing/2014/main" val="2218449266"/>
@@ -12653,10 +13220,10 @@
       </p:grpSpPr>
       <p:sp useBgFill="1">
         <p:nvSpPr>
-          <p:cNvPr id="6" name="Rectangle 8">
-            <a:extLst>
-              <a:ext uri="{FF2B5EF4-FFF2-40B4-BE49-F238E27FC236}">
-                <a16:creationId xmlns:a16="http://schemas.microsoft.com/office/drawing/2014/main" id="{BACC6370-2D7E-4714-9D71-7542949D7D5D}"/>
+          <p:cNvPr id="8" name="Rectangle 7">
+            <a:extLst>
+              <a:ext uri="{FF2B5EF4-FFF2-40B4-BE49-F238E27FC236}">
+                <a16:creationId xmlns:a16="http://schemas.microsoft.com/office/drawing/2014/main" id="{09588DA8-065E-4F6F-8EFD-43104AB2E0CF}"/>
               </a:ext>
               <a:ext uri="{C183D7F6-B498-43B3-948B-1728B52AA6E4}">
                 <adec:decorative xmlns:adec="http://schemas.microsoft.com/office/drawing/2017/decorative" val="1"/>
@@ -12727,12 +13294,12 @@
           </a:p>
         </p:txBody>
       </p:sp>
-      <p:sp>
+      <p:sp useBgFill="1">
         <p:nvSpPr>
-          <p:cNvPr id="7" name="Rectangle 10">
-            <a:extLst>
-              <a:ext uri="{FF2B5EF4-FFF2-40B4-BE49-F238E27FC236}">
-                <a16:creationId xmlns:a16="http://schemas.microsoft.com/office/drawing/2014/main" id="{F68B3F68-107C-434F-AA38-110D5EA91B85}"/>
+          <p:cNvPr id="10" name="Rectangle 9">
+            <a:extLst>
+              <a:ext uri="{FF2B5EF4-FFF2-40B4-BE49-F238E27FC236}">
+                <a16:creationId xmlns:a16="http://schemas.microsoft.com/office/drawing/2014/main" id="{C4285719-470E-454C-AF62-8323075F1F5B}"/>
               </a:ext>
               <a:ext uri="{C183D7F6-B498-43B3-948B-1728B52AA6E4}">
                 <adec:decorative xmlns:adec="http://schemas.microsoft.com/office/drawing/2017/decorative" val="1"/>
@@ -12751,19 +13318,93 @@
           </p:nvPr>
         </p:nvSpPr>
         <p:spPr>
-          <a:xfrm flipH="1">
-            <a:off x="2" y="0"/>
-            <a:ext cx="12191998" cy="1575955"/>
+          <a:xfrm>
+            <a:off x="0" y="0"/>
+            <a:ext cx="12188952" cy="6858000"/>
+          </a:xfrm>
+          <a:prstGeom prst="rect">
+            <a:avLst/>
+          </a:prstGeom>
+          <a:ln w="12700" cap="flat" cmpd="sng" algn="ctr">
+            <a:noFill/>
+            <a:prstDash val="solid"/>
+            <a:miter lim="800000"/>
+          </a:ln>
+          <a:effectLst/>
+          <a:extLst>
+            <a:ext uri="{91240B29-F687-4F45-9708-019B960494DF}">
+              <a14:hiddenLine xmlns:a14="http://schemas.microsoft.com/office/drawing/2010/main" w="12700" cap="flat" cmpd="sng" algn="ctr">
+                <a:solidFill>
+                  <a:schemeClr val="accent1">
+                    <a:shade val="50000"/>
+                  </a:schemeClr>
+                </a:solidFill>
+                <a:prstDash val="solid"/>
+                <a:miter lim="800000"/>
+              </a14:hiddenLine>
+            </a:ext>
+          </a:extLst>
+        </p:spPr>
+        <p:style>
+          <a:lnRef idx="2">
+            <a:schemeClr val="accent1">
+              <a:shade val="50000"/>
+            </a:schemeClr>
+          </a:lnRef>
+          <a:fillRef idx="1">
+            <a:schemeClr val="accent1"/>
+          </a:fillRef>
+          <a:effectRef idx="0">
+            <a:schemeClr val="accent1"/>
+          </a:effectRef>
+          <a:fontRef idx="minor">
+            <a:schemeClr val="lt1"/>
+          </a:fontRef>
+        </p:style>
+        <p:txBody>
+          <a:bodyPr rtlCol="0" anchor="ctr"/>
+          <a:lstStyle/>
+          <a:p>
+            <a:pPr algn="ctr"/>
+            <a:endParaRPr lang="en-US"/>
+          </a:p>
+        </p:txBody>
+      </p:sp>
+      <p:sp>
+        <p:nvSpPr>
+          <p:cNvPr id="12" name="Rectangle 11">
+            <a:extLst>
+              <a:ext uri="{FF2B5EF4-FFF2-40B4-BE49-F238E27FC236}">
+                <a16:creationId xmlns:a16="http://schemas.microsoft.com/office/drawing/2014/main" id="{CD9FE4EF-C4D8-49A0-B2FF-81D8DB7D8A24}"/>
+              </a:ext>
+              <a:ext uri="{C183D7F6-B498-43B3-948B-1728B52AA6E4}">
+                <adec:decorative xmlns:adec="http://schemas.microsoft.com/office/drawing/2017/decorative" val="1"/>
+              </a:ext>
+            </a:extLst>
+          </p:cNvPr>
+          <p:cNvSpPr>
+            <a:spLocks noGrp="1" noRot="1" noChangeAspect="1" noMove="1" noResize="1" noEditPoints="1" noAdjustHandles="1" noChangeArrowheads="1" noChangeShapeType="1" noTextEdit="1"/>
+          </p:cNvSpPr>
+          <p:nvPr>
+            <p:extLst>
+              <p:ext uri="{386F3935-93C4-4BCD-93E2-E3B085C9AB24}">
+                <p16:designElem xmlns:p16="http://schemas.microsoft.com/office/powerpoint/2015/main" val="1"/>
+              </p:ext>
+            </p:extLst>
+          </p:nvPr>
+        </p:nvSpPr>
+        <p:spPr>
+          <a:xfrm rot="5400000" flipH="1">
+            <a:off x="-1410084" y="1410082"/>
+            <a:ext cx="6858000" cy="4037836"/>
           </a:xfrm>
           <a:prstGeom prst="rect">
             <a:avLst/>
           </a:prstGeom>
           <a:gradFill>
             <a:gsLst>
-              <a:gs pos="0">
-                <a:srgbClr val="000000">
-                  <a:alpha val="96000"/>
-                </a:srgbClr>
+              <a:gs pos="8000">
+                <a:srgbClr val="000000"/>
               </a:gs>
               <a:gs pos="100000">
                 <a:schemeClr val="accent1">
@@ -12771,7 +13412,7 @@
                 </a:schemeClr>
               </a:gs>
             </a:gsLst>
-            <a:lin ang="8400000" scaled="0"/>
+            <a:lin ang="3000000" scaled="0"/>
           </a:gradFill>
           <a:ln>
             <a:noFill/>
@@ -12804,10 +13445,10 @@
       </p:sp>
       <p:sp>
         <p:nvSpPr>
-          <p:cNvPr id="8" name="Rectangle 12">
-            <a:extLst>
-              <a:ext uri="{FF2B5EF4-FFF2-40B4-BE49-F238E27FC236}">
-                <a16:creationId xmlns:a16="http://schemas.microsoft.com/office/drawing/2014/main" id="{AAD0DBB9-1A4B-4391-81D4-CB19F9AB918A}"/>
+          <p:cNvPr id="14" name="Rectangle 13">
+            <a:extLst>
+              <a:ext uri="{FF2B5EF4-FFF2-40B4-BE49-F238E27FC236}">
+                <a16:creationId xmlns:a16="http://schemas.microsoft.com/office/drawing/2014/main" id="{4300840D-0A0B-4512-BACA-B439D5B9C57C}"/>
               </a:ext>
               <a:ext uri="{C183D7F6-B498-43B3-948B-1728B52AA6E4}">
                 <adec:decorative xmlns:adec="http://schemas.microsoft.com/office/drawing/2017/decorative" val="1"/>
@@ -12826,28 +13467,27 @@
           </p:nvPr>
         </p:nvSpPr>
         <p:spPr>
-          <a:xfrm rot="10800000" flipH="1">
-            <a:off x="8128857" y="0"/>
-            <a:ext cx="4063143" cy="1576412"/>
+          <a:xfrm rot="5400000" flipH="1">
+            <a:off x="-1410085" y="1420219"/>
+            <a:ext cx="6857999" cy="4037839"/>
           </a:xfrm>
           <a:prstGeom prst="rect">
             <a:avLst/>
           </a:prstGeom>
           <a:gradFill>
             <a:gsLst>
-              <a:gs pos="19000">
+              <a:gs pos="0">
+                <a:srgbClr val="000000">
+                  <a:alpha val="0"/>
+                </a:srgbClr>
+              </a:gs>
+              <a:gs pos="99000">
                 <a:schemeClr val="accent1">
-                  <a:lumMod val="50000"/>
-                  <a:alpha val="68000"/>
-                </a:schemeClr>
-              </a:gs>
-              <a:gs pos="100000">
-                <a:schemeClr val="accent1">
-                  <a:alpha val="79000"/>
+                  <a:alpha val="46000"/>
                 </a:schemeClr>
               </a:gs>
             </a:gsLst>
-            <a:lin ang="19200000" scaled="0"/>
+            <a:lin ang="1800000" scaled="0"/>
           </a:gradFill>
           <a:ln>
             <a:noFill/>
@@ -12880,10 +13520,10 @@
       </p:sp>
       <p:sp>
         <p:nvSpPr>
-          <p:cNvPr id="10" name="Rectangle 14">
-            <a:extLst>
-              <a:ext uri="{FF2B5EF4-FFF2-40B4-BE49-F238E27FC236}">
-                <a16:creationId xmlns:a16="http://schemas.microsoft.com/office/drawing/2014/main" id="{063BBA22-50EA-4C4D-BE05-F1CE4E63AA56}"/>
+          <p:cNvPr id="16" name="Rectangle 15">
+            <a:extLst>
+              <a:ext uri="{FF2B5EF4-FFF2-40B4-BE49-F238E27FC236}">
+                <a16:creationId xmlns:a16="http://schemas.microsoft.com/office/drawing/2014/main" id="{D2B78728-A580-49A7-84F9-6EF6F583ADE0}"/>
               </a:ext>
               <a:ext uri="{C183D7F6-B498-43B3-948B-1728B52AA6E4}">
                 <adec:decorative xmlns:adec="http://schemas.microsoft.com/office/drawing/2017/decorative" val="1"/>
@@ -12902,27 +13542,27 @@
           </p:nvPr>
         </p:nvSpPr>
         <p:spPr>
-          <a:xfrm rot="5400000">
-            <a:off x="5307777" y="-5307778"/>
-            <a:ext cx="1576446" cy="12192002"/>
+          <a:xfrm rot="5400000" flipH="1">
+            <a:off x="767923" y="3588085"/>
+            <a:ext cx="2501979" cy="4037841"/>
           </a:xfrm>
           <a:prstGeom prst="rect">
             <a:avLst/>
           </a:prstGeom>
           <a:gradFill>
             <a:gsLst>
-              <a:gs pos="23000">
+              <a:gs pos="2000">
                 <a:schemeClr val="accent1">
-                  <a:alpha val="0"/>
+                  <a:alpha val="29000"/>
                 </a:schemeClr>
               </a:gs>
-              <a:gs pos="99000">
+              <a:gs pos="100000">
                 <a:srgbClr val="000000">
-                  <a:alpha val="74000"/>
+                  <a:alpha val="30000"/>
                 </a:srgbClr>
               </a:gs>
             </a:gsLst>
-            <a:lin ang="20400000" scaled="0"/>
+            <a:lin ang="7800000" scaled="0"/>
           </a:gradFill>
           <a:ln>
             <a:noFill/>
@@ -12955,10 +13595,257 @@
       </p:sp>
       <p:sp>
         <p:nvSpPr>
+          <p:cNvPr id="18" name="Freeform: Shape 17">
+            <a:extLst>
+              <a:ext uri="{FF2B5EF4-FFF2-40B4-BE49-F238E27FC236}">
+                <a16:creationId xmlns:a16="http://schemas.microsoft.com/office/drawing/2014/main" id="{38FAA1A1-D861-433F-88FA-1E9D6FD31D11}"/>
+              </a:ext>
+              <a:ext uri="{C183D7F6-B498-43B3-948B-1728B52AA6E4}">
+                <adec:decorative xmlns:adec="http://schemas.microsoft.com/office/drawing/2017/decorative" val="1"/>
+              </a:ext>
+            </a:extLst>
+          </p:cNvPr>
+          <p:cNvSpPr>
+            <a:spLocks noGrp="1" noRot="1" noChangeAspect="1" noMove="1" noResize="1" noEditPoints="1" noAdjustHandles="1" noChangeArrowheads="1" noChangeShapeType="1" noTextEdit="1"/>
+          </p:cNvSpPr>
+          <p:nvPr>
+            <p:extLst>
+              <p:ext uri="{386F3935-93C4-4BCD-93E2-E3B085C9AB24}">
+                <p16:designElem xmlns:p16="http://schemas.microsoft.com/office/powerpoint/2015/main" val="1"/>
+              </p:ext>
+            </p:extLst>
+          </p:nvPr>
+        </p:nvSpPr>
+        <p:spPr>
+          <a:xfrm rot="20635413">
+            <a:off x="-501737" y="969718"/>
+            <a:ext cx="3900357" cy="4178958"/>
+          </a:xfrm>
+          <a:custGeom>
+            <a:avLst/>
+            <a:gdLst>
+              <a:gd name="connsiteX0" fmla="*/ 2432225 w 3900357"/>
+              <a:gd name="connsiteY0" fmla="*/ 93939 h 4178958"/>
+              <a:gd name="connsiteX1" fmla="*/ 3900357 w 3900357"/>
+              <a:gd name="connsiteY1" fmla="*/ 2089479 h 4178958"/>
+              <a:gd name="connsiteX2" fmla="*/ 1810878 w 3900357"/>
+              <a:gd name="connsiteY2" fmla="*/ 4178958 h 4178958"/>
+              <a:gd name="connsiteX3" fmla="*/ 78249 w 3900357"/>
+              <a:gd name="connsiteY3" fmla="*/ 3257727 h 4178958"/>
+              <a:gd name="connsiteX4" fmla="*/ 0 w 3900357"/>
+              <a:gd name="connsiteY4" fmla="*/ 3128923 h 4178958"/>
+              <a:gd name="connsiteX5" fmla="*/ 831324 w 3900357"/>
+              <a:gd name="connsiteY5" fmla="*/ 244281 h 4178958"/>
+              <a:gd name="connsiteX6" fmla="*/ 997559 w 3900357"/>
+              <a:gd name="connsiteY6" fmla="*/ 164202 h 4178958"/>
+              <a:gd name="connsiteX7" fmla="*/ 1810878 w 3900357"/>
+              <a:gd name="connsiteY7" fmla="*/ 0 h 4178958"/>
+              <a:gd name="connsiteX8" fmla="*/ 2432225 w 3900357"/>
+              <a:gd name="connsiteY8" fmla="*/ 93939 h 4178958"/>
+            </a:gdLst>
+            <a:ahLst/>
+            <a:cxnLst>
+              <a:cxn ang="0">
+                <a:pos x="connsiteX0" y="connsiteY0"/>
+              </a:cxn>
+              <a:cxn ang="0">
+                <a:pos x="connsiteX1" y="connsiteY1"/>
+              </a:cxn>
+              <a:cxn ang="0">
+                <a:pos x="connsiteX2" y="connsiteY2"/>
+              </a:cxn>
+              <a:cxn ang="0">
+                <a:pos x="connsiteX3" y="connsiteY3"/>
+              </a:cxn>
+              <a:cxn ang="0">
+                <a:pos x="connsiteX4" y="connsiteY4"/>
+              </a:cxn>
+              <a:cxn ang="0">
+                <a:pos x="connsiteX5" y="connsiteY5"/>
+              </a:cxn>
+              <a:cxn ang="0">
+                <a:pos x="connsiteX6" y="connsiteY6"/>
+              </a:cxn>
+              <a:cxn ang="0">
+                <a:pos x="connsiteX7" y="connsiteY7"/>
+              </a:cxn>
+              <a:cxn ang="0">
+                <a:pos x="connsiteX8" y="connsiteY8"/>
+              </a:cxn>
+            </a:cxnLst>
+            <a:rect l="l" t="t" r="r" b="b"/>
+            <a:pathLst>
+              <a:path w="3900357" h="4178958">
+                <a:moveTo>
+                  <a:pt x="2432225" y="93939"/>
+                </a:moveTo>
+                <a:cubicBezTo>
+                  <a:pt x="3282786" y="358491"/>
+                  <a:pt x="3900357" y="1151865"/>
+                  <a:pt x="3900357" y="2089479"/>
+                </a:cubicBezTo>
+                <a:cubicBezTo>
+                  <a:pt x="3900357" y="3243466"/>
+                  <a:pt x="2964865" y="4178958"/>
+                  <a:pt x="1810878" y="4178958"/>
+                </a:cubicBezTo>
+                <a:cubicBezTo>
+                  <a:pt x="1089636" y="4178958"/>
+                  <a:pt x="453744" y="3813531"/>
+                  <a:pt x="78249" y="3257727"/>
+                </a:cubicBezTo>
+                <a:lnTo>
+                  <a:pt x="0" y="3128923"/>
+                </a:lnTo>
+                <a:lnTo>
+                  <a:pt x="831324" y="244281"/>
+                </a:lnTo>
+                <a:lnTo>
+                  <a:pt x="997559" y="164202"/>
+                </a:lnTo>
+                <a:cubicBezTo>
+                  <a:pt x="1247540" y="58468"/>
+                  <a:pt x="1522381" y="0"/>
+                  <a:pt x="1810878" y="0"/>
+                </a:cubicBezTo>
+                <a:cubicBezTo>
+                  <a:pt x="2027251" y="0"/>
+                  <a:pt x="2235942" y="32888"/>
+                  <a:pt x="2432225" y="93939"/>
+                </a:cubicBezTo>
+                <a:close/>
+              </a:path>
+            </a:pathLst>
+          </a:custGeom>
+          <a:gradFill>
+            <a:gsLst>
+              <a:gs pos="29000">
+                <a:srgbClr val="000000">
+                  <a:alpha val="0"/>
+                </a:srgbClr>
+              </a:gs>
+              <a:gs pos="100000">
+                <a:schemeClr val="accent1">
+                  <a:alpha val="43000"/>
+                </a:schemeClr>
+              </a:gs>
+            </a:gsLst>
+            <a:lin ang="1800000" scaled="0"/>
+          </a:gradFill>
+          <a:ln>
+            <a:noFill/>
+          </a:ln>
+        </p:spPr>
+        <p:style>
+          <a:lnRef idx="2">
+            <a:schemeClr val="accent1">
+              <a:shade val="50000"/>
+            </a:schemeClr>
+          </a:lnRef>
+          <a:fillRef idx="1">
+            <a:schemeClr val="accent1"/>
+          </a:fillRef>
+          <a:effectRef idx="0">
+            <a:schemeClr val="accent1"/>
+          </a:effectRef>
+          <a:fontRef idx="minor">
+            <a:schemeClr val="lt1"/>
+          </a:fontRef>
+        </p:style>
+        <p:txBody>
+          <a:bodyPr wrap="square" rtlCol="0" anchor="ctr">
+            <a:noAutofit/>
+          </a:bodyPr>
+          <a:lstStyle/>
+          <a:p>
+            <a:pPr algn="ctr"/>
+            <a:endParaRPr lang="en-US" dirty="0"/>
+          </a:p>
+        </p:txBody>
+      </p:sp>
+      <p:sp>
+        <p:nvSpPr>
+          <p:cNvPr id="20" name="Rectangle 19">
+            <a:extLst>
+              <a:ext uri="{FF2B5EF4-FFF2-40B4-BE49-F238E27FC236}">
+                <a16:creationId xmlns:a16="http://schemas.microsoft.com/office/drawing/2014/main" id="{8D71EDA1-87BF-4D5D-AB79-F346FD19278A}"/>
+              </a:ext>
+              <a:ext uri="{C183D7F6-B498-43B3-948B-1728B52AA6E4}">
+                <adec:decorative xmlns:adec="http://schemas.microsoft.com/office/drawing/2017/decorative" val="1"/>
+              </a:ext>
+            </a:extLst>
+          </p:cNvPr>
+          <p:cNvSpPr>
+            <a:spLocks noGrp="1" noRot="1" noChangeAspect="1" noMove="1" noResize="1" noEditPoints="1" noAdjustHandles="1" noChangeArrowheads="1" noChangeShapeType="1" noTextEdit="1"/>
+          </p:cNvSpPr>
+          <p:nvPr>
+            <p:extLst>
+              <p:ext uri="{386F3935-93C4-4BCD-93E2-E3B085C9AB24}">
+                <p16:designElem xmlns:p16="http://schemas.microsoft.com/office/powerpoint/2015/main" val="1"/>
+              </p:ext>
+            </p:extLst>
+          </p:nvPr>
+        </p:nvSpPr>
+        <p:spPr>
+          <a:xfrm rot="5400000" flipH="1">
+            <a:off x="-1410093" y="1399943"/>
+            <a:ext cx="6858003" cy="4037835"/>
+          </a:xfrm>
+          <a:prstGeom prst="rect">
+            <a:avLst/>
+          </a:prstGeom>
+          <a:gradFill>
+            <a:gsLst>
+              <a:gs pos="0">
+                <a:srgbClr val="000000">
+                  <a:alpha val="0"/>
+                </a:srgbClr>
+              </a:gs>
+              <a:gs pos="99000">
+                <a:schemeClr val="accent1">
+                  <a:lumMod val="60000"/>
+                  <a:lumOff val="40000"/>
+                  <a:alpha val="11000"/>
+                </a:schemeClr>
+              </a:gs>
+            </a:gsLst>
+            <a:lin ang="7200000" scaled="0"/>
+          </a:gradFill>
+          <a:ln>
+            <a:noFill/>
+          </a:ln>
+        </p:spPr>
+        <p:style>
+          <a:lnRef idx="2">
+            <a:schemeClr val="accent1">
+              <a:shade val="50000"/>
+            </a:schemeClr>
+          </a:lnRef>
+          <a:fillRef idx="1">
+            <a:schemeClr val="accent1"/>
+          </a:fillRef>
+          <a:effectRef idx="0">
+            <a:schemeClr val="accent1"/>
+          </a:effectRef>
+          <a:fontRef idx="minor">
+            <a:schemeClr val="lt1"/>
+          </a:fontRef>
+        </p:style>
+        <p:txBody>
+          <a:bodyPr rtlCol="0" anchor="ctr"/>
+          <a:lstStyle/>
+          <a:p>
+            <a:pPr algn="ctr"/>
+            <a:endParaRPr lang="en-US"/>
+          </a:p>
+        </p:txBody>
+      </p:sp>
+      <p:sp>
+        <p:nvSpPr>
           <p:cNvPr id="2" name="Title 1">
             <a:extLst>
               <a:ext uri="{FF2B5EF4-FFF2-40B4-BE49-F238E27FC236}">
-                <a16:creationId xmlns:a16="http://schemas.microsoft.com/office/drawing/2014/main" id="{7B26803C-0720-05CB-F1A7-BDA405F18A6D}"/>
+                <a16:creationId xmlns:a16="http://schemas.microsoft.com/office/drawing/2014/main" id="{77A0F95A-E08D-B09F-A3CA-13D2E2FC6820}"/>
               </a:ext>
             </a:extLst>
           </p:cNvPr>
@@ -12971,1040 +13858,153 @@
         </p:nvSpPr>
         <p:spPr>
           <a:xfrm>
-            <a:off x="418492" y="349112"/>
-            <a:ext cx="10044023" cy="877729"/>
+            <a:off x="466722" y="586855"/>
+            <a:ext cx="3201366" cy="3387497"/>
+          </a:xfrm>
+        </p:spPr>
+        <p:txBody>
+          <a:bodyPr anchor="b">
+            <a:normAutofit/>
+          </a:bodyPr>
+          <a:lstStyle/>
+          <a:p>
+            <a:pPr algn="r"/>
+            <a:r>
+              <a:rPr lang="en-US" sz="4000">
+                <a:solidFill>
+                  <a:srgbClr val="FFFFFF"/>
+                </a:solidFill>
+              </a:rPr>
+              <a:t>Logistic Regression Summary</a:t>
+            </a:r>
+          </a:p>
+        </p:txBody>
+      </p:sp>
+      <p:sp>
+        <p:nvSpPr>
+          <p:cNvPr id="3" name="Content Placeholder 2">
+            <a:extLst>
+              <a:ext uri="{FF2B5EF4-FFF2-40B4-BE49-F238E27FC236}">
+                <a16:creationId xmlns:a16="http://schemas.microsoft.com/office/drawing/2014/main" id="{43B90B9B-E0AB-6488-95A1-82C82E0E7EDF}"/>
+              </a:ext>
+            </a:extLst>
+          </p:cNvPr>
+          <p:cNvSpPr>
+            <a:spLocks noGrp="1"/>
+          </p:cNvSpPr>
+          <p:nvPr>
+            <p:ph idx="1"/>
+          </p:nvPr>
+        </p:nvSpPr>
+        <p:spPr>
+          <a:xfrm>
+            <a:off x="4810259" y="649480"/>
+            <a:ext cx="6555347" cy="5546047"/>
           </a:xfrm>
         </p:spPr>
         <p:txBody>
           <a:bodyPr anchor="ctr">
-            <a:normAutofit fontScale="90000"/>
+            <a:normAutofit/>
           </a:bodyPr>
           <a:lstStyle/>
           <a:p>
+            <a:pPr>
+              <a:buFont typeface="Arial" panose="020B0604020202020204" pitchFamily="34" charset="0"/>
+              <a:buChar char="•"/>
+            </a:pPr>
             <a:r>
-              <a:rPr lang="en-US" sz="4000" dirty="0">
-                <a:solidFill>
-                  <a:srgbClr val="FFFFFF"/>
-                </a:solidFill>
+              <a:rPr lang="en-US" sz="2000" b="1" i="0">
+                <a:effectLst/>
+                <a:latin typeface="Söhne"/>
               </a:rPr>
-              <a:t>Model Performance - XGBoost with Hyperparameter Tuning </a:t>
+              <a:t>Model Performance</a:t>
             </a:r>
+            <a:r>
+              <a:rPr lang="en-US" sz="2000" b="0" i="0">
+                <a:effectLst/>
+                <a:latin typeface="Söhne"/>
+              </a:rPr>
+              <a:t>: Model #1 has the highest ROC AUC and F1 Score for Class 1, indicating better overall performance in terms of classification. However, the recall for Model #1 is lower than Models #2 and #3.</a:t>
+            </a:r>
+          </a:p>
+          <a:p>
+            <a:pPr>
+              <a:buFont typeface="Arial" panose="020B0604020202020204" pitchFamily="34" charset="0"/>
+              <a:buChar char="•"/>
+            </a:pPr>
+            <a:r>
+              <a:rPr lang="en-US" sz="2000" b="1" i="0">
+                <a:effectLst/>
+                <a:latin typeface="Söhne"/>
+              </a:rPr>
+              <a:t>Balancing Technique</a:t>
+            </a:r>
+            <a:r>
+              <a:rPr lang="en-US" sz="2000" b="0" i="0">
+                <a:effectLst/>
+                <a:latin typeface="Söhne"/>
+              </a:rPr>
+              <a:t>: Models #2 and #3 use random oversampling and SMOTE, respectively, to balance the dataset. They achieve high recall, indicating their ability to detect fraudulent transactions effectively. However, the F1 Score for Class 1 is relatively low.</a:t>
+            </a:r>
+          </a:p>
+          <a:p>
+            <a:pPr>
+              <a:buFont typeface="Arial" panose="020B0604020202020204" pitchFamily="34" charset="0"/>
+              <a:buChar char="•"/>
+            </a:pPr>
+            <a:r>
+              <a:rPr lang="en-US" sz="2000" b="1" i="0">
+                <a:effectLst/>
+                <a:latin typeface="Söhne"/>
+              </a:rPr>
+              <a:t>Model #4</a:t>
+            </a:r>
+            <a:r>
+              <a:rPr lang="en-US" sz="2000" b="0" i="0">
+                <a:effectLst/>
+                <a:latin typeface="Söhne"/>
+              </a:rPr>
+              <a:t>: While Model #4 has a high recall, its F1 Score for Class 1 is the lowest among the models.</a:t>
+            </a:r>
+          </a:p>
+          <a:p>
+            <a:r>
+              <a:rPr lang="en-US" sz="2000" b="0" i="0">
+                <a:effectLst/>
+                <a:latin typeface="Söhne"/>
+              </a:rPr>
+              <a:t>In a production environment, the choice depends on the specific goals and constraints:</a:t>
+            </a:r>
+          </a:p>
+          <a:p>
+            <a:pPr>
+              <a:buFont typeface="Arial" panose="020B0604020202020204" pitchFamily="34" charset="0"/>
+              <a:buChar char="•"/>
+            </a:pPr>
+            <a:r>
+              <a:rPr lang="en-US" sz="2000" b="1" i="0">
+                <a:effectLst/>
+                <a:latin typeface="Söhne"/>
+              </a:rPr>
+              <a:t>If Recall Is Critical</a:t>
+            </a:r>
+            <a:r>
+              <a:rPr lang="en-US" sz="2000" b="0" i="0">
+                <a:effectLst/>
+                <a:latin typeface="Söhne"/>
+              </a:rPr>
+              <a:t>: If the primary goal is to detect fraudulent transactions at all costs (high recall), then Models #2 and #3 (balanced with random oversampling or SMOTE) might be suitable because they have the highest recall values.</a:t>
+            </a:r>
+          </a:p>
+          <a:p>
+            <a:endParaRPr lang="en-US" sz="2000"/>
           </a:p>
         </p:txBody>
       </p:sp>
-      <p:graphicFrame>
-        <p:nvGraphicFramePr>
-          <p:cNvPr id="4" name="Table 4">
-            <a:extLst>
-              <a:ext uri="{FF2B5EF4-FFF2-40B4-BE49-F238E27FC236}">
-                <a16:creationId xmlns:a16="http://schemas.microsoft.com/office/drawing/2014/main" id="{9D177A2C-B843-0FCE-A9B7-AEF3024875C8}"/>
-              </a:ext>
-            </a:extLst>
-          </p:cNvPr>
-          <p:cNvGraphicFramePr>
-            <a:graphicFrameLocks noGrp="1"/>
-          </p:cNvGraphicFramePr>
-          <p:nvPr>
-            <p:ph idx="1"/>
-            <p:extLst>
-              <p:ext uri="{D42A27DB-BD31-4B8C-83A1-F6EECF244321}">
-                <p14:modId xmlns:p14="http://schemas.microsoft.com/office/powerpoint/2010/main" val="1203679507"/>
-              </p:ext>
-            </p:extLst>
-          </p:nvPr>
-        </p:nvGraphicFramePr>
-        <p:xfrm>
-          <a:off x="149149" y="2067892"/>
-          <a:ext cx="11751699" cy="4536453"/>
-        </p:xfrm>
-        <a:graphic>
-          <a:graphicData uri="http://schemas.openxmlformats.org/drawingml/2006/table">
-            <a:tbl>
-              <a:tblPr firstRow="1" bandRow="1">
-                <a:tableStyleId>{5C22544A-7EE6-4342-B048-85BDC9FD1C3A}</a:tableStyleId>
-              </a:tblPr>
-              <a:tblGrid>
-                <a:gridCol w="1805764">
-                  <a:extLst>
-                    <a:ext uri="{9D8B030D-6E8A-4147-A177-3AD203B41FA5}">
-                      <a16:colId xmlns:a16="http://schemas.microsoft.com/office/drawing/2014/main" val="4046375680"/>
-                    </a:ext>
-                  </a:extLst>
-                </a:gridCol>
-                <a:gridCol w="1838655">
-                  <a:extLst>
-                    <a:ext uri="{9D8B030D-6E8A-4147-A177-3AD203B41FA5}">
-                      <a16:colId xmlns:a16="http://schemas.microsoft.com/office/drawing/2014/main" val="3836363078"/>
-                    </a:ext>
-                  </a:extLst>
-                </a:gridCol>
-                <a:gridCol w="2625081">
-                  <a:extLst>
-                    <a:ext uri="{9D8B030D-6E8A-4147-A177-3AD203B41FA5}">
-                      <a16:colId xmlns:a16="http://schemas.microsoft.com/office/drawing/2014/main" val="2601938607"/>
-                    </a:ext>
-                  </a:extLst>
-                </a:gridCol>
-                <a:gridCol w="1786916">
-                  <a:extLst>
-                    <a:ext uri="{9D8B030D-6E8A-4147-A177-3AD203B41FA5}">
-                      <a16:colId xmlns:a16="http://schemas.microsoft.com/office/drawing/2014/main" val="1790429295"/>
-                    </a:ext>
-                  </a:extLst>
-                </a:gridCol>
-                <a:gridCol w="1805764">
-                  <a:extLst>
-                    <a:ext uri="{9D8B030D-6E8A-4147-A177-3AD203B41FA5}">
-                      <a16:colId xmlns:a16="http://schemas.microsoft.com/office/drawing/2014/main" val="3582529616"/>
-                    </a:ext>
-                  </a:extLst>
-                </a:gridCol>
-                <a:gridCol w="1889519">
-                  <a:extLst>
-                    <a:ext uri="{9D8B030D-6E8A-4147-A177-3AD203B41FA5}">
-                      <a16:colId xmlns:a16="http://schemas.microsoft.com/office/drawing/2014/main" val="3542389499"/>
-                    </a:ext>
-                  </a:extLst>
-                </a:gridCol>
-              </a:tblGrid>
-              <a:tr h="721839">
-                <a:tc>
-                  <a:txBody>
-                    <a:bodyPr/>
-                    <a:lstStyle/>
-                    <a:p>
-                      <a:r>
-                        <a:rPr lang="en-US" sz="1900"/>
-                        <a:t>Data Type</a:t>
-                      </a:r>
-                    </a:p>
-                  </a:txBody>
-                  <a:tcPr marL="97546" marR="97546" marT="48773" marB="48773"/>
-                </a:tc>
-                <a:tc>
-                  <a:txBody>
-                    <a:bodyPr/>
-                    <a:lstStyle/>
-                    <a:p>
-                      <a:r>
-                        <a:rPr lang="en-US" sz="1900" dirty="0"/>
-                        <a:t>Data Oversampling</a:t>
-                      </a:r>
-                    </a:p>
-                  </a:txBody>
-                  <a:tcPr marL="97546" marR="97546" marT="48773" marB="48773"/>
-                </a:tc>
-                <a:tc>
-                  <a:txBody>
-                    <a:bodyPr/>
-                    <a:lstStyle/>
-                    <a:p>
-                      <a:r>
-                        <a:rPr lang="en-US" sz="1900"/>
-                        <a:t>Size</a:t>
-                      </a:r>
-                    </a:p>
-                  </a:txBody>
-                  <a:tcPr marL="97546" marR="97546" marT="48773" marB="48773"/>
-                </a:tc>
-                <a:tc>
-                  <a:txBody>
-                    <a:bodyPr/>
-                    <a:lstStyle/>
-                    <a:p>
-                      <a:r>
-                        <a:rPr lang="en-US" sz="1900" dirty="0"/>
-                        <a:t>Run Time</a:t>
-                      </a:r>
-                    </a:p>
-                  </a:txBody>
-                  <a:tcPr marL="97546" marR="97546" marT="48773" marB="48773"/>
-                </a:tc>
-                <a:tc>
-                  <a:txBody>
-                    <a:bodyPr/>
-                    <a:lstStyle/>
-                    <a:p>
-                      <a:r>
-                        <a:rPr lang="en-US" sz="1900" dirty="0"/>
-                        <a:t>Evaluation - ROC AUC</a:t>
-                      </a:r>
-                    </a:p>
-                  </a:txBody>
-                  <a:tcPr marL="97546" marR="97546" marT="48773" marB="48773"/>
-                </a:tc>
-                <a:tc>
-                  <a:txBody>
-                    <a:bodyPr/>
-                    <a:lstStyle/>
-                    <a:p>
-                      <a:r>
-                        <a:rPr lang="en-US" sz="1900" dirty="0"/>
-                        <a:t>Best Hyperparameters</a:t>
-                      </a:r>
-                    </a:p>
-                  </a:txBody>
-                  <a:tcPr marL="97546" marR="97546" marT="48773" marB="48773"/>
-                </a:tc>
-                <a:extLst>
-                  <a:ext uri="{0D108BD9-81ED-4DB2-BD59-A6C34878D82A}">
-                    <a16:rowId xmlns:a16="http://schemas.microsoft.com/office/drawing/2014/main" val="2638266860"/>
-                  </a:ext>
-                </a:extLst>
-              </a:tr>
-              <a:tr h="591778">
-                <a:tc>
-                  <a:txBody>
-                    <a:bodyPr/>
-                    <a:lstStyle/>
-                    <a:p>
-                      <a:r>
-                        <a:rPr lang="en-US" sz="1400" dirty="0"/>
-                        <a:t>Imbalanced Dataset</a:t>
-                      </a:r>
-                    </a:p>
-                  </a:txBody>
-                  <a:tcPr marL="97546" marR="97546" marT="48773" marB="48773"/>
-                </a:tc>
-                <a:tc>
-                  <a:txBody>
-                    <a:bodyPr/>
-                    <a:lstStyle/>
-                    <a:p>
-                      <a:r>
-                        <a:rPr lang="en-US" sz="1400" dirty="0"/>
-                        <a:t>NA</a:t>
-                      </a:r>
-                    </a:p>
-                  </a:txBody>
-                  <a:tcPr marL="97546" marR="97546" marT="48773" marB="48773"/>
-                </a:tc>
-                <a:tc>
-                  <a:txBody>
-                    <a:bodyPr/>
-                    <a:lstStyle/>
-                    <a:p>
-                      <a:r>
-                        <a:rPr lang="en-US" sz="1400" dirty="0" err="1">
-                          <a:solidFill>
-                            <a:schemeClr val="tx1"/>
-                          </a:solidFill>
-                        </a:rPr>
-                        <a:t>X_Train</a:t>
-                      </a:r>
-                      <a:r>
-                        <a:rPr lang="en-US" sz="1400" dirty="0">
-                          <a:solidFill>
-                            <a:schemeClr val="tx1"/>
-                          </a:solidFill>
-                        </a:rPr>
-                        <a:t> : 227845</a:t>
-                      </a:r>
-                    </a:p>
-                    <a:p>
-                      <a:r>
-                        <a:rPr lang="en-US" sz="1400" dirty="0" err="1">
-                          <a:solidFill>
-                            <a:schemeClr val="tx1"/>
-                          </a:solidFill>
-                        </a:rPr>
-                        <a:t>X_Test</a:t>
-                      </a:r>
-                      <a:r>
-                        <a:rPr lang="en-US" sz="1400" dirty="0">
-                          <a:solidFill>
-                            <a:schemeClr val="tx1"/>
-                          </a:solidFill>
-                        </a:rPr>
-                        <a:t> : 56962</a:t>
-                      </a:r>
-                    </a:p>
-                  </a:txBody>
-                  <a:tcPr marL="97546" marR="97546" marT="48773" marB="48773"/>
-                </a:tc>
-                <a:tc>
-                  <a:txBody>
-                    <a:bodyPr/>
-                    <a:lstStyle/>
-                    <a:p>
-                      <a:pPr algn="ctr"/>
-                      <a:r>
-                        <a:rPr lang="en-US" sz="1400" dirty="0"/>
-                        <a:t>3538.86 seconds</a:t>
-                      </a:r>
-                    </a:p>
-                  </a:txBody>
-                  <a:tcPr marL="97546" marR="97546" marT="48773" marB="48773"/>
-                </a:tc>
-                <a:tc>
-                  <a:txBody>
-                    <a:bodyPr/>
-                    <a:lstStyle/>
-                    <a:p>
-                      <a:pPr algn="ctr"/>
-                      <a:r>
-                        <a:rPr lang="en-US" sz="1400" dirty="0"/>
-                        <a:t>0.9785</a:t>
-                      </a:r>
-                    </a:p>
-                  </a:txBody>
-                  <a:tcPr marL="97546" marR="97546" marT="48773" marB="48773"/>
-                </a:tc>
-                <a:tc>
-                  <a:txBody>
-                    <a:bodyPr/>
-                    <a:lstStyle/>
-                    <a:p>
-                      <a:pPr algn="ctr"/>
-                      <a:r>
-                        <a:rPr lang="en-US" sz="1400" b="0" i="0" kern="1200" dirty="0" err="1">
-                          <a:solidFill>
-                            <a:schemeClr val="dk1"/>
-                          </a:solidFill>
-                          <a:effectLst/>
-                          <a:latin typeface="+mn-lt"/>
-                          <a:ea typeface="+mn-ea"/>
-                          <a:cs typeface="+mn-cs"/>
-                        </a:rPr>
-                        <a:t>learning_rate</a:t>
-                      </a:r>
-                      <a:r>
-                        <a:rPr lang="en-US" sz="1400" b="0" i="0" kern="1200" dirty="0">
-                          <a:solidFill>
-                            <a:schemeClr val="dk1"/>
-                          </a:solidFill>
-                          <a:effectLst/>
-                          <a:latin typeface="+mn-lt"/>
-                          <a:ea typeface="+mn-ea"/>
-                          <a:cs typeface="+mn-cs"/>
-                        </a:rPr>
-                        <a:t>: 0.2</a:t>
-                      </a:r>
-                    </a:p>
-                    <a:p>
-                      <a:pPr algn="ctr"/>
-                      <a:r>
-                        <a:rPr lang="en-US" sz="1400" b="0" i="0" kern="1200" dirty="0" err="1">
-                          <a:solidFill>
-                            <a:schemeClr val="dk1"/>
-                          </a:solidFill>
-                          <a:effectLst/>
-                          <a:latin typeface="+mn-lt"/>
-                          <a:ea typeface="+mn-ea"/>
-                          <a:cs typeface="+mn-cs"/>
-                        </a:rPr>
-                        <a:t>max_depth</a:t>
-                      </a:r>
-                      <a:r>
-                        <a:rPr lang="en-US" sz="1400" b="0" i="0" kern="1200" dirty="0">
-                          <a:solidFill>
-                            <a:schemeClr val="dk1"/>
-                          </a:solidFill>
-                          <a:effectLst/>
-                          <a:latin typeface="+mn-lt"/>
-                          <a:ea typeface="+mn-ea"/>
-                          <a:cs typeface="+mn-cs"/>
-                        </a:rPr>
-                        <a:t>: 5</a:t>
-                      </a:r>
-                    </a:p>
-                    <a:p>
-                      <a:pPr algn="ctr"/>
-                      <a:r>
-                        <a:rPr lang="en-US" sz="1400" b="0" i="0" kern="1200" dirty="0" err="1">
-                          <a:solidFill>
-                            <a:schemeClr val="dk1"/>
-                          </a:solidFill>
-                          <a:effectLst/>
-                          <a:latin typeface="+mn-lt"/>
-                          <a:ea typeface="+mn-ea"/>
-                          <a:cs typeface="+mn-cs"/>
-                        </a:rPr>
-                        <a:t>n_estimators</a:t>
-                      </a:r>
-                      <a:r>
-                        <a:rPr lang="en-US" sz="1400" b="0" i="0" kern="1200" dirty="0">
-                          <a:solidFill>
-                            <a:schemeClr val="dk1"/>
-                          </a:solidFill>
-                          <a:effectLst/>
-                          <a:latin typeface="+mn-lt"/>
-                          <a:ea typeface="+mn-ea"/>
-                          <a:cs typeface="+mn-cs"/>
-                        </a:rPr>
-                        <a:t>: 300</a:t>
-                      </a:r>
-                      <a:endParaRPr lang="en-US" sz="1400" dirty="0"/>
-                    </a:p>
-                  </a:txBody>
-                  <a:tcPr marL="97546" marR="97546" marT="48773" marB="48773"/>
-                </a:tc>
-                <a:extLst>
-                  <a:ext uri="{0D108BD9-81ED-4DB2-BD59-A6C34878D82A}">
-                    <a16:rowId xmlns:a16="http://schemas.microsoft.com/office/drawing/2014/main" val="1931460037"/>
-                  </a:ext>
-                </a:extLst>
-              </a:tr>
-              <a:tr h="819384">
-                <a:tc>
-                  <a:txBody>
-                    <a:bodyPr/>
-                    <a:lstStyle/>
-                    <a:p>
-                      <a:r>
-                        <a:rPr lang="en-US" sz="1400"/>
-                        <a:t>Balanced Dataset</a:t>
-                      </a:r>
-                    </a:p>
-                  </a:txBody>
-                  <a:tcPr marL="97546" marR="97546" marT="48773" marB="48773"/>
-                </a:tc>
-                <a:tc>
-                  <a:txBody>
-                    <a:bodyPr/>
-                    <a:lstStyle/>
-                    <a:p>
-                      <a:r>
-                        <a:rPr lang="en-US" sz="1400"/>
-                        <a:t>Random Oversampling</a:t>
-                      </a:r>
-                    </a:p>
-                  </a:txBody>
-                  <a:tcPr marL="97546" marR="97546" marT="48773" marB="48773"/>
-                </a:tc>
-                <a:tc>
-                  <a:txBody>
-                    <a:bodyPr/>
-                    <a:lstStyle/>
-                    <a:p>
-                      <a:r>
-                        <a:rPr lang="en-US" sz="1400" b="0" i="0" kern="1200" dirty="0" err="1">
-                          <a:solidFill>
-                            <a:schemeClr val="tx1"/>
-                          </a:solidFill>
-                          <a:effectLst/>
-                          <a:latin typeface="+mn-lt"/>
-                          <a:ea typeface="+mn-ea"/>
-                          <a:cs typeface="+mn-cs"/>
-                        </a:rPr>
-                        <a:t>X_train_ros</a:t>
-                      </a:r>
-                      <a:r>
-                        <a:rPr lang="en-US" sz="1400" b="0" i="0" kern="1200" dirty="0">
-                          <a:solidFill>
-                            <a:schemeClr val="tx1"/>
-                          </a:solidFill>
-                          <a:effectLst/>
-                          <a:latin typeface="+mn-lt"/>
-                          <a:ea typeface="+mn-ea"/>
-                          <a:cs typeface="+mn-cs"/>
-                        </a:rPr>
-                        <a:t> : 454902</a:t>
-                      </a:r>
-                    </a:p>
-                    <a:p>
-                      <a:pPr marL="0" marR="0" lvl="0" indent="0" algn="l" defTabSz="914400" rtl="0" eaLnBrk="1" fontAlgn="auto" latinLnBrk="0" hangingPunct="1">
-                        <a:lnSpc>
-                          <a:spcPct val="100000"/>
-                        </a:lnSpc>
-                        <a:spcBef>
-                          <a:spcPts val="0"/>
-                        </a:spcBef>
-                        <a:spcAft>
-                          <a:spcPts val="0"/>
-                        </a:spcAft>
-                        <a:buClrTx/>
-                        <a:buSzTx/>
-                        <a:buFontTx/>
-                        <a:buNone/>
-                        <a:tabLst/>
-                        <a:defRPr/>
-                      </a:pPr>
-                      <a:r>
-                        <a:rPr lang="en-US" sz="1400" dirty="0" err="1">
-                          <a:solidFill>
-                            <a:schemeClr val="tx1"/>
-                          </a:solidFill>
-                        </a:rPr>
-                        <a:t>X_Test</a:t>
-                      </a:r>
-                      <a:r>
-                        <a:rPr lang="en-US" sz="1400" dirty="0">
-                          <a:solidFill>
-                            <a:schemeClr val="tx1"/>
-                          </a:solidFill>
-                        </a:rPr>
-                        <a:t> : 56962</a:t>
-                      </a:r>
-                    </a:p>
-                  </a:txBody>
-                  <a:tcPr marL="97546" marR="97546" marT="48773" marB="48773"/>
-                </a:tc>
-                <a:tc>
-                  <a:txBody>
-                    <a:bodyPr/>
-                    <a:lstStyle/>
-                    <a:p>
-                      <a:pPr algn="ctr"/>
-                      <a:r>
-                        <a:rPr lang="en-US" sz="1400" dirty="0"/>
-                        <a:t>5510.31 seconds</a:t>
-                      </a:r>
-                    </a:p>
-                  </a:txBody>
-                  <a:tcPr marL="97546" marR="97546" marT="48773" marB="48773"/>
-                </a:tc>
-                <a:tc>
-                  <a:txBody>
-                    <a:bodyPr/>
-                    <a:lstStyle/>
-                    <a:p>
-                      <a:pPr algn="ctr"/>
-                      <a:r>
-                        <a:rPr lang="en-US" sz="1400" dirty="0"/>
-                        <a:t>0.9779</a:t>
-                      </a:r>
-                    </a:p>
-                  </a:txBody>
-                  <a:tcPr marL="97546" marR="97546" marT="48773" marB="48773"/>
-                </a:tc>
-                <a:tc>
-                  <a:txBody>
-                    <a:bodyPr/>
-                    <a:lstStyle/>
-                    <a:p>
-                      <a:pPr algn="ctr"/>
-                      <a:r>
-                        <a:rPr lang="en-US" sz="1400" b="0" i="0" kern="1200" dirty="0" err="1">
-                          <a:solidFill>
-                            <a:schemeClr val="dk1"/>
-                          </a:solidFill>
-                          <a:effectLst/>
-                          <a:latin typeface="+mn-lt"/>
-                          <a:ea typeface="+mn-ea"/>
-                          <a:cs typeface="+mn-cs"/>
-                        </a:rPr>
-                        <a:t>learning_rate</a:t>
-                      </a:r>
-                      <a:r>
-                        <a:rPr lang="en-US" sz="1400" b="0" i="0" kern="1200" dirty="0">
-                          <a:solidFill>
-                            <a:schemeClr val="dk1"/>
-                          </a:solidFill>
-                          <a:effectLst/>
-                          <a:latin typeface="+mn-lt"/>
-                          <a:ea typeface="+mn-ea"/>
-                          <a:cs typeface="+mn-cs"/>
-                        </a:rPr>
-                        <a:t>: 0.2</a:t>
-                      </a:r>
-                    </a:p>
-                    <a:p>
-                      <a:pPr algn="ctr"/>
-                      <a:r>
-                        <a:rPr lang="en-US" sz="1400" b="0" i="0" kern="1200" dirty="0" err="1">
-                          <a:solidFill>
-                            <a:schemeClr val="dk1"/>
-                          </a:solidFill>
-                          <a:effectLst/>
-                          <a:latin typeface="+mn-lt"/>
-                          <a:ea typeface="+mn-ea"/>
-                          <a:cs typeface="+mn-cs"/>
-                        </a:rPr>
-                        <a:t>max_depth</a:t>
-                      </a:r>
-                      <a:r>
-                        <a:rPr lang="en-US" sz="1400" b="0" i="0" kern="1200" dirty="0">
-                          <a:solidFill>
-                            <a:schemeClr val="dk1"/>
-                          </a:solidFill>
-                          <a:effectLst/>
-                          <a:latin typeface="+mn-lt"/>
-                          <a:ea typeface="+mn-ea"/>
-                          <a:cs typeface="+mn-cs"/>
-                        </a:rPr>
-                        <a:t>: 4</a:t>
-                      </a:r>
-                    </a:p>
-                    <a:p>
-                      <a:pPr algn="ctr"/>
-                      <a:r>
-                        <a:rPr lang="en-US" sz="1400" b="0" i="0" kern="1200" dirty="0" err="1">
-                          <a:solidFill>
-                            <a:schemeClr val="dk1"/>
-                          </a:solidFill>
-                          <a:effectLst/>
-                          <a:latin typeface="+mn-lt"/>
-                          <a:ea typeface="+mn-ea"/>
-                          <a:cs typeface="+mn-cs"/>
-                        </a:rPr>
-                        <a:t>n_estimators</a:t>
-                      </a:r>
-                      <a:r>
-                        <a:rPr lang="en-US" sz="1400" b="0" i="0" kern="1200" dirty="0">
-                          <a:solidFill>
-                            <a:schemeClr val="dk1"/>
-                          </a:solidFill>
-                          <a:effectLst/>
-                          <a:latin typeface="+mn-lt"/>
-                          <a:ea typeface="+mn-ea"/>
-                          <a:cs typeface="+mn-cs"/>
-                        </a:rPr>
-                        <a:t>: 300</a:t>
-                      </a:r>
-                      <a:endParaRPr lang="en-US" sz="1400" dirty="0"/>
-                    </a:p>
-                  </a:txBody>
-                  <a:tcPr marL="97546" marR="97546" marT="48773" marB="48773"/>
-                </a:tc>
-                <a:extLst>
-                  <a:ext uri="{0D108BD9-81ED-4DB2-BD59-A6C34878D82A}">
-                    <a16:rowId xmlns:a16="http://schemas.microsoft.com/office/drawing/2014/main" val="89103389"/>
-                  </a:ext>
-                </a:extLst>
-              </a:tr>
-              <a:tr h="1046991">
-                <a:tc>
-                  <a:txBody>
-                    <a:bodyPr/>
-                    <a:lstStyle/>
-                    <a:p>
-                      <a:r>
-                        <a:rPr lang="en-US" sz="1400"/>
-                        <a:t>Balanced Dataset</a:t>
-                      </a:r>
-                    </a:p>
-                  </a:txBody>
-                  <a:tcPr marL="97546" marR="97546" marT="48773" marB="48773"/>
-                </a:tc>
-                <a:tc>
-                  <a:txBody>
-                    <a:bodyPr/>
-                    <a:lstStyle/>
-                    <a:p>
-                      <a:r>
-                        <a:rPr lang="en-US" sz="1400"/>
-                        <a:t>SMOTE</a:t>
-                      </a:r>
-                    </a:p>
-                  </a:txBody>
-                  <a:tcPr marL="97546" marR="97546" marT="48773" marB="48773"/>
-                </a:tc>
-                <a:tc>
-                  <a:txBody>
-                    <a:bodyPr/>
-                    <a:lstStyle/>
-                    <a:p>
-                      <a:r>
-                        <a:rPr lang="en-US" sz="1400" dirty="0" err="1">
-                          <a:solidFill>
-                            <a:schemeClr val="tx1"/>
-                          </a:solidFill>
-                        </a:rPr>
-                        <a:t>X_train_smote</a:t>
-                      </a:r>
-                      <a:r>
-                        <a:rPr lang="en-US" sz="1400" dirty="0">
-                          <a:solidFill>
-                            <a:schemeClr val="tx1"/>
-                          </a:solidFill>
-                        </a:rPr>
-                        <a:t> : 454902</a:t>
-                      </a:r>
-                    </a:p>
-                    <a:p>
-                      <a:pPr marL="0" marR="0" lvl="0" indent="0" algn="l" defTabSz="914400" rtl="0" eaLnBrk="1" fontAlgn="auto" latinLnBrk="0" hangingPunct="1">
-                        <a:lnSpc>
-                          <a:spcPct val="100000"/>
-                        </a:lnSpc>
-                        <a:spcBef>
-                          <a:spcPts val="0"/>
-                        </a:spcBef>
-                        <a:spcAft>
-                          <a:spcPts val="0"/>
-                        </a:spcAft>
-                        <a:buClrTx/>
-                        <a:buSzTx/>
-                        <a:buFontTx/>
-                        <a:buNone/>
-                        <a:tabLst/>
-                        <a:defRPr/>
-                      </a:pPr>
-                      <a:r>
-                        <a:rPr lang="en-US" sz="1400" dirty="0" err="1">
-                          <a:solidFill>
-                            <a:schemeClr val="tx1"/>
-                          </a:solidFill>
-                        </a:rPr>
-                        <a:t>X_Test</a:t>
-                      </a:r>
-                      <a:r>
-                        <a:rPr lang="en-US" sz="1400" dirty="0">
-                          <a:solidFill>
-                            <a:schemeClr val="tx1"/>
-                          </a:solidFill>
-                        </a:rPr>
-                        <a:t> : 56962</a:t>
-                      </a:r>
-                    </a:p>
-                    <a:p>
-                      <a:endParaRPr lang="en-US" sz="1400" dirty="0">
-                        <a:solidFill>
-                          <a:schemeClr val="tx1"/>
-                        </a:solidFill>
-                      </a:endParaRPr>
-                    </a:p>
-                  </a:txBody>
-                  <a:tcPr marL="97546" marR="97546" marT="48773" marB="48773"/>
-                </a:tc>
-                <a:tc>
-                  <a:txBody>
-                    <a:bodyPr/>
-                    <a:lstStyle/>
-                    <a:p>
-                      <a:pPr algn="ctr"/>
-                      <a:r>
-                        <a:rPr lang="en-US" sz="1400" dirty="0"/>
-                        <a:t>8909.62 seconds</a:t>
-                      </a:r>
-                    </a:p>
-                  </a:txBody>
-                  <a:tcPr marL="97546" marR="97546" marT="48773" marB="48773"/>
-                </a:tc>
-                <a:tc>
-                  <a:txBody>
-                    <a:bodyPr/>
-                    <a:lstStyle/>
-                    <a:p>
-                      <a:pPr algn="ctr"/>
-                      <a:r>
-                        <a:rPr lang="en-US" sz="1400" dirty="0"/>
-                        <a:t>1.00</a:t>
-                      </a:r>
-                    </a:p>
-                  </a:txBody>
-                  <a:tcPr marL="97546" marR="97546" marT="48773" marB="48773"/>
-                </a:tc>
-                <a:tc>
-                  <a:txBody>
-                    <a:bodyPr/>
-                    <a:lstStyle/>
-                    <a:p>
-                      <a:pPr algn="ctr"/>
-                      <a:r>
-                        <a:rPr lang="en-US" sz="1400" b="0" i="0" kern="1200" dirty="0" err="1">
-                          <a:solidFill>
-                            <a:schemeClr val="dk1"/>
-                          </a:solidFill>
-                          <a:effectLst/>
-                          <a:latin typeface="+mn-lt"/>
-                          <a:ea typeface="+mn-ea"/>
-                          <a:cs typeface="+mn-cs"/>
-                        </a:rPr>
-                        <a:t>learning_rate</a:t>
-                      </a:r>
-                      <a:r>
-                        <a:rPr lang="en-US" sz="1400" b="0" i="0" kern="1200" dirty="0">
-                          <a:solidFill>
-                            <a:schemeClr val="dk1"/>
-                          </a:solidFill>
-                          <a:effectLst/>
-                          <a:latin typeface="+mn-lt"/>
-                          <a:ea typeface="+mn-ea"/>
-                          <a:cs typeface="+mn-cs"/>
-                        </a:rPr>
-                        <a:t>: 0.2</a:t>
-                      </a:r>
-                    </a:p>
-                    <a:p>
-                      <a:pPr algn="ctr"/>
-                      <a:r>
-                        <a:rPr lang="en-US" sz="1400" b="0" i="0" kern="1200" dirty="0" err="1">
-                          <a:solidFill>
-                            <a:schemeClr val="dk1"/>
-                          </a:solidFill>
-                          <a:effectLst/>
-                          <a:latin typeface="+mn-lt"/>
-                          <a:ea typeface="+mn-ea"/>
-                          <a:cs typeface="+mn-cs"/>
-                        </a:rPr>
-                        <a:t>max_depth</a:t>
-                      </a:r>
-                      <a:r>
-                        <a:rPr lang="en-US" sz="1400" b="0" i="0" kern="1200" dirty="0">
-                          <a:solidFill>
-                            <a:schemeClr val="dk1"/>
-                          </a:solidFill>
-                          <a:effectLst/>
-                          <a:latin typeface="+mn-lt"/>
-                          <a:ea typeface="+mn-ea"/>
-                          <a:cs typeface="+mn-cs"/>
-                        </a:rPr>
-                        <a:t>: 5</a:t>
-                      </a:r>
-                    </a:p>
-                    <a:p>
-                      <a:pPr algn="ctr"/>
-                      <a:r>
-                        <a:rPr lang="en-US" sz="1400" b="0" i="0" kern="1200" dirty="0" err="1">
-                          <a:solidFill>
-                            <a:schemeClr val="dk1"/>
-                          </a:solidFill>
-                          <a:effectLst/>
-                          <a:latin typeface="+mn-lt"/>
-                          <a:ea typeface="+mn-ea"/>
-                          <a:cs typeface="+mn-cs"/>
-                        </a:rPr>
-                        <a:t>n_estimators</a:t>
-                      </a:r>
-                      <a:r>
-                        <a:rPr lang="en-US" sz="1400" b="0" i="0" kern="1200" dirty="0">
-                          <a:solidFill>
-                            <a:schemeClr val="dk1"/>
-                          </a:solidFill>
-                          <a:effectLst/>
-                          <a:latin typeface="+mn-lt"/>
-                          <a:ea typeface="+mn-ea"/>
-                          <a:cs typeface="+mn-cs"/>
-                        </a:rPr>
-                        <a:t>: 300</a:t>
-                      </a:r>
-                      <a:endParaRPr lang="en-US" sz="1400" dirty="0"/>
-                    </a:p>
-                    <a:p>
-                      <a:pPr algn="ctr"/>
-                      <a:endParaRPr lang="en-US" sz="1400" dirty="0"/>
-                    </a:p>
-                  </a:txBody>
-                  <a:tcPr marL="97546" marR="97546" marT="48773" marB="48773"/>
-                </a:tc>
-                <a:extLst>
-                  <a:ext uri="{0D108BD9-81ED-4DB2-BD59-A6C34878D82A}">
-                    <a16:rowId xmlns:a16="http://schemas.microsoft.com/office/drawing/2014/main" val="1714661332"/>
-                  </a:ext>
-                </a:extLst>
-              </a:tr>
-              <a:tr h="819384">
-                <a:tc>
-                  <a:txBody>
-                    <a:bodyPr/>
-                    <a:lstStyle/>
-                    <a:p>
-                      <a:r>
-                        <a:rPr lang="en-US" sz="1500"/>
-                        <a:t>Balanced Dataset</a:t>
-                      </a:r>
-                    </a:p>
-                  </a:txBody>
-                  <a:tcPr marL="97546" marR="97546" marT="48773" marB="48773"/>
-                </a:tc>
-                <a:tc>
-                  <a:txBody>
-                    <a:bodyPr/>
-                    <a:lstStyle/>
-                    <a:p>
-                      <a:r>
-                        <a:rPr lang="en-US" sz="1500"/>
-                        <a:t>ADASYN</a:t>
-                      </a:r>
-                    </a:p>
-                  </a:txBody>
-                  <a:tcPr marL="97546" marR="97546" marT="48773" marB="48773"/>
-                </a:tc>
-                <a:tc>
-                  <a:txBody>
-                    <a:bodyPr/>
-                    <a:lstStyle/>
-                    <a:p>
-                      <a:r>
-                        <a:rPr lang="en-US" sz="1500" dirty="0" err="1">
-                          <a:solidFill>
-                            <a:schemeClr val="tx1"/>
-                          </a:solidFill>
-                        </a:rPr>
-                        <a:t>X_train_adasyn</a:t>
-                      </a:r>
-                      <a:r>
-                        <a:rPr lang="en-US" sz="1500" dirty="0">
-                          <a:solidFill>
-                            <a:schemeClr val="tx1"/>
-                          </a:solidFill>
-                        </a:rPr>
-                        <a:t> : 454900</a:t>
-                      </a:r>
-                    </a:p>
-                    <a:p>
-                      <a:pPr marL="0" marR="0" lvl="0" indent="0" algn="l" defTabSz="914400" rtl="0" eaLnBrk="1" fontAlgn="auto" latinLnBrk="0" hangingPunct="1">
-                        <a:lnSpc>
-                          <a:spcPct val="100000"/>
-                        </a:lnSpc>
-                        <a:spcBef>
-                          <a:spcPts val="0"/>
-                        </a:spcBef>
-                        <a:spcAft>
-                          <a:spcPts val="0"/>
-                        </a:spcAft>
-                        <a:buClrTx/>
-                        <a:buSzTx/>
-                        <a:buFontTx/>
-                        <a:buNone/>
-                        <a:tabLst/>
-                        <a:defRPr/>
-                      </a:pPr>
-                      <a:r>
-                        <a:rPr lang="en-US" sz="1500" dirty="0" err="1">
-                          <a:solidFill>
-                            <a:schemeClr val="tx1"/>
-                          </a:solidFill>
-                        </a:rPr>
-                        <a:t>X_Test</a:t>
-                      </a:r>
-                      <a:r>
-                        <a:rPr lang="en-US" sz="1500" dirty="0">
-                          <a:solidFill>
-                            <a:schemeClr val="tx1"/>
-                          </a:solidFill>
-                        </a:rPr>
-                        <a:t> : 56962</a:t>
-                      </a:r>
-                    </a:p>
-                  </a:txBody>
-                  <a:tcPr marL="97546" marR="97546" marT="48773" marB="48773"/>
-                </a:tc>
-                <a:tc>
-                  <a:txBody>
-                    <a:bodyPr/>
-                    <a:lstStyle/>
-                    <a:p>
-                      <a:pPr algn="ctr"/>
-                      <a:r>
-                        <a:rPr lang="en-US" sz="1500" dirty="0"/>
-                        <a:t>8977.06 seconds</a:t>
-                      </a:r>
-                    </a:p>
-                  </a:txBody>
-                  <a:tcPr marL="97546" marR="97546" marT="48773" marB="48773"/>
-                </a:tc>
-                <a:tc>
-                  <a:txBody>
-                    <a:bodyPr/>
-                    <a:lstStyle/>
-                    <a:p>
-                      <a:pPr algn="ctr"/>
-                      <a:r>
-                        <a:rPr lang="en-US" sz="1500" dirty="0"/>
-                        <a:t>0.9751</a:t>
-                      </a:r>
-                    </a:p>
-                  </a:txBody>
-                  <a:tcPr marL="97546" marR="97546" marT="48773" marB="48773"/>
-                </a:tc>
-                <a:tc>
-                  <a:txBody>
-                    <a:bodyPr/>
-                    <a:lstStyle/>
-                    <a:p>
-                      <a:pPr marL="0" algn="ctr" defTabSz="914400" rtl="0" eaLnBrk="1" latinLnBrk="0" hangingPunct="1"/>
-                      <a:r>
-                        <a:rPr lang="en-US" sz="1400" b="0" i="0" kern="1200" dirty="0" err="1">
-                          <a:solidFill>
-                            <a:schemeClr val="dk1"/>
-                          </a:solidFill>
-                          <a:effectLst/>
-                          <a:latin typeface="+mn-lt"/>
-                          <a:ea typeface="+mn-ea"/>
-                          <a:cs typeface="+mn-cs"/>
-                        </a:rPr>
-                        <a:t>learning_rate</a:t>
-                      </a:r>
-                      <a:r>
-                        <a:rPr lang="en-US" sz="1400" b="0" i="0" kern="1200" dirty="0">
-                          <a:solidFill>
-                            <a:schemeClr val="dk1"/>
-                          </a:solidFill>
-                          <a:effectLst/>
-                          <a:latin typeface="+mn-lt"/>
-                          <a:ea typeface="+mn-ea"/>
-                          <a:cs typeface="+mn-cs"/>
-                        </a:rPr>
-                        <a:t>: 0.2</a:t>
-                      </a:r>
-                    </a:p>
-                    <a:p>
-                      <a:pPr marL="0" algn="ctr" defTabSz="914400" rtl="0" eaLnBrk="1" latinLnBrk="0" hangingPunct="1"/>
-                      <a:r>
-                        <a:rPr lang="en-US" sz="1400" b="0" i="0" kern="1200" dirty="0" err="1">
-                          <a:solidFill>
-                            <a:schemeClr val="dk1"/>
-                          </a:solidFill>
-                          <a:effectLst/>
-                          <a:latin typeface="+mn-lt"/>
-                          <a:ea typeface="+mn-ea"/>
-                          <a:cs typeface="+mn-cs"/>
-                        </a:rPr>
-                        <a:t>max_depth</a:t>
-                      </a:r>
-                      <a:r>
-                        <a:rPr lang="en-US" sz="1400" b="0" i="0" kern="1200" dirty="0">
-                          <a:solidFill>
-                            <a:schemeClr val="dk1"/>
-                          </a:solidFill>
-                          <a:effectLst/>
-                          <a:latin typeface="+mn-lt"/>
-                          <a:ea typeface="+mn-ea"/>
-                          <a:cs typeface="+mn-cs"/>
-                        </a:rPr>
-                        <a:t>: 5</a:t>
-                      </a:r>
-                    </a:p>
-                    <a:p>
-                      <a:pPr marL="0" algn="ctr" defTabSz="914400" rtl="0" eaLnBrk="1" latinLnBrk="0" hangingPunct="1"/>
-                      <a:r>
-                        <a:rPr lang="en-US" sz="1400" b="0" i="0" kern="1200" dirty="0" err="1">
-                          <a:solidFill>
-                            <a:schemeClr val="dk1"/>
-                          </a:solidFill>
-                          <a:effectLst/>
-                          <a:latin typeface="+mn-lt"/>
-                          <a:ea typeface="+mn-ea"/>
-                          <a:cs typeface="+mn-cs"/>
-                        </a:rPr>
-                        <a:t>n_estimators</a:t>
-                      </a:r>
-                      <a:r>
-                        <a:rPr lang="en-US" sz="1400" b="0" i="0" kern="1200" dirty="0">
-                          <a:solidFill>
-                            <a:schemeClr val="dk1"/>
-                          </a:solidFill>
-                          <a:effectLst/>
-                          <a:latin typeface="+mn-lt"/>
-                          <a:ea typeface="+mn-ea"/>
-                          <a:cs typeface="+mn-cs"/>
-                        </a:rPr>
-                        <a:t>: 300</a:t>
-                      </a:r>
-                    </a:p>
-                    <a:p>
-                      <a:pPr algn="ctr"/>
-                      <a:endParaRPr lang="en-US" sz="1500" dirty="0"/>
-                    </a:p>
-                  </a:txBody>
-                  <a:tcPr marL="97546" marR="97546" marT="48773" marB="48773"/>
-                </a:tc>
-                <a:extLst>
-                  <a:ext uri="{0D108BD9-81ED-4DB2-BD59-A6C34878D82A}">
-                    <a16:rowId xmlns:a16="http://schemas.microsoft.com/office/drawing/2014/main" val="2218449266"/>
-                  </a:ext>
-                </a:extLst>
-              </a:tr>
-            </a:tbl>
-          </a:graphicData>
-        </a:graphic>
-      </p:graphicFrame>
     </p:spTree>
     <p:extLst>
       <p:ext uri="{BB962C8B-B14F-4D97-AF65-F5344CB8AC3E}">
-        <p14:creationId xmlns:p14="http://schemas.microsoft.com/office/powerpoint/2010/main" val="3984056098"/>
+        <p14:creationId xmlns:p14="http://schemas.microsoft.com/office/powerpoint/2010/main" val="908940187"/>
       </p:ext>
     </p:extLst>
   </p:cSld>
